--- a/Презентация/Сухарев. ВКР.pptx
+++ b/Презентация/Сухарев. ВКР.pptx
@@ -1,6 +1,6 @@
 
 <file path=ppt/presentation.xml><?xml version="1.0" encoding="utf-8"?>
-<p:presentation xmlns:a="http://schemas.openxmlformats.org/drawingml/2006/main" xmlns:r="http://schemas.openxmlformats.org/officeDocument/2006/relationships" xmlns:p="http://schemas.openxmlformats.org/presentationml/2006/main" saveSubsetFonts="1">
+<p:presentation xmlns:a="http://schemas.openxmlformats.org/drawingml/2006/main" xmlns:r="http://schemas.openxmlformats.org/officeDocument/2006/relationships" xmlns:p="http://schemas.openxmlformats.org/presentationml/2006/main" showSpecialPlsOnTitleSld="0" saveSubsetFonts="1">
   <p:sldMasterIdLst>
     <p:sldMasterId id="2147483648" r:id="rId1"/>
   </p:sldMasterIdLst>
@@ -145,8 +145,144 @@
         </p14:section>
       </p14:sectionLst>
     </p:ext>
+    <p:ext uri="{EFAFB233-063F-42B5-8137-9DF3F51BA10A}">
+      <p15:sldGuideLst xmlns:p15="http://schemas.microsoft.com/office/powerpoint/2012/main"/>
+    </p:ext>
   </p:extLst>
 </p:presentation>
+</file>
+
+<file path=ppt/commentAuthors.xml><?xml version="1.0" encoding="utf-8"?>
+<p:cmAuthorLst xmlns:a="http://schemas.openxmlformats.org/drawingml/2006/main" xmlns:r="http://schemas.openxmlformats.org/officeDocument/2006/relationships" xmlns:p="http://schemas.openxmlformats.org/presentationml/2006/main">
+  <p:cmAuthor id="1" name="Andrey T" initials="AT" lastIdx="5" clrIdx="0">
+    <p:extLst>
+      <p:ext uri="{19B8F6BF-5375-455C-9EA6-DF929625EA0E}">
+        <p15:presenceInfo xmlns:p15="http://schemas.microsoft.com/office/powerpoint/2012/main" userId="273f916f6534860d" providerId="Windows Live"/>
+      </p:ext>
+    </p:extLst>
+  </p:cmAuthor>
+  <p:cmAuthor id="2" name="ПК" initials="П" lastIdx="4" clrIdx="1">
+    <p:extLst>
+      <p:ext uri="{19B8F6BF-5375-455C-9EA6-DF929625EA0E}">
+        <p15:presenceInfo xmlns:p15="http://schemas.microsoft.com/office/powerpoint/2012/main" userId="ПК" providerId="None"/>
+      </p:ext>
+    </p:extLst>
+  </p:cmAuthor>
+</p:cmAuthorLst>
+</file>
+
+<file path=ppt/comments/comment1.xml><?xml version="1.0" encoding="utf-8"?>
+<p:cmLst xmlns:a="http://schemas.openxmlformats.org/drawingml/2006/main" xmlns:r="http://schemas.openxmlformats.org/officeDocument/2006/relationships" xmlns:p="http://schemas.openxmlformats.org/presentationml/2006/main">
+  <p:cm authorId="1" dt="2021-06-06T13:28:08.092" idx="3">
+    <p:pos x="10" y="10"/>
+    <p:text>Нужны номера слайдов</p:text>
+    <p:extLst>
+      <p:ext uri="{C676402C-5697-4E1C-873F-D02D1690AC5C}">
+        <p15:threadingInfo xmlns:p15="http://schemas.microsoft.com/office/powerpoint/2012/main" timeZoneBias="-180"/>
+      </p:ext>
+    </p:extLst>
+  </p:cm>
+</p:cmLst>
+</file>
+
+<file path=ppt/comments/comment2.xml><?xml version="1.0" encoding="utf-8"?>
+<p:cmLst xmlns:a="http://schemas.openxmlformats.org/drawingml/2006/main" xmlns:r="http://schemas.openxmlformats.org/officeDocument/2006/relationships" xmlns:p="http://schemas.openxmlformats.org/presentationml/2006/main">
+  <p:cm authorId="1" dt="2021-06-06T13:25:17.878" idx="1">
+    <p:pos x="10" y="10"/>
+    <p:text>Стоит перерисовать средствами PP, сомтрится не очень сейчас</p:text>
+    <p:extLst>
+      <p:ext uri="{C676402C-5697-4E1C-873F-D02D1690AC5C}">
+        <p15:threadingInfo xmlns:p15="http://schemas.microsoft.com/office/powerpoint/2012/main" timeZoneBias="-180"/>
+      </p:ext>
+    </p:extLst>
+  </p:cm>
+  <p:cm authorId="2" dt="2021-06-06T18:41:06.332" idx="1">
+    <p:pos x="10" y="146"/>
+    <p:text>Исправлено</p:text>
+    <p:extLst>
+      <p:ext uri="{C676402C-5697-4E1C-873F-D02D1690AC5C}">
+        <p15:threadingInfo xmlns:p15="http://schemas.microsoft.com/office/powerpoint/2012/main" timeZoneBias="-180">
+          <p15:parentCm authorId="1" idx="1"/>
+        </p15:threadingInfo>
+      </p:ext>
+    </p:extLst>
+  </p:cm>
+</p:cmLst>
+</file>
+
+<file path=ppt/comments/comment3.xml><?xml version="1.0" encoding="utf-8"?>
+<p:cmLst xmlns:a="http://schemas.openxmlformats.org/drawingml/2006/main" xmlns:r="http://schemas.openxmlformats.org/officeDocument/2006/relationships" xmlns:p="http://schemas.openxmlformats.org/presentationml/2006/main">
+  <p:cm authorId="1" dt="2021-06-06T13:26:22.548" idx="2">
+    <p:pos x="10" y="10"/>
+    <p:text>Стоит заполнить левую часть, пудут вопросы.</p:text>
+    <p:extLst>
+      <p:ext uri="{C676402C-5697-4E1C-873F-D02D1690AC5C}">
+        <p15:threadingInfo xmlns:p15="http://schemas.microsoft.com/office/powerpoint/2012/main" timeZoneBias="-180"/>
+      </p:ext>
+    </p:extLst>
+  </p:cm>
+  <p:cm authorId="2" dt="2021-06-06T18:41:19.468" idx="2">
+    <p:pos x="10" y="146"/>
+    <p:text>Исправлено</p:text>
+    <p:extLst>
+      <p:ext uri="{C676402C-5697-4E1C-873F-D02D1690AC5C}">
+        <p15:threadingInfo xmlns:p15="http://schemas.microsoft.com/office/powerpoint/2012/main" timeZoneBias="-180">
+          <p15:parentCm authorId="1" idx="2"/>
+        </p15:threadingInfo>
+      </p:ext>
+    </p:extLst>
+  </p:cm>
+</p:cmLst>
+</file>
+
+<file path=ppt/comments/comment4.xml><?xml version="1.0" encoding="utf-8"?>
+<p:cmLst xmlns:a="http://schemas.openxmlformats.org/drawingml/2006/main" xmlns:r="http://schemas.openxmlformats.org/officeDocument/2006/relationships" xmlns:p="http://schemas.openxmlformats.org/presentationml/2006/main">
+  <p:cm authorId="1" dt="2021-06-06T13:28:23.393" idx="4">
+    <p:pos x="10" y="10"/>
+    <p:text>Нужен заголовок слайда</p:text>
+    <p:extLst>
+      <p:ext uri="{C676402C-5697-4E1C-873F-D02D1690AC5C}">
+        <p15:threadingInfo xmlns:p15="http://schemas.microsoft.com/office/powerpoint/2012/main" timeZoneBias="-180"/>
+      </p:ext>
+    </p:extLst>
+  </p:cm>
+  <p:cm authorId="2" dt="2021-06-06T18:41:24.981" idx="3">
+    <p:pos x="10" y="146"/>
+    <p:text>Исправлено</p:text>
+    <p:extLst>
+      <p:ext uri="{C676402C-5697-4E1C-873F-D02D1690AC5C}">
+        <p15:threadingInfo xmlns:p15="http://schemas.microsoft.com/office/powerpoint/2012/main" timeZoneBias="-180">
+          <p15:parentCm authorId="1" idx="4"/>
+        </p15:threadingInfo>
+      </p:ext>
+    </p:extLst>
+  </p:cm>
+</p:cmLst>
+</file>
+
+<file path=ppt/comments/comment5.xml><?xml version="1.0" encoding="utf-8"?>
+<p:cmLst xmlns:a="http://schemas.openxmlformats.org/drawingml/2006/main" xmlns:r="http://schemas.openxmlformats.org/officeDocument/2006/relationships" xmlns:p="http://schemas.openxmlformats.org/presentationml/2006/main">
+  <p:cm authorId="1" dt="2021-06-06T13:28:39.280" idx="5">
+    <p:pos x="10" y="10"/>
+    <p:text>Название должно быть "русским"</p:text>
+    <p:extLst>
+      <p:ext uri="{C676402C-5697-4E1C-873F-D02D1690AC5C}">
+        <p15:threadingInfo xmlns:p15="http://schemas.microsoft.com/office/powerpoint/2012/main" timeZoneBias="-180"/>
+      </p:ext>
+    </p:extLst>
+  </p:cm>
+  <p:cm authorId="2" dt="2021-06-06T18:41:32.140" idx="4">
+    <p:pos x="10" y="146"/>
+    <p:text>Исправлено</p:text>
+    <p:extLst>
+      <p:ext uri="{C676402C-5697-4E1C-873F-D02D1690AC5C}">
+        <p15:threadingInfo xmlns:p15="http://schemas.microsoft.com/office/powerpoint/2012/main" timeZoneBias="-180">
+          <p15:parentCm authorId="1" idx="5"/>
+        </p15:threadingInfo>
+      </p:ext>
+    </p:extLst>
+  </p:cm>
+</p:cmLst>
 </file>
 
 <file path=ppt/notesMasters/notesMaster1.xml><?xml version="1.0" encoding="utf-8"?>
@@ -231,7 +367,7 @@
           <a:p>
             <a:fld id="{A0B05A8C-8C1B-4C2F-A402-21DEAE3D6844}" type="datetimeFigureOut">
               <a:rPr lang="ru-RU" smtClean="0"/>
-              <a:t>05.06.2021</a:t>
+              <a:t>06.06.2021</a:t>
             </a:fld>
             <a:endParaRPr lang="ru-RU"/>
           </a:p>
@@ -295,38 +431,37 @@
           <a:p>
             <a:pPr lvl="0"/>
             <a:r>
-              <a:rPr lang="ru-RU" smtClean="0"/>
+              <a:rPr lang="ru-RU"/>
               <a:t>Образец текста</a:t>
             </a:r>
           </a:p>
           <a:p>
             <a:pPr lvl="1"/>
             <a:r>
-              <a:rPr lang="ru-RU" smtClean="0"/>
+              <a:rPr lang="ru-RU"/>
               <a:t>Второй уровень</a:t>
             </a:r>
           </a:p>
           <a:p>
             <a:pPr lvl="2"/>
             <a:r>
-              <a:rPr lang="ru-RU" smtClean="0"/>
+              <a:rPr lang="ru-RU"/>
               <a:t>Третий уровень</a:t>
             </a:r>
           </a:p>
           <a:p>
             <a:pPr lvl="3"/>
             <a:r>
-              <a:rPr lang="ru-RU" smtClean="0"/>
+              <a:rPr lang="ru-RU"/>
               <a:t>Четвертый уровень</a:t>
             </a:r>
           </a:p>
           <a:p>
             <a:pPr lvl="4"/>
             <a:r>
-              <a:rPr lang="ru-RU" smtClean="0"/>
+              <a:rPr lang="ru-RU"/>
               <a:t>Пятый уровень</a:t>
             </a:r>
-            <a:endParaRPr lang="ru-RU"/>
           </a:p>
         </p:txBody>
       </p:sp>
@@ -544,17 +679,17 @@
           <a:lstStyle/>
           <a:p>
             <a:r>
-              <a:rPr lang="ru-RU" dirty="0" smtClean="0"/>
+              <a:rPr lang="ru-RU" dirty="0"/>
               <a:t>Разработки диплома</a:t>
             </a:r>
             <a:r>
-              <a:rPr lang="ru-RU" baseline="0" dirty="0" smtClean="0"/>
+              <a:rPr lang="ru-RU" baseline="0" dirty="0"/>
               <a:t> – задача не из легких. А что мы делаем, когда встречаем на своем пути трудные задачи? Применяем декомпозицию – разбиваем эту задачу на несколько задач попроще.</a:t>
             </a:r>
           </a:p>
           <a:p>
             <a:r>
-              <a:rPr lang="ru-RU" baseline="0" dirty="0" smtClean="0"/>
+              <a:rPr lang="ru-RU" baseline="0" dirty="0"/>
               <a:t>Таким образом, есть список задач: анализ предметной области, анализ требований, проектирование, разработка, тестирование и внедрение</a:t>
             </a:r>
           </a:p>
@@ -587,6 +722,293 @@
     <p:extLst>
       <p:ext uri="{BB962C8B-B14F-4D97-AF65-F5344CB8AC3E}">
         <p14:creationId xmlns:p14="http://schemas.microsoft.com/office/powerpoint/2010/main" val="1549869694"/>
+      </p:ext>
+    </p:extLst>
+  </p:cSld>
+  <p:clrMapOvr>
+    <a:masterClrMapping/>
+  </p:clrMapOvr>
+</p:notes>
+</file>
+
+<file path=ppt/notesSlides/notesSlide10.xml><?xml version="1.0" encoding="utf-8"?>
+<p:notes xmlns:a="http://schemas.openxmlformats.org/drawingml/2006/main" xmlns:r="http://schemas.openxmlformats.org/officeDocument/2006/relationships" xmlns:p="http://schemas.openxmlformats.org/presentationml/2006/main">
+  <p:cSld>
+    <p:spTree>
+      <p:nvGrpSpPr>
+        <p:cNvPr id="1" name=""/>
+        <p:cNvGrpSpPr/>
+        <p:nvPr/>
+      </p:nvGrpSpPr>
+      <p:grpSpPr>
+        <a:xfrm>
+          <a:off x="0" y="0"/>
+          <a:ext cx="0" cy="0"/>
+          <a:chOff x="0" y="0"/>
+          <a:chExt cx="0" cy="0"/>
+        </a:xfrm>
+      </p:grpSpPr>
+      <p:sp>
+        <p:nvSpPr>
+          <p:cNvPr id="2" name="Образ слайда 1"/>
+          <p:cNvSpPr>
+            <a:spLocks noGrp="1" noRot="1" noChangeAspect="1"/>
+          </p:cNvSpPr>
+          <p:nvPr>
+            <p:ph type="sldImg"/>
+          </p:nvPr>
+        </p:nvSpPr>
+        <p:spPr/>
+      </p:sp>
+      <p:sp>
+        <p:nvSpPr>
+          <p:cNvPr id="3" name="Заметки 2"/>
+          <p:cNvSpPr>
+            <a:spLocks noGrp="1"/>
+          </p:cNvSpPr>
+          <p:nvPr>
+            <p:ph type="body" idx="1"/>
+          </p:nvPr>
+        </p:nvSpPr>
+        <p:spPr/>
+        <p:txBody>
+          <a:bodyPr/>
+          <a:lstStyle/>
+          <a:p>
+            <a:pPr marL="0" marR="0" indent="0" algn="l" defTabSz="914400" rtl="0" eaLnBrk="1" fontAlgn="auto" latinLnBrk="0" hangingPunct="1">
+              <a:lnSpc>
+                <a:spcPct val="100000"/>
+              </a:lnSpc>
+              <a:spcBef>
+                <a:spcPts val="0"/>
+              </a:spcBef>
+              <a:spcAft>
+                <a:spcPts val="0"/>
+              </a:spcAft>
+              <a:buClrTx/>
+              <a:buSzTx/>
+              <a:buFontTx/>
+              <a:buNone/>
+              <a:tabLst/>
+              <a:defRPr/>
+            </a:pPr>
+            <a:r>
+              <a:rPr lang="ru-RU" dirty="0" smtClean="0"/>
+              <a:t>Подробнее на стр. 21-22</a:t>
+            </a:r>
+          </a:p>
+          <a:p>
+            <a:endParaRPr lang="ru-RU" dirty="0"/>
+          </a:p>
+        </p:txBody>
+      </p:sp>
+      <p:sp>
+        <p:nvSpPr>
+          <p:cNvPr id="4" name="Номер слайда 3"/>
+          <p:cNvSpPr>
+            <a:spLocks noGrp="1"/>
+          </p:cNvSpPr>
+          <p:nvPr>
+            <p:ph type="sldNum" sz="quarter" idx="10"/>
+          </p:nvPr>
+        </p:nvSpPr>
+        <p:spPr/>
+        <p:txBody>
+          <a:bodyPr/>
+          <a:lstStyle/>
+          <a:p>
+            <a:fld id="{5FBB7EEF-81B5-465F-8969-BC9D636DCE5E}" type="slidenum">
+              <a:rPr lang="ru-RU" smtClean="0"/>
+              <a:t>12</a:t>
+            </a:fld>
+            <a:endParaRPr lang="ru-RU"/>
+          </a:p>
+        </p:txBody>
+      </p:sp>
+    </p:spTree>
+    <p:extLst>
+      <p:ext uri="{BB962C8B-B14F-4D97-AF65-F5344CB8AC3E}">
+        <p14:creationId xmlns:p14="http://schemas.microsoft.com/office/powerpoint/2010/main" val="460864889"/>
+      </p:ext>
+    </p:extLst>
+  </p:cSld>
+  <p:clrMapOvr>
+    <a:masterClrMapping/>
+  </p:clrMapOvr>
+</p:notes>
+</file>
+
+<file path=ppt/notesSlides/notesSlide11.xml><?xml version="1.0" encoding="utf-8"?>
+<p:notes xmlns:a="http://schemas.openxmlformats.org/drawingml/2006/main" xmlns:r="http://schemas.openxmlformats.org/officeDocument/2006/relationships" xmlns:p="http://schemas.openxmlformats.org/presentationml/2006/main">
+  <p:cSld>
+    <p:spTree>
+      <p:nvGrpSpPr>
+        <p:cNvPr id="1" name=""/>
+        <p:cNvGrpSpPr/>
+        <p:nvPr/>
+      </p:nvGrpSpPr>
+      <p:grpSpPr>
+        <a:xfrm>
+          <a:off x="0" y="0"/>
+          <a:ext cx="0" cy="0"/>
+          <a:chOff x="0" y="0"/>
+          <a:chExt cx="0" cy="0"/>
+        </a:xfrm>
+      </p:grpSpPr>
+      <p:sp>
+        <p:nvSpPr>
+          <p:cNvPr id="2" name="Образ слайда 1"/>
+          <p:cNvSpPr>
+            <a:spLocks noGrp="1" noRot="1" noChangeAspect="1"/>
+          </p:cNvSpPr>
+          <p:nvPr>
+            <p:ph type="sldImg"/>
+          </p:nvPr>
+        </p:nvSpPr>
+        <p:spPr/>
+      </p:sp>
+      <p:sp>
+        <p:nvSpPr>
+          <p:cNvPr id="3" name="Заметки 2"/>
+          <p:cNvSpPr>
+            <a:spLocks noGrp="1"/>
+          </p:cNvSpPr>
+          <p:nvPr>
+            <p:ph type="body" idx="1"/>
+          </p:nvPr>
+        </p:nvSpPr>
+        <p:spPr/>
+        <p:txBody>
+          <a:bodyPr/>
+          <a:lstStyle/>
+          <a:p>
+            <a:endParaRPr lang="ru-RU" dirty="0"/>
+          </a:p>
+        </p:txBody>
+      </p:sp>
+      <p:sp>
+        <p:nvSpPr>
+          <p:cNvPr id="4" name="Номер слайда 3"/>
+          <p:cNvSpPr>
+            <a:spLocks noGrp="1"/>
+          </p:cNvSpPr>
+          <p:nvPr>
+            <p:ph type="sldNum" sz="quarter" idx="10"/>
+          </p:nvPr>
+        </p:nvSpPr>
+        <p:spPr/>
+        <p:txBody>
+          <a:bodyPr/>
+          <a:lstStyle/>
+          <a:p>
+            <a:fld id="{5FBB7EEF-81B5-465F-8969-BC9D636DCE5E}" type="slidenum">
+              <a:rPr lang="ru-RU" smtClean="0"/>
+              <a:t>13</a:t>
+            </a:fld>
+            <a:endParaRPr lang="ru-RU"/>
+          </a:p>
+        </p:txBody>
+      </p:sp>
+    </p:spTree>
+    <p:extLst>
+      <p:ext uri="{BB962C8B-B14F-4D97-AF65-F5344CB8AC3E}">
+        <p14:creationId xmlns:p14="http://schemas.microsoft.com/office/powerpoint/2010/main" val="152089786"/>
+      </p:ext>
+    </p:extLst>
+  </p:cSld>
+  <p:clrMapOvr>
+    <a:masterClrMapping/>
+  </p:clrMapOvr>
+</p:notes>
+</file>
+
+<file path=ppt/notesSlides/notesSlide12.xml><?xml version="1.0" encoding="utf-8"?>
+<p:notes xmlns:a="http://schemas.openxmlformats.org/drawingml/2006/main" xmlns:r="http://schemas.openxmlformats.org/officeDocument/2006/relationships" xmlns:p="http://schemas.openxmlformats.org/presentationml/2006/main">
+  <p:cSld>
+    <p:spTree>
+      <p:nvGrpSpPr>
+        <p:cNvPr id="1" name=""/>
+        <p:cNvGrpSpPr/>
+        <p:nvPr/>
+      </p:nvGrpSpPr>
+      <p:grpSpPr>
+        <a:xfrm>
+          <a:off x="0" y="0"/>
+          <a:ext cx="0" cy="0"/>
+          <a:chOff x="0" y="0"/>
+          <a:chExt cx="0" cy="0"/>
+        </a:xfrm>
+      </p:grpSpPr>
+      <p:sp>
+        <p:nvSpPr>
+          <p:cNvPr id="2" name="Образ слайда 1"/>
+          <p:cNvSpPr>
+            <a:spLocks noGrp="1" noRot="1" noChangeAspect="1"/>
+          </p:cNvSpPr>
+          <p:nvPr>
+            <p:ph type="sldImg"/>
+          </p:nvPr>
+        </p:nvSpPr>
+        <p:spPr/>
+      </p:sp>
+      <p:sp>
+        <p:nvSpPr>
+          <p:cNvPr id="3" name="Заметки 2"/>
+          <p:cNvSpPr>
+            <a:spLocks noGrp="1"/>
+          </p:cNvSpPr>
+          <p:nvPr>
+            <p:ph type="body" idx="1"/>
+          </p:nvPr>
+        </p:nvSpPr>
+        <p:spPr/>
+        <p:txBody>
+          <a:bodyPr/>
+          <a:lstStyle/>
+          <a:p>
+            <a:r>
+              <a:rPr lang="ru-RU" sz="1200" kern="1200" dirty="0" smtClean="0">
+                <a:solidFill>
+                  <a:schemeClr val="tx1"/>
+                </a:solidFill>
+                <a:effectLst/>
+                <a:latin typeface="+mn-lt"/>
+                <a:ea typeface="+mn-ea"/>
+                <a:cs typeface="+mn-cs"/>
+              </a:rPr>
+              <a:t>Прочие расходы составляют 30% от суммы затрат.</a:t>
+            </a:r>
+            <a:endParaRPr lang="ru-RU" dirty="0"/>
+          </a:p>
+        </p:txBody>
+      </p:sp>
+      <p:sp>
+        <p:nvSpPr>
+          <p:cNvPr id="4" name="Номер слайда 3"/>
+          <p:cNvSpPr>
+            <a:spLocks noGrp="1"/>
+          </p:cNvSpPr>
+          <p:nvPr>
+            <p:ph type="sldNum" sz="quarter" idx="10"/>
+          </p:nvPr>
+        </p:nvSpPr>
+        <p:spPr/>
+        <p:txBody>
+          <a:bodyPr/>
+          <a:lstStyle/>
+          <a:p>
+            <a:fld id="{5FBB7EEF-81B5-465F-8969-BC9D636DCE5E}" type="slidenum">
+              <a:rPr lang="ru-RU" smtClean="0"/>
+              <a:t>14</a:t>
+            </a:fld>
+            <a:endParaRPr lang="ru-RU"/>
+          </a:p>
+        </p:txBody>
+      </p:sp>
+    </p:spTree>
+    <p:extLst>
+      <p:ext uri="{BB962C8B-B14F-4D97-AF65-F5344CB8AC3E}">
+        <p14:creationId xmlns:p14="http://schemas.microsoft.com/office/powerpoint/2010/main" val="3479568679"/>
       </p:ext>
     </p:extLst>
   </p:cSld>
@@ -658,15 +1080,15 @@
               <a:defRPr/>
             </a:pPr>
             <a:r>
-              <a:rPr lang="en-US" dirty="0" smtClean="0"/>
+              <a:rPr lang="en-US" dirty="0"/>
               <a:t>Amazon</a:t>
             </a:r>
             <a:r>
-              <a:rPr lang="en-US" baseline="0" dirty="0" smtClean="0"/>
+              <a:rPr lang="en-US" baseline="0" dirty="0"/>
               <a:t> SES –</a:t>
             </a:r>
             <a:r>
-              <a:rPr lang="ru-RU" baseline="0" dirty="0" smtClean="0"/>
+              <a:rPr lang="ru-RU" baseline="0" dirty="0"/>
               <a:t> быстрая интеграция, скорость отправки снижена – сложный алгоритм определения пути, относительная ненадежность.</a:t>
             </a:r>
           </a:p>
@@ -690,65 +1112,41 @@
             </a:pPr>
             <a:r>
               <a:rPr lang="en-US" baseline="0" dirty="0" err="1" smtClean="0"/>
-              <a:t>Sendgrid</a:t>
+              <a:t>Sendpulse</a:t>
             </a:r>
             <a:r>
               <a:rPr lang="ru-RU" baseline="0" dirty="0" smtClean="0"/>
-              <a:t> - </a:t>
+              <a:t> –</a:t>
+            </a:r>
+            <a:r>
+              <a:rPr lang="en-US" baseline="0" dirty="0" smtClean="0"/>
+              <a:t> </a:t>
             </a:r>
             <a:r>
               <a:rPr lang="ru-RU" baseline="0" dirty="0" smtClean="0"/>
-              <a:t>возможность работать через </a:t>
+              <a:t>часто меняющийся </a:t>
             </a:r>
             <a:r>
               <a:rPr lang="en-US" baseline="0" dirty="0" smtClean="0"/>
-              <a:t>SMTP </a:t>
+              <a:t>API</a:t>
             </a:r>
             <a:r>
               <a:rPr lang="ru-RU" baseline="0" dirty="0" smtClean="0"/>
-              <a:t>и </a:t>
-            </a:r>
-            <a:r>
-              <a:rPr lang="en-US" baseline="0" dirty="0" smtClean="0"/>
-              <a:t>API. </a:t>
-            </a:r>
-            <a:r>
-              <a:rPr lang="ru-RU" b="1" baseline="0" dirty="0" smtClean="0"/>
-              <a:t>100 писем</a:t>
-            </a:r>
-            <a:r>
-              <a:rPr lang="en-US" b="1" baseline="0" dirty="0" smtClean="0"/>
-              <a:t>/</a:t>
-            </a:r>
-            <a:r>
-              <a:rPr lang="ru-RU" b="1" baseline="0" dirty="0" smtClean="0"/>
-              <a:t>день</a:t>
-            </a:r>
-            <a:r>
-              <a:rPr lang="ru-RU" baseline="0" dirty="0" smtClean="0"/>
-              <a:t>. Значительная стоимость, проблемы с нотификацией. </a:t>
-            </a:r>
-            <a:r>
-              <a:rPr lang="en-US" baseline="0" dirty="0" smtClean="0"/>
-              <a:t>API </a:t>
-            </a:r>
-            <a:r>
-              <a:rPr lang="ru-RU" baseline="0" dirty="0" smtClean="0"/>
-              <a:t>часто обновляется.</a:t>
-            </a:r>
-            <a:endParaRPr lang="en-US" baseline="0" dirty="0" smtClean="0"/>
-          </a:p>
-          <a:p>
-            <a:r>
-              <a:rPr lang="en-US" baseline="0" dirty="0" smtClean="0"/>
+              <a:t>, не очень оперативная поддержка.</a:t>
+            </a:r>
+            <a:endParaRPr lang="en-US" baseline="0" dirty="0"/>
+          </a:p>
+          <a:p>
+            <a:r>
+              <a:rPr lang="en-US" baseline="0" dirty="0"/>
               <a:t>Tin-cat </a:t>
             </a:r>
             <a:r>
-              <a:rPr lang="en-US" baseline="0" dirty="0" err="1" smtClean="0"/>
+              <a:rPr lang="en-US" baseline="0" dirty="0" err="1"/>
               <a:t>emailqueue</a:t>
             </a:r>
             <a:r>
-              <a:rPr lang="ru-RU" baseline="0" dirty="0" smtClean="0"/>
+              <a:rPr lang="ru-RU" baseline="0" dirty="0"/>
               <a:t> – пример очереди для асинхронной отправки сообщений. Недостаток – ненадежность.</a:t>
             </a:r>
             <a:endParaRPr lang="ru-RU" dirty="0"/>
@@ -920,12 +1318,16 @@
           <a:lstStyle/>
           <a:p>
             <a:r>
-              <a:rPr lang="ru-RU" dirty="0" smtClean="0"/>
+              <a:rPr lang="ru-RU" dirty="0"/>
               <a:t>Посмотреть</a:t>
             </a:r>
             <a:r>
+              <a:rPr lang="ru-RU" baseline="0" dirty="0"/>
+              <a:t> поближе можно на </a:t>
+            </a:r>
+            <a:r>
               <a:rPr lang="ru-RU" baseline="0" dirty="0" smtClean="0"/>
-              <a:t> поближе можно на стр.37</a:t>
+              <a:t>стр. 36</a:t>
             </a:r>
             <a:endParaRPr lang="ru-RU" dirty="0"/>
           </a:p>
@@ -1011,34 +1413,14 @@
           <a:bodyPr/>
           <a:lstStyle/>
           <a:p>
-            <a:pPr marL="0" marR="0" indent="0" algn="l" defTabSz="914400" rtl="0" eaLnBrk="1" fontAlgn="auto" latinLnBrk="0" hangingPunct="1">
-              <a:lnSpc>
-                <a:spcPct val="100000"/>
-              </a:lnSpc>
-              <a:spcBef>
-                <a:spcPts val="0"/>
-              </a:spcBef>
-              <a:spcAft>
-                <a:spcPts val="0"/>
-              </a:spcAft>
-              <a:buClrTx/>
-              <a:buSzTx/>
-              <a:buFontTx/>
-              <a:buNone/>
-              <a:tabLst/>
-              <a:defRPr/>
-            </a:pPr>
             <a:r>
               <a:rPr lang="ru-RU" dirty="0" smtClean="0"/>
-              <a:t>Посмотреть</a:t>
+              <a:t>Подробнее</a:t>
             </a:r>
             <a:r>
               <a:rPr lang="ru-RU" baseline="0" dirty="0" smtClean="0"/>
-              <a:t> поближе можно на стр.43</a:t>
-            </a:r>
-            <a:endParaRPr lang="ru-RU" dirty="0" smtClean="0"/>
-          </a:p>
-          <a:p>
+              <a:t> можно прочитать на стр. 64</a:t>
+            </a:r>
             <a:endParaRPr lang="ru-RU" dirty="0"/>
           </a:p>
         </p:txBody>
@@ -1060,7 +1442,7 @@
           <a:p>
             <a:fld id="{5FBB7EEF-81B5-465F-8969-BC9D636DCE5E}" type="slidenum">
               <a:rPr lang="ru-RU" smtClean="0"/>
-              <a:t>9</a:t>
+              <a:t>7</a:t>
             </a:fld>
             <a:endParaRPr lang="ru-RU"/>
           </a:p>
@@ -1069,7 +1451,7 @@
     </p:spTree>
     <p:extLst>
       <p:ext uri="{BB962C8B-B14F-4D97-AF65-F5344CB8AC3E}">
-        <p14:creationId xmlns:p14="http://schemas.microsoft.com/office/powerpoint/2010/main" val="3136840342"/>
+        <p14:creationId xmlns:p14="http://schemas.microsoft.com/office/powerpoint/2010/main" val="1570205752"/>
       </p:ext>
     </p:extLst>
   </p:cSld>
@@ -1125,10 +1507,218 @@
           <a:p>
             <a:r>
               <a:rPr lang="ru-RU" dirty="0" smtClean="0"/>
+              <a:t>Подробнее</a:t>
+            </a:r>
+            <a:r>
+              <a:rPr lang="ru-RU" baseline="0" dirty="0" smtClean="0"/>
+              <a:t> можно прочитать на стр. 65</a:t>
+            </a:r>
+            <a:endParaRPr lang="ru-RU" dirty="0"/>
+          </a:p>
+        </p:txBody>
+      </p:sp>
+      <p:sp>
+        <p:nvSpPr>
+          <p:cNvPr id="4" name="Номер слайда 3"/>
+          <p:cNvSpPr>
+            <a:spLocks noGrp="1"/>
+          </p:cNvSpPr>
+          <p:nvPr>
+            <p:ph type="sldNum" sz="quarter" idx="10"/>
+          </p:nvPr>
+        </p:nvSpPr>
+        <p:spPr/>
+        <p:txBody>
+          <a:bodyPr/>
+          <a:lstStyle/>
+          <a:p>
+            <a:fld id="{5FBB7EEF-81B5-465F-8969-BC9D636DCE5E}" type="slidenum">
+              <a:rPr lang="ru-RU" smtClean="0"/>
+              <a:t>8</a:t>
+            </a:fld>
+            <a:endParaRPr lang="ru-RU"/>
+          </a:p>
+        </p:txBody>
+      </p:sp>
+    </p:spTree>
+    <p:extLst>
+      <p:ext uri="{BB962C8B-B14F-4D97-AF65-F5344CB8AC3E}">
+        <p14:creationId xmlns:p14="http://schemas.microsoft.com/office/powerpoint/2010/main" val="2927825853"/>
+      </p:ext>
+    </p:extLst>
+  </p:cSld>
+  <p:clrMapOvr>
+    <a:masterClrMapping/>
+  </p:clrMapOvr>
+</p:notes>
+</file>
+
+<file path=ppt/notesSlides/notesSlide7.xml><?xml version="1.0" encoding="utf-8"?>
+<p:notes xmlns:a="http://schemas.openxmlformats.org/drawingml/2006/main" xmlns:r="http://schemas.openxmlformats.org/officeDocument/2006/relationships" xmlns:p="http://schemas.openxmlformats.org/presentationml/2006/main">
+  <p:cSld>
+    <p:spTree>
+      <p:nvGrpSpPr>
+        <p:cNvPr id="1" name=""/>
+        <p:cNvGrpSpPr/>
+        <p:nvPr/>
+      </p:nvGrpSpPr>
+      <p:grpSpPr>
+        <a:xfrm>
+          <a:off x="0" y="0"/>
+          <a:ext cx="0" cy="0"/>
+          <a:chOff x="0" y="0"/>
+          <a:chExt cx="0" cy="0"/>
+        </a:xfrm>
+      </p:grpSpPr>
+      <p:sp>
+        <p:nvSpPr>
+          <p:cNvPr id="2" name="Образ слайда 1"/>
+          <p:cNvSpPr>
+            <a:spLocks noGrp="1" noRot="1" noChangeAspect="1"/>
+          </p:cNvSpPr>
+          <p:nvPr>
+            <p:ph type="sldImg"/>
+          </p:nvPr>
+        </p:nvSpPr>
+        <p:spPr/>
+      </p:sp>
+      <p:sp>
+        <p:nvSpPr>
+          <p:cNvPr id="3" name="Заметки 2"/>
+          <p:cNvSpPr>
+            <a:spLocks noGrp="1"/>
+          </p:cNvSpPr>
+          <p:nvPr>
+            <p:ph type="body" idx="1"/>
+          </p:nvPr>
+        </p:nvSpPr>
+        <p:spPr/>
+        <p:txBody>
+          <a:bodyPr/>
+          <a:lstStyle/>
+          <a:p>
+            <a:pPr marL="0" marR="0" indent="0" algn="l" defTabSz="914400" rtl="0" eaLnBrk="1" fontAlgn="auto" latinLnBrk="0" hangingPunct="1">
+              <a:lnSpc>
+                <a:spcPct val="100000"/>
+              </a:lnSpc>
+              <a:spcBef>
+                <a:spcPts val="0"/>
+              </a:spcBef>
+              <a:spcAft>
+                <a:spcPts val="0"/>
+              </a:spcAft>
+              <a:buClrTx/>
+              <a:buSzTx/>
+              <a:buFontTx/>
+              <a:buNone/>
+              <a:tabLst/>
+              <a:defRPr/>
+            </a:pPr>
+            <a:r>
+              <a:rPr lang="ru-RU" dirty="0"/>
+              <a:t>Посмотреть</a:t>
+            </a:r>
+            <a:r>
+              <a:rPr lang="ru-RU" baseline="0" dirty="0"/>
+              <a:t> поближе можно на </a:t>
+            </a:r>
+            <a:r>
+              <a:rPr lang="ru-RU" baseline="0" dirty="0" smtClean="0"/>
+              <a:t>стр.42</a:t>
+            </a:r>
+            <a:endParaRPr lang="ru-RU" dirty="0"/>
+          </a:p>
+          <a:p>
+            <a:endParaRPr lang="ru-RU" dirty="0"/>
+          </a:p>
+        </p:txBody>
+      </p:sp>
+      <p:sp>
+        <p:nvSpPr>
+          <p:cNvPr id="4" name="Номер слайда 3"/>
+          <p:cNvSpPr>
+            <a:spLocks noGrp="1"/>
+          </p:cNvSpPr>
+          <p:nvPr>
+            <p:ph type="sldNum" sz="quarter" idx="10"/>
+          </p:nvPr>
+        </p:nvSpPr>
+        <p:spPr/>
+        <p:txBody>
+          <a:bodyPr/>
+          <a:lstStyle/>
+          <a:p>
+            <a:fld id="{5FBB7EEF-81B5-465F-8969-BC9D636DCE5E}" type="slidenum">
+              <a:rPr lang="ru-RU" smtClean="0"/>
+              <a:t>9</a:t>
+            </a:fld>
+            <a:endParaRPr lang="ru-RU"/>
+          </a:p>
+        </p:txBody>
+      </p:sp>
+    </p:spTree>
+    <p:extLst>
+      <p:ext uri="{BB962C8B-B14F-4D97-AF65-F5344CB8AC3E}">
+        <p14:creationId xmlns:p14="http://schemas.microsoft.com/office/powerpoint/2010/main" val="3136840342"/>
+      </p:ext>
+    </p:extLst>
+  </p:cSld>
+  <p:clrMapOvr>
+    <a:masterClrMapping/>
+  </p:clrMapOvr>
+</p:notes>
+</file>
+
+<file path=ppt/notesSlides/notesSlide8.xml><?xml version="1.0" encoding="utf-8"?>
+<p:notes xmlns:a="http://schemas.openxmlformats.org/drawingml/2006/main" xmlns:r="http://schemas.openxmlformats.org/officeDocument/2006/relationships" xmlns:p="http://schemas.openxmlformats.org/presentationml/2006/main">
+  <p:cSld>
+    <p:spTree>
+      <p:nvGrpSpPr>
+        <p:cNvPr id="1" name=""/>
+        <p:cNvGrpSpPr/>
+        <p:nvPr/>
+      </p:nvGrpSpPr>
+      <p:grpSpPr>
+        <a:xfrm>
+          <a:off x="0" y="0"/>
+          <a:ext cx="0" cy="0"/>
+          <a:chOff x="0" y="0"/>
+          <a:chExt cx="0" cy="0"/>
+        </a:xfrm>
+      </p:grpSpPr>
+      <p:sp>
+        <p:nvSpPr>
+          <p:cNvPr id="2" name="Образ слайда 1"/>
+          <p:cNvSpPr>
+            <a:spLocks noGrp="1" noRot="1" noChangeAspect="1"/>
+          </p:cNvSpPr>
+          <p:nvPr>
+            <p:ph type="sldImg"/>
+          </p:nvPr>
+        </p:nvSpPr>
+        <p:spPr/>
+      </p:sp>
+      <p:sp>
+        <p:nvSpPr>
+          <p:cNvPr id="3" name="Заметки 2"/>
+          <p:cNvSpPr>
+            <a:spLocks noGrp="1"/>
+          </p:cNvSpPr>
+          <p:nvPr>
+            <p:ph type="body" idx="1"/>
+          </p:nvPr>
+        </p:nvSpPr>
+        <p:spPr/>
+        <p:txBody>
+          <a:bodyPr/>
+          <a:lstStyle/>
+          <a:p>
+            <a:r>
+              <a:rPr lang="ru-RU" dirty="0"/>
               <a:t>Подробнее на</a:t>
             </a:r>
             <a:r>
-              <a:rPr lang="ru-RU" baseline="0" dirty="0" smtClean="0"/>
+              <a:rPr lang="ru-RU" baseline="0" dirty="0"/>
               <a:t> стр. 18</a:t>
             </a:r>
             <a:endParaRPr lang="ru-RU" dirty="0"/>
@@ -1162,6 +1752,94 @@
     <p:extLst>
       <p:ext uri="{BB962C8B-B14F-4D97-AF65-F5344CB8AC3E}">
         <p14:creationId xmlns:p14="http://schemas.microsoft.com/office/powerpoint/2010/main" val="2977493513"/>
+      </p:ext>
+    </p:extLst>
+  </p:cSld>
+  <p:clrMapOvr>
+    <a:masterClrMapping/>
+  </p:clrMapOvr>
+</p:notes>
+</file>
+
+<file path=ppt/notesSlides/notesSlide9.xml><?xml version="1.0" encoding="utf-8"?>
+<p:notes xmlns:a="http://schemas.openxmlformats.org/drawingml/2006/main" xmlns:r="http://schemas.openxmlformats.org/officeDocument/2006/relationships" xmlns:p="http://schemas.openxmlformats.org/presentationml/2006/main">
+  <p:cSld>
+    <p:spTree>
+      <p:nvGrpSpPr>
+        <p:cNvPr id="1" name=""/>
+        <p:cNvGrpSpPr/>
+        <p:nvPr/>
+      </p:nvGrpSpPr>
+      <p:grpSpPr>
+        <a:xfrm>
+          <a:off x="0" y="0"/>
+          <a:ext cx="0" cy="0"/>
+          <a:chOff x="0" y="0"/>
+          <a:chExt cx="0" cy="0"/>
+        </a:xfrm>
+      </p:grpSpPr>
+      <p:sp>
+        <p:nvSpPr>
+          <p:cNvPr id="2" name="Образ слайда 1"/>
+          <p:cNvSpPr>
+            <a:spLocks noGrp="1" noRot="1" noChangeAspect="1"/>
+          </p:cNvSpPr>
+          <p:nvPr>
+            <p:ph type="sldImg"/>
+          </p:nvPr>
+        </p:nvSpPr>
+        <p:spPr/>
+      </p:sp>
+      <p:sp>
+        <p:nvSpPr>
+          <p:cNvPr id="3" name="Заметки 2"/>
+          <p:cNvSpPr>
+            <a:spLocks noGrp="1"/>
+          </p:cNvSpPr>
+          <p:nvPr>
+            <p:ph type="body" idx="1"/>
+          </p:nvPr>
+        </p:nvSpPr>
+        <p:spPr/>
+        <p:txBody>
+          <a:bodyPr/>
+          <a:lstStyle/>
+          <a:p>
+            <a:r>
+              <a:rPr lang="ru-RU" dirty="0" smtClean="0"/>
+              <a:t>Подробнее на стр. 21-22</a:t>
+            </a:r>
+            <a:endParaRPr lang="ru-RU" dirty="0"/>
+          </a:p>
+        </p:txBody>
+      </p:sp>
+      <p:sp>
+        <p:nvSpPr>
+          <p:cNvPr id="4" name="Номер слайда 3"/>
+          <p:cNvSpPr>
+            <a:spLocks noGrp="1"/>
+          </p:cNvSpPr>
+          <p:nvPr>
+            <p:ph type="sldNum" sz="quarter" idx="10"/>
+          </p:nvPr>
+        </p:nvSpPr>
+        <p:spPr/>
+        <p:txBody>
+          <a:bodyPr/>
+          <a:lstStyle/>
+          <a:p>
+            <a:fld id="{5FBB7EEF-81B5-465F-8969-BC9D636DCE5E}" type="slidenum">
+              <a:rPr lang="ru-RU" smtClean="0"/>
+              <a:t>11</a:t>
+            </a:fld>
+            <a:endParaRPr lang="ru-RU"/>
+          </a:p>
+        </p:txBody>
+      </p:sp>
+    </p:spTree>
+    <p:extLst>
+      <p:ext uri="{BB962C8B-B14F-4D97-AF65-F5344CB8AC3E}">
+        <p14:creationId xmlns:p14="http://schemas.microsoft.com/office/powerpoint/2010/main" val="1201579008"/>
       </p:ext>
     </p:extLst>
   </p:cSld>
@@ -1213,10 +1891,9 @@
           </a:lstStyle>
           <a:p>
             <a:r>
-              <a:rPr lang="ru-RU" smtClean="0"/>
+              <a:rPr lang="ru-RU"/>
               <a:t>Образец заголовка</a:t>
             </a:r>
-            <a:endParaRPr lang="ru-RU"/>
           </a:p>
         </p:txBody>
       </p:sp>
@@ -1278,31 +1955,30 @@
           </a:lstStyle>
           <a:p>
             <a:r>
+              <a:rPr lang="ru-RU"/>
+              <a:t>Образец подзаголовка</a:t>
+            </a:r>
+          </a:p>
+        </p:txBody>
+      </p:sp>
+      <p:sp>
+        <p:nvSpPr>
+          <p:cNvPr id="4" name="Дата 3"/>
+          <p:cNvSpPr>
+            <a:spLocks noGrp="1"/>
+          </p:cNvSpPr>
+          <p:nvPr>
+            <p:ph type="dt" sz="half" idx="10"/>
+          </p:nvPr>
+        </p:nvSpPr>
+        <p:spPr/>
+        <p:txBody>
+          <a:bodyPr/>
+          <a:lstStyle/>
+          <a:p>
+            <a:fld id="{DE51860D-39D6-4BDE-91B9-E38B08A0C4E6}" type="datetime1">
               <a:rPr lang="ru-RU" smtClean="0"/>
-              <a:t>Образец подзаголовка</a:t>
-            </a:r>
-            <a:endParaRPr lang="ru-RU"/>
-          </a:p>
-        </p:txBody>
-      </p:sp>
-      <p:sp>
-        <p:nvSpPr>
-          <p:cNvPr id="4" name="Дата 3"/>
-          <p:cNvSpPr>
-            <a:spLocks noGrp="1"/>
-          </p:cNvSpPr>
-          <p:nvPr>
-            <p:ph type="dt" sz="half" idx="10"/>
-          </p:nvPr>
-        </p:nvSpPr>
-        <p:spPr/>
-        <p:txBody>
-          <a:bodyPr/>
-          <a:lstStyle/>
-          <a:p>
-            <a:fld id="{882E657C-B8E9-4A72-B9E9-91F00C9CBC11}" type="datetimeFigureOut">
-              <a:rPr lang="ru-RU" smtClean="0"/>
-              <a:t>05.06.2021</a:t>
+              <a:t>06.06.2021</a:t>
             </a:fld>
             <a:endParaRPr lang="ru-RU"/>
           </a:p>
@@ -1396,83 +2072,81 @@
           <a:lstStyle/>
           <a:p>
             <a:r>
+              <a:rPr lang="ru-RU"/>
+              <a:t>Образец заголовка</a:t>
+            </a:r>
+          </a:p>
+        </p:txBody>
+      </p:sp>
+      <p:sp>
+        <p:nvSpPr>
+          <p:cNvPr id="3" name="Вертикальный текст 2"/>
+          <p:cNvSpPr>
+            <a:spLocks noGrp="1"/>
+          </p:cNvSpPr>
+          <p:nvPr>
+            <p:ph type="body" orient="vert" idx="1"/>
+          </p:nvPr>
+        </p:nvSpPr>
+        <p:spPr/>
+        <p:txBody>
+          <a:bodyPr vert="eaVert"/>
+          <a:lstStyle/>
+          <a:p>
+            <a:pPr lvl="0"/>
+            <a:r>
+              <a:rPr lang="ru-RU"/>
+              <a:t>Образец текста</a:t>
+            </a:r>
+          </a:p>
+          <a:p>
+            <a:pPr lvl="1"/>
+            <a:r>
+              <a:rPr lang="ru-RU"/>
+              <a:t>Второй уровень</a:t>
+            </a:r>
+          </a:p>
+          <a:p>
+            <a:pPr lvl="2"/>
+            <a:r>
+              <a:rPr lang="ru-RU"/>
+              <a:t>Третий уровень</a:t>
+            </a:r>
+          </a:p>
+          <a:p>
+            <a:pPr lvl="3"/>
+            <a:r>
+              <a:rPr lang="ru-RU"/>
+              <a:t>Четвертый уровень</a:t>
+            </a:r>
+          </a:p>
+          <a:p>
+            <a:pPr lvl="4"/>
+            <a:r>
+              <a:rPr lang="ru-RU"/>
+              <a:t>Пятый уровень</a:t>
+            </a:r>
+          </a:p>
+        </p:txBody>
+      </p:sp>
+      <p:sp>
+        <p:nvSpPr>
+          <p:cNvPr id="4" name="Дата 3"/>
+          <p:cNvSpPr>
+            <a:spLocks noGrp="1"/>
+          </p:cNvSpPr>
+          <p:nvPr>
+            <p:ph type="dt" sz="half" idx="10"/>
+          </p:nvPr>
+        </p:nvSpPr>
+        <p:spPr/>
+        <p:txBody>
+          <a:bodyPr/>
+          <a:lstStyle/>
+          <a:p>
+            <a:fld id="{05B7C9CF-2BB3-4490-9513-A5AB863A3A38}" type="datetime1">
               <a:rPr lang="ru-RU" smtClean="0"/>
-              <a:t>Образец заголовка</a:t>
-            </a:r>
-            <a:endParaRPr lang="ru-RU"/>
-          </a:p>
-        </p:txBody>
-      </p:sp>
-      <p:sp>
-        <p:nvSpPr>
-          <p:cNvPr id="3" name="Вертикальный текст 2"/>
-          <p:cNvSpPr>
-            <a:spLocks noGrp="1"/>
-          </p:cNvSpPr>
-          <p:nvPr>
-            <p:ph type="body" orient="vert" idx="1"/>
-          </p:nvPr>
-        </p:nvSpPr>
-        <p:spPr/>
-        <p:txBody>
-          <a:bodyPr vert="eaVert"/>
-          <a:lstStyle/>
-          <a:p>
-            <a:pPr lvl="0"/>
-            <a:r>
-              <a:rPr lang="ru-RU" smtClean="0"/>
-              <a:t>Образец текста</a:t>
-            </a:r>
-          </a:p>
-          <a:p>
-            <a:pPr lvl="1"/>
-            <a:r>
-              <a:rPr lang="ru-RU" smtClean="0"/>
-              <a:t>Второй уровень</a:t>
-            </a:r>
-          </a:p>
-          <a:p>
-            <a:pPr lvl="2"/>
-            <a:r>
-              <a:rPr lang="ru-RU" smtClean="0"/>
-              <a:t>Третий уровень</a:t>
-            </a:r>
-          </a:p>
-          <a:p>
-            <a:pPr lvl="3"/>
-            <a:r>
-              <a:rPr lang="ru-RU" smtClean="0"/>
-              <a:t>Четвертый уровень</a:t>
-            </a:r>
-          </a:p>
-          <a:p>
-            <a:pPr lvl="4"/>
-            <a:r>
-              <a:rPr lang="ru-RU" smtClean="0"/>
-              <a:t>Пятый уровень</a:t>
-            </a:r>
-            <a:endParaRPr lang="ru-RU"/>
-          </a:p>
-        </p:txBody>
-      </p:sp>
-      <p:sp>
-        <p:nvSpPr>
-          <p:cNvPr id="4" name="Дата 3"/>
-          <p:cNvSpPr>
-            <a:spLocks noGrp="1"/>
-          </p:cNvSpPr>
-          <p:nvPr>
-            <p:ph type="dt" sz="half" idx="10"/>
-          </p:nvPr>
-        </p:nvSpPr>
-        <p:spPr/>
-        <p:txBody>
-          <a:bodyPr/>
-          <a:lstStyle/>
-          <a:p>
-            <a:fld id="{882E657C-B8E9-4A72-B9E9-91F00C9CBC11}" type="datetimeFigureOut">
-              <a:rPr lang="ru-RU" smtClean="0"/>
-              <a:t>05.06.2021</a:t>
+              <a:t>06.06.2021</a:t>
             </a:fld>
             <a:endParaRPr lang="ru-RU"/>
           </a:p>
@@ -1571,10 +2245,9 @@
           <a:lstStyle/>
           <a:p>
             <a:r>
-              <a:rPr lang="ru-RU" smtClean="0"/>
+              <a:rPr lang="ru-RU"/>
               <a:t>Образец заголовка</a:t>
             </a:r>
-            <a:endParaRPr lang="ru-RU"/>
           </a:p>
         </p:txBody>
       </p:sp>
@@ -1600,59 +2273,58 @@
           <a:p>
             <a:pPr lvl="0"/>
             <a:r>
+              <a:rPr lang="ru-RU"/>
+              <a:t>Образец текста</a:t>
+            </a:r>
+          </a:p>
+          <a:p>
+            <a:pPr lvl="1"/>
+            <a:r>
+              <a:rPr lang="ru-RU"/>
+              <a:t>Второй уровень</a:t>
+            </a:r>
+          </a:p>
+          <a:p>
+            <a:pPr lvl="2"/>
+            <a:r>
+              <a:rPr lang="ru-RU"/>
+              <a:t>Третий уровень</a:t>
+            </a:r>
+          </a:p>
+          <a:p>
+            <a:pPr lvl="3"/>
+            <a:r>
+              <a:rPr lang="ru-RU"/>
+              <a:t>Четвертый уровень</a:t>
+            </a:r>
+          </a:p>
+          <a:p>
+            <a:pPr lvl="4"/>
+            <a:r>
+              <a:rPr lang="ru-RU"/>
+              <a:t>Пятый уровень</a:t>
+            </a:r>
+          </a:p>
+        </p:txBody>
+      </p:sp>
+      <p:sp>
+        <p:nvSpPr>
+          <p:cNvPr id="4" name="Дата 3"/>
+          <p:cNvSpPr>
+            <a:spLocks noGrp="1"/>
+          </p:cNvSpPr>
+          <p:nvPr>
+            <p:ph type="dt" sz="half" idx="10"/>
+          </p:nvPr>
+        </p:nvSpPr>
+        <p:spPr/>
+        <p:txBody>
+          <a:bodyPr/>
+          <a:lstStyle/>
+          <a:p>
+            <a:fld id="{FFF3F56E-2CBE-425D-8373-B91AF1E5C7E7}" type="datetime1">
               <a:rPr lang="ru-RU" smtClean="0"/>
-              <a:t>Образец текста</a:t>
-            </a:r>
-          </a:p>
-          <a:p>
-            <a:pPr lvl="1"/>
-            <a:r>
-              <a:rPr lang="ru-RU" smtClean="0"/>
-              <a:t>Второй уровень</a:t>
-            </a:r>
-          </a:p>
-          <a:p>
-            <a:pPr lvl="2"/>
-            <a:r>
-              <a:rPr lang="ru-RU" smtClean="0"/>
-              <a:t>Третий уровень</a:t>
-            </a:r>
-          </a:p>
-          <a:p>
-            <a:pPr lvl="3"/>
-            <a:r>
-              <a:rPr lang="ru-RU" smtClean="0"/>
-              <a:t>Четвертый уровень</a:t>
-            </a:r>
-          </a:p>
-          <a:p>
-            <a:pPr lvl="4"/>
-            <a:r>
-              <a:rPr lang="ru-RU" smtClean="0"/>
-              <a:t>Пятый уровень</a:t>
-            </a:r>
-            <a:endParaRPr lang="ru-RU"/>
-          </a:p>
-        </p:txBody>
-      </p:sp>
-      <p:sp>
-        <p:nvSpPr>
-          <p:cNvPr id="4" name="Дата 3"/>
-          <p:cNvSpPr>
-            <a:spLocks noGrp="1"/>
-          </p:cNvSpPr>
-          <p:nvPr>
-            <p:ph type="dt" sz="half" idx="10"/>
-          </p:nvPr>
-        </p:nvSpPr>
-        <p:spPr/>
-        <p:txBody>
-          <a:bodyPr/>
-          <a:lstStyle/>
-          <a:p>
-            <a:fld id="{882E657C-B8E9-4A72-B9E9-91F00C9CBC11}" type="datetimeFigureOut">
-              <a:rPr lang="ru-RU" smtClean="0"/>
-              <a:t>05.06.2021</a:t>
+              <a:t>06.06.2021</a:t>
             </a:fld>
             <a:endParaRPr lang="ru-RU"/>
           </a:p>
@@ -1746,83 +2418,81 @@
           <a:lstStyle/>
           <a:p>
             <a:r>
+              <a:rPr lang="ru-RU"/>
+              <a:t>Образец заголовка</a:t>
+            </a:r>
+          </a:p>
+        </p:txBody>
+      </p:sp>
+      <p:sp>
+        <p:nvSpPr>
+          <p:cNvPr id="3" name="Объект 2"/>
+          <p:cNvSpPr>
+            <a:spLocks noGrp="1"/>
+          </p:cNvSpPr>
+          <p:nvPr>
+            <p:ph idx="1"/>
+          </p:nvPr>
+        </p:nvSpPr>
+        <p:spPr/>
+        <p:txBody>
+          <a:bodyPr/>
+          <a:lstStyle/>
+          <a:p>
+            <a:pPr lvl="0"/>
+            <a:r>
+              <a:rPr lang="ru-RU"/>
+              <a:t>Образец текста</a:t>
+            </a:r>
+          </a:p>
+          <a:p>
+            <a:pPr lvl="1"/>
+            <a:r>
+              <a:rPr lang="ru-RU"/>
+              <a:t>Второй уровень</a:t>
+            </a:r>
+          </a:p>
+          <a:p>
+            <a:pPr lvl="2"/>
+            <a:r>
+              <a:rPr lang="ru-RU"/>
+              <a:t>Третий уровень</a:t>
+            </a:r>
+          </a:p>
+          <a:p>
+            <a:pPr lvl="3"/>
+            <a:r>
+              <a:rPr lang="ru-RU"/>
+              <a:t>Четвертый уровень</a:t>
+            </a:r>
+          </a:p>
+          <a:p>
+            <a:pPr lvl="4"/>
+            <a:r>
+              <a:rPr lang="ru-RU"/>
+              <a:t>Пятый уровень</a:t>
+            </a:r>
+          </a:p>
+        </p:txBody>
+      </p:sp>
+      <p:sp>
+        <p:nvSpPr>
+          <p:cNvPr id="4" name="Дата 3"/>
+          <p:cNvSpPr>
+            <a:spLocks noGrp="1"/>
+          </p:cNvSpPr>
+          <p:nvPr>
+            <p:ph type="dt" sz="half" idx="10"/>
+          </p:nvPr>
+        </p:nvSpPr>
+        <p:spPr/>
+        <p:txBody>
+          <a:bodyPr/>
+          <a:lstStyle/>
+          <a:p>
+            <a:fld id="{D2A049A9-977A-43CD-A59D-C38B1184DFE7}" type="datetime1">
               <a:rPr lang="ru-RU" smtClean="0"/>
-              <a:t>Образец заголовка</a:t>
-            </a:r>
-            <a:endParaRPr lang="ru-RU"/>
-          </a:p>
-        </p:txBody>
-      </p:sp>
-      <p:sp>
-        <p:nvSpPr>
-          <p:cNvPr id="3" name="Объект 2"/>
-          <p:cNvSpPr>
-            <a:spLocks noGrp="1"/>
-          </p:cNvSpPr>
-          <p:nvPr>
-            <p:ph idx="1"/>
-          </p:nvPr>
-        </p:nvSpPr>
-        <p:spPr/>
-        <p:txBody>
-          <a:bodyPr/>
-          <a:lstStyle/>
-          <a:p>
-            <a:pPr lvl="0"/>
-            <a:r>
-              <a:rPr lang="ru-RU" smtClean="0"/>
-              <a:t>Образец текста</a:t>
-            </a:r>
-          </a:p>
-          <a:p>
-            <a:pPr lvl="1"/>
-            <a:r>
-              <a:rPr lang="ru-RU" smtClean="0"/>
-              <a:t>Второй уровень</a:t>
-            </a:r>
-          </a:p>
-          <a:p>
-            <a:pPr lvl="2"/>
-            <a:r>
-              <a:rPr lang="ru-RU" smtClean="0"/>
-              <a:t>Третий уровень</a:t>
-            </a:r>
-          </a:p>
-          <a:p>
-            <a:pPr lvl="3"/>
-            <a:r>
-              <a:rPr lang="ru-RU" smtClean="0"/>
-              <a:t>Четвертый уровень</a:t>
-            </a:r>
-          </a:p>
-          <a:p>
-            <a:pPr lvl="4"/>
-            <a:r>
-              <a:rPr lang="ru-RU" smtClean="0"/>
-              <a:t>Пятый уровень</a:t>
-            </a:r>
-            <a:endParaRPr lang="ru-RU"/>
-          </a:p>
-        </p:txBody>
-      </p:sp>
-      <p:sp>
-        <p:nvSpPr>
-          <p:cNvPr id="4" name="Дата 3"/>
-          <p:cNvSpPr>
-            <a:spLocks noGrp="1"/>
-          </p:cNvSpPr>
-          <p:nvPr>
-            <p:ph type="dt" sz="half" idx="10"/>
-          </p:nvPr>
-        </p:nvSpPr>
-        <p:spPr/>
-        <p:txBody>
-          <a:bodyPr/>
-          <a:lstStyle/>
-          <a:p>
-            <a:fld id="{882E657C-B8E9-4A72-B9E9-91F00C9CBC11}" type="datetimeFigureOut">
-              <a:rPr lang="ru-RU" smtClean="0"/>
-              <a:t>05.06.2021</a:t>
+              <a:t>06.06.2021</a:t>
             </a:fld>
             <a:endParaRPr lang="ru-RU"/>
           </a:p>
@@ -1925,10 +2595,9 @@
           </a:lstStyle>
           <a:p>
             <a:r>
-              <a:rPr lang="ru-RU" smtClean="0"/>
+              <a:rPr lang="ru-RU"/>
               <a:t>Образец заголовка</a:t>
             </a:r>
-            <a:endParaRPr lang="ru-RU"/>
           </a:p>
         </p:txBody>
       </p:sp>
@@ -2045,30 +2714,30 @@
           <a:p>
             <a:pPr lvl="0"/>
             <a:r>
+              <a:rPr lang="ru-RU"/>
+              <a:t>Образец текста</a:t>
+            </a:r>
+          </a:p>
+        </p:txBody>
+      </p:sp>
+      <p:sp>
+        <p:nvSpPr>
+          <p:cNvPr id="4" name="Дата 3"/>
+          <p:cNvSpPr>
+            <a:spLocks noGrp="1"/>
+          </p:cNvSpPr>
+          <p:nvPr>
+            <p:ph type="dt" sz="half" idx="10"/>
+          </p:nvPr>
+        </p:nvSpPr>
+        <p:spPr/>
+        <p:txBody>
+          <a:bodyPr/>
+          <a:lstStyle/>
+          <a:p>
+            <a:fld id="{C8F61970-F9CB-4138-9D72-3A00CBC3131C}" type="datetime1">
               <a:rPr lang="ru-RU" smtClean="0"/>
-              <a:t>Образец текста</a:t>
-            </a:r>
-          </a:p>
-        </p:txBody>
-      </p:sp>
-      <p:sp>
-        <p:nvSpPr>
-          <p:cNvPr id="4" name="Дата 3"/>
-          <p:cNvSpPr>
-            <a:spLocks noGrp="1"/>
-          </p:cNvSpPr>
-          <p:nvPr>
-            <p:ph type="dt" sz="half" idx="10"/>
-          </p:nvPr>
-        </p:nvSpPr>
-        <p:spPr/>
-        <p:txBody>
-          <a:bodyPr/>
-          <a:lstStyle/>
-          <a:p>
-            <a:fld id="{882E657C-B8E9-4A72-B9E9-91F00C9CBC11}" type="datetimeFigureOut">
-              <a:rPr lang="ru-RU" smtClean="0"/>
-              <a:t>05.06.2021</a:t>
+              <a:t>06.06.2021</a:t>
             </a:fld>
             <a:endParaRPr lang="ru-RU"/>
           </a:p>
@@ -2162,10 +2831,9 @@
           <a:lstStyle/>
           <a:p>
             <a:r>
-              <a:rPr lang="ru-RU" smtClean="0"/>
+              <a:rPr lang="ru-RU"/>
               <a:t>Образец заголовка</a:t>
             </a:r>
-            <a:endParaRPr lang="ru-RU"/>
           </a:p>
         </p:txBody>
       </p:sp>
@@ -2191,38 +2859,37 @@
           <a:p>
             <a:pPr lvl="0"/>
             <a:r>
-              <a:rPr lang="ru-RU" smtClean="0"/>
+              <a:rPr lang="ru-RU"/>
               <a:t>Образец текста</a:t>
             </a:r>
           </a:p>
           <a:p>
             <a:pPr lvl="1"/>
             <a:r>
-              <a:rPr lang="ru-RU" smtClean="0"/>
+              <a:rPr lang="ru-RU"/>
               <a:t>Второй уровень</a:t>
             </a:r>
           </a:p>
           <a:p>
             <a:pPr lvl="2"/>
             <a:r>
-              <a:rPr lang="ru-RU" smtClean="0"/>
+              <a:rPr lang="ru-RU"/>
               <a:t>Третий уровень</a:t>
             </a:r>
           </a:p>
           <a:p>
             <a:pPr lvl="3"/>
             <a:r>
-              <a:rPr lang="ru-RU" smtClean="0"/>
+              <a:rPr lang="ru-RU"/>
               <a:t>Четвертый уровень</a:t>
             </a:r>
           </a:p>
           <a:p>
             <a:pPr lvl="4"/>
             <a:r>
-              <a:rPr lang="ru-RU" smtClean="0"/>
+              <a:rPr lang="ru-RU"/>
               <a:t>Пятый уровень</a:t>
             </a:r>
-            <a:endParaRPr lang="ru-RU"/>
           </a:p>
         </p:txBody>
       </p:sp>
@@ -2248,59 +2915,58 @@
           <a:p>
             <a:pPr lvl="0"/>
             <a:r>
+              <a:rPr lang="ru-RU"/>
+              <a:t>Образец текста</a:t>
+            </a:r>
+          </a:p>
+          <a:p>
+            <a:pPr lvl="1"/>
+            <a:r>
+              <a:rPr lang="ru-RU"/>
+              <a:t>Второй уровень</a:t>
+            </a:r>
+          </a:p>
+          <a:p>
+            <a:pPr lvl="2"/>
+            <a:r>
+              <a:rPr lang="ru-RU"/>
+              <a:t>Третий уровень</a:t>
+            </a:r>
+          </a:p>
+          <a:p>
+            <a:pPr lvl="3"/>
+            <a:r>
+              <a:rPr lang="ru-RU"/>
+              <a:t>Четвертый уровень</a:t>
+            </a:r>
+          </a:p>
+          <a:p>
+            <a:pPr lvl="4"/>
+            <a:r>
+              <a:rPr lang="ru-RU"/>
+              <a:t>Пятый уровень</a:t>
+            </a:r>
+          </a:p>
+        </p:txBody>
+      </p:sp>
+      <p:sp>
+        <p:nvSpPr>
+          <p:cNvPr id="5" name="Дата 4"/>
+          <p:cNvSpPr>
+            <a:spLocks noGrp="1"/>
+          </p:cNvSpPr>
+          <p:nvPr>
+            <p:ph type="dt" sz="half" idx="10"/>
+          </p:nvPr>
+        </p:nvSpPr>
+        <p:spPr/>
+        <p:txBody>
+          <a:bodyPr/>
+          <a:lstStyle/>
+          <a:p>
+            <a:fld id="{7AD19CB9-8A75-453F-868A-1D8C5136A18C}" type="datetime1">
               <a:rPr lang="ru-RU" smtClean="0"/>
-              <a:t>Образец текста</a:t>
-            </a:r>
-          </a:p>
-          <a:p>
-            <a:pPr lvl="1"/>
-            <a:r>
-              <a:rPr lang="ru-RU" smtClean="0"/>
-              <a:t>Второй уровень</a:t>
-            </a:r>
-          </a:p>
-          <a:p>
-            <a:pPr lvl="2"/>
-            <a:r>
-              <a:rPr lang="ru-RU" smtClean="0"/>
-              <a:t>Третий уровень</a:t>
-            </a:r>
-          </a:p>
-          <a:p>
-            <a:pPr lvl="3"/>
-            <a:r>
-              <a:rPr lang="ru-RU" smtClean="0"/>
-              <a:t>Четвертый уровень</a:t>
-            </a:r>
-          </a:p>
-          <a:p>
-            <a:pPr lvl="4"/>
-            <a:r>
-              <a:rPr lang="ru-RU" smtClean="0"/>
-              <a:t>Пятый уровень</a:t>
-            </a:r>
-            <a:endParaRPr lang="ru-RU"/>
-          </a:p>
-        </p:txBody>
-      </p:sp>
-      <p:sp>
-        <p:nvSpPr>
-          <p:cNvPr id="5" name="Дата 4"/>
-          <p:cNvSpPr>
-            <a:spLocks noGrp="1"/>
-          </p:cNvSpPr>
-          <p:nvPr>
-            <p:ph type="dt" sz="half" idx="10"/>
-          </p:nvPr>
-        </p:nvSpPr>
-        <p:spPr/>
-        <p:txBody>
-          <a:bodyPr/>
-          <a:lstStyle/>
-          <a:p>
-            <a:fld id="{882E657C-B8E9-4A72-B9E9-91F00C9CBC11}" type="datetimeFigureOut">
-              <a:rPr lang="ru-RU" smtClean="0"/>
-              <a:t>05.06.2021</a:t>
+              <a:t>06.06.2021</a:t>
             </a:fld>
             <a:endParaRPr lang="ru-RU"/>
           </a:p>
@@ -2399,10 +3065,9 @@
           <a:lstStyle/>
           <a:p>
             <a:r>
-              <a:rPr lang="ru-RU" smtClean="0"/>
+              <a:rPr lang="ru-RU"/>
               <a:t>Образец заголовка</a:t>
             </a:r>
-            <a:endParaRPr lang="ru-RU"/>
           </a:p>
         </p:txBody>
       </p:sp>
@@ -2465,7 +3130,7 @@
           <a:p>
             <a:pPr lvl="0"/>
             <a:r>
-              <a:rPr lang="ru-RU" smtClean="0"/>
+              <a:rPr lang="ru-RU"/>
               <a:t>Образец текста</a:t>
             </a:r>
           </a:p>
@@ -2493,38 +3158,37 @@
           <a:p>
             <a:pPr lvl="0"/>
             <a:r>
-              <a:rPr lang="ru-RU" smtClean="0"/>
+              <a:rPr lang="ru-RU"/>
               <a:t>Образец текста</a:t>
             </a:r>
           </a:p>
           <a:p>
             <a:pPr lvl="1"/>
             <a:r>
-              <a:rPr lang="ru-RU" smtClean="0"/>
+              <a:rPr lang="ru-RU"/>
               <a:t>Второй уровень</a:t>
             </a:r>
           </a:p>
           <a:p>
             <a:pPr lvl="2"/>
             <a:r>
-              <a:rPr lang="ru-RU" smtClean="0"/>
+              <a:rPr lang="ru-RU"/>
               <a:t>Третий уровень</a:t>
             </a:r>
           </a:p>
           <a:p>
             <a:pPr lvl="3"/>
             <a:r>
-              <a:rPr lang="ru-RU" smtClean="0"/>
+              <a:rPr lang="ru-RU"/>
               <a:t>Четвертый уровень</a:t>
             </a:r>
           </a:p>
           <a:p>
             <a:pPr lvl="4"/>
             <a:r>
-              <a:rPr lang="ru-RU" smtClean="0"/>
+              <a:rPr lang="ru-RU"/>
               <a:t>Пятый уровень</a:t>
             </a:r>
-            <a:endParaRPr lang="ru-RU"/>
           </a:p>
         </p:txBody>
       </p:sp>
@@ -2587,7 +3251,7 @@
           <a:p>
             <a:pPr lvl="0"/>
             <a:r>
-              <a:rPr lang="ru-RU" smtClean="0"/>
+              <a:rPr lang="ru-RU"/>
               <a:t>Образец текста</a:t>
             </a:r>
           </a:p>
@@ -2615,59 +3279,58 @@
           <a:p>
             <a:pPr lvl="0"/>
             <a:r>
+              <a:rPr lang="ru-RU"/>
+              <a:t>Образец текста</a:t>
+            </a:r>
+          </a:p>
+          <a:p>
+            <a:pPr lvl="1"/>
+            <a:r>
+              <a:rPr lang="ru-RU"/>
+              <a:t>Второй уровень</a:t>
+            </a:r>
+          </a:p>
+          <a:p>
+            <a:pPr lvl="2"/>
+            <a:r>
+              <a:rPr lang="ru-RU"/>
+              <a:t>Третий уровень</a:t>
+            </a:r>
+          </a:p>
+          <a:p>
+            <a:pPr lvl="3"/>
+            <a:r>
+              <a:rPr lang="ru-RU"/>
+              <a:t>Четвертый уровень</a:t>
+            </a:r>
+          </a:p>
+          <a:p>
+            <a:pPr lvl="4"/>
+            <a:r>
+              <a:rPr lang="ru-RU"/>
+              <a:t>Пятый уровень</a:t>
+            </a:r>
+          </a:p>
+        </p:txBody>
+      </p:sp>
+      <p:sp>
+        <p:nvSpPr>
+          <p:cNvPr id="7" name="Дата 6"/>
+          <p:cNvSpPr>
+            <a:spLocks noGrp="1"/>
+          </p:cNvSpPr>
+          <p:nvPr>
+            <p:ph type="dt" sz="half" idx="10"/>
+          </p:nvPr>
+        </p:nvSpPr>
+        <p:spPr/>
+        <p:txBody>
+          <a:bodyPr/>
+          <a:lstStyle/>
+          <a:p>
+            <a:fld id="{92BCA8C9-76EA-4734-AEF9-BEF4AB8601D4}" type="datetime1">
               <a:rPr lang="ru-RU" smtClean="0"/>
-              <a:t>Образец текста</a:t>
-            </a:r>
-          </a:p>
-          <a:p>
-            <a:pPr lvl="1"/>
-            <a:r>
-              <a:rPr lang="ru-RU" smtClean="0"/>
-              <a:t>Второй уровень</a:t>
-            </a:r>
-          </a:p>
-          <a:p>
-            <a:pPr lvl="2"/>
-            <a:r>
-              <a:rPr lang="ru-RU" smtClean="0"/>
-              <a:t>Третий уровень</a:t>
-            </a:r>
-          </a:p>
-          <a:p>
-            <a:pPr lvl="3"/>
-            <a:r>
-              <a:rPr lang="ru-RU" smtClean="0"/>
-              <a:t>Четвертый уровень</a:t>
-            </a:r>
-          </a:p>
-          <a:p>
-            <a:pPr lvl="4"/>
-            <a:r>
-              <a:rPr lang="ru-RU" smtClean="0"/>
-              <a:t>Пятый уровень</a:t>
-            </a:r>
-            <a:endParaRPr lang="ru-RU"/>
-          </a:p>
-        </p:txBody>
-      </p:sp>
-      <p:sp>
-        <p:nvSpPr>
-          <p:cNvPr id="7" name="Дата 6"/>
-          <p:cNvSpPr>
-            <a:spLocks noGrp="1"/>
-          </p:cNvSpPr>
-          <p:nvPr>
-            <p:ph type="dt" sz="half" idx="10"/>
-          </p:nvPr>
-        </p:nvSpPr>
-        <p:spPr/>
-        <p:txBody>
-          <a:bodyPr/>
-          <a:lstStyle/>
-          <a:p>
-            <a:fld id="{882E657C-B8E9-4A72-B9E9-91F00C9CBC11}" type="datetimeFigureOut">
-              <a:rPr lang="ru-RU" smtClean="0"/>
-              <a:t>05.06.2021</a:t>
+              <a:t>06.06.2021</a:t>
             </a:fld>
             <a:endParaRPr lang="ru-RU"/>
           </a:p>
@@ -2761,31 +3424,30 @@
           <a:lstStyle/>
           <a:p>
             <a:r>
+              <a:rPr lang="ru-RU"/>
+              <a:t>Образец заголовка</a:t>
+            </a:r>
+          </a:p>
+        </p:txBody>
+      </p:sp>
+      <p:sp>
+        <p:nvSpPr>
+          <p:cNvPr id="3" name="Дата 2"/>
+          <p:cNvSpPr>
+            <a:spLocks noGrp="1"/>
+          </p:cNvSpPr>
+          <p:nvPr>
+            <p:ph type="dt" sz="half" idx="10"/>
+          </p:nvPr>
+        </p:nvSpPr>
+        <p:spPr/>
+        <p:txBody>
+          <a:bodyPr/>
+          <a:lstStyle/>
+          <a:p>
+            <a:fld id="{DAF02E88-E92B-485F-9F32-1C5CA4B16DC1}" type="datetime1">
               <a:rPr lang="ru-RU" smtClean="0"/>
-              <a:t>Образец заголовка</a:t>
-            </a:r>
-            <a:endParaRPr lang="ru-RU"/>
-          </a:p>
-        </p:txBody>
-      </p:sp>
-      <p:sp>
-        <p:nvSpPr>
-          <p:cNvPr id="3" name="Дата 2"/>
-          <p:cNvSpPr>
-            <a:spLocks noGrp="1"/>
-          </p:cNvSpPr>
-          <p:nvPr>
-            <p:ph type="dt" sz="half" idx="10"/>
-          </p:nvPr>
-        </p:nvSpPr>
-        <p:spPr/>
-        <p:txBody>
-          <a:bodyPr/>
-          <a:lstStyle/>
-          <a:p>
-            <a:fld id="{882E657C-B8E9-4A72-B9E9-91F00C9CBC11}" type="datetimeFigureOut">
-              <a:rPr lang="ru-RU" smtClean="0"/>
-              <a:t>05.06.2021</a:t>
+              <a:t>06.06.2021</a:t>
             </a:fld>
             <a:endParaRPr lang="ru-RU"/>
           </a:p>
@@ -2878,9 +3540,9 @@
           <a:bodyPr/>
           <a:lstStyle/>
           <a:p>
-            <a:fld id="{882E657C-B8E9-4A72-B9E9-91F00C9CBC11}" type="datetimeFigureOut">
+            <a:fld id="{D1ED90BA-54F1-45E0-82D9-41456BE83BB0}" type="datetime1">
               <a:rPr lang="ru-RU" smtClean="0"/>
-              <a:t>05.06.2021</a:t>
+              <a:t>06.06.2021</a:t>
             </a:fld>
             <a:endParaRPr lang="ru-RU"/>
           </a:p>
@@ -2983,10 +3645,9 @@
           </a:lstStyle>
           <a:p>
             <a:r>
-              <a:rPr lang="ru-RU" smtClean="0"/>
+              <a:rPr lang="ru-RU"/>
               <a:t>Образец заголовка</a:t>
             </a:r>
-            <a:endParaRPr lang="ru-RU"/>
           </a:p>
         </p:txBody>
       </p:sp>
@@ -3040,38 +3701,37 @@
           <a:p>
             <a:pPr lvl="0"/>
             <a:r>
-              <a:rPr lang="ru-RU" smtClean="0"/>
+              <a:rPr lang="ru-RU"/>
               <a:t>Образец текста</a:t>
             </a:r>
           </a:p>
           <a:p>
             <a:pPr lvl="1"/>
             <a:r>
-              <a:rPr lang="ru-RU" smtClean="0"/>
+              <a:rPr lang="ru-RU"/>
               <a:t>Второй уровень</a:t>
             </a:r>
           </a:p>
           <a:p>
             <a:pPr lvl="2"/>
             <a:r>
-              <a:rPr lang="ru-RU" smtClean="0"/>
+              <a:rPr lang="ru-RU"/>
               <a:t>Третий уровень</a:t>
             </a:r>
           </a:p>
           <a:p>
             <a:pPr lvl="3"/>
             <a:r>
-              <a:rPr lang="ru-RU" smtClean="0"/>
+              <a:rPr lang="ru-RU"/>
               <a:t>Четвертый уровень</a:t>
             </a:r>
           </a:p>
           <a:p>
             <a:pPr lvl="4"/>
             <a:r>
-              <a:rPr lang="ru-RU" smtClean="0"/>
+              <a:rPr lang="ru-RU"/>
               <a:t>Пятый уровень</a:t>
             </a:r>
-            <a:endParaRPr lang="ru-RU"/>
           </a:p>
         </p:txBody>
       </p:sp>
@@ -3134,30 +3794,30 @@
           <a:p>
             <a:pPr lvl="0"/>
             <a:r>
+              <a:rPr lang="ru-RU"/>
+              <a:t>Образец текста</a:t>
+            </a:r>
+          </a:p>
+        </p:txBody>
+      </p:sp>
+      <p:sp>
+        <p:nvSpPr>
+          <p:cNvPr id="5" name="Дата 4"/>
+          <p:cNvSpPr>
+            <a:spLocks noGrp="1"/>
+          </p:cNvSpPr>
+          <p:nvPr>
+            <p:ph type="dt" sz="half" idx="10"/>
+          </p:nvPr>
+        </p:nvSpPr>
+        <p:spPr/>
+        <p:txBody>
+          <a:bodyPr/>
+          <a:lstStyle/>
+          <a:p>
+            <a:fld id="{ED052217-BF0E-4209-8681-9B9CB3C5474C}" type="datetime1">
               <a:rPr lang="ru-RU" smtClean="0"/>
-              <a:t>Образец текста</a:t>
-            </a:r>
-          </a:p>
-        </p:txBody>
-      </p:sp>
-      <p:sp>
-        <p:nvSpPr>
-          <p:cNvPr id="5" name="Дата 4"/>
-          <p:cNvSpPr>
-            <a:spLocks noGrp="1"/>
-          </p:cNvSpPr>
-          <p:nvPr>
-            <p:ph type="dt" sz="half" idx="10"/>
-          </p:nvPr>
-        </p:nvSpPr>
-        <p:spPr/>
-        <p:txBody>
-          <a:bodyPr/>
-          <a:lstStyle/>
-          <a:p>
-            <a:fld id="{882E657C-B8E9-4A72-B9E9-91F00C9CBC11}" type="datetimeFigureOut">
-              <a:rPr lang="ru-RU" smtClean="0"/>
-              <a:t>05.06.2021</a:t>
+              <a:t>06.06.2021</a:t>
             </a:fld>
             <a:endParaRPr lang="ru-RU"/>
           </a:p>
@@ -3260,10 +3920,9 @@
           </a:lstStyle>
           <a:p>
             <a:r>
-              <a:rPr lang="ru-RU" smtClean="0"/>
+              <a:rPr lang="ru-RU"/>
               <a:t>Образец заголовка</a:t>
             </a:r>
-            <a:endParaRPr lang="ru-RU"/>
           </a:p>
         </p:txBody>
       </p:sp>
@@ -3387,30 +4046,30 @@
           <a:p>
             <a:pPr lvl="0"/>
             <a:r>
+              <a:rPr lang="ru-RU"/>
+              <a:t>Образец текста</a:t>
+            </a:r>
+          </a:p>
+        </p:txBody>
+      </p:sp>
+      <p:sp>
+        <p:nvSpPr>
+          <p:cNvPr id="5" name="Дата 4"/>
+          <p:cNvSpPr>
+            <a:spLocks noGrp="1"/>
+          </p:cNvSpPr>
+          <p:nvPr>
+            <p:ph type="dt" sz="half" idx="10"/>
+          </p:nvPr>
+        </p:nvSpPr>
+        <p:spPr/>
+        <p:txBody>
+          <a:bodyPr/>
+          <a:lstStyle/>
+          <a:p>
+            <a:fld id="{AEA1D84B-839E-4C02-9CED-F26CE3CF0733}" type="datetime1">
               <a:rPr lang="ru-RU" smtClean="0"/>
-              <a:t>Образец текста</a:t>
-            </a:r>
-          </a:p>
-        </p:txBody>
-      </p:sp>
-      <p:sp>
-        <p:nvSpPr>
-          <p:cNvPr id="5" name="Дата 4"/>
-          <p:cNvSpPr>
-            <a:spLocks noGrp="1"/>
-          </p:cNvSpPr>
-          <p:nvPr>
-            <p:ph type="dt" sz="half" idx="10"/>
-          </p:nvPr>
-        </p:nvSpPr>
-        <p:spPr/>
-        <p:txBody>
-          <a:bodyPr/>
-          <a:lstStyle/>
-          <a:p>
-            <a:fld id="{882E657C-B8E9-4A72-B9E9-91F00C9CBC11}" type="datetimeFigureOut">
-              <a:rPr lang="ru-RU" smtClean="0"/>
-              <a:t>05.06.2021</a:t>
+              <a:t>06.06.2021</a:t>
             </a:fld>
             <a:endParaRPr lang="ru-RU"/>
           </a:p>
@@ -3522,10 +4181,9 @@
           <a:lstStyle/>
           <a:p>
             <a:r>
-              <a:rPr lang="ru-RU" smtClean="0"/>
+              <a:rPr lang="ru-RU"/>
               <a:t>Образец заголовка</a:t>
             </a:r>
-            <a:endParaRPr lang="ru-RU"/>
           </a:p>
         </p:txBody>
       </p:sp>
@@ -3556,38 +4214,37 @@
           <a:p>
             <a:pPr lvl="0"/>
             <a:r>
-              <a:rPr lang="ru-RU" smtClean="0"/>
+              <a:rPr lang="ru-RU"/>
               <a:t>Образец текста</a:t>
             </a:r>
           </a:p>
           <a:p>
             <a:pPr lvl="1"/>
             <a:r>
-              <a:rPr lang="ru-RU" smtClean="0"/>
+              <a:rPr lang="ru-RU"/>
               <a:t>Второй уровень</a:t>
             </a:r>
           </a:p>
           <a:p>
             <a:pPr lvl="2"/>
             <a:r>
-              <a:rPr lang="ru-RU" smtClean="0"/>
+              <a:rPr lang="ru-RU"/>
               <a:t>Третий уровень</a:t>
             </a:r>
           </a:p>
           <a:p>
             <a:pPr lvl="3"/>
             <a:r>
-              <a:rPr lang="ru-RU" smtClean="0"/>
+              <a:rPr lang="ru-RU"/>
               <a:t>Четвертый уровень</a:t>
             </a:r>
           </a:p>
           <a:p>
             <a:pPr lvl="4"/>
             <a:r>
-              <a:rPr lang="ru-RU" smtClean="0"/>
+              <a:rPr lang="ru-RU"/>
               <a:t>Пятый уровень</a:t>
             </a:r>
-            <a:endParaRPr lang="ru-RU"/>
           </a:p>
         </p:txBody>
       </p:sp>
@@ -3624,9 +4281,9 @@
             </a:lvl1pPr>
           </a:lstStyle>
           <a:p>
-            <a:fld id="{882E657C-B8E9-4A72-B9E9-91F00C9CBC11}" type="datetimeFigureOut">
+            <a:fld id="{D0D2967E-BDBA-485D-95AE-368FF1915310}" type="datetime1">
               <a:rPr lang="ru-RU" smtClean="0"/>
-              <a:t>05.06.2021</a:t>
+              <a:t>06.06.2021</a:t>
             </a:fld>
             <a:endParaRPr lang="ru-RU"/>
           </a:p>
@@ -3731,6 +4388,7 @@
     <p:sldLayoutId id="2147483658" r:id="rId10"/>
     <p:sldLayoutId id="2147483659" r:id="rId11"/>
   </p:sldLayoutIdLst>
+  <p:hf hdr="0" ftr="0" dt="0"/>
   <p:txStyles>
     <p:titleStyle>
       <a:lvl1pPr algn="l" defTabSz="914400" rtl="0" eaLnBrk="1" latinLnBrk="0" hangingPunct="1">
@@ -4054,14 +4712,14 @@
           <a:lstStyle/>
           <a:p>
             <a:r>
-              <a:rPr lang="ru-RU" sz="3200" dirty="0" smtClean="0">
+              <a:rPr lang="ru-RU" sz="3200" dirty="0">
                 <a:latin typeface="Lato" panose="020F0502020204030203" pitchFamily="34" charset="0"/>
                 <a:cs typeface="Lato" panose="020F0502020204030203" pitchFamily="34" charset="0"/>
               </a:rPr>
               <a:t>Тема: </a:t>
             </a:r>
             <a:r>
-              <a:rPr lang="ru-RU" sz="3600" b="1" dirty="0" smtClean="0">
+              <a:rPr lang="ru-RU" sz="3600" b="1" dirty="0">
                 <a:latin typeface="Lato" panose="020F0502020204030203" pitchFamily="34" charset="0"/>
                 <a:cs typeface="Lato" panose="020F0502020204030203" pitchFamily="34" charset="0"/>
               </a:rPr>
@@ -4111,7 +4769,7 @@
           <a:p>
             <a:pPr algn="r"/>
             <a:r>
-              <a:rPr lang="ru-RU" sz="2800" dirty="0" smtClean="0">
+              <a:rPr lang="ru-RU" sz="2800" dirty="0">
                 <a:latin typeface="Lato" panose="020F0502020204030203" pitchFamily="34" charset="0"/>
                 <a:cs typeface="Lato" panose="020F0502020204030203" pitchFamily="34" charset="0"/>
               </a:rPr>
@@ -4121,7 +4779,7 @@
           <a:p>
             <a:pPr algn="r"/>
             <a:r>
-              <a:rPr lang="ru-RU" sz="2800" dirty="0" smtClean="0">
+              <a:rPr lang="ru-RU" sz="2800" dirty="0">
                 <a:latin typeface="Lato" panose="020F0502020204030203" pitchFamily="34" charset="0"/>
                 <a:cs typeface="Lato" panose="020F0502020204030203" pitchFamily="34" charset="0"/>
               </a:rPr>
@@ -4131,30 +4789,26 @@
           <a:p>
             <a:pPr algn="r"/>
             <a:r>
-              <a:rPr lang="ru-RU" sz="2800" dirty="0" smtClean="0">
+              <a:rPr lang="ru-RU" sz="2800" dirty="0">
                 <a:latin typeface="Lato" panose="020F0502020204030203" pitchFamily="34" charset="0"/>
                 <a:cs typeface="Lato" panose="020F0502020204030203" pitchFamily="34" charset="0"/>
               </a:rPr>
               <a:t>Руководитель: к.т.н. доц. </a:t>
             </a:r>
             <a:r>
-              <a:rPr lang="ru-RU" sz="2800" dirty="0" err="1" smtClean="0">
+              <a:rPr lang="ru-RU" sz="2800" dirty="0" err="1">
                 <a:latin typeface="Lato" panose="020F0502020204030203" pitchFamily="34" charset="0"/>
                 <a:cs typeface="Lato" panose="020F0502020204030203" pitchFamily="34" charset="0"/>
               </a:rPr>
               <a:t>Трубаков</a:t>
             </a:r>
             <a:r>
-              <a:rPr lang="ru-RU" sz="2800" dirty="0" smtClean="0">
+              <a:rPr lang="ru-RU" sz="2800" dirty="0">
                 <a:latin typeface="Lato" panose="020F0502020204030203" pitchFamily="34" charset="0"/>
                 <a:cs typeface="Lato" panose="020F0502020204030203" pitchFamily="34" charset="0"/>
               </a:rPr>
               <a:t> А.О.</a:t>
             </a:r>
-            <a:endParaRPr lang="ru-RU" sz="2800" dirty="0">
-              <a:latin typeface="Lato" panose="020F0502020204030203" pitchFamily="34" charset="0"/>
-              <a:cs typeface="Lato" panose="020F0502020204030203" pitchFamily="34" charset="0"/>
-            </a:endParaRPr>
           </a:p>
         </p:txBody>
       </p:sp>
@@ -4210,16 +4864,12 @@
           <a:p>
             <a:pPr algn="ctr"/>
             <a:r>
-              <a:rPr lang="ru-RU" dirty="0" smtClean="0">
+              <a:rPr lang="ru-RU" dirty="0">
                 <a:latin typeface="Lato" panose="020F0502020204030203" pitchFamily="34" charset="0"/>
                 <a:cs typeface="Lato" panose="020F0502020204030203" pitchFamily="34" charset="0"/>
               </a:rPr>
               <a:t>Диаграмма вариантов использования</a:t>
             </a:r>
-            <a:endParaRPr lang="ru-RU" dirty="0">
-              <a:latin typeface="Lato" panose="020F0502020204030203" pitchFamily="34" charset="0"/>
-              <a:cs typeface="Lato" panose="020F0502020204030203" pitchFamily="34" charset="0"/>
-            </a:endParaRPr>
           </a:p>
         </p:txBody>
       </p:sp>
@@ -4256,6 +4906,40 @@
           </a:ln>
         </p:spPr>
       </p:pic>
+      <p:sp>
+        <p:nvSpPr>
+          <p:cNvPr id="3" name="Номер слайда 2"/>
+          <p:cNvSpPr>
+            <a:spLocks noGrp="1"/>
+          </p:cNvSpPr>
+          <p:nvPr>
+            <p:ph type="sldNum" sz="quarter" idx="12"/>
+          </p:nvPr>
+        </p:nvSpPr>
+        <p:spPr>
+          <a:xfrm>
+            <a:off x="9146177" y="6289674"/>
+            <a:ext cx="2743200" cy="365125"/>
+          </a:xfrm>
+        </p:spPr>
+        <p:txBody>
+          <a:bodyPr/>
+          <a:lstStyle/>
+          <a:p>
+            <a:fld id="{7DB0EE1B-E4C1-4C7B-8CEC-C7439F861DA8}" type="slidenum">
+              <a:rPr lang="ru-RU" sz="1800" smtClean="0">
+                <a:latin typeface="Lato" panose="020F0502020204030203" pitchFamily="34" charset="0"/>
+                <a:cs typeface="Lato" panose="020F0502020204030203" pitchFamily="34" charset="0"/>
+              </a:rPr>
+              <a:t>10</a:t>
+            </a:fld>
+            <a:endParaRPr lang="ru-RU" dirty="0">
+              <a:latin typeface="Lato" panose="020F0502020204030203" pitchFamily="34" charset="0"/>
+              <a:cs typeface="Lato" panose="020F0502020204030203" pitchFamily="34" charset="0"/>
+            </a:endParaRPr>
+          </a:p>
+        </p:txBody>
+      </p:sp>
     </p:spTree>
     <p:extLst>
       <p:ext uri="{BB962C8B-B14F-4D97-AF65-F5344CB8AC3E}">
@@ -4298,7 +4982,7 @@
         </p:nvSpPr>
         <p:spPr>
           <a:xfrm>
-            <a:off x="1536700" y="0"/>
+            <a:off x="1034143" y="0"/>
             <a:ext cx="10515600" cy="1325563"/>
           </a:xfrm>
         </p:spPr>
@@ -4306,22 +4990,29 @@
           <a:bodyPr/>
           <a:lstStyle/>
           <a:p>
+            <a:r>
+              <a:rPr lang="ru-RU" dirty="0" smtClean="0">
+                <a:latin typeface="Lato" panose="020F0502020204030203" pitchFamily="34" charset="0"/>
+                <a:cs typeface="Lato" panose="020F0502020204030203" pitchFamily="34" charset="0"/>
+              </a:rPr>
+              <a:t>Модель бизнес-процесса</a:t>
+            </a:r>
             <a:r>
               <a:rPr lang="en-US" dirty="0" smtClean="0">
                 <a:latin typeface="Lato" panose="020F0502020204030203" pitchFamily="34" charset="0"/>
                 <a:cs typeface="Lato" panose="020F0502020204030203" pitchFamily="34" charset="0"/>
               </a:rPr>
-              <a:t>BPMN. </a:t>
-            </a:r>
-            <a:r>
-              <a:rPr lang="ru-RU" dirty="0" smtClean="0">
+              <a:t>. </a:t>
+            </a:r>
+            <a:r>
+              <a:rPr lang="ru-RU" dirty="0">
                 <a:latin typeface="Lato" panose="020F0502020204030203" pitchFamily="34" charset="0"/>
                 <a:cs typeface="Lato" panose="020F0502020204030203" pitchFamily="34" charset="0"/>
               </a:rPr>
               <a:t>Фрагмент </a:t>
             </a:r>
             <a:r>
-              <a:rPr lang="en-US" dirty="0" smtClean="0">
+              <a:rPr lang="en-US" dirty="0">
                 <a:latin typeface="Lato" panose="020F0502020204030203" pitchFamily="34" charset="0"/>
                 <a:cs typeface="Lato" panose="020F0502020204030203" pitchFamily="34" charset="0"/>
               </a:rPr>
@@ -4341,14 +5032,14 @@
           <p:nvPr/>
         </p:nvPicPr>
         <p:blipFill>
-          <a:blip r:embed="rId2"/>
+          <a:blip r:embed="rId3"/>
           <a:stretch>
             <a:fillRect/>
           </a:stretch>
         </p:blipFill>
         <p:spPr>
           <a:xfrm>
-            <a:off x="1536700" y="1086167"/>
+            <a:off x="1419135" y="1100409"/>
             <a:ext cx="9118600" cy="5481095"/>
           </a:xfrm>
           <a:prstGeom prst="rect">
@@ -4356,6 +5047,35 @@
           </a:prstGeom>
         </p:spPr>
       </p:pic>
+      <p:sp>
+        <p:nvSpPr>
+          <p:cNvPr id="3" name="Номер слайда 2"/>
+          <p:cNvSpPr>
+            <a:spLocks noGrp="1"/>
+          </p:cNvSpPr>
+          <p:nvPr>
+            <p:ph type="sldNum" sz="quarter" idx="12"/>
+          </p:nvPr>
+        </p:nvSpPr>
+        <p:spPr/>
+        <p:txBody>
+          <a:bodyPr/>
+          <a:lstStyle/>
+          <a:p>
+            <a:fld id="{7DB0EE1B-E4C1-4C7B-8CEC-C7439F861DA8}" type="slidenum">
+              <a:rPr lang="ru-RU" sz="1800" smtClean="0">
+                <a:latin typeface="Lato" panose="020F0502020204030203" pitchFamily="34" charset="0"/>
+                <a:cs typeface="Lato" panose="020F0502020204030203" pitchFamily="34" charset="0"/>
+              </a:rPr>
+              <a:t>11</a:t>
+            </a:fld>
+            <a:endParaRPr lang="ru-RU" dirty="0">
+              <a:latin typeface="Lato" panose="020F0502020204030203" pitchFamily="34" charset="0"/>
+              <a:cs typeface="Lato" panose="020F0502020204030203" pitchFamily="34" charset="0"/>
+            </a:endParaRPr>
+          </a:p>
+        </p:txBody>
+      </p:sp>
     </p:spTree>
     <p:extLst>
       <p:ext uri="{BB962C8B-B14F-4D97-AF65-F5344CB8AC3E}">
@@ -4398,7 +5118,7 @@
         </p:nvSpPr>
         <p:spPr>
           <a:xfrm>
-            <a:off x="1866900" y="25400"/>
+            <a:off x="965563" y="0"/>
             <a:ext cx="10515600" cy="1325563"/>
           </a:xfrm>
         </p:spPr>
@@ -4406,22 +5126,29 @@
           <a:bodyPr/>
           <a:lstStyle/>
           <a:p>
+            <a:r>
+              <a:rPr lang="ru-RU" dirty="0">
+                <a:latin typeface="Lato" panose="020F0502020204030203" pitchFamily="34" charset="0"/>
+                <a:cs typeface="Lato" panose="020F0502020204030203" pitchFamily="34" charset="0"/>
+              </a:rPr>
+              <a:t>Модель бизнес-процесса</a:t>
+            </a:r>
             <a:r>
               <a:rPr lang="en-US" dirty="0" smtClean="0">
                 <a:latin typeface="Lato" panose="020F0502020204030203" pitchFamily="34" charset="0"/>
                 <a:cs typeface="Lato" panose="020F0502020204030203" pitchFamily="34" charset="0"/>
               </a:rPr>
-              <a:t>BPMN. </a:t>
-            </a:r>
-            <a:r>
-              <a:rPr lang="ru-RU" dirty="0" smtClean="0">
+              <a:t>. </a:t>
+            </a:r>
+            <a:r>
+              <a:rPr lang="ru-RU" dirty="0">
                 <a:latin typeface="Lato" panose="020F0502020204030203" pitchFamily="34" charset="0"/>
                 <a:cs typeface="Lato" panose="020F0502020204030203" pitchFamily="34" charset="0"/>
               </a:rPr>
               <a:t>Фрагмент </a:t>
             </a:r>
             <a:r>
-              <a:rPr lang="en-US" dirty="0" smtClean="0">
+              <a:rPr lang="en-US" dirty="0">
                 <a:latin typeface="Lato" panose="020F0502020204030203" pitchFamily="34" charset="0"/>
                 <a:cs typeface="Lato" panose="020F0502020204030203" pitchFamily="34" charset="0"/>
               </a:rPr>
@@ -4441,14 +5168,14 @@
           <p:nvPr/>
         </p:nvPicPr>
         <p:blipFill>
-          <a:blip r:embed="rId2"/>
+          <a:blip r:embed="rId3"/>
           <a:stretch>
             <a:fillRect/>
           </a:stretch>
         </p:blipFill>
         <p:spPr>
           <a:xfrm>
-            <a:off x="1866900" y="1071879"/>
+            <a:off x="1749334" y="1157970"/>
             <a:ext cx="8585200" cy="5365973"/>
           </a:xfrm>
           <a:prstGeom prst="rect">
@@ -4456,6 +5183,35 @@
           </a:prstGeom>
         </p:spPr>
       </p:pic>
+      <p:sp>
+        <p:nvSpPr>
+          <p:cNvPr id="3" name="Номер слайда 2"/>
+          <p:cNvSpPr>
+            <a:spLocks noGrp="1"/>
+          </p:cNvSpPr>
+          <p:nvPr>
+            <p:ph type="sldNum" sz="quarter" idx="12"/>
+          </p:nvPr>
+        </p:nvSpPr>
+        <p:spPr/>
+        <p:txBody>
+          <a:bodyPr/>
+          <a:lstStyle/>
+          <a:p>
+            <a:fld id="{7DB0EE1B-E4C1-4C7B-8CEC-C7439F861DA8}" type="slidenum">
+              <a:rPr lang="ru-RU" sz="1800" smtClean="0">
+                <a:latin typeface="Lato" panose="020F0502020204030203" pitchFamily="34" charset="0"/>
+                <a:cs typeface="Lato" panose="020F0502020204030203" pitchFamily="34" charset="0"/>
+              </a:rPr>
+              <a:t>12</a:t>
+            </a:fld>
+            <a:endParaRPr lang="ru-RU" dirty="0">
+              <a:latin typeface="Lato" panose="020F0502020204030203" pitchFamily="34" charset="0"/>
+              <a:cs typeface="Lato" panose="020F0502020204030203" pitchFamily="34" charset="0"/>
+            </a:endParaRPr>
+          </a:p>
+        </p:txBody>
+      </p:sp>
     </p:spTree>
     <p:extLst>
       <p:ext uri="{BB962C8B-B14F-4D97-AF65-F5344CB8AC3E}">
@@ -4507,16 +5263,12 @@
           <a:lstStyle/>
           <a:p>
             <a:r>
-              <a:rPr lang="ru-RU" dirty="0" smtClean="0">
+              <a:rPr lang="ru-RU" dirty="0">
                 <a:latin typeface="Lato" panose="020F0502020204030203" pitchFamily="34" charset="0"/>
                 <a:cs typeface="Lato" panose="020F0502020204030203" pitchFamily="34" charset="0"/>
               </a:rPr>
               <a:t>Диаграмма классов фоновой службы</a:t>
             </a:r>
-            <a:endParaRPr lang="ru-RU" dirty="0">
-              <a:latin typeface="Lato" panose="020F0502020204030203" pitchFamily="34" charset="0"/>
-              <a:cs typeface="Lato" panose="020F0502020204030203" pitchFamily="34" charset="0"/>
-            </a:endParaRPr>
           </a:p>
         </p:txBody>
       </p:sp>
@@ -4527,7 +5279,7 @@
           <p:nvPr/>
         </p:nvPicPr>
         <p:blipFill>
-          <a:blip r:embed="rId2">
+          <a:blip r:embed="rId3">
             <a:extLst>
               <a:ext uri="{28A0092B-C50C-407E-A947-70E740481C1C}">
                 <a14:useLocalDpi xmlns:a14="http://schemas.microsoft.com/office/drawing/2010/main" val="0"/>
@@ -4541,7 +5293,7 @@
         </p:blipFill>
         <p:spPr bwMode="auto">
           <a:xfrm>
-            <a:off x="838200" y="1603374"/>
+            <a:off x="838200" y="1500188"/>
             <a:ext cx="10515600" cy="4822825"/>
           </a:xfrm>
           <a:prstGeom prst="rect">
@@ -4553,6 +5305,35 @@
           </a:ln>
         </p:spPr>
       </p:pic>
+      <p:sp>
+        <p:nvSpPr>
+          <p:cNvPr id="3" name="Номер слайда 2"/>
+          <p:cNvSpPr>
+            <a:spLocks noGrp="1"/>
+          </p:cNvSpPr>
+          <p:nvPr>
+            <p:ph type="sldNum" sz="quarter" idx="12"/>
+          </p:nvPr>
+        </p:nvSpPr>
+        <p:spPr/>
+        <p:txBody>
+          <a:bodyPr/>
+          <a:lstStyle/>
+          <a:p>
+            <a:fld id="{7DB0EE1B-E4C1-4C7B-8CEC-C7439F861DA8}" type="slidenum">
+              <a:rPr lang="ru-RU" sz="1800" smtClean="0">
+                <a:latin typeface="Lato" panose="020F0502020204030203" pitchFamily="34" charset="0"/>
+                <a:cs typeface="Lato" panose="020F0502020204030203" pitchFamily="34" charset="0"/>
+              </a:rPr>
+              <a:t>13</a:t>
+            </a:fld>
+            <a:endParaRPr lang="ru-RU" dirty="0">
+              <a:latin typeface="Lato" panose="020F0502020204030203" pitchFamily="34" charset="0"/>
+              <a:cs typeface="Lato" panose="020F0502020204030203" pitchFamily="34" charset="0"/>
+            </a:endParaRPr>
+          </a:p>
+        </p:txBody>
+      </p:sp>
     </p:spTree>
     <p:extLst>
       <p:ext uri="{BB962C8B-B14F-4D97-AF65-F5344CB8AC3E}">
@@ -4590,7 +5371,7 @@
           <p:nvPr/>
         </p:nvPicPr>
         <p:blipFill>
-          <a:blip r:embed="rId2"/>
+          <a:blip r:embed="rId3"/>
           <a:stretch>
             <a:fillRect/>
           </a:stretch>
@@ -4605,6 +5386,35 @@
           </a:prstGeom>
         </p:spPr>
       </p:pic>
+      <p:sp>
+        <p:nvSpPr>
+          <p:cNvPr id="2" name="Номер слайда 1"/>
+          <p:cNvSpPr>
+            <a:spLocks noGrp="1"/>
+          </p:cNvSpPr>
+          <p:nvPr>
+            <p:ph type="sldNum" sz="quarter" idx="12"/>
+          </p:nvPr>
+        </p:nvSpPr>
+        <p:spPr/>
+        <p:txBody>
+          <a:bodyPr/>
+          <a:lstStyle/>
+          <a:p>
+            <a:fld id="{7DB0EE1B-E4C1-4C7B-8CEC-C7439F861DA8}" type="slidenum">
+              <a:rPr lang="ru-RU" sz="1800" smtClean="0">
+                <a:latin typeface="Lato" panose="020F0502020204030203" pitchFamily="34" charset="0"/>
+                <a:cs typeface="Lato" panose="020F0502020204030203" pitchFamily="34" charset="0"/>
+              </a:rPr>
+              <a:t>14</a:t>
+            </a:fld>
+            <a:endParaRPr lang="ru-RU" dirty="0">
+              <a:latin typeface="Lato" panose="020F0502020204030203" pitchFamily="34" charset="0"/>
+              <a:cs typeface="Lato" panose="020F0502020204030203" pitchFamily="34" charset="0"/>
+            </a:endParaRPr>
+          </a:p>
+        </p:txBody>
+      </p:sp>
     </p:spTree>
     <p:extLst>
       <p:ext uri="{BB962C8B-B14F-4D97-AF65-F5344CB8AC3E}">
@@ -4651,16 +5461,12 @@
           <a:lstStyle/>
           <a:p>
             <a:r>
-              <a:rPr lang="ru-RU" dirty="0" smtClean="0">
+              <a:rPr lang="ru-RU" dirty="0">
                 <a:latin typeface="Lato" panose="020F0502020204030203" pitchFamily="34" charset="0"/>
                 <a:cs typeface="Lato" panose="020F0502020204030203" pitchFamily="34" charset="0"/>
               </a:rPr>
               <a:t>Выводы</a:t>
             </a:r>
-            <a:endParaRPr lang="ru-RU" dirty="0">
-              <a:latin typeface="Lato" panose="020F0502020204030203" pitchFamily="34" charset="0"/>
-              <a:cs typeface="Lato" panose="020F0502020204030203" pitchFamily="34" charset="0"/>
-            </a:endParaRPr>
           </a:p>
         </p:txBody>
       </p:sp>
@@ -4687,40 +5493,55 @@
                 <a:latin typeface="Lato" panose="020F0502020204030203" pitchFamily="34" charset="0"/>
                 <a:cs typeface="Lato" panose="020F0502020204030203" pitchFamily="34" charset="0"/>
               </a:rPr>
-              <a:t>П</a:t>
-            </a:r>
-            <a:r>
-              <a:rPr lang="ru-RU" sz="3600" dirty="0" smtClean="0">
-                <a:latin typeface="Lato" panose="020F0502020204030203" pitchFamily="34" charset="0"/>
-                <a:cs typeface="Lato" panose="020F0502020204030203" pitchFamily="34" charset="0"/>
-              </a:rPr>
-              <a:t>рограммный комплекс с</a:t>
-            </a:r>
-            <a:r>
-              <a:rPr lang="ru-RU" sz="3600" dirty="0" smtClean="0">
-                <a:latin typeface="Lato" panose="020F0502020204030203" pitchFamily="34" charset="0"/>
-                <a:cs typeface="Lato" panose="020F0502020204030203" pitchFamily="34" charset="0"/>
-              </a:rPr>
-              <a:t>проектирован и частично разработан</a:t>
+              <a:t>Программный комплекс спроектирован и частично разработан</a:t>
             </a:r>
           </a:p>
           <a:p>
             <a:pPr algn="just"/>
             <a:r>
-              <a:rPr lang="ru-RU" sz="3600" dirty="0" smtClean="0">
+              <a:rPr lang="ru-RU" sz="3600" dirty="0">
                 <a:latin typeface="Lato" panose="020F0502020204030203" pitchFamily="34" charset="0"/>
                 <a:cs typeface="Lato" panose="020F0502020204030203" pitchFamily="34" charset="0"/>
               </a:rPr>
               <a:t>Программный комплекс внедрен в </a:t>
             </a:r>
             <a:r>
-              <a:rPr lang="ru-RU" sz="3600" dirty="0" err="1" smtClean="0">
+              <a:rPr lang="ru-RU" sz="3600" dirty="0" err="1">
                 <a:latin typeface="Lato" panose="020F0502020204030203" pitchFamily="34" charset="0"/>
                 <a:cs typeface="Lato" panose="020F0502020204030203" pitchFamily="34" charset="0"/>
               </a:rPr>
               <a:t>ПланФакт</a:t>
             </a:r>
             <a:endParaRPr lang="ru-RU" sz="3600" dirty="0">
+              <a:latin typeface="Lato" panose="020F0502020204030203" pitchFamily="34" charset="0"/>
+              <a:cs typeface="Lato" panose="020F0502020204030203" pitchFamily="34" charset="0"/>
+            </a:endParaRPr>
+          </a:p>
+        </p:txBody>
+      </p:sp>
+      <p:sp>
+        <p:nvSpPr>
+          <p:cNvPr id="4" name="Номер слайда 3"/>
+          <p:cNvSpPr>
+            <a:spLocks noGrp="1"/>
+          </p:cNvSpPr>
+          <p:nvPr>
+            <p:ph type="sldNum" sz="quarter" idx="12"/>
+          </p:nvPr>
+        </p:nvSpPr>
+        <p:spPr/>
+        <p:txBody>
+          <a:bodyPr/>
+          <a:lstStyle/>
+          <a:p>
+            <a:fld id="{7DB0EE1B-E4C1-4C7B-8CEC-C7439F861DA8}" type="slidenum">
+              <a:rPr lang="ru-RU" sz="1800" smtClean="0">
+                <a:latin typeface="Lato" panose="020F0502020204030203" pitchFamily="34" charset="0"/>
+                <a:cs typeface="Lato" panose="020F0502020204030203" pitchFamily="34" charset="0"/>
+              </a:rPr>
+              <a:t>15</a:t>
+            </a:fld>
+            <a:endParaRPr lang="ru-RU" dirty="0">
               <a:latin typeface="Lato" panose="020F0502020204030203" pitchFamily="34" charset="0"/>
               <a:cs typeface="Lato" panose="020F0502020204030203" pitchFamily="34" charset="0"/>
             </a:endParaRPr>
@@ -4781,32 +5602,18 @@
               <a:buNone/>
             </a:pPr>
             <a:r>
-              <a:rPr lang="ru-RU" b="1" dirty="0" smtClean="0">
+              <a:rPr lang="ru-RU" b="1" dirty="0">
                 <a:latin typeface="Lato" panose="020F0502020204030203" pitchFamily="34" charset="0"/>
                 <a:cs typeface="Lato" panose="020F0502020204030203" pitchFamily="34" charset="0"/>
               </a:rPr>
               <a:t>Цель:</a:t>
             </a:r>
             <a:r>
-              <a:rPr lang="ru-RU" dirty="0" smtClean="0">
-                <a:latin typeface="Lato" panose="020F0502020204030203" pitchFamily="34" charset="0"/>
-                <a:cs typeface="Lato" panose="020F0502020204030203" pitchFamily="34" charset="0"/>
-              </a:rPr>
-              <a:t> проектирование </a:t>
-            </a:r>
-            <a:r>
               <a:rPr lang="ru-RU" dirty="0">
                 <a:latin typeface="Lato" panose="020F0502020204030203" pitchFamily="34" charset="0"/>
                 <a:cs typeface="Lato" panose="020F0502020204030203" pitchFamily="34" charset="0"/>
               </a:rPr>
-              <a:t>программного комплекса управления рассылкой электронных сообщений с возможностью последующего внедрения в системы, требующие высокой надежности </a:t>
-            </a:r>
-            <a:r>
-              <a:rPr lang="ru-RU" dirty="0" smtClean="0">
-                <a:latin typeface="Lato" panose="020F0502020204030203" pitchFamily="34" charset="0"/>
-                <a:cs typeface="Lato" panose="020F0502020204030203" pitchFamily="34" charset="0"/>
-              </a:rPr>
-              <a:t>отправки.</a:t>
+              <a:t> проектирование программного комплекса управления рассылкой электронных сообщений с возможностью последующего внедрения в системы, требующие высокой надежности отправки.</a:t>
             </a:r>
           </a:p>
           <a:p>
@@ -4822,7 +5629,7 @@
             <a:pPr marL="0" indent="0" algn="just">
               <a:buNone/>
             </a:pPr>
-            <a:endParaRPr lang="ru-RU" dirty="0" smtClean="0">
+            <a:endParaRPr lang="ru-RU" dirty="0">
               <a:latin typeface="Lato" panose="020F0502020204030203" pitchFamily="34" charset="0"/>
               <a:cs typeface="Lato" panose="020F0502020204030203" pitchFamily="34" charset="0"/>
             </a:endParaRPr>
@@ -4832,14 +5639,14 @@
               <a:buNone/>
             </a:pPr>
             <a:r>
-              <a:rPr lang="ru-RU" b="1" dirty="0" smtClean="0">
+              <a:rPr lang="ru-RU" b="1" dirty="0">
                 <a:latin typeface="Lato" panose="020F0502020204030203" pitchFamily="34" charset="0"/>
                 <a:cs typeface="Lato" panose="020F0502020204030203" pitchFamily="34" charset="0"/>
               </a:rPr>
               <a:t>Объект:</a:t>
             </a:r>
             <a:r>
-              <a:rPr lang="ru-RU" dirty="0" smtClean="0">
+              <a:rPr lang="ru-RU" dirty="0">
                 <a:latin typeface="Lato" panose="020F0502020204030203" pitchFamily="34" charset="0"/>
                 <a:cs typeface="Lato" panose="020F0502020204030203" pitchFamily="34" charset="0"/>
               </a:rPr>
@@ -4909,6 +5716,35 @@
           </a:prstGeom>
         </p:spPr>
       </p:pic>
+      <p:sp>
+        <p:nvSpPr>
+          <p:cNvPr id="2" name="Номер слайда 1"/>
+          <p:cNvSpPr>
+            <a:spLocks noGrp="1"/>
+          </p:cNvSpPr>
+          <p:nvPr>
+            <p:ph type="sldNum" sz="quarter" idx="12"/>
+          </p:nvPr>
+        </p:nvSpPr>
+        <p:spPr/>
+        <p:txBody>
+          <a:bodyPr/>
+          <a:lstStyle/>
+          <a:p>
+            <a:fld id="{7DB0EE1B-E4C1-4C7B-8CEC-C7439F861DA8}" type="slidenum">
+              <a:rPr lang="ru-RU" sz="1800" smtClean="0">
+                <a:latin typeface="Lato" panose="020F0502020204030203" pitchFamily="34" charset="0"/>
+                <a:cs typeface="Lato" panose="020F0502020204030203" pitchFamily="34" charset="0"/>
+              </a:rPr>
+              <a:t>2</a:t>
+            </a:fld>
+            <a:endParaRPr lang="ru-RU" dirty="0">
+              <a:latin typeface="Lato" panose="020F0502020204030203" pitchFamily="34" charset="0"/>
+              <a:cs typeface="Lato" panose="020F0502020204030203" pitchFamily="34" charset="0"/>
+            </a:endParaRPr>
+          </a:p>
+        </p:txBody>
+      </p:sp>
     </p:spTree>
     <p:extLst>
       <p:ext uri="{BB962C8B-B14F-4D97-AF65-F5344CB8AC3E}">
@@ -4955,16 +5791,12 @@
           <a:lstStyle/>
           <a:p>
             <a:r>
-              <a:rPr lang="ru-RU" b="1" dirty="0" smtClean="0">
+              <a:rPr lang="ru-RU" b="1" dirty="0">
                 <a:latin typeface="Lato" panose="020F0502020204030203" pitchFamily="34" charset="0"/>
                 <a:cs typeface="Lato" panose="020F0502020204030203" pitchFamily="34" charset="0"/>
               </a:rPr>
               <a:t>Задачи</a:t>
             </a:r>
-            <a:endParaRPr lang="ru-RU" b="1" dirty="0">
-              <a:latin typeface="Lato" panose="020F0502020204030203" pitchFamily="34" charset="0"/>
-              <a:cs typeface="Lato" panose="020F0502020204030203" pitchFamily="34" charset="0"/>
-            </a:endParaRPr>
           </a:p>
         </p:txBody>
       </p:sp>
@@ -4988,12 +5820,8 @@
               <a:buAutoNum type="arabicParenR"/>
             </a:pPr>
             <a:r>
-              <a:rPr lang="ru-RU" dirty="0" smtClean="0"/>
-              <a:t>анализ </a:t>
-            </a:r>
-            <a:r>
               <a:rPr lang="ru-RU" dirty="0"/>
-              <a:t>процесса отправки электронного письма;</a:t>
+              <a:t>анализ процесса отправки электронного письма;</a:t>
             </a:r>
           </a:p>
           <a:p>
@@ -5002,12 +5830,8 @@
               <a:buAutoNum type="arabicParenR"/>
             </a:pPr>
             <a:r>
-              <a:rPr lang="ru-RU" dirty="0" smtClean="0"/>
-              <a:t>сравнительный </a:t>
-            </a:r>
-            <a:r>
               <a:rPr lang="ru-RU" dirty="0"/>
-              <a:t>анализ уже имеющихся систем и платформ для обучения;</a:t>
+              <a:t>сравнительный анализ уже имеющихся систем и платформ для обучения;</a:t>
             </a:r>
           </a:p>
           <a:p>
@@ -5048,16 +5872,12 @@
               <a:t>, серверной части, </a:t>
             </a:r>
             <a:r>
-              <a:rPr lang="en-US" dirty="0" smtClean="0"/>
+              <a:rPr lang="en-US" dirty="0"/>
               <a:t>WEB</a:t>
             </a:r>
             <a:r>
-              <a:rPr lang="ru-RU" dirty="0" smtClean="0"/>
-              <a:t>-интерфейса</a:t>
-            </a:r>
-            <a:r>
               <a:rPr lang="ru-RU" dirty="0"/>
-              <a:t>;</a:t>
+              <a:t>-интерфейса;</a:t>
             </a:r>
           </a:p>
           <a:p>
@@ -5084,10 +5904,38 @@
               <a:t>ПланФакт</a:t>
             </a:r>
             <a:r>
-              <a:rPr lang="ru-RU" dirty="0" smtClean="0"/>
+              <a:rPr lang="ru-RU" dirty="0"/>
               <a:t>.</a:t>
             </a:r>
-            <a:endParaRPr lang="ru-RU" dirty="0"/>
+          </a:p>
+        </p:txBody>
+      </p:sp>
+      <p:sp>
+        <p:nvSpPr>
+          <p:cNvPr id="4" name="Номер слайда 3"/>
+          <p:cNvSpPr>
+            <a:spLocks noGrp="1"/>
+          </p:cNvSpPr>
+          <p:nvPr>
+            <p:ph type="sldNum" sz="quarter" idx="12"/>
+          </p:nvPr>
+        </p:nvSpPr>
+        <p:spPr/>
+        <p:txBody>
+          <a:bodyPr/>
+          <a:lstStyle/>
+          <a:p>
+            <a:fld id="{7DB0EE1B-E4C1-4C7B-8CEC-C7439F861DA8}" type="slidenum">
+              <a:rPr lang="ru-RU" sz="1800" smtClean="0">
+                <a:latin typeface="Lato" panose="020F0502020204030203" pitchFamily="34" charset="0"/>
+                <a:cs typeface="Lato" panose="020F0502020204030203" pitchFamily="34" charset="0"/>
+              </a:rPr>
+              <a:t>3</a:t>
+            </a:fld>
+            <a:endParaRPr lang="ru-RU" dirty="0">
+              <a:latin typeface="Lato" panose="020F0502020204030203" pitchFamily="34" charset="0"/>
+              <a:cs typeface="Lato" panose="020F0502020204030203" pitchFamily="34" charset="0"/>
+            </a:endParaRPr>
           </a:p>
         </p:txBody>
       </p:sp>
@@ -5142,16 +5990,12 @@
           <a:lstStyle/>
           <a:p>
             <a:r>
-              <a:rPr lang="ru-RU" dirty="0" smtClean="0">
+              <a:rPr lang="ru-RU" dirty="0">
                 <a:latin typeface="Lato" panose="020F0502020204030203" pitchFamily="34" charset="0"/>
                 <a:cs typeface="Lato" panose="020F0502020204030203" pitchFamily="34" charset="0"/>
               </a:rPr>
               <a:t>Аналоги</a:t>
             </a:r>
-            <a:endParaRPr lang="ru-RU" dirty="0">
-              <a:latin typeface="Lato" panose="020F0502020204030203" pitchFamily="34" charset="0"/>
-              <a:cs typeface="Lato" panose="020F0502020204030203" pitchFamily="34" charset="0"/>
-            </a:endParaRPr>
           </a:p>
         </p:txBody>
       </p:sp>
@@ -5197,36 +6041,6 @@
           </a:extLst>
         </p:spPr>
       </p:pic>
-      <p:pic>
-        <p:nvPicPr>
-          <p:cNvPr id="7" name="Рисунок 6"/>
-          <p:cNvPicPr>
-            <a:picLocks noChangeAspect="1"/>
-          </p:cNvPicPr>
-          <p:nvPr/>
-        </p:nvPicPr>
-        <p:blipFill>
-          <a:blip r:embed="rId4">
-            <a:extLst>
-              <a:ext uri="{28A0092B-C50C-407E-A947-70E740481C1C}">
-                <a14:useLocalDpi xmlns:a14="http://schemas.microsoft.com/office/drawing/2010/main" val="0"/>
-              </a:ext>
-            </a:extLst>
-          </a:blip>
-          <a:stretch>
-            <a:fillRect/>
-          </a:stretch>
-        </p:blipFill>
-        <p:spPr>
-          <a:xfrm>
-            <a:off x="2981165" y="3207377"/>
-            <a:ext cx="6042102" cy="1325311"/>
-          </a:xfrm>
-          <a:prstGeom prst="rect">
-            <a:avLst/>
-          </a:prstGeom>
-        </p:spPr>
-      </p:pic>
       <p:sp>
         <p:nvSpPr>
           <p:cNvPr id="9" name="Прямоугольник 8"/>
@@ -5249,16 +6063,12 @@
           <a:lstStyle/>
           <a:p>
             <a:r>
-              <a:rPr lang="ru-RU" sz="3200" dirty="0" smtClean="0">
+              <a:rPr lang="ru-RU" sz="3200" dirty="0">
                 <a:latin typeface="Lato" panose="020F0502020204030203" pitchFamily="34" charset="0"/>
                 <a:cs typeface="Lato" panose="020F0502020204030203" pitchFamily="34" charset="0"/>
               </a:rPr>
               <a:t>1)</a:t>
             </a:r>
-            <a:endParaRPr lang="ru-RU" sz="3200" dirty="0">
-              <a:latin typeface="Lato" panose="020F0502020204030203" pitchFamily="34" charset="0"/>
-              <a:cs typeface="Lato" panose="020F0502020204030203" pitchFamily="34" charset="0"/>
-            </a:endParaRPr>
           </a:p>
         </p:txBody>
       </p:sp>
@@ -5284,16 +6094,12 @@
           <a:lstStyle/>
           <a:p>
             <a:r>
-              <a:rPr lang="ru-RU" sz="3200" dirty="0" smtClean="0">
+              <a:rPr lang="ru-RU" sz="3200" dirty="0">
                 <a:latin typeface="Lato" panose="020F0502020204030203" pitchFamily="34" charset="0"/>
                 <a:cs typeface="Lato" panose="020F0502020204030203" pitchFamily="34" charset="0"/>
               </a:rPr>
               <a:t>2)</a:t>
             </a:r>
-            <a:endParaRPr lang="ru-RU" sz="3200" dirty="0">
-              <a:latin typeface="Lato" panose="020F0502020204030203" pitchFamily="34" charset="0"/>
-              <a:cs typeface="Lato" panose="020F0502020204030203" pitchFamily="34" charset="0"/>
-            </a:endParaRPr>
           </a:p>
         </p:txBody>
       </p:sp>
@@ -5319,13 +6125,62 @@
           <a:lstStyle/>
           <a:p>
             <a:r>
-              <a:rPr lang="ru-RU" sz="3200" dirty="0" smtClean="0">
+              <a:rPr lang="ru-RU" sz="3200" dirty="0">
                 <a:latin typeface="Lato" panose="020F0502020204030203" pitchFamily="34" charset="0"/>
                 <a:cs typeface="Lato" panose="020F0502020204030203" pitchFamily="34" charset="0"/>
               </a:rPr>
               <a:t>3)</a:t>
             </a:r>
-            <a:endParaRPr lang="ru-RU" sz="3200" dirty="0">
+          </a:p>
+        </p:txBody>
+      </p:sp>
+      <p:pic>
+        <p:nvPicPr>
+          <p:cNvPr id="12" name="Рисунок 11"/>
+          <p:cNvPicPr>
+            <a:picLocks noChangeAspect="1"/>
+          </p:cNvPicPr>
+          <p:nvPr/>
+        </p:nvPicPr>
+        <p:blipFill>
+          <a:blip r:embed="rId4"/>
+          <a:stretch>
+            <a:fillRect/>
+          </a:stretch>
+        </p:blipFill>
+        <p:spPr>
+          <a:xfrm>
+            <a:off x="5132635" y="4822505"/>
+            <a:ext cx="6269018" cy="1623545"/>
+          </a:xfrm>
+          <a:prstGeom prst="rect">
+            <a:avLst/>
+          </a:prstGeom>
+        </p:spPr>
+      </p:pic>
+      <p:sp>
+        <p:nvSpPr>
+          <p:cNvPr id="3" name="Номер слайда 2"/>
+          <p:cNvSpPr>
+            <a:spLocks noGrp="1"/>
+          </p:cNvSpPr>
+          <p:nvPr>
+            <p:ph type="sldNum" sz="quarter" idx="12"/>
+          </p:nvPr>
+        </p:nvSpPr>
+        <p:spPr/>
+        <p:txBody>
+          <a:bodyPr/>
+          <a:lstStyle/>
+          <a:p>
+            <a:fld id="{7DB0EE1B-E4C1-4C7B-8CEC-C7439F861DA8}" type="slidenum">
+              <a:rPr lang="ru-RU" sz="1800" smtClean="0">
+                <a:latin typeface="Lato" panose="020F0502020204030203" pitchFamily="34" charset="0"/>
+                <a:cs typeface="Lato" panose="020F0502020204030203" pitchFamily="34" charset="0"/>
+              </a:rPr>
+              <a:t>4</a:t>
+            </a:fld>
+            <a:endParaRPr lang="ru-RU" sz="1400" dirty="0">
               <a:latin typeface="Lato" panose="020F0502020204030203" pitchFamily="34" charset="0"/>
               <a:cs typeface="Lato" panose="020F0502020204030203" pitchFamily="34" charset="0"/>
             </a:endParaRPr>
@@ -5334,7 +6189,7 @@
       </p:sp>
       <p:pic>
         <p:nvPicPr>
-          <p:cNvPr id="12" name="Рисунок 11"/>
+          <p:cNvPr id="4" name="Рисунок 3"/>
           <p:cNvPicPr>
             <a:picLocks noChangeAspect="1"/>
           </p:cNvPicPr>
@@ -5348,8 +6203,8 @@
         </p:blipFill>
         <p:spPr>
           <a:xfrm>
-            <a:off x="5132635" y="4822505"/>
-            <a:ext cx="6269018" cy="1623545"/>
+            <a:off x="3082834" y="3217148"/>
+            <a:ext cx="6413695" cy="1417603"/>
           </a:xfrm>
           <a:prstGeom prst="rect">
             <a:avLst/>
@@ -5407,16 +6262,12 @@
           <a:lstStyle/>
           <a:p>
             <a:r>
-              <a:rPr lang="ru-RU" dirty="0" smtClean="0">
+              <a:rPr lang="ru-RU" dirty="0">
                 <a:latin typeface="Lato" panose="020F0502020204030203" pitchFamily="34" charset="0"/>
                 <a:cs typeface="Lato" panose="020F0502020204030203" pitchFamily="34" charset="0"/>
               </a:rPr>
               <a:t>Архитектура</a:t>
             </a:r>
-            <a:endParaRPr lang="ru-RU" dirty="0">
-              <a:latin typeface="Lato" panose="020F0502020204030203" pitchFamily="34" charset="0"/>
-              <a:cs typeface="Lato" panose="020F0502020204030203" pitchFamily="34" charset="0"/>
-            </a:endParaRPr>
           </a:p>
         </p:txBody>
       </p:sp>
@@ -5441,51 +6292,51 @@
           <a:lstStyle/>
           <a:p>
             <a:r>
-              <a:rPr lang="ru-RU" dirty="0" smtClean="0"/>
+              <a:rPr lang="ru-RU" dirty="0"/>
               <a:t>Трехуровневая</a:t>
             </a:r>
           </a:p>
           <a:p>
             <a:r>
-              <a:rPr lang="ru-RU" dirty="0" smtClean="0"/>
+              <a:rPr lang="ru-RU" dirty="0"/>
               <a:t>Сервер - </a:t>
             </a:r>
             <a:r>
-              <a:rPr lang="en-US" dirty="0" smtClean="0"/>
+              <a:rPr lang="en-US" dirty="0"/>
               <a:t>.NET</a:t>
             </a:r>
             <a:r>
-              <a:rPr lang="ru-RU" dirty="0" smtClean="0"/>
+              <a:rPr lang="ru-RU" dirty="0"/>
               <a:t> </a:t>
             </a:r>
             <a:r>
-              <a:rPr lang="en-US" dirty="0" smtClean="0"/>
+              <a:rPr lang="en-US" dirty="0"/>
               <a:t>Core 5</a:t>
             </a:r>
           </a:p>
           <a:p>
             <a:r>
-              <a:rPr lang="ru-RU" dirty="0" smtClean="0"/>
+              <a:rPr lang="ru-RU" dirty="0"/>
               <a:t>Клиент – </a:t>
             </a:r>
             <a:r>
-              <a:rPr lang="en-US" dirty="0" smtClean="0"/>
+              <a:rPr lang="en-US" dirty="0"/>
               <a:t>Angular 9, TS</a:t>
             </a:r>
           </a:p>
           <a:p>
             <a:r>
-              <a:rPr lang="ru-RU" dirty="0" smtClean="0"/>
+              <a:rPr lang="ru-RU" dirty="0"/>
               <a:t>Модель данных – </a:t>
             </a:r>
             <a:r>
-              <a:rPr lang="en-US" dirty="0" smtClean="0"/>
+              <a:rPr lang="en-US" dirty="0"/>
               <a:t>MS SQL</a:t>
             </a:r>
           </a:p>
           <a:p>
             <a:r>
-              <a:rPr lang="ru-RU" dirty="0" smtClean="0"/>
+              <a:rPr lang="ru-RU" dirty="0"/>
               <a:t>Моб</a:t>
             </a:r>
             <a:r>
@@ -5493,31 +6344,27 @@
               <a:t>.</a:t>
             </a:r>
             <a:r>
-              <a:rPr lang="ru-RU" dirty="0" smtClean="0"/>
+              <a:rPr lang="ru-RU" dirty="0"/>
               <a:t> разработка</a:t>
-            </a:r>
-            <a:r>
-              <a:rPr lang="en-US" dirty="0" smtClean="0"/>
-              <a:t> </a:t>
-            </a:r>
-            <a:r>
-              <a:rPr lang="ru-RU" dirty="0" smtClean="0"/>
-              <a:t>–</a:t>
             </a:r>
             <a:r>
               <a:rPr lang="en-US" dirty="0"/>
               <a:t> </a:t>
             </a:r>
             <a:r>
-              <a:rPr lang="en-US" dirty="0" smtClean="0"/>
-              <a:t>Java, Swift</a:t>
-            </a:r>
-          </a:p>
-          <a:p>
-            <a:endParaRPr lang="en-US" dirty="0" smtClean="0"/>
-          </a:p>
-          <a:p>
-            <a:endParaRPr lang="ru-RU" dirty="0" smtClean="0"/>
+              <a:rPr lang="ru-RU" dirty="0"/>
+              <a:t>–</a:t>
+            </a:r>
+            <a:r>
+              <a:rPr lang="en-US" dirty="0"/>
+              <a:t> Java, Swift</a:t>
+            </a:r>
+          </a:p>
+          <a:p>
+            <a:endParaRPr lang="en-US" dirty="0"/>
+          </a:p>
+          <a:p>
+            <a:endParaRPr lang="ru-RU" dirty="0"/>
           </a:p>
           <a:p>
             <a:endParaRPr lang="ru-RU" dirty="0"/>
@@ -5674,6 +6521,35 @@
           </a:prstGeom>
         </p:spPr>
       </p:pic>
+      <p:sp>
+        <p:nvSpPr>
+          <p:cNvPr id="3" name="Номер слайда 2"/>
+          <p:cNvSpPr>
+            <a:spLocks noGrp="1"/>
+          </p:cNvSpPr>
+          <p:nvPr>
+            <p:ph type="sldNum" sz="quarter" idx="12"/>
+          </p:nvPr>
+        </p:nvSpPr>
+        <p:spPr/>
+        <p:txBody>
+          <a:bodyPr/>
+          <a:lstStyle/>
+          <a:p>
+            <a:fld id="{7DB0EE1B-E4C1-4C7B-8CEC-C7439F861DA8}" type="slidenum">
+              <a:rPr lang="ru-RU" sz="1800" smtClean="0">
+                <a:latin typeface="Lato" panose="020F0502020204030203" pitchFamily="34" charset="0"/>
+                <a:cs typeface="Lato" panose="020F0502020204030203" pitchFamily="34" charset="0"/>
+              </a:rPr>
+              <a:t>5</a:t>
+            </a:fld>
+            <a:endParaRPr lang="ru-RU" dirty="0">
+              <a:latin typeface="Lato" panose="020F0502020204030203" pitchFamily="34" charset="0"/>
+              <a:cs typeface="Lato" panose="020F0502020204030203" pitchFamily="34" charset="0"/>
+            </a:endParaRPr>
+          </a:p>
+        </p:txBody>
+      </p:sp>
     </p:spTree>
     <p:extLst>
       <p:ext uri="{BB962C8B-B14F-4D97-AF65-F5344CB8AC3E}">
@@ -5722,24 +6598,59 @@
             <p:ph type="title"/>
           </p:nvPr>
         </p:nvSpPr>
-        <p:spPr/>
-        <p:txBody>
-          <a:bodyPr/>
-          <a:lstStyle/>
-          <a:p>
-            <a:endParaRPr lang="ru-RU"/>
+        <p:spPr>
+          <a:xfrm>
+            <a:off x="838200" y="0"/>
+            <a:ext cx="10515600" cy="1325563"/>
+          </a:xfrm>
+        </p:spPr>
+        <p:txBody>
+          <a:bodyPr/>
+          <a:lstStyle/>
+          <a:p>
+            <a:pPr algn="ctr"/>
+            <a:r>
+              <a:rPr lang="ru-RU" dirty="0" smtClean="0"/>
+              <a:t>Архитектура</a:t>
+            </a:r>
+            <a:endParaRPr lang="ru-RU" dirty="0"/>
+          </a:p>
+        </p:txBody>
+      </p:sp>
+      <p:sp>
+        <p:nvSpPr>
+          <p:cNvPr id="3" name="Номер слайда 2"/>
+          <p:cNvSpPr>
+            <a:spLocks noGrp="1"/>
+          </p:cNvSpPr>
+          <p:nvPr>
+            <p:ph type="sldNum" sz="quarter" idx="12"/>
+          </p:nvPr>
+        </p:nvSpPr>
+        <p:spPr/>
+        <p:txBody>
+          <a:bodyPr/>
+          <a:lstStyle/>
+          <a:p>
+            <a:fld id="{7DB0EE1B-E4C1-4C7B-8CEC-C7439F861DA8}" type="slidenum">
+              <a:rPr lang="ru-RU" sz="1800" smtClean="0">
+                <a:latin typeface="Lato" panose="020F0502020204030203" pitchFamily="34" charset="0"/>
+                <a:cs typeface="Lato" panose="020F0502020204030203" pitchFamily="34" charset="0"/>
+              </a:rPr>
+              <a:t>6</a:t>
+            </a:fld>
+            <a:endParaRPr lang="ru-RU" dirty="0">
+              <a:latin typeface="Lato" panose="020F0502020204030203" pitchFamily="34" charset="0"/>
+              <a:cs typeface="Lato" panose="020F0502020204030203" pitchFamily="34" charset="0"/>
+            </a:endParaRPr>
           </a:p>
         </p:txBody>
       </p:sp>
       <p:pic>
         <p:nvPicPr>
-          <p:cNvPr id="4" name="Объект 3"/>
-          <p:cNvPicPr>
-            <a:picLocks noGrp="1" noChangeAspect="1"/>
-          </p:cNvPicPr>
-          <p:nvPr>
-            <p:ph idx="1"/>
-          </p:nvPr>
+          <p:cNvPr id="6" name="Рисунок 5"/>
+          <p:cNvPicPr/>
+          <p:nvPr/>
         </p:nvPicPr>
         <p:blipFill>
           <a:blip r:embed="rId3">
@@ -5749,15 +6660,23 @@
               </a:ext>
             </a:extLst>
           </a:blip>
+          <a:srcRect/>
           <a:stretch>
             <a:fillRect/>
           </a:stretch>
         </p:blipFill>
-        <p:spPr>
+        <p:spPr bwMode="auto">
           <a:xfrm>
-            <a:off x="374803" y="0"/>
-            <a:ext cx="11448694" cy="6858000"/>
+            <a:off x="1423851" y="1095602"/>
+            <a:ext cx="9353005" cy="5422764"/>
           </a:xfrm>
+          <a:prstGeom prst="rect">
+            <a:avLst/>
+          </a:prstGeom>
+          <a:noFill/>
+          <a:ln>
+            <a:noFill/>
+          </a:ln>
         </p:spPr>
       </p:pic>
     </p:spTree>
@@ -5807,12 +6726,37 @@
           <a:p>
             <a:pPr algn="ctr"/>
             <a:r>
-              <a:rPr lang="ru-RU" dirty="0" smtClean="0">
+              <a:rPr lang="ru-RU" dirty="0">
                 <a:latin typeface="Lato" panose="020F0502020204030203" pitchFamily="34" charset="0"/>
                 <a:cs typeface="Lato" panose="020F0502020204030203" pitchFamily="34" charset="0"/>
               </a:rPr>
               <a:t>Организационная структура проекта</a:t>
             </a:r>
+          </a:p>
+        </p:txBody>
+      </p:sp>
+      <p:sp>
+        <p:nvSpPr>
+          <p:cNvPr id="3" name="Номер слайда 2"/>
+          <p:cNvSpPr>
+            <a:spLocks noGrp="1"/>
+          </p:cNvSpPr>
+          <p:nvPr>
+            <p:ph type="sldNum" sz="quarter" idx="12"/>
+          </p:nvPr>
+        </p:nvSpPr>
+        <p:spPr/>
+        <p:txBody>
+          <a:bodyPr/>
+          <a:lstStyle/>
+          <a:p>
+            <a:fld id="{7DB0EE1B-E4C1-4C7B-8CEC-C7439F861DA8}" type="slidenum">
+              <a:rPr lang="ru-RU" sz="1800" smtClean="0">
+                <a:latin typeface="Lato" panose="020F0502020204030203" pitchFamily="34" charset="0"/>
+                <a:cs typeface="Lato" panose="020F0502020204030203" pitchFamily="34" charset="0"/>
+              </a:rPr>
+              <a:t>7</a:t>
+            </a:fld>
             <a:endParaRPr lang="ru-RU" dirty="0">
               <a:latin typeface="Lato" panose="020F0502020204030203" pitchFamily="34" charset="0"/>
               <a:cs typeface="Lato" panose="020F0502020204030203" pitchFamily="34" charset="0"/>
@@ -5820,39 +6764,516 @@
           </a:p>
         </p:txBody>
       </p:sp>
-      <p:pic>
-        <p:nvPicPr>
-          <p:cNvPr id="4" name="Рисунок 3" descr="Роли"/>
-          <p:cNvPicPr/>
+      <p:sp>
+        <p:nvSpPr>
+          <p:cNvPr id="5" name="Скругленный прямоугольник 4"/>
+          <p:cNvSpPr/>
           <p:nvPr/>
-        </p:nvPicPr>
-        <p:blipFill>
-          <a:blip r:embed="rId2">
-            <a:extLst>
-              <a:ext uri="{28A0092B-C50C-407E-A947-70E740481C1C}">
-                <a14:useLocalDpi xmlns:a14="http://schemas.microsoft.com/office/drawing/2010/main" val="0"/>
-              </a:ext>
-            </a:extLst>
-          </a:blip>
-          <a:srcRect/>
-          <a:stretch>
-            <a:fillRect/>
-          </a:stretch>
-        </p:blipFill>
-        <p:spPr bwMode="auto">
+        </p:nvSpPr>
+        <p:spPr>
           <a:xfrm>
-            <a:off x="838200" y="2282825"/>
-            <a:ext cx="10558648" cy="1616075"/>
+            <a:off x="4882661" y="1634637"/>
+            <a:ext cx="2426677" cy="832338"/>
           </a:xfrm>
-          <a:prstGeom prst="rect">
+          <a:prstGeom prst="roundRect">
             <a:avLst/>
           </a:prstGeom>
-          <a:noFill/>
+        </p:spPr>
+        <p:style>
+          <a:lnRef idx="2">
+            <a:schemeClr val="accent6"/>
+          </a:lnRef>
+          <a:fillRef idx="1">
+            <a:schemeClr val="lt1"/>
+          </a:fillRef>
+          <a:effectRef idx="0">
+            <a:schemeClr val="accent6"/>
+          </a:effectRef>
+          <a:fontRef idx="minor">
+            <a:schemeClr val="dk1"/>
+          </a:fontRef>
+        </p:style>
+        <p:txBody>
+          <a:bodyPr rtlCol="0" anchor="ctr"/>
+          <a:lstStyle/>
+          <a:p>
+            <a:pPr algn="ctr"/>
+            <a:r>
+              <a:rPr lang="ru-RU" dirty="0" smtClean="0"/>
+              <a:t>Менеджер проекта</a:t>
+            </a:r>
+            <a:endParaRPr lang="ru-RU" dirty="0"/>
+          </a:p>
+        </p:txBody>
+      </p:sp>
+      <p:sp>
+        <p:nvSpPr>
+          <p:cNvPr id="6" name="Скругленный прямоугольник 5"/>
+          <p:cNvSpPr/>
+          <p:nvPr/>
+        </p:nvSpPr>
+        <p:spPr>
+          <a:xfrm>
+            <a:off x="1166446" y="3214627"/>
+            <a:ext cx="1934307" cy="808892"/>
+          </a:xfrm>
+          <a:prstGeom prst="roundRect">
+            <a:avLst/>
+          </a:prstGeom>
+        </p:spPr>
+        <p:style>
+          <a:lnRef idx="2">
+            <a:schemeClr val="accent6"/>
+          </a:lnRef>
+          <a:fillRef idx="1">
+            <a:schemeClr val="lt1"/>
+          </a:fillRef>
+          <a:effectRef idx="0">
+            <a:schemeClr val="accent6"/>
+          </a:effectRef>
+          <a:fontRef idx="minor">
+            <a:schemeClr val="dk1"/>
+          </a:fontRef>
+        </p:style>
+        <p:txBody>
+          <a:bodyPr rtlCol="0" anchor="ctr"/>
+          <a:lstStyle/>
+          <a:p>
+            <a:pPr algn="ctr"/>
+            <a:r>
+              <a:rPr lang="ru-RU" dirty="0" smtClean="0"/>
+              <a:t>Системный аналитик</a:t>
+            </a:r>
+            <a:endParaRPr lang="ru-RU" dirty="0"/>
+          </a:p>
+        </p:txBody>
+      </p:sp>
+      <p:sp>
+        <p:nvSpPr>
+          <p:cNvPr id="7" name="Скругленный прямоугольник 6"/>
+          <p:cNvSpPr/>
+          <p:nvPr/>
+        </p:nvSpPr>
+        <p:spPr>
+          <a:xfrm>
+            <a:off x="1166446" y="4237891"/>
+            <a:ext cx="1934307" cy="808892"/>
+          </a:xfrm>
+          <a:prstGeom prst="roundRect">
+            <a:avLst/>
+          </a:prstGeom>
+        </p:spPr>
+        <p:style>
+          <a:lnRef idx="2">
+            <a:schemeClr val="accent6"/>
+          </a:lnRef>
+          <a:fillRef idx="1">
+            <a:schemeClr val="lt1"/>
+          </a:fillRef>
+          <a:effectRef idx="0">
+            <a:schemeClr val="accent6"/>
+          </a:effectRef>
+          <a:fontRef idx="minor">
+            <a:schemeClr val="dk1"/>
+          </a:fontRef>
+        </p:style>
+        <p:txBody>
+          <a:bodyPr rtlCol="0" anchor="ctr"/>
+          <a:lstStyle/>
+          <a:p>
+            <a:pPr algn="ctr"/>
+            <a:r>
+              <a:rPr lang="ru-RU" dirty="0" smtClean="0"/>
+              <a:t>Бизнес-аналитик</a:t>
+            </a:r>
+            <a:endParaRPr lang="ru-RU" dirty="0"/>
+          </a:p>
+        </p:txBody>
+      </p:sp>
+      <p:sp>
+        <p:nvSpPr>
+          <p:cNvPr id="8" name="Скругленный прямоугольник 7"/>
+          <p:cNvSpPr/>
+          <p:nvPr/>
+        </p:nvSpPr>
+        <p:spPr>
+          <a:xfrm>
+            <a:off x="4214437" y="4257948"/>
+            <a:ext cx="1934307" cy="808892"/>
+          </a:xfrm>
+          <a:prstGeom prst="roundRect">
+            <a:avLst/>
+          </a:prstGeom>
+        </p:spPr>
+        <p:style>
+          <a:lnRef idx="2">
+            <a:schemeClr val="accent6"/>
+          </a:lnRef>
+          <a:fillRef idx="1">
+            <a:schemeClr val="lt1"/>
+          </a:fillRef>
+          <a:effectRef idx="0">
+            <a:schemeClr val="accent6"/>
+          </a:effectRef>
+          <a:fontRef idx="minor">
+            <a:schemeClr val="dk1"/>
+          </a:fontRef>
+        </p:style>
+        <p:txBody>
+          <a:bodyPr rtlCol="0" anchor="ctr"/>
+          <a:lstStyle/>
+          <a:p>
+            <a:pPr algn="ctr"/>
+            <a:r>
+              <a:rPr lang="ru-RU" dirty="0" smtClean="0"/>
+              <a:t>Разработчик</a:t>
+            </a:r>
+            <a:endParaRPr lang="ru-RU" dirty="0"/>
+          </a:p>
+        </p:txBody>
+      </p:sp>
+      <p:sp>
+        <p:nvSpPr>
+          <p:cNvPr id="9" name="Скругленный прямоугольник 8"/>
+          <p:cNvSpPr/>
+          <p:nvPr/>
+        </p:nvSpPr>
+        <p:spPr>
+          <a:xfrm>
+            <a:off x="5638791" y="5374800"/>
+            <a:ext cx="1934307" cy="808892"/>
+          </a:xfrm>
+          <a:prstGeom prst="roundRect">
+            <a:avLst/>
+          </a:prstGeom>
+        </p:spPr>
+        <p:style>
+          <a:lnRef idx="2">
+            <a:schemeClr val="accent6"/>
+          </a:lnRef>
+          <a:fillRef idx="1">
+            <a:schemeClr val="lt1"/>
+          </a:fillRef>
+          <a:effectRef idx="0">
+            <a:schemeClr val="accent6"/>
+          </a:effectRef>
+          <a:fontRef idx="minor">
+            <a:schemeClr val="dk1"/>
+          </a:fontRef>
+        </p:style>
+        <p:txBody>
+          <a:bodyPr rtlCol="0" anchor="ctr"/>
+          <a:lstStyle/>
+          <a:p>
+            <a:pPr algn="ctr"/>
+            <a:r>
+              <a:rPr lang="ru-RU" dirty="0" err="1" smtClean="0"/>
+              <a:t>Тестировщик</a:t>
+            </a:r>
+            <a:endParaRPr lang="ru-RU" dirty="0"/>
+          </a:p>
+        </p:txBody>
+      </p:sp>
+      <p:sp>
+        <p:nvSpPr>
+          <p:cNvPr id="10" name="Скругленный прямоугольник 9"/>
+          <p:cNvSpPr/>
+          <p:nvPr/>
+        </p:nvSpPr>
+        <p:spPr>
+          <a:xfrm>
+            <a:off x="9419493" y="3214627"/>
+            <a:ext cx="1934307" cy="808892"/>
+          </a:xfrm>
+          <a:prstGeom prst="roundRect">
+            <a:avLst/>
+          </a:prstGeom>
+        </p:spPr>
+        <p:style>
+          <a:lnRef idx="2">
+            <a:schemeClr val="accent6"/>
+          </a:lnRef>
+          <a:fillRef idx="1">
+            <a:schemeClr val="lt1"/>
+          </a:fillRef>
+          <a:effectRef idx="0">
+            <a:schemeClr val="accent6"/>
+          </a:effectRef>
+          <a:fontRef idx="minor">
+            <a:schemeClr val="dk1"/>
+          </a:fontRef>
+        </p:style>
+        <p:txBody>
+          <a:bodyPr rtlCol="0" anchor="ctr"/>
+          <a:lstStyle/>
+          <a:p>
+            <a:pPr algn="ctr"/>
+            <a:r>
+              <a:rPr lang="ru-RU" dirty="0" smtClean="0"/>
+              <a:t>Специалист по внедрению</a:t>
+            </a:r>
+            <a:endParaRPr lang="ru-RU" dirty="0"/>
+          </a:p>
+        </p:txBody>
+      </p:sp>
+      <p:sp>
+        <p:nvSpPr>
+          <p:cNvPr id="11" name="Скругленный прямоугольник 10"/>
+          <p:cNvSpPr/>
+          <p:nvPr/>
+        </p:nvSpPr>
+        <p:spPr>
+          <a:xfrm>
+            <a:off x="7110038" y="4270101"/>
+            <a:ext cx="1934307" cy="808892"/>
+          </a:xfrm>
+          <a:prstGeom prst="roundRect">
+            <a:avLst/>
+          </a:prstGeom>
+        </p:spPr>
+        <p:style>
+          <a:lnRef idx="2">
+            <a:schemeClr val="accent6"/>
+          </a:lnRef>
+          <a:fillRef idx="1">
+            <a:schemeClr val="lt1"/>
+          </a:fillRef>
+          <a:effectRef idx="0">
+            <a:schemeClr val="accent6"/>
+          </a:effectRef>
+          <a:fontRef idx="minor">
+            <a:schemeClr val="dk1"/>
+          </a:fontRef>
+        </p:style>
+        <p:txBody>
+          <a:bodyPr rtlCol="0" anchor="ctr"/>
+          <a:lstStyle/>
+          <a:p>
+            <a:pPr algn="ctr"/>
+            <a:r>
+              <a:rPr lang="ru-RU" dirty="0" smtClean="0"/>
+              <a:t>Дизайнер</a:t>
+            </a:r>
+            <a:endParaRPr lang="ru-RU" dirty="0"/>
+          </a:p>
+        </p:txBody>
+      </p:sp>
+      <p:cxnSp>
+        <p:nvCxnSpPr>
+          <p:cNvPr id="13" name="Прямая со стрелкой 12"/>
+          <p:cNvCxnSpPr>
+            <a:stCxn id="5" idx="2"/>
+            <a:endCxn id="6" idx="3"/>
+          </p:cNvCxnSpPr>
+          <p:nvPr/>
+        </p:nvCxnSpPr>
+        <p:spPr>
+          <a:xfrm flipH="1">
+            <a:off x="3100753" y="2466975"/>
+            <a:ext cx="2995247" cy="1152098"/>
+          </a:xfrm>
+          <a:prstGeom prst="straightConnector1">
+            <a:avLst/>
+          </a:prstGeom>
           <a:ln>
-            <a:noFill/>
+            <a:tailEnd type="triangle"/>
           </a:ln>
         </p:spPr>
-      </p:pic>
+        <p:style>
+          <a:lnRef idx="1">
+            <a:schemeClr val="accent1"/>
+          </a:lnRef>
+          <a:fillRef idx="0">
+            <a:schemeClr val="accent1"/>
+          </a:fillRef>
+          <a:effectRef idx="0">
+            <a:schemeClr val="accent1"/>
+          </a:effectRef>
+          <a:fontRef idx="minor">
+            <a:schemeClr val="tx1"/>
+          </a:fontRef>
+        </p:style>
+      </p:cxnSp>
+      <p:cxnSp>
+        <p:nvCxnSpPr>
+          <p:cNvPr id="15" name="Прямая со стрелкой 14"/>
+          <p:cNvCxnSpPr>
+            <a:stCxn id="5" idx="2"/>
+            <a:endCxn id="7" idx="3"/>
+          </p:cNvCxnSpPr>
+          <p:nvPr/>
+        </p:nvCxnSpPr>
+        <p:spPr>
+          <a:xfrm flipH="1">
+            <a:off x="3100753" y="2466975"/>
+            <a:ext cx="2995247" cy="2175362"/>
+          </a:xfrm>
+          <a:prstGeom prst="straightConnector1">
+            <a:avLst/>
+          </a:prstGeom>
+          <a:ln>
+            <a:tailEnd type="triangle"/>
+          </a:ln>
+        </p:spPr>
+        <p:style>
+          <a:lnRef idx="1">
+            <a:schemeClr val="accent1"/>
+          </a:lnRef>
+          <a:fillRef idx="0">
+            <a:schemeClr val="accent1"/>
+          </a:fillRef>
+          <a:effectRef idx="0">
+            <a:schemeClr val="accent1"/>
+          </a:effectRef>
+          <a:fontRef idx="minor">
+            <a:schemeClr val="tx1"/>
+          </a:fontRef>
+        </p:style>
+      </p:cxnSp>
+      <p:cxnSp>
+        <p:nvCxnSpPr>
+          <p:cNvPr id="19" name="Прямая со стрелкой 18"/>
+          <p:cNvCxnSpPr>
+            <a:stCxn id="5" idx="2"/>
+            <a:endCxn id="8" idx="0"/>
+          </p:cNvCxnSpPr>
+          <p:nvPr/>
+        </p:nvCxnSpPr>
+        <p:spPr>
+          <a:xfrm flipH="1">
+            <a:off x="5181591" y="2466975"/>
+            <a:ext cx="914409" cy="1790973"/>
+          </a:xfrm>
+          <a:prstGeom prst="straightConnector1">
+            <a:avLst/>
+          </a:prstGeom>
+          <a:ln>
+            <a:tailEnd type="triangle"/>
+          </a:ln>
+        </p:spPr>
+        <p:style>
+          <a:lnRef idx="1">
+            <a:schemeClr val="accent1"/>
+          </a:lnRef>
+          <a:fillRef idx="0">
+            <a:schemeClr val="accent1"/>
+          </a:fillRef>
+          <a:effectRef idx="0">
+            <a:schemeClr val="accent1"/>
+          </a:effectRef>
+          <a:fontRef idx="minor">
+            <a:schemeClr val="tx1"/>
+          </a:fontRef>
+        </p:style>
+      </p:cxnSp>
+      <p:cxnSp>
+        <p:nvCxnSpPr>
+          <p:cNvPr id="21" name="Прямая со стрелкой 20"/>
+          <p:cNvCxnSpPr>
+            <a:stCxn id="5" idx="2"/>
+            <a:endCxn id="11" idx="0"/>
+          </p:cNvCxnSpPr>
+          <p:nvPr/>
+        </p:nvCxnSpPr>
+        <p:spPr>
+          <a:xfrm>
+            <a:off x="6096000" y="2466975"/>
+            <a:ext cx="1981192" cy="1803126"/>
+          </a:xfrm>
+          <a:prstGeom prst="straightConnector1">
+            <a:avLst/>
+          </a:prstGeom>
+          <a:ln>
+            <a:tailEnd type="triangle"/>
+          </a:ln>
+        </p:spPr>
+        <p:style>
+          <a:lnRef idx="1">
+            <a:schemeClr val="accent1"/>
+          </a:lnRef>
+          <a:fillRef idx="0">
+            <a:schemeClr val="accent1"/>
+          </a:fillRef>
+          <a:effectRef idx="0">
+            <a:schemeClr val="accent1"/>
+          </a:effectRef>
+          <a:fontRef idx="minor">
+            <a:schemeClr val="tx1"/>
+          </a:fontRef>
+        </p:style>
+      </p:cxnSp>
+      <p:cxnSp>
+        <p:nvCxnSpPr>
+          <p:cNvPr id="23" name="Прямая со стрелкой 22"/>
+          <p:cNvCxnSpPr>
+            <a:stCxn id="5" idx="2"/>
+            <a:endCxn id="9" idx="0"/>
+          </p:cNvCxnSpPr>
+          <p:nvPr/>
+        </p:nvCxnSpPr>
+        <p:spPr>
+          <a:xfrm>
+            <a:off x="6096000" y="2466975"/>
+            <a:ext cx="509945" cy="2907825"/>
+          </a:xfrm>
+          <a:prstGeom prst="straightConnector1">
+            <a:avLst/>
+          </a:prstGeom>
+          <a:ln>
+            <a:tailEnd type="triangle"/>
+          </a:ln>
+        </p:spPr>
+        <p:style>
+          <a:lnRef idx="1">
+            <a:schemeClr val="accent1"/>
+          </a:lnRef>
+          <a:fillRef idx="0">
+            <a:schemeClr val="accent1"/>
+          </a:fillRef>
+          <a:effectRef idx="0">
+            <a:schemeClr val="accent1"/>
+          </a:effectRef>
+          <a:fontRef idx="minor">
+            <a:schemeClr val="tx1"/>
+          </a:fontRef>
+        </p:style>
+      </p:cxnSp>
+      <p:cxnSp>
+        <p:nvCxnSpPr>
+          <p:cNvPr id="27" name="Прямая со стрелкой 26"/>
+          <p:cNvCxnSpPr>
+            <a:stCxn id="5" idx="2"/>
+            <a:endCxn id="10" idx="0"/>
+          </p:cNvCxnSpPr>
+          <p:nvPr/>
+        </p:nvCxnSpPr>
+        <p:spPr>
+          <a:xfrm>
+            <a:off x="6096000" y="2466975"/>
+            <a:ext cx="4290647" cy="747652"/>
+          </a:xfrm>
+          <a:prstGeom prst="straightConnector1">
+            <a:avLst/>
+          </a:prstGeom>
+          <a:ln>
+            <a:tailEnd type="triangle"/>
+          </a:ln>
+        </p:spPr>
+        <p:style>
+          <a:lnRef idx="1">
+            <a:schemeClr val="accent1"/>
+          </a:lnRef>
+          <a:fillRef idx="0">
+            <a:schemeClr val="accent1"/>
+          </a:fillRef>
+          <a:effectRef idx="0">
+            <a:schemeClr val="accent1"/>
+          </a:effectRef>
+          <a:fontRef idx="minor">
+            <a:schemeClr val="tx1"/>
+          </a:fontRef>
+        </p:style>
+      </p:cxnSp>
     </p:spTree>
     <p:extLst>
       <p:ext uri="{BB962C8B-B14F-4D97-AF65-F5344CB8AC3E}">
@@ -5890,7 +7311,7 @@
           <p:nvPr/>
         </p:nvPicPr>
         <p:blipFill>
-          <a:blip r:embed="rId2">
+          <a:blip r:embed="rId3">
             <a:extLst>
               <a:ext uri="{28A0092B-C50C-407E-A947-70E740481C1C}">
                 <a14:useLocalDpi xmlns:a14="http://schemas.microsoft.com/office/drawing/2010/main" val="0"/>
@@ -5904,8 +7325,8 @@
         </p:blipFill>
         <p:spPr bwMode="auto">
           <a:xfrm>
-            <a:off x="5803901" y="266537"/>
-            <a:ext cx="6079172" cy="6362228"/>
+            <a:off x="3172211" y="745696"/>
+            <a:ext cx="5368834" cy="5546453"/>
           </a:xfrm>
           <a:prstGeom prst="rect">
             <a:avLst/>
@@ -5924,28 +7345,40 @@
         </p:nvSpPr>
         <p:spPr>
           <a:xfrm>
-            <a:off x="304087" y="266537"/>
-            <a:ext cx="5328703" cy="1077218"/>
+            <a:off x="1558826" y="96720"/>
+            <a:ext cx="8595604" cy="584775"/>
           </a:xfrm>
           <a:prstGeom prst="rect">
             <a:avLst/>
           </a:prstGeom>
         </p:spPr>
         <p:txBody>
-          <a:bodyPr wrap="none">
+          <a:bodyPr wrap="square">
             <a:spAutoFit/>
           </a:bodyPr>
           <a:lstStyle/>
           <a:p>
+            <a:r>
+              <a:rPr lang="ru-RU" sz="3200" dirty="0">
+                <a:latin typeface="Lato" panose="020F0502020204030203" pitchFamily="34" charset="0"/>
+                <a:cs typeface="Lato" panose="020F0502020204030203" pitchFamily="34" charset="0"/>
+              </a:rPr>
+              <a:t>Табличное </a:t>
+            </a:r>
             <a:r>
               <a:rPr lang="ru-RU" sz="3200" dirty="0" smtClean="0">
                 <a:latin typeface="Lato" panose="020F0502020204030203" pitchFamily="34" charset="0"/>
                 <a:cs typeface="Lato" panose="020F0502020204030203" pitchFamily="34" charset="0"/>
               </a:rPr>
-              <a:t>Табличное представление </a:t>
-            </a:r>
-          </a:p>
-          <a:p>
+              <a:t>представление</a:t>
+            </a:r>
+            <a:r>
+              <a:rPr lang="en-US" sz="3200" dirty="0" smtClean="0">
+                <a:latin typeface="Lato" panose="020F0502020204030203" pitchFamily="34" charset="0"/>
+                <a:cs typeface="Lato" panose="020F0502020204030203" pitchFamily="34" charset="0"/>
+              </a:rPr>
+              <a:t> </a:t>
+            </a:r>
             <a:r>
               <a:rPr lang="ru-RU" sz="3200" dirty="0" smtClean="0">
                 <a:latin typeface="Lato" panose="020F0502020204030203" pitchFamily="34" charset="0"/>
@@ -5954,13 +7387,42 @@
               <a:t>диаграммы </a:t>
             </a:r>
             <a:r>
-              <a:rPr lang="ru-RU" sz="3200" dirty="0" err="1" smtClean="0">
+              <a:rPr lang="ru-RU" sz="3200" dirty="0" err="1">
                 <a:latin typeface="Lato" panose="020F0502020204030203" pitchFamily="34" charset="0"/>
                 <a:cs typeface="Lato" panose="020F0502020204030203" pitchFamily="34" charset="0"/>
               </a:rPr>
               <a:t>Ганта</a:t>
             </a:r>
             <a:endParaRPr lang="ru-RU" sz="3200" dirty="0"/>
+          </a:p>
+        </p:txBody>
+      </p:sp>
+      <p:sp>
+        <p:nvSpPr>
+          <p:cNvPr id="2" name="Номер слайда 1"/>
+          <p:cNvSpPr>
+            <a:spLocks noGrp="1"/>
+          </p:cNvSpPr>
+          <p:nvPr>
+            <p:ph type="sldNum" sz="quarter" idx="12"/>
+          </p:nvPr>
+        </p:nvSpPr>
+        <p:spPr/>
+        <p:txBody>
+          <a:bodyPr/>
+          <a:lstStyle/>
+          <a:p>
+            <a:fld id="{7DB0EE1B-E4C1-4C7B-8CEC-C7439F861DA8}" type="slidenum">
+              <a:rPr lang="ru-RU" sz="1800" smtClean="0">
+                <a:latin typeface="Lato" panose="020F0502020204030203" pitchFamily="34" charset="0"/>
+                <a:cs typeface="Lato" panose="020F0502020204030203" pitchFamily="34" charset="0"/>
+              </a:rPr>
+              <a:t>8</a:t>
+            </a:fld>
+            <a:endParaRPr lang="ru-RU" dirty="0">
+              <a:latin typeface="Lato" panose="020F0502020204030203" pitchFamily="34" charset="0"/>
+              <a:cs typeface="Lato" panose="020F0502020204030203" pitchFamily="34" charset="0"/>
+            </a:endParaRPr>
           </a:p>
         </p:txBody>
       </p:sp>
@@ -6008,14 +7470,75 @@
         </p:blipFill>
         <p:spPr>
           <a:xfrm>
-            <a:off x="0" y="296639"/>
-            <a:ext cx="12192000" cy="6307361"/>
+            <a:off x="496390" y="766741"/>
+            <a:ext cx="11129554" cy="5589609"/>
           </a:xfrm>
           <a:prstGeom prst="rect">
             <a:avLst/>
           </a:prstGeom>
         </p:spPr>
       </p:pic>
+      <p:sp>
+        <p:nvSpPr>
+          <p:cNvPr id="2" name="Номер слайда 1"/>
+          <p:cNvSpPr>
+            <a:spLocks noGrp="1"/>
+          </p:cNvSpPr>
+          <p:nvPr>
+            <p:ph type="sldNum" sz="quarter" idx="12"/>
+          </p:nvPr>
+        </p:nvSpPr>
+        <p:spPr/>
+        <p:txBody>
+          <a:bodyPr/>
+          <a:lstStyle/>
+          <a:p>
+            <a:fld id="{7DB0EE1B-E4C1-4C7B-8CEC-C7439F861DA8}" type="slidenum">
+              <a:rPr lang="ru-RU" sz="1800" smtClean="0">
+                <a:latin typeface="Lato" panose="020F0502020204030203" pitchFamily="34" charset="0"/>
+                <a:cs typeface="Lato" panose="020F0502020204030203" pitchFamily="34" charset="0"/>
+              </a:rPr>
+              <a:t>9</a:t>
+            </a:fld>
+            <a:endParaRPr lang="ru-RU" dirty="0">
+              <a:latin typeface="Lato" panose="020F0502020204030203" pitchFamily="34" charset="0"/>
+              <a:cs typeface="Lato" panose="020F0502020204030203" pitchFamily="34" charset="0"/>
+            </a:endParaRPr>
+          </a:p>
+        </p:txBody>
+      </p:sp>
+      <p:sp>
+        <p:nvSpPr>
+          <p:cNvPr id="3" name="Прямоугольник 2"/>
+          <p:cNvSpPr/>
+          <p:nvPr/>
+        </p:nvSpPr>
+        <p:spPr>
+          <a:xfrm>
+            <a:off x="4450251" y="120410"/>
+            <a:ext cx="3613713" cy="646331"/>
+          </a:xfrm>
+          <a:prstGeom prst="rect">
+            <a:avLst/>
+          </a:prstGeom>
+        </p:spPr>
+        <p:txBody>
+          <a:bodyPr wrap="square">
+            <a:spAutoFit/>
+          </a:bodyPr>
+          <a:lstStyle/>
+          <a:p>
+            <a:r>
+              <a:rPr lang="ru-RU" sz="3600" dirty="0" smtClean="0">
+                <a:latin typeface="Lato" panose="020F0502020204030203" pitchFamily="34" charset="0"/>
+                <a:cs typeface="Lato" panose="020F0502020204030203" pitchFamily="34" charset="0"/>
+              </a:rPr>
+              <a:t>Модель данных</a:t>
+            </a:r>
+            <a:endParaRPr lang="ru-RU" sz="3600" dirty="0"/>
+          </a:p>
+        </p:txBody>
+      </p:sp>
     </p:spTree>
     <p:extLst>
       <p:ext uri="{BB962C8B-B14F-4D97-AF65-F5344CB8AC3E}">

--- a/Презентация/Сухарев. ВКР.pptx
+++ b/Презентация/Сухарев. ВКР.pptx
@@ -5,24 +5,26 @@
     <p:sldMasterId id="2147483648" r:id="rId1"/>
   </p:sldMasterIdLst>
   <p:notesMasterIdLst>
-    <p:notesMasterId r:id="rId17"/>
+    <p:notesMasterId r:id="rId19"/>
   </p:notesMasterIdLst>
   <p:sldIdLst>
     <p:sldId id="256" r:id="rId2"/>
-    <p:sldId id="257" r:id="rId3"/>
-    <p:sldId id="258" r:id="rId4"/>
-    <p:sldId id="259" r:id="rId5"/>
-    <p:sldId id="260" r:id="rId6"/>
-    <p:sldId id="261" r:id="rId7"/>
-    <p:sldId id="262" r:id="rId8"/>
-    <p:sldId id="269" r:id="rId9"/>
-    <p:sldId id="264" r:id="rId10"/>
-    <p:sldId id="265" r:id="rId11"/>
-    <p:sldId id="266" r:id="rId12"/>
-    <p:sldId id="267" r:id="rId13"/>
-    <p:sldId id="268" r:id="rId14"/>
-    <p:sldId id="263" r:id="rId15"/>
-    <p:sldId id="270" r:id="rId16"/>
+    <p:sldId id="272" r:id="rId3"/>
+    <p:sldId id="257" r:id="rId4"/>
+    <p:sldId id="258" r:id="rId5"/>
+    <p:sldId id="259" r:id="rId6"/>
+    <p:sldId id="260" r:id="rId7"/>
+    <p:sldId id="261" r:id="rId8"/>
+    <p:sldId id="262" r:id="rId9"/>
+    <p:sldId id="269" r:id="rId10"/>
+    <p:sldId id="263" r:id="rId11"/>
+    <p:sldId id="264" r:id="rId12"/>
+    <p:sldId id="265" r:id="rId13"/>
+    <p:sldId id="266" r:id="rId14"/>
+    <p:sldId id="267" r:id="rId15"/>
+    <p:sldId id="268" r:id="rId16"/>
+    <p:sldId id="271" r:id="rId17"/>
+    <p:sldId id="270" r:id="rId18"/>
   </p:sldIdLst>
   <p:sldSz cx="12192000" cy="6858000"/>
   <p:notesSz cx="6858000" cy="9144000"/>
@@ -127,6 +129,7 @@
         <p14:section name="Раздел по умолчанию" id="{49BB22E4-BAFD-44E5-B87D-55E28FA2757D}">
           <p14:sldIdLst>
             <p14:sldId id="256"/>
+            <p14:sldId id="272"/>
             <p14:sldId id="257"/>
             <p14:sldId id="258"/>
             <p14:sldId id="259"/>
@@ -134,12 +137,13 @@
             <p14:sldId id="261"/>
             <p14:sldId id="262"/>
             <p14:sldId id="269"/>
+            <p14:sldId id="263"/>
             <p14:sldId id="264"/>
             <p14:sldId id="265"/>
             <p14:sldId id="266"/>
             <p14:sldId id="267"/>
             <p14:sldId id="268"/>
-            <p14:sldId id="263"/>
+            <p14:sldId id="271"/>
             <p14:sldId id="270"/>
           </p14:sldIdLst>
         </p14:section>
@@ -367,7 +371,7 @@
           <a:p>
             <a:fld id="{A0B05A8C-8C1B-4C2F-A402-21DEAE3D6844}" type="datetimeFigureOut">
               <a:rPr lang="ru-RU" smtClean="0"/>
-              <a:t>06.06.2021</a:t>
+              <a:t>08.06.2021</a:t>
             </a:fld>
             <a:endParaRPr lang="ru-RU"/>
           </a:p>
@@ -678,20 +682,7 @@
           <a:bodyPr/>
           <a:lstStyle/>
           <a:p>
-            <a:r>
-              <a:rPr lang="ru-RU" dirty="0"/>
-              <a:t>Разработки диплома</a:t>
-            </a:r>
-            <a:r>
-              <a:rPr lang="ru-RU" baseline="0" dirty="0"/>
-              <a:t> – задача не из легких. А что мы делаем, когда встречаем на своем пути трудные задачи? Применяем декомпозицию – разбиваем эту задачу на несколько задач попроще.</a:t>
-            </a:r>
-          </a:p>
-          <a:p>
-            <a:r>
-              <a:rPr lang="ru-RU" baseline="0" dirty="0"/>
-              <a:t>Таким образом, есть список задач: анализ предметной области, анализ требований, проектирование, разработка, тестирование и внедрение</a:t>
-            </a:r>
+            <a:endParaRPr lang="ru-RU" dirty="0"/>
           </a:p>
         </p:txBody>
       </p:sp>
@@ -721,7 +712,7 @@
     </p:spTree>
     <p:extLst>
       <p:ext uri="{BB962C8B-B14F-4D97-AF65-F5344CB8AC3E}">
-        <p14:creationId xmlns:p14="http://schemas.microsoft.com/office/powerpoint/2010/main" val="1549869694"/>
+        <p14:creationId xmlns:p14="http://schemas.microsoft.com/office/powerpoint/2010/main" val="401684747"/>
       </p:ext>
     </p:extLst>
   </p:cSld>
@@ -775,29 +766,14 @@
           <a:bodyPr/>
           <a:lstStyle/>
           <a:p>
-            <a:pPr marL="0" marR="0" indent="0" algn="l" defTabSz="914400" rtl="0" eaLnBrk="1" fontAlgn="auto" latinLnBrk="0" hangingPunct="1">
-              <a:lnSpc>
-                <a:spcPct val="100000"/>
-              </a:lnSpc>
-              <a:spcBef>
-                <a:spcPts val="0"/>
-              </a:spcBef>
-              <a:spcAft>
-                <a:spcPts val="0"/>
-              </a:spcAft>
-              <a:buClrTx/>
-              <a:buSzTx/>
-              <a:buFontTx/>
-              <a:buNone/>
-              <a:tabLst/>
-              <a:defRPr/>
-            </a:pPr>
-            <a:r>
-              <a:rPr lang="ru-RU" dirty="0" smtClean="0"/>
-              <a:t>Подробнее на стр. 21-22</a:t>
-            </a:r>
-          </a:p>
-          <a:p>
+            <a:r>
+              <a:rPr lang="ru-RU" dirty="0"/>
+              <a:t>Подробнее на</a:t>
+            </a:r>
+            <a:r>
+              <a:rPr lang="ru-RU" baseline="0" dirty="0"/>
+              <a:t> стр. 18</a:t>
+            </a:r>
             <a:endParaRPr lang="ru-RU" dirty="0"/>
           </a:p>
         </p:txBody>
@@ -828,7 +804,7 @@
     </p:spTree>
     <p:extLst>
       <p:ext uri="{BB962C8B-B14F-4D97-AF65-F5344CB8AC3E}">
-        <p14:creationId xmlns:p14="http://schemas.microsoft.com/office/powerpoint/2010/main" val="460864889"/>
+        <p14:creationId xmlns:p14="http://schemas.microsoft.com/office/powerpoint/2010/main" val="2977493513"/>
       </p:ext>
     </p:extLst>
   </p:cSld>
@@ -882,6 +858,10 @@
           <a:bodyPr/>
           <a:lstStyle/>
           <a:p>
+            <a:r>
+              <a:rPr lang="ru-RU" dirty="0" smtClean="0"/>
+              <a:t>Подробнее на стр. 21-22</a:t>
+            </a:r>
             <a:endParaRPr lang="ru-RU" dirty="0"/>
           </a:p>
         </p:txBody>
@@ -912,7 +892,7 @@
     </p:spTree>
     <p:extLst>
       <p:ext uri="{BB962C8B-B14F-4D97-AF65-F5344CB8AC3E}">
-        <p14:creationId xmlns:p14="http://schemas.microsoft.com/office/powerpoint/2010/main" val="152089786"/>
+        <p14:creationId xmlns:p14="http://schemas.microsoft.com/office/powerpoint/2010/main" val="1201579008"/>
       </p:ext>
     </p:extLst>
   </p:cSld>
@@ -966,18 +946,29 @@
           <a:bodyPr/>
           <a:lstStyle/>
           <a:p>
-            <a:r>
-              <a:rPr lang="ru-RU" sz="1200" kern="1200" dirty="0" smtClean="0">
-                <a:solidFill>
-                  <a:schemeClr val="tx1"/>
-                </a:solidFill>
-                <a:effectLst/>
-                <a:latin typeface="+mn-lt"/>
-                <a:ea typeface="+mn-ea"/>
-                <a:cs typeface="+mn-cs"/>
-              </a:rPr>
-              <a:t>Прочие расходы составляют 30% от суммы затрат.</a:t>
-            </a:r>
+            <a:pPr marL="0" marR="0" indent="0" algn="l" defTabSz="914400" rtl="0" eaLnBrk="1" fontAlgn="auto" latinLnBrk="0" hangingPunct="1">
+              <a:lnSpc>
+                <a:spcPct val="100000"/>
+              </a:lnSpc>
+              <a:spcBef>
+                <a:spcPts val="0"/>
+              </a:spcBef>
+              <a:spcAft>
+                <a:spcPts val="0"/>
+              </a:spcAft>
+              <a:buClrTx/>
+              <a:buSzTx/>
+              <a:buFontTx/>
+              <a:buNone/>
+              <a:tabLst/>
+              <a:defRPr/>
+            </a:pPr>
+            <a:r>
+              <a:rPr lang="ru-RU" dirty="0" smtClean="0"/>
+              <a:t>Подробнее на стр. 21-22</a:t>
+            </a:r>
+          </a:p>
+          <a:p>
             <a:endParaRPr lang="ru-RU" dirty="0"/>
           </a:p>
         </p:txBody>
@@ -1008,7 +999,187 @@
     </p:spTree>
     <p:extLst>
       <p:ext uri="{BB962C8B-B14F-4D97-AF65-F5344CB8AC3E}">
-        <p14:creationId xmlns:p14="http://schemas.microsoft.com/office/powerpoint/2010/main" val="3479568679"/>
+        <p14:creationId xmlns:p14="http://schemas.microsoft.com/office/powerpoint/2010/main" val="460864889"/>
+      </p:ext>
+    </p:extLst>
+  </p:cSld>
+  <p:clrMapOvr>
+    <a:masterClrMapping/>
+  </p:clrMapOvr>
+</p:notes>
+</file>
+
+<file path=ppt/notesSlides/notesSlide13.xml><?xml version="1.0" encoding="utf-8"?>
+<p:notes xmlns:a="http://schemas.openxmlformats.org/drawingml/2006/main" xmlns:r="http://schemas.openxmlformats.org/officeDocument/2006/relationships" xmlns:p="http://schemas.openxmlformats.org/presentationml/2006/main">
+  <p:cSld>
+    <p:spTree>
+      <p:nvGrpSpPr>
+        <p:cNvPr id="1" name=""/>
+        <p:cNvGrpSpPr/>
+        <p:nvPr/>
+      </p:nvGrpSpPr>
+      <p:grpSpPr>
+        <a:xfrm>
+          <a:off x="0" y="0"/>
+          <a:ext cx="0" cy="0"/>
+          <a:chOff x="0" y="0"/>
+          <a:chExt cx="0" cy="0"/>
+        </a:xfrm>
+      </p:grpSpPr>
+      <p:sp>
+        <p:nvSpPr>
+          <p:cNvPr id="2" name="Образ слайда 1"/>
+          <p:cNvSpPr>
+            <a:spLocks noGrp="1" noRot="1" noChangeAspect="1"/>
+          </p:cNvSpPr>
+          <p:nvPr>
+            <p:ph type="sldImg"/>
+          </p:nvPr>
+        </p:nvSpPr>
+        <p:spPr/>
+      </p:sp>
+      <p:sp>
+        <p:nvSpPr>
+          <p:cNvPr id="3" name="Заметки 2"/>
+          <p:cNvSpPr>
+            <a:spLocks noGrp="1"/>
+          </p:cNvSpPr>
+          <p:nvPr>
+            <p:ph type="body" idx="1"/>
+          </p:nvPr>
+        </p:nvSpPr>
+        <p:spPr/>
+        <p:txBody>
+          <a:bodyPr/>
+          <a:lstStyle/>
+          <a:p>
+            <a:r>
+              <a:rPr lang="ru-RU" dirty="0" smtClean="0"/>
+              <a:t>Подробнее можно посмотреть на стр. 45</a:t>
+            </a:r>
+            <a:endParaRPr lang="ru-RU" dirty="0"/>
+          </a:p>
+        </p:txBody>
+      </p:sp>
+      <p:sp>
+        <p:nvSpPr>
+          <p:cNvPr id="4" name="Номер слайда 3"/>
+          <p:cNvSpPr>
+            <a:spLocks noGrp="1"/>
+          </p:cNvSpPr>
+          <p:nvPr>
+            <p:ph type="sldNum" sz="quarter" idx="10"/>
+          </p:nvPr>
+        </p:nvSpPr>
+        <p:spPr/>
+        <p:txBody>
+          <a:bodyPr/>
+          <a:lstStyle/>
+          <a:p>
+            <a:fld id="{5FBB7EEF-81B5-465F-8969-BC9D636DCE5E}" type="slidenum">
+              <a:rPr lang="ru-RU" smtClean="0"/>
+              <a:t>15</a:t>
+            </a:fld>
+            <a:endParaRPr lang="ru-RU"/>
+          </a:p>
+        </p:txBody>
+      </p:sp>
+    </p:spTree>
+    <p:extLst>
+      <p:ext uri="{BB962C8B-B14F-4D97-AF65-F5344CB8AC3E}">
+        <p14:creationId xmlns:p14="http://schemas.microsoft.com/office/powerpoint/2010/main" val="152089786"/>
+      </p:ext>
+    </p:extLst>
+  </p:cSld>
+  <p:clrMapOvr>
+    <a:masterClrMapping/>
+  </p:clrMapOvr>
+</p:notes>
+</file>
+
+<file path=ppt/notesSlides/notesSlide14.xml><?xml version="1.0" encoding="utf-8"?>
+<p:notes xmlns:a="http://schemas.openxmlformats.org/drawingml/2006/main" xmlns:r="http://schemas.openxmlformats.org/officeDocument/2006/relationships" xmlns:p="http://schemas.openxmlformats.org/presentationml/2006/main">
+  <p:cSld>
+    <p:spTree>
+      <p:nvGrpSpPr>
+        <p:cNvPr id="1" name=""/>
+        <p:cNvGrpSpPr/>
+        <p:nvPr/>
+      </p:nvGrpSpPr>
+      <p:grpSpPr>
+        <a:xfrm>
+          <a:off x="0" y="0"/>
+          <a:ext cx="0" cy="0"/>
+          <a:chOff x="0" y="0"/>
+          <a:chExt cx="0" cy="0"/>
+        </a:xfrm>
+      </p:grpSpPr>
+      <p:sp>
+        <p:nvSpPr>
+          <p:cNvPr id="2" name="Образ слайда 1"/>
+          <p:cNvSpPr>
+            <a:spLocks noGrp="1" noRot="1" noChangeAspect="1"/>
+          </p:cNvSpPr>
+          <p:nvPr>
+            <p:ph type="sldImg"/>
+          </p:nvPr>
+        </p:nvSpPr>
+        <p:spPr/>
+      </p:sp>
+      <p:sp>
+        <p:nvSpPr>
+          <p:cNvPr id="3" name="Заметки 2"/>
+          <p:cNvSpPr>
+            <a:spLocks noGrp="1"/>
+          </p:cNvSpPr>
+          <p:nvPr>
+            <p:ph type="body" idx="1"/>
+          </p:nvPr>
+        </p:nvSpPr>
+        <p:spPr/>
+        <p:txBody>
+          <a:bodyPr/>
+          <a:lstStyle/>
+          <a:p>
+            <a:r>
+              <a:rPr lang="ru-RU" dirty="0" smtClean="0"/>
+              <a:t>Подробнее</a:t>
+            </a:r>
+            <a:r>
+              <a:rPr lang="ru-RU" baseline="0" dirty="0" smtClean="0"/>
+              <a:t> можно посмотреть на стр. 52</a:t>
+            </a:r>
+            <a:endParaRPr lang="ru-RU" dirty="0"/>
+          </a:p>
+        </p:txBody>
+      </p:sp>
+      <p:sp>
+        <p:nvSpPr>
+          <p:cNvPr id="4" name="Номер слайда 3"/>
+          <p:cNvSpPr>
+            <a:spLocks noGrp="1"/>
+          </p:cNvSpPr>
+          <p:nvPr>
+            <p:ph type="sldNum" sz="quarter" idx="10"/>
+          </p:nvPr>
+        </p:nvSpPr>
+        <p:spPr/>
+        <p:txBody>
+          <a:bodyPr/>
+          <a:lstStyle/>
+          <a:p>
+            <a:fld id="{5FBB7EEF-81B5-465F-8969-BC9D636DCE5E}" type="slidenum">
+              <a:rPr lang="ru-RU" smtClean="0"/>
+              <a:t>16</a:t>
+            </a:fld>
+            <a:endParaRPr lang="ru-RU"/>
+          </a:p>
+        </p:txBody>
+      </p:sp>
+    </p:spTree>
+    <p:extLst>
+      <p:ext uri="{BB962C8B-B14F-4D97-AF65-F5344CB8AC3E}">
+        <p14:creationId xmlns:p14="http://schemas.microsoft.com/office/powerpoint/2010/main" val="4079735686"/>
       </p:ext>
     </p:extLst>
   </p:cSld>
@@ -1062,94 +1233,20 @@
           <a:bodyPr/>
           <a:lstStyle/>
           <a:p>
-            <a:pPr marL="0" marR="0" indent="0" algn="l" defTabSz="914400" rtl="0" eaLnBrk="1" fontAlgn="auto" latinLnBrk="0" hangingPunct="1">
-              <a:lnSpc>
-                <a:spcPct val="100000"/>
-              </a:lnSpc>
-              <a:spcBef>
-                <a:spcPts val="0"/>
-              </a:spcBef>
-              <a:spcAft>
-                <a:spcPts val="0"/>
-              </a:spcAft>
-              <a:buClrTx/>
-              <a:buSzTx/>
-              <a:buFontTx/>
-              <a:buNone/>
-              <a:tabLst/>
-              <a:defRPr/>
-            </a:pPr>
-            <a:r>
-              <a:rPr lang="en-US" dirty="0"/>
-              <a:t>Amazon</a:t>
-            </a:r>
-            <a:r>
-              <a:rPr lang="en-US" baseline="0" dirty="0"/>
-              <a:t> SES –</a:t>
+            <a:r>
+              <a:rPr lang="ru-RU" dirty="0"/>
+              <a:t>Разработки диплома</a:t>
             </a:r>
             <a:r>
               <a:rPr lang="ru-RU" baseline="0" dirty="0"/>
-              <a:t> быстрая интеграция, скорость отправки снижена – сложный алгоритм определения пути, относительная ненадежность.</a:t>
-            </a:r>
-          </a:p>
-          <a:p>
-            <a:pPr marL="0" marR="0" indent="0" algn="l" defTabSz="914400" rtl="0" eaLnBrk="1" fontAlgn="auto" latinLnBrk="0" hangingPunct="1">
-              <a:lnSpc>
-                <a:spcPct val="100000"/>
-              </a:lnSpc>
-              <a:spcBef>
-                <a:spcPts val="0"/>
-              </a:spcBef>
-              <a:spcAft>
-                <a:spcPts val="0"/>
-              </a:spcAft>
-              <a:buClrTx/>
-              <a:buSzTx/>
-              <a:buFontTx/>
-              <a:buNone/>
-              <a:tabLst/>
-              <a:defRPr/>
-            </a:pPr>
-            <a:r>
-              <a:rPr lang="en-US" baseline="0" dirty="0" err="1" smtClean="0"/>
-              <a:t>Sendpulse</a:t>
-            </a:r>
-            <a:r>
-              <a:rPr lang="ru-RU" baseline="0" dirty="0" smtClean="0"/>
-              <a:t> –</a:t>
-            </a:r>
-            <a:r>
-              <a:rPr lang="en-US" baseline="0" dirty="0" smtClean="0"/>
-              <a:t> </a:t>
-            </a:r>
-            <a:r>
-              <a:rPr lang="ru-RU" baseline="0" dirty="0" smtClean="0"/>
-              <a:t>часто меняющийся </a:t>
-            </a:r>
-            <a:r>
-              <a:rPr lang="en-US" baseline="0" dirty="0" smtClean="0"/>
-              <a:t>API</a:t>
-            </a:r>
-            <a:r>
-              <a:rPr lang="ru-RU" baseline="0" dirty="0" smtClean="0"/>
-              <a:t>, не очень оперативная поддержка.</a:t>
-            </a:r>
-            <a:endParaRPr lang="en-US" baseline="0" dirty="0"/>
-          </a:p>
-          <a:p>
-            <a:r>
-              <a:rPr lang="en-US" baseline="0" dirty="0"/>
-              <a:t>Tin-cat </a:t>
-            </a:r>
-            <a:r>
-              <a:rPr lang="en-US" baseline="0" dirty="0" err="1"/>
-              <a:t>emailqueue</a:t>
-            </a:r>
+              <a:t> – задача не из легких. А что мы делаем, когда встречаем на своем пути трудные задачи? Применяем декомпозицию – разбиваем эту задачу на несколько задач попроще.</a:t>
+            </a:r>
+          </a:p>
+          <a:p>
             <a:r>
               <a:rPr lang="ru-RU" baseline="0" dirty="0"/>
-              <a:t> – пример очереди для асинхронной отправки сообщений. Недостаток – ненадежность.</a:t>
-            </a:r>
-            <a:endParaRPr lang="ru-RU" dirty="0"/>
+              <a:t>Таким образом, есть список задач: анализ предметной области, анализ требований, проектирование, разработка, тестирование и внедрение</a:t>
+            </a:r>
           </a:p>
         </p:txBody>
       </p:sp>
@@ -1179,7 +1276,7 @@
     </p:spTree>
     <p:extLst>
       <p:ext uri="{BB962C8B-B14F-4D97-AF65-F5344CB8AC3E}">
-        <p14:creationId xmlns:p14="http://schemas.microsoft.com/office/powerpoint/2010/main" val="3848801345"/>
+        <p14:creationId xmlns:p14="http://schemas.microsoft.com/office/powerpoint/2010/main" val="1549869694"/>
       </p:ext>
     </p:extLst>
   </p:cSld>
@@ -1233,6 +1330,93 @@
           <a:bodyPr/>
           <a:lstStyle/>
           <a:p>
+            <a:pPr marL="0" marR="0" indent="0" algn="l" defTabSz="914400" rtl="0" eaLnBrk="1" fontAlgn="auto" latinLnBrk="0" hangingPunct="1">
+              <a:lnSpc>
+                <a:spcPct val="100000"/>
+              </a:lnSpc>
+              <a:spcBef>
+                <a:spcPts val="0"/>
+              </a:spcBef>
+              <a:spcAft>
+                <a:spcPts val="0"/>
+              </a:spcAft>
+              <a:buClrTx/>
+              <a:buSzTx/>
+              <a:buFontTx/>
+              <a:buNone/>
+              <a:tabLst/>
+              <a:defRPr/>
+            </a:pPr>
+            <a:r>
+              <a:rPr lang="en-US" dirty="0"/>
+              <a:t>Amazon</a:t>
+            </a:r>
+            <a:r>
+              <a:rPr lang="en-US" baseline="0" dirty="0"/>
+              <a:t> SES –</a:t>
+            </a:r>
+            <a:r>
+              <a:rPr lang="ru-RU" baseline="0" dirty="0"/>
+              <a:t> быстрая интеграция, скорость отправки снижена – сложный алгоритм определения пути, относительная ненадежность.</a:t>
+            </a:r>
+          </a:p>
+          <a:p>
+            <a:pPr marL="0" marR="0" indent="0" algn="l" defTabSz="914400" rtl="0" eaLnBrk="1" fontAlgn="auto" latinLnBrk="0" hangingPunct="1">
+              <a:lnSpc>
+                <a:spcPct val="100000"/>
+              </a:lnSpc>
+              <a:spcBef>
+                <a:spcPts val="0"/>
+              </a:spcBef>
+              <a:spcAft>
+                <a:spcPts val="0"/>
+              </a:spcAft>
+              <a:buClrTx/>
+              <a:buSzTx/>
+              <a:buFontTx/>
+              <a:buNone/>
+              <a:tabLst/>
+              <a:defRPr/>
+            </a:pPr>
+            <a:r>
+              <a:rPr lang="en-US" baseline="0" dirty="0" err="1" smtClean="0"/>
+              <a:t>Sendpulse</a:t>
+            </a:r>
+            <a:r>
+              <a:rPr lang="ru-RU" baseline="0" dirty="0" smtClean="0"/>
+              <a:t> –</a:t>
+            </a:r>
+            <a:r>
+              <a:rPr lang="en-US" baseline="0" dirty="0" smtClean="0"/>
+              <a:t> </a:t>
+            </a:r>
+            <a:r>
+              <a:rPr lang="ru-RU" baseline="0" dirty="0" smtClean="0"/>
+              <a:t>часто меняющийся </a:t>
+            </a:r>
+            <a:r>
+              <a:rPr lang="en-US" baseline="0" dirty="0" smtClean="0"/>
+              <a:t>API</a:t>
+            </a:r>
+            <a:r>
+              <a:rPr lang="ru-RU" baseline="0" dirty="0" smtClean="0"/>
+              <a:t>, не очень оперативная поддержка.</a:t>
+            </a:r>
+            <a:endParaRPr lang="en-US" baseline="0" dirty="0"/>
+          </a:p>
+          <a:p>
+            <a:r>
+              <a:rPr lang="en-US" baseline="0" dirty="0"/>
+              <a:t>Tin-cat </a:t>
+            </a:r>
+            <a:r>
+              <a:rPr lang="en-US" baseline="0" dirty="0" err="1"/>
+              <a:t>emailqueue</a:t>
+            </a:r>
+            <a:r>
+              <a:rPr lang="ru-RU" baseline="0" dirty="0"/>
+              <a:t> – пример очереди для асинхронной отправки сообщений. Недостаток – ненадежность.</a:t>
+            </a:r>
             <a:endParaRPr lang="ru-RU" dirty="0"/>
           </a:p>
         </p:txBody>
@@ -1263,7 +1447,7 @@
     </p:spTree>
     <p:extLst>
       <p:ext uri="{BB962C8B-B14F-4D97-AF65-F5344CB8AC3E}">
-        <p14:creationId xmlns:p14="http://schemas.microsoft.com/office/powerpoint/2010/main" val="3661713815"/>
+        <p14:creationId xmlns:p14="http://schemas.microsoft.com/office/powerpoint/2010/main" val="3848801345"/>
       </p:ext>
     </p:extLst>
   </p:cSld>
@@ -1317,18 +1501,6 @@
           <a:bodyPr/>
           <a:lstStyle/>
           <a:p>
-            <a:r>
-              <a:rPr lang="ru-RU" dirty="0"/>
-              <a:t>Посмотреть</a:t>
-            </a:r>
-            <a:r>
-              <a:rPr lang="ru-RU" baseline="0" dirty="0"/>
-              <a:t> поближе можно на </a:t>
-            </a:r>
-            <a:r>
-              <a:rPr lang="ru-RU" baseline="0" dirty="0" smtClean="0"/>
-              <a:t>стр. 36</a:t>
-            </a:r>
             <a:endParaRPr lang="ru-RU" dirty="0"/>
           </a:p>
         </p:txBody>
@@ -1359,7 +1531,7 @@
     </p:spTree>
     <p:extLst>
       <p:ext uri="{BB962C8B-B14F-4D97-AF65-F5344CB8AC3E}">
-        <p14:creationId xmlns:p14="http://schemas.microsoft.com/office/powerpoint/2010/main" val="1677131733"/>
+        <p14:creationId xmlns:p14="http://schemas.microsoft.com/office/powerpoint/2010/main" val="3661713815"/>
       </p:ext>
     </p:extLst>
   </p:cSld>
@@ -1414,12 +1586,16 @@
           <a:lstStyle/>
           <a:p>
             <a:r>
-              <a:rPr lang="ru-RU" dirty="0" smtClean="0"/>
-              <a:t>Подробнее</a:t>
+              <a:rPr lang="ru-RU" dirty="0"/>
+              <a:t>Посмотреть</a:t>
+            </a:r>
+            <a:r>
+              <a:rPr lang="ru-RU" baseline="0" dirty="0"/>
+              <a:t> поближе можно на </a:t>
             </a:r>
             <a:r>
               <a:rPr lang="ru-RU" baseline="0" dirty="0" smtClean="0"/>
-              <a:t> можно прочитать на стр. 64</a:t>
+              <a:t>стр. 36</a:t>
             </a:r>
             <a:endParaRPr lang="ru-RU" dirty="0"/>
           </a:p>
@@ -1451,7 +1627,7 @@
     </p:spTree>
     <p:extLst>
       <p:ext uri="{BB962C8B-B14F-4D97-AF65-F5344CB8AC3E}">
-        <p14:creationId xmlns:p14="http://schemas.microsoft.com/office/powerpoint/2010/main" val="1570205752"/>
+        <p14:creationId xmlns:p14="http://schemas.microsoft.com/office/powerpoint/2010/main" val="1677131733"/>
       </p:ext>
     </p:extLst>
   </p:cSld>
@@ -1511,7 +1687,7 @@
             </a:r>
             <a:r>
               <a:rPr lang="ru-RU" baseline="0" dirty="0" smtClean="0"/>
-              <a:t> можно прочитать на стр. 65</a:t>
+              <a:t> можно прочитать на стр. 64</a:t>
             </a:r>
             <a:endParaRPr lang="ru-RU" dirty="0"/>
           </a:p>
@@ -1543,7 +1719,7 @@
     </p:spTree>
     <p:extLst>
       <p:ext uri="{BB962C8B-B14F-4D97-AF65-F5344CB8AC3E}">
-        <p14:creationId xmlns:p14="http://schemas.microsoft.com/office/powerpoint/2010/main" val="2927825853"/>
+        <p14:creationId xmlns:p14="http://schemas.microsoft.com/office/powerpoint/2010/main" val="1570205752"/>
       </p:ext>
     </p:extLst>
   </p:cSld>
@@ -1597,38 +1773,14 @@
           <a:bodyPr/>
           <a:lstStyle/>
           <a:p>
-            <a:pPr marL="0" marR="0" indent="0" algn="l" defTabSz="914400" rtl="0" eaLnBrk="1" fontAlgn="auto" latinLnBrk="0" hangingPunct="1">
-              <a:lnSpc>
-                <a:spcPct val="100000"/>
-              </a:lnSpc>
-              <a:spcBef>
-                <a:spcPts val="0"/>
-              </a:spcBef>
-              <a:spcAft>
-                <a:spcPts val="0"/>
-              </a:spcAft>
-              <a:buClrTx/>
-              <a:buSzTx/>
-              <a:buFontTx/>
-              <a:buNone/>
-              <a:tabLst/>
-              <a:defRPr/>
-            </a:pPr>
-            <a:r>
-              <a:rPr lang="ru-RU" dirty="0"/>
-              <a:t>Посмотреть</a:t>
-            </a:r>
-            <a:r>
-              <a:rPr lang="ru-RU" baseline="0" dirty="0"/>
-              <a:t> поближе можно на </a:t>
+            <a:r>
+              <a:rPr lang="ru-RU" dirty="0" smtClean="0"/>
+              <a:t>Подробнее</a:t>
             </a:r>
             <a:r>
               <a:rPr lang="ru-RU" baseline="0" dirty="0" smtClean="0"/>
-              <a:t>стр.42</a:t>
-            </a:r>
-            <a:endParaRPr lang="ru-RU" dirty="0"/>
-          </a:p>
-          <a:p>
+              <a:t> можно прочитать на стр. 65</a:t>
+            </a:r>
             <a:endParaRPr lang="ru-RU" dirty="0"/>
           </a:p>
         </p:txBody>
@@ -1659,7 +1811,7 @@
     </p:spTree>
     <p:extLst>
       <p:ext uri="{BB962C8B-B14F-4D97-AF65-F5344CB8AC3E}">
-        <p14:creationId xmlns:p14="http://schemas.microsoft.com/office/powerpoint/2010/main" val="3136840342"/>
+        <p14:creationId xmlns:p14="http://schemas.microsoft.com/office/powerpoint/2010/main" val="2927825853"/>
       </p:ext>
     </p:extLst>
   </p:cSld>
@@ -1714,12 +1866,16 @@
           <a:lstStyle/>
           <a:p>
             <a:r>
-              <a:rPr lang="ru-RU" dirty="0"/>
-              <a:t>Подробнее на</a:t>
-            </a:r>
-            <a:r>
-              <a:rPr lang="ru-RU" baseline="0" dirty="0"/>
-              <a:t> стр. 18</a:t>
+              <a:rPr lang="ru-RU" sz="1200" kern="1200" dirty="0" smtClean="0">
+                <a:solidFill>
+                  <a:schemeClr val="tx1"/>
+                </a:solidFill>
+                <a:effectLst/>
+                <a:latin typeface="+mn-lt"/>
+                <a:ea typeface="+mn-ea"/>
+                <a:cs typeface="+mn-cs"/>
+              </a:rPr>
+              <a:t>Прочие расходы составляют 30% от суммы затрат.</a:t>
             </a:r>
             <a:endParaRPr lang="ru-RU" dirty="0"/>
           </a:p>
@@ -1751,7 +1907,7 @@
     </p:spTree>
     <p:extLst>
       <p:ext uri="{BB962C8B-B14F-4D97-AF65-F5344CB8AC3E}">
-        <p14:creationId xmlns:p14="http://schemas.microsoft.com/office/powerpoint/2010/main" val="2977493513"/>
+        <p14:creationId xmlns:p14="http://schemas.microsoft.com/office/powerpoint/2010/main" val="3479568679"/>
       </p:ext>
     </p:extLst>
   </p:cSld>
@@ -1805,10 +1961,38 @@
           <a:bodyPr/>
           <a:lstStyle/>
           <a:p>
-            <a:r>
-              <a:rPr lang="ru-RU" dirty="0" smtClean="0"/>
-              <a:t>Подробнее на стр. 21-22</a:t>
-            </a:r>
+            <a:pPr marL="0" marR="0" indent="0" algn="l" defTabSz="914400" rtl="0" eaLnBrk="1" fontAlgn="auto" latinLnBrk="0" hangingPunct="1">
+              <a:lnSpc>
+                <a:spcPct val="100000"/>
+              </a:lnSpc>
+              <a:spcBef>
+                <a:spcPts val="0"/>
+              </a:spcBef>
+              <a:spcAft>
+                <a:spcPts val="0"/>
+              </a:spcAft>
+              <a:buClrTx/>
+              <a:buSzTx/>
+              <a:buFontTx/>
+              <a:buNone/>
+              <a:tabLst/>
+              <a:defRPr/>
+            </a:pPr>
+            <a:r>
+              <a:rPr lang="ru-RU" dirty="0"/>
+              <a:t>Посмотреть</a:t>
+            </a:r>
+            <a:r>
+              <a:rPr lang="ru-RU" baseline="0" dirty="0"/>
+              <a:t> поближе можно на </a:t>
+            </a:r>
+            <a:r>
+              <a:rPr lang="ru-RU" baseline="0" dirty="0" smtClean="0"/>
+              <a:t>стр.42</a:t>
+            </a:r>
+            <a:endParaRPr lang="ru-RU" dirty="0"/>
+          </a:p>
+          <a:p>
             <a:endParaRPr lang="ru-RU" dirty="0"/>
           </a:p>
         </p:txBody>
@@ -1839,7 +2023,7 @@
     </p:spTree>
     <p:extLst>
       <p:ext uri="{BB962C8B-B14F-4D97-AF65-F5344CB8AC3E}">
-        <p14:creationId xmlns:p14="http://schemas.microsoft.com/office/powerpoint/2010/main" val="1201579008"/>
+        <p14:creationId xmlns:p14="http://schemas.microsoft.com/office/powerpoint/2010/main" val="3136840342"/>
       </p:ext>
     </p:extLst>
   </p:cSld>
@@ -1978,7 +2162,7 @@
           <a:p>
             <a:fld id="{DE51860D-39D6-4BDE-91B9-E38B08A0C4E6}" type="datetime1">
               <a:rPr lang="ru-RU" smtClean="0"/>
-              <a:t>06.06.2021</a:t>
+              <a:t>08.06.2021</a:t>
             </a:fld>
             <a:endParaRPr lang="ru-RU"/>
           </a:p>
@@ -2146,7 +2330,7 @@
           <a:p>
             <a:fld id="{05B7C9CF-2BB3-4490-9513-A5AB863A3A38}" type="datetime1">
               <a:rPr lang="ru-RU" smtClean="0"/>
-              <a:t>06.06.2021</a:t>
+              <a:t>08.06.2021</a:t>
             </a:fld>
             <a:endParaRPr lang="ru-RU"/>
           </a:p>
@@ -2324,7 +2508,7 @@
           <a:p>
             <a:fld id="{FFF3F56E-2CBE-425D-8373-B91AF1E5C7E7}" type="datetime1">
               <a:rPr lang="ru-RU" smtClean="0"/>
-              <a:t>06.06.2021</a:t>
+              <a:t>08.06.2021</a:t>
             </a:fld>
             <a:endParaRPr lang="ru-RU"/>
           </a:p>
@@ -2492,7 +2676,7 @@
           <a:p>
             <a:fld id="{D2A049A9-977A-43CD-A59D-C38B1184DFE7}" type="datetime1">
               <a:rPr lang="ru-RU" smtClean="0"/>
-              <a:t>06.06.2021</a:t>
+              <a:t>08.06.2021</a:t>
             </a:fld>
             <a:endParaRPr lang="ru-RU"/>
           </a:p>
@@ -2737,7 +2921,7 @@
           <a:p>
             <a:fld id="{C8F61970-F9CB-4138-9D72-3A00CBC3131C}" type="datetime1">
               <a:rPr lang="ru-RU" smtClean="0"/>
-              <a:t>06.06.2021</a:t>
+              <a:t>08.06.2021</a:t>
             </a:fld>
             <a:endParaRPr lang="ru-RU"/>
           </a:p>
@@ -2966,7 +3150,7 @@
           <a:p>
             <a:fld id="{7AD19CB9-8A75-453F-868A-1D8C5136A18C}" type="datetime1">
               <a:rPr lang="ru-RU" smtClean="0"/>
-              <a:t>06.06.2021</a:t>
+              <a:t>08.06.2021</a:t>
             </a:fld>
             <a:endParaRPr lang="ru-RU"/>
           </a:p>
@@ -3330,7 +3514,7 @@
           <a:p>
             <a:fld id="{92BCA8C9-76EA-4734-AEF9-BEF4AB8601D4}" type="datetime1">
               <a:rPr lang="ru-RU" smtClean="0"/>
-              <a:t>06.06.2021</a:t>
+              <a:t>08.06.2021</a:t>
             </a:fld>
             <a:endParaRPr lang="ru-RU"/>
           </a:p>
@@ -3447,7 +3631,7 @@
           <a:p>
             <a:fld id="{DAF02E88-E92B-485F-9F32-1C5CA4B16DC1}" type="datetime1">
               <a:rPr lang="ru-RU" smtClean="0"/>
-              <a:t>06.06.2021</a:t>
+              <a:t>08.06.2021</a:t>
             </a:fld>
             <a:endParaRPr lang="ru-RU"/>
           </a:p>
@@ -3542,7 +3726,7 @@
           <a:p>
             <a:fld id="{D1ED90BA-54F1-45E0-82D9-41456BE83BB0}" type="datetime1">
               <a:rPr lang="ru-RU" smtClean="0"/>
-              <a:t>06.06.2021</a:t>
+              <a:t>08.06.2021</a:t>
             </a:fld>
             <a:endParaRPr lang="ru-RU"/>
           </a:p>
@@ -3817,7 +4001,7 @@
           <a:p>
             <a:fld id="{ED052217-BF0E-4209-8681-9B9CB3C5474C}" type="datetime1">
               <a:rPr lang="ru-RU" smtClean="0"/>
-              <a:t>06.06.2021</a:t>
+              <a:t>08.06.2021</a:t>
             </a:fld>
             <a:endParaRPr lang="ru-RU"/>
           </a:p>
@@ -4069,7 +4253,7 @@
           <a:p>
             <a:fld id="{AEA1D84B-839E-4C02-9CED-F26CE3CF0733}" type="datetime1">
               <a:rPr lang="ru-RU" smtClean="0"/>
-              <a:t>06.06.2021</a:t>
+              <a:t>08.06.2021</a:t>
             </a:fld>
             <a:endParaRPr lang="ru-RU"/>
           </a:p>
@@ -4283,7 +4467,7 @@
           <a:p>
             <a:fld id="{D0D2967E-BDBA-485D-95AE-368FF1915310}" type="datetime1">
               <a:rPr lang="ru-RU" smtClean="0"/>
-              <a:t>06.06.2021</a:t>
+              <a:t>08.06.2021</a:t>
             </a:fld>
             <a:endParaRPr lang="ru-RU"/>
           </a:p>
@@ -4723,17 +4907,24 @@
                 <a:latin typeface="Lato" panose="020F0502020204030203" pitchFamily="34" charset="0"/>
                 <a:cs typeface="Lato" panose="020F0502020204030203" pitchFamily="34" charset="0"/>
               </a:rPr>
-              <a:t>Проектирование программного комплекса управления надежной отправкой электронных писем с реализацией основного механизма рассылки и пользовательского интерфейса</a:t>
-            </a:r>
-            <a:r>
-              <a:rPr lang="ru-RU" sz="3600" dirty="0">
+              <a:t>Проектирование программного комплекса управления надежной отправкой электронных писем с реализацией основного механизма рассылки и пользовательского </a:t>
+            </a:r>
+            <a:r>
+              <a:rPr lang="ru-RU" sz="3600" b="1" dirty="0" smtClean="0">
+                <a:latin typeface="Lato" panose="020F0502020204030203" pitchFamily="34" charset="0"/>
+                <a:cs typeface="Lato" panose="020F0502020204030203" pitchFamily="34" charset="0"/>
+              </a:rPr>
+              <a:t>интерфейса</a:t>
+            </a:r>
+            <a:r>
+              <a:rPr lang="ru-RU" sz="3600" dirty="0" smtClean="0">
                 <a:latin typeface="Lato" panose="020F0502020204030203" pitchFamily="34" charset="0"/>
                 <a:cs typeface="Lato" panose="020F0502020204030203" pitchFamily="34" charset="0"/>
               </a:rPr>
               <a:t/>
             </a:r>
             <a:br>
-              <a:rPr lang="ru-RU" sz="3600" dirty="0">
+              <a:rPr lang="ru-RU" sz="3600" dirty="0" smtClean="0">
                 <a:latin typeface="Lato" panose="020F0502020204030203" pitchFamily="34" charset="0"/>
                 <a:cs typeface="Lato" panose="020F0502020204030203" pitchFamily="34" charset="0"/>
               </a:rPr>
@@ -4822,532 +5013,17 @@
   <p:clrMapOvr>
     <a:masterClrMapping/>
   </p:clrMapOvr>
+  <p:timing>
+    <p:tnLst>
+      <p:par>
+        <p:cTn id="1" dur="indefinite" restart="never" nodeType="tmRoot"/>
+      </p:par>
+    </p:tnLst>
+  </p:timing>
 </p:sld>
 </file>
 
 <file path=ppt/slides/slide10.xml><?xml version="1.0" encoding="utf-8"?>
-<p:sld xmlns:a="http://schemas.openxmlformats.org/drawingml/2006/main" xmlns:r="http://schemas.openxmlformats.org/officeDocument/2006/relationships" xmlns:p="http://schemas.openxmlformats.org/presentationml/2006/main">
-  <p:cSld>
-    <p:spTree>
-      <p:nvGrpSpPr>
-        <p:cNvPr id="1" name=""/>
-        <p:cNvGrpSpPr/>
-        <p:nvPr/>
-      </p:nvGrpSpPr>
-      <p:grpSpPr>
-        <a:xfrm>
-          <a:off x="0" y="0"/>
-          <a:ext cx="0" cy="0"/>
-          <a:chOff x="0" y="0"/>
-          <a:chExt cx="0" cy="0"/>
-        </a:xfrm>
-      </p:grpSpPr>
-      <p:sp>
-        <p:nvSpPr>
-          <p:cNvPr id="2" name="Заголовок 1"/>
-          <p:cNvSpPr>
-            <a:spLocks noGrp="1"/>
-          </p:cNvSpPr>
-          <p:nvPr>
-            <p:ph type="title"/>
-          </p:nvPr>
-        </p:nvSpPr>
-        <p:spPr>
-          <a:xfrm>
-            <a:off x="838200" y="0"/>
-            <a:ext cx="10515600" cy="1325563"/>
-          </a:xfrm>
-        </p:spPr>
-        <p:txBody>
-          <a:bodyPr/>
-          <a:lstStyle/>
-          <a:p>
-            <a:pPr algn="ctr"/>
-            <a:r>
-              <a:rPr lang="ru-RU" dirty="0">
-                <a:latin typeface="Lato" panose="020F0502020204030203" pitchFamily="34" charset="0"/>
-                <a:cs typeface="Lato" panose="020F0502020204030203" pitchFamily="34" charset="0"/>
-              </a:rPr>
-              <a:t>Диаграмма вариантов использования</a:t>
-            </a:r>
-          </a:p>
-        </p:txBody>
-      </p:sp>
-      <p:pic>
-        <p:nvPicPr>
-          <p:cNvPr id="4" name="Рисунок 3"/>
-          <p:cNvPicPr/>
-          <p:nvPr/>
-        </p:nvPicPr>
-        <p:blipFill>
-          <a:blip r:embed="rId3">
-            <a:extLst>
-              <a:ext uri="{28A0092B-C50C-407E-A947-70E740481C1C}">
-                <a14:useLocalDpi xmlns:a14="http://schemas.microsoft.com/office/drawing/2010/main" val="0"/>
-              </a:ext>
-            </a:extLst>
-          </a:blip>
-          <a:srcRect/>
-          <a:stretch>
-            <a:fillRect/>
-          </a:stretch>
-        </p:blipFill>
-        <p:spPr bwMode="auto">
-          <a:xfrm>
-            <a:off x="1066800" y="1122362"/>
-            <a:ext cx="10058400" cy="5532437"/>
-          </a:xfrm>
-          <a:prstGeom prst="rect">
-            <a:avLst/>
-          </a:prstGeom>
-          <a:noFill/>
-          <a:ln>
-            <a:noFill/>
-          </a:ln>
-        </p:spPr>
-      </p:pic>
-      <p:sp>
-        <p:nvSpPr>
-          <p:cNvPr id="3" name="Номер слайда 2"/>
-          <p:cNvSpPr>
-            <a:spLocks noGrp="1"/>
-          </p:cNvSpPr>
-          <p:nvPr>
-            <p:ph type="sldNum" sz="quarter" idx="12"/>
-          </p:nvPr>
-        </p:nvSpPr>
-        <p:spPr>
-          <a:xfrm>
-            <a:off x="9146177" y="6289674"/>
-            <a:ext cx="2743200" cy="365125"/>
-          </a:xfrm>
-        </p:spPr>
-        <p:txBody>
-          <a:bodyPr/>
-          <a:lstStyle/>
-          <a:p>
-            <a:fld id="{7DB0EE1B-E4C1-4C7B-8CEC-C7439F861DA8}" type="slidenum">
-              <a:rPr lang="ru-RU" sz="1800" smtClean="0">
-                <a:latin typeface="Lato" panose="020F0502020204030203" pitchFamily="34" charset="0"/>
-                <a:cs typeface="Lato" panose="020F0502020204030203" pitchFamily="34" charset="0"/>
-              </a:rPr>
-              <a:t>10</a:t>
-            </a:fld>
-            <a:endParaRPr lang="ru-RU" dirty="0">
-              <a:latin typeface="Lato" panose="020F0502020204030203" pitchFamily="34" charset="0"/>
-              <a:cs typeface="Lato" panose="020F0502020204030203" pitchFamily="34" charset="0"/>
-            </a:endParaRPr>
-          </a:p>
-        </p:txBody>
-      </p:sp>
-    </p:spTree>
-    <p:extLst>
-      <p:ext uri="{BB962C8B-B14F-4D97-AF65-F5344CB8AC3E}">
-        <p14:creationId xmlns:p14="http://schemas.microsoft.com/office/powerpoint/2010/main" val="1787754788"/>
-      </p:ext>
-    </p:extLst>
-  </p:cSld>
-  <p:clrMapOvr>
-    <a:masterClrMapping/>
-  </p:clrMapOvr>
-</p:sld>
-</file>
-
-<file path=ppt/slides/slide11.xml><?xml version="1.0" encoding="utf-8"?>
-<p:sld xmlns:a="http://schemas.openxmlformats.org/drawingml/2006/main" xmlns:r="http://schemas.openxmlformats.org/officeDocument/2006/relationships" xmlns:p="http://schemas.openxmlformats.org/presentationml/2006/main">
-  <p:cSld>
-    <p:spTree>
-      <p:nvGrpSpPr>
-        <p:cNvPr id="1" name=""/>
-        <p:cNvGrpSpPr/>
-        <p:nvPr/>
-      </p:nvGrpSpPr>
-      <p:grpSpPr>
-        <a:xfrm>
-          <a:off x="0" y="0"/>
-          <a:ext cx="0" cy="0"/>
-          <a:chOff x="0" y="0"/>
-          <a:chExt cx="0" cy="0"/>
-        </a:xfrm>
-      </p:grpSpPr>
-      <p:sp>
-        <p:nvSpPr>
-          <p:cNvPr id="2" name="Заголовок 1"/>
-          <p:cNvSpPr>
-            <a:spLocks noGrp="1"/>
-          </p:cNvSpPr>
-          <p:nvPr>
-            <p:ph type="title"/>
-          </p:nvPr>
-        </p:nvSpPr>
-        <p:spPr>
-          <a:xfrm>
-            <a:off x="1034143" y="0"/>
-            <a:ext cx="10515600" cy="1325563"/>
-          </a:xfrm>
-        </p:spPr>
-        <p:txBody>
-          <a:bodyPr/>
-          <a:lstStyle/>
-          <a:p>
-            <a:r>
-              <a:rPr lang="ru-RU" dirty="0" smtClean="0">
-                <a:latin typeface="Lato" panose="020F0502020204030203" pitchFamily="34" charset="0"/>
-                <a:cs typeface="Lato" panose="020F0502020204030203" pitchFamily="34" charset="0"/>
-              </a:rPr>
-              <a:t>Модель бизнес-процесса</a:t>
-            </a:r>
-            <a:r>
-              <a:rPr lang="en-US" dirty="0" smtClean="0">
-                <a:latin typeface="Lato" panose="020F0502020204030203" pitchFamily="34" charset="0"/>
-                <a:cs typeface="Lato" panose="020F0502020204030203" pitchFamily="34" charset="0"/>
-              </a:rPr>
-              <a:t>. </a:t>
-            </a:r>
-            <a:r>
-              <a:rPr lang="ru-RU" dirty="0">
-                <a:latin typeface="Lato" panose="020F0502020204030203" pitchFamily="34" charset="0"/>
-                <a:cs typeface="Lato" panose="020F0502020204030203" pitchFamily="34" charset="0"/>
-              </a:rPr>
-              <a:t>Фрагмент </a:t>
-            </a:r>
-            <a:r>
-              <a:rPr lang="en-US" dirty="0">
-                <a:latin typeface="Lato" panose="020F0502020204030203" pitchFamily="34" charset="0"/>
-                <a:cs typeface="Lato" panose="020F0502020204030203" pitchFamily="34" charset="0"/>
-              </a:rPr>
-              <a:t>I</a:t>
-            </a:r>
-            <a:endParaRPr lang="ru-RU" dirty="0">
-              <a:latin typeface="Lato" panose="020F0502020204030203" pitchFamily="34" charset="0"/>
-              <a:cs typeface="Lato" panose="020F0502020204030203" pitchFamily="34" charset="0"/>
-            </a:endParaRPr>
-          </a:p>
-        </p:txBody>
-      </p:sp>
-      <p:pic>
-        <p:nvPicPr>
-          <p:cNvPr id="5" name="Рисунок 4"/>
-          <p:cNvPicPr/>
-          <p:nvPr/>
-        </p:nvPicPr>
-        <p:blipFill>
-          <a:blip r:embed="rId3"/>
-          <a:stretch>
-            <a:fillRect/>
-          </a:stretch>
-        </p:blipFill>
-        <p:spPr>
-          <a:xfrm>
-            <a:off x="1419135" y="1100409"/>
-            <a:ext cx="9118600" cy="5481095"/>
-          </a:xfrm>
-          <a:prstGeom prst="rect">
-            <a:avLst/>
-          </a:prstGeom>
-        </p:spPr>
-      </p:pic>
-      <p:sp>
-        <p:nvSpPr>
-          <p:cNvPr id="3" name="Номер слайда 2"/>
-          <p:cNvSpPr>
-            <a:spLocks noGrp="1"/>
-          </p:cNvSpPr>
-          <p:nvPr>
-            <p:ph type="sldNum" sz="quarter" idx="12"/>
-          </p:nvPr>
-        </p:nvSpPr>
-        <p:spPr/>
-        <p:txBody>
-          <a:bodyPr/>
-          <a:lstStyle/>
-          <a:p>
-            <a:fld id="{7DB0EE1B-E4C1-4C7B-8CEC-C7439F861DA8}" type="slidenum">
-              <a:rPr lang="ru-RU" sz="1800" smtClean="0">
-                <a:latin typeface="Lato" panose="020F0502020204030203" pitchFamily="34" charset="0"/>
-                <a:cs typeface="Lato" panose="020F0502020204030203" pitchFamily="34" charset="0"/>
-              </a:rPr>
-              <a:t>11</a:t>
-            </a:fld>
-            <a:endParaRPr lang="ru-RU" dirty="0">
-              <a:latin typeface="Lato" panose="020F0502020204030203" pitchFamily="34" charset="0"/>
-              <a:cs typeface="Lato" panose="020F0502020204030203" pitchFamily="34" charset="0"/>
-            </a:endParaRPr>
-          </a:p>
-        </p:txBody>
-      </p:sp>
-    </p:spTree>
-    <p:extLst>
-      <p:ext uri="{BB962C8B-B14F-4D97-AF65-F5344CB8AC3E}">
-        <p14:creationId xmlns:p14="http://schemas.microsoft.com/office/powerpoint/2010/main" val="363918908"/>
-      </p:ext>
-    </p:extLst>
-  </p:cSld>
-  <p:clrMapOvr>
-    <a:masterClrMapping/>
-  </p:clrMapOvr>
-</p:sld>
-</file>
-
-<file path=ppt/slides/slide12.xml><?xml version="1.0" encoding="utf-8"?>
-<p:sld xmlns:a="http://schemas.openxmlformats.org/drawingml/2006/main" xmlns:r="http://schemas.openxmlformats.org/officeDocument/2006/relationships" xmlns:p="http://schemas.openxmlformats.org/presentationml/2006/main">
-  <p:cSld>
-    <p:spTree>
-      <p:nvGrpSpPr>
-        <p:cNvPr id="1" name=""/>
-        <p:cNvGrpSpPr/>
-        <p:nvPr/>
-      </p:nvGrpSpPr>
-      <p:grpSpPr>
-        <a:xfrm>
-          <a:off x="0" y="0"/>
-          <a:ext cx="0" cy="0"/>
-          <a:chOff x="0" y="0"/>
-          <a:chExt cx="0" cy="0"/>
-        </a:xfrm>
-      </p:grpSpPr>
-      <p:sp>
-        <p:nvSpPr>
-          <p:cNvPr id="2" name="Заголовок 1"/>
-          <p:cNvSpPr>
-            <a:spLocks noGrp="1"/>
-          </p:cNvSpPr>
-          <p:nvPr>
-            <p:ph type="title"/>
-          </p:nvPr>
-        </p:nvSpPr>
-        <p:spPr>
-          <a:xfrm>
-            <a:off x="965563" y="0"/>
-            <a:ext cx="10515600" cy="1325563"/>
-          </a:xfrm>
-        </p:spPr>
-        <p:txBody>
-          <a:bodyPr/>
-          <a:lstStyle/>
-          <a:p>
-            <a:r>
-              <a:rPr lang="ru-RU" dirty="0">
-                <a:latin typeface="Lato" panose="020F0502020204030203" pitchFamily="34" charset="0"/>
-                <a:cs typeface="Lato" panose="020F0502020204030203" pitchFamily="34" charset="0"/>
-              </a:rPr>
-              <a:t>Модель бизнес-процесса</a:t>
-            </a:r>
-            <a:r>
-              <a:rPr lang="en-US" dirty="0" smtClean="0">
-                <a:latin typeface="Lato" panose="020F0502020204030203" pitchFamily="34" charset="0"/>
-                <a:cs typeface="Lato" panose="020F0502020204030203" pitchFamily="34" charset="0"/>
-              </a:rPr>
-              <a:t>. </a:t>
-            </a:r>
-            <a:r>
-              <a:rPr lang="ru-RU" dirty="0">
-                <a:latin typeface="Lato" panose="020F0502020204030203" pitchFamily="34" charset="0"/>
-                <a:cs typeface="Lato" panose="020F0502020204030203" pitchFamily="34" charset="0"/>
-              </a:rPr>
-              <a:t>Фрагмент </a:t>
-            </a:r>
-            <a:r>
-              <a:rPr lang="en-US" dirty="0">
-                <a:latin typeface="Lato" panose="020F0502020204030203" pitchFamily="34" charset="0"/>
-                <a:cs typeface="Lato" panose="020F0502020204030203" pitchFamily="34" charset="0"/>
-              </a:rPr>
-              <a:t>II</a:t>
-            </a:r>
-            <a:endParaRPr lang="ru-RU" dirty="0">
-              <a:latin typeface="Lato" panose="020F0502020204030203" pitchFamily="34" charset="0"/>
-              <a:cs typeface="Lato" panose="020F0502020204030203" pitchFamily="34" charset="0"/>
-            </a:endParaRPr>
-          </a:p>
-        </p:txBody>
-      </p:sp>
-      <p:pic>
-        <p:nvPicPr>
-          <p:cNvPr id="4" name="Рисунок 3"/>
-          <p:cNvPicPr/>
-          <p:nvPr/>
-        </p:nvPicPr>
-        <p:blipFill>
-          <a:blip r:embed="rId3"/>
-          <a:stretch>
-            <a:fillRect/>
-          </a:stretch>
-        </p:blipFill>
-        <p:spPr>
-          <a:xfrm>
-            <a:off x="1749334" y="1157970"/>
-            <a:ext cx="8585200" cy="5365973"/>
-          </a:xfrm>
-          <a:prstGeom prst="rect">
-            <a:avLst/>
-          </a:prstGeom>
-        </p:spPr>
-      </p:pic>
-      <p:sp>
-        <p:nvSpPr>
-          <p:cNvPr id="3" name="Номер слайда 2"/>
-          <p:cNvSpPr>
-            <a:spLocks noGrp="1"/>
-          </p:cNvSpPr>
-          <p:nvPr>
-            <p:ph type="sldNum" sz="quarter" idx="12"/>
-          </p:nvPr>
-        </p:nvSpPr>
-        <p:spPr/>
-        <p:txBody>
-          <a:bodyPr/>
-          <a:lstStyle/>
-          <a:p>
-            <a:fld id="{7DB0EE1B-E4C1-4C7B-8CEC-C7439F861DA8}" type="slidenum">
-              <a:rPr lang="ru-RU" sz="1800" smtClean="0">
-                <a:latin typeface="Lato" panose="020F0502020204030203" pitchFamily="34" charset="0"/>
-                <a:cs typeface="Lato" panose="020F0502020204030203" pitchFamily="34" charset="0"/>
-              </a:rPr>
-              <a:t>12</a:t>
-            </a:fld>
-            <a:endParaRPr lang="ru-RU" dirty="0">
-              <a:latin typeface="Lato" panose="020F0502020204030203" pitchFamily="34" charset="0"/>
-              <a:cs typeface="Lato" panose="020F0502020204030203" pitchFamily="34" charset="0"/>
-            </a:endParaRPr>
-          </a:p>
-        </p:txBody>
-      </p:sp>
-    </p:spTree>
-    <p:extLst>
-      <p:ext uri="{BB962C8B-B14F-4D97-AF65-F5344CB8AC3E}">
-        <p14:creationId xmlns:p14="http://schemas.microsoft.com/office/powerpoint/2010/main" val="3233881336"/>
-      </p:ext>
-    </p:extLst>
-  </p:cSld>
-  <p:clrMapOvr>
-    <a:masterClrMapping/>
-  </p:clrMapOvr>
-</p:sld>
-</file>
-
-<file path=ppt/slides/slide13.xml><?xml version="1.0" encoding="utf-8"?>
-<p:sld xmlns:a="http://schemas.openxmlformats.org/drawingml/2006/main" xmlns:r="http://schemas.openxmlformats.org/officeDocument/2006/relationships" xmlns:p="http://schemas.openxmlformats.org/presentationml/2006/main">
-  <p:cSld>
-    <p:spTree>
-      <p:nvGrpSpPr>
-        <p:cNvPr id="1" name=""/>
-        <p:cNvGrpSpPr/>
-        <p:nvPr/>
-      </p:nvGrpSpPr>
-      <p:grpSpPr>
-        <a:xfrm>
-          <a:off x="0" y="0"/>
-          <a:ext cx="0" cy="0"/>
-          <a:chOff x="0" y="0"/>
-          <a:chExt cx="0" cy="0"/>
-        </a:xfrm>
-      </p:grpSpPr>
-      <p:sp>
-        <p:nvSpPr>
-          <p:cNvPr id="2" name="Заголовок 1"/>
-          <p:cNvSpPr>
-            <a:spLocks noGrp="1"/>
-          </p:cNvSpPr>
-          <p:nvPr>
-            <p:ph type="title"/>
-          </p:nvPr>
-        </p:nvSpPr>
-        <p:spPr>
-          <a:xfrm>
-            <a:off x="838200" y="174625"/>
-            <a:ext cx="10515600" cy="1325563"/>
-          </a:xfrm>
-        </p:spPr>
-        <p:txBody>
-          <a:bodyPr/>
-          <a:lstStyle/>
-          <a:p>
-            <a:r>
-              <a:rPr lang="ru-RU" dirty="0">
-                <a:latin typeface="Lato" panose="020F0502020204030203" pitchFamily="34" charset="0"/>
-                <a:cs typeface="Lato" panose="020F0502020204030203" pitchFamily="34" charset="0"/>
-              </a:rPr>
-              <a:t>Диаграмма классов фоновой службы</a:t>
-            </a:r>
-          </a:p>
-        </p:txBody>
-      </p:sp>
-      <p:pic>
-        <p:nvPicPr>
-          <p:cNvPr id="5" name="Рисунок 4" descr="SendingServiceClassDiagram"/>
-          <p:cNvPicPr/>
-          <p:nvPr/>
-        </p:nvPicPr>
-        <p:blipFill>
-          <a:blip r:embed="rId3">
-            <a:extLst>
-              <a:ext uri="{28A0092B-C50C-407E-A947-70E740481C1C}">
-                <a14:useLocalDpi xmlns:a14="http://schemas.microsoft.com/office/drawing/2010/main" val="0"/>
-              </a:ext>
-            </a:extLst>
-          </a:blip>
-          <a:srcRect/>
-          <a:stretch>
-            <a:fillRect/>
-          </a:stretch>
-        </p:blipFill>
-        <p:spPr bwMode="auto">
-          <a:xfrm>
-            <a:off x="838200" y="1500188"/>
-            <a:ext cx="10515600" cy="4822825"/>
-          </a:xfrm>
-          <a:prstGeom prst="rect">
-            <a:avLst/>
-          </a:prstGeom>
-          <a:noFill/>
-          <a:ln>
-            <a:noFill/>
-          </a:ln>
-        </p:spPr>
-      </p:pic>
-      <p:sp>
-        <p:nvSpPr>
-          <p:cNvPr id="3" name="Номер слайда 2"/>
-          <p:cNvSpPr>
-            <a:spLocks noGrp="1"/>
-          </p:cNvSpPr>
-          <p:nvPr>
-            <p:ph type="sldNum" sz="quarter" idx="12"/>
-          </p:nvPr>
-        </p:nvSpPr>
-        <p:spPr/>
-        <p:txBody>
-          <a:bodyPr/>
-          <a:lstStyle/>
-          <a:p>
-            <a:fld id="{7DB0EE1B-E4C1-4C7B-8CEC-C7439F861DA8}" type="slidenum">
-              <a:rPr lang="ru-RU" sz="1800" smtClean="0">
-                <a:latin typeface="Lato" panose="020F0502020204030203" pitchFamily="34" charset="0"/>
-                <a:cs typeface="Lato" panose="020F0502020204030203" pitchFamily="34" charset="0"/>
-              </a:rPr>
-              <a:t>13</a:t>
-            </a:fld>
-            <a:endParaRPr lang="ru-RU" dirty="0">
-              <a:latin typeface="Lato" panose="020F0502020204030203" pitchFamily="34" charset="0"/>
-              <a:cs typeface="Lato" panose="020F0502020204030203" pitchFamily="34" charset="0"/>
-            </a:endParaRPr>
-          </a:p>
-        </p:txBody>
-      </p:sp>
-    </p:spTree>
-    <p:extLst>
-      <p:ext uri="{BB962C8B-B14F-4D97-AF65-F5344CB8AC3E}">
-        <p14:creationId xmlns:p14="http://schemas.microsoft.com/office/powerpoint/2010/main" val="2633015450"/>
-      </p:ext>
-    </p:extLst>
-  </p:cSld>
-  <p:clrMapOvr>
-    <a:masterClrMapping/>
-  </p:clrMapOvr>
-</p:sld>
-</file>
-
-<file path=ppt/slides/slide14.xml><?xml version="1.0" encoding="utf-8"?>
 <p:sld xmlns:a="http://schemas.openxmlformats.org/drawingml/2006/main" xmlns:r="http://schemas.openxmlformats.org/officeDocument/2006/relationships" xmlns:p="http://schemas.openxmlformats.org/presentationml/2006/main">
   <p:cSld>
     <p:spTree>
@@ -5402,13 +5078,19 @@
           <a:lstStyle/>
           <a:p>
             <a:fld id="{7DB0EE1B-E4C1-4C7B-8CEC-C7439F861DA8}" type="slidenum">
-              <a:rPr lang="ru-RU" sz="1800" smtClean="0">
+              <a:rPr lang="ru-RU" sz="1800" b="1" smtClean="0">
+                <a:solidFill>
+                  <a:schemeClr val="tx1"/>
+                </a:solidFill>
                 <a:latin typeface="Lato" panose="020F0502020204030203" pitchFamily="34" charset="0"/>
                 <a:cs typeface="Lato" panose="020F0502020204030203" pitchFamily="34" charset="0"/>
               </a:rPr>
-              <a:t>14</a:t>
+              <a:t>10</a:t>
             </a:fld>
-            <a:endParaRPr lang="ru-RU" dirty="0">
+            <a:endParaRPr lang="ru-RU" b="1" dirty="0">
+              <a:solidFill>
+                <a:schemeClr val="tx1"/>
+              </a:solidFill>
               <a:latin typeface="Lato" panose="020F0502020204030203" pitchFamily="34" charset="0"/>
               <a:cs typeface="Lato" panose="020F0502020204030203" pitchFamily="34" charset="0"/>
             </a:endParaRPr>
@@ -5425,6 +5107,578 @@
   <p:clrMapOvr>
     <a:masterClrMapping/>
   </p:clrMapOvr>
+  <p:timing>
+    <p:tnLst>
+      <p:par>
+        <p:cTn id="1" dur="indefinite" restart="never" nodeType="tmRoot"/>
+      </p:par>
+    </p:tnLst>
+  </p:timing>
+</p:sld>
+</file>
+
+<file path=ppt/slides/slide11.xml><?xml version="1.0" encoding="utf-8"?>
+<p:sld xmlns:a="http://schemas.openxmlformats.org/drawingml/2006/main" xmlns:r="http://schemas.openxmlformats.org/officeDocument/2006/relationships" xmlns:p="http://schemas.openxmlformats.org/presentationml/2006/main">
+  <p:cSld>
+    <p:spTree>
+      <p:nvGrpSpPr>
+        <p:cNvPr id="1" name=""/>
+        <p:cNvGrpSpPr/>
+        <p:nvPr/>
+      </p:nvGrpSpPr>
+      <p:grpSpPr>
+        <a:xfrm>
+          <a:off x="0" y="0"/>
+          <a:ext cx="0" cy="0"/>
+          <a:chOff x="0" y="0"/>
+          <a:chExt cx="0" cy="0"/>
+        </a:xfrm>
+      </p:grpSpPr>
+      <p:pic>
+        <p:nvPicPr>
+          <p:cNvPr id="4" name="Рисунок 3"/>
+          <p:cNvPicPr/>
+          <p:nvPr/>
+        </p:nvPicPr>
+        <p:blipFill>
+          <a:blip r:embed="rId3"/>
+          <a:stretch>
+            <a:fillRect/>
+          </a:stretch>
+        </p:blipFill>
+        <p:spPr>
+          <a:xfrm>
+            <a:off x="496390" y="766741"/>
+            <a:ext cx="11129554" cy="5589609"/>
+          </a:xfrm>
+          <a:prstGeom prst="rect">
+            <a:avLst/>
+          </a:prstGeom>
+        </p:spPr>
+      </p:pic>
+      <p:sp>
+        <p:nvSpPr>
+          <p:cNvPr id="2" name="Номер слайда 1"/>
+          <p:cNvSpPr>
+            <a:spLocks noGrp="1"/>
+          </p:cNvSpPr>
+          <p:nvPr>
+            <p:ph type="sldNum" sz="quarter" idx="12"/>
+          </p:nvPr>
+        </p:nvSpPr>
+        <p:spPr/>
+        <p:txBody>
+          <a:bodyPr/>
+          <a:lstStyle/>
+          <a:p>
+            <a:fld id="{7DB0EE1B-E4C1-4C7B-8CEC-C7439F861DA8}" type="slidenum">
+              <a:rPr lang="ru-RU" sz="1800" b="1" smtClean="0">
+                <a:solidFill>
+                  <a:schemeClr val="tx1"/>
+                </a:solidFill>
+                <a:latin typeface="Lato" panose="020F0502020204030203" pitchFamily="34" charset="0"/>
+                <a:cs typeface="Lato" panose="020F0502020204030203" pitchFamily="34" charset="0"/>
+              </a:rPr>
+              <a:t>11</a:t>
+            </a:fld>
+            <a:endParaRPr lang="ru-RU" b="1" dirty="0">
+              <a:solidFill>
+                <a:schemeClr val="tx1"/>
+              </a:solidFill>
+              <a:latin typeface="Lato" panose="020F0502020204030203" pitchFamily="34" charset="0"/>
+              <a:cs typeface="Lato" panose="020F0502020204030203" pitchFamily="34" charset="0"/>
+            </a:endParaRPr>
+          </a:p>
+        </p:txBody>
+      </p:sp>
+      <p:sp>
+        <p:nvSpPr>
+          <p:cNvPr id="3" name="Прямоугольник 2"/>
+          <p:cNvSpPr/>
+          <p:nvPr/>
+        </p:nvSpPr>
+        <p:spPr>
+          <a:xfrm>
+            <a:off x="4044428" y="-2700"/>
+            <a:ext cx="4033478" cy="769441"/>
+          </a:xfrm>
+          <a:prstGeom prst="rect">
+            <a:avLst/>
+          </a:prstGeom>
+        </p:spPr>
+        <p:txBody>
+          <a:bodyPr wrap="square">
+            <a:spAutoFit/>
+          </a:bodyPr>
+          <a:lstStyle/>
+          <a:p>
+            <a:r>
+              <a:rPr lang="ru-RU" sz="4400" dirty="0" smtClean="0">
+                <a:latin typeface="Lato" panose="020F0502020204030203" pitchFamily="34" charset="0"/>
+                <a:cs typeface="Lato" panose="020F0502020204030203" pitchFamily="34" charset="0"/>
+              </a:rPr>
+              <a:t>Модель данных</a:t>
+            </a:r>
+            <a:endParaRPr lang="ru-RU" sz="4400" dirty="0"/>
+          </a:p>
+        </p:txBody>
+      </p:sp>
+    </p:spTree>
+    <p:extLst>
+      <p:ext uri="{BB962C8B-B14F-4D97-AF65-F5344CB8AC3E}">
+        <p14:creationId xmlns:p14="http://schemas.microsoft.com/office/powerpoint/2010/main" val="2155805806"/>
+      </p:ext>
+    </p:extLst>
+  </p:cSld>
+  <p:clrMapOvr>
+    <a:masterClrMapping/>
+  </p:clrMapOvr>
+  <p:timing>
+    <p:tnLst>
+      <p:par>
+        <p:cTn id="1" dur="indefinite" restart="never" nodeType="tmRoot"/>
+      </p:par>
+    </p:tnLst>
+  </p:timing>
+</p:sld>
+</file>
+
+<file path=ppt/slides/slide12.xml><?xml version="1.0" encoding="utf-8"?>
+<p:sld xmlns:a="http://schemas.openxmlformats.org/drawingml/2006/main" xmlns:r="http://schemas.openxmlformats.org/officeDocument/2006/relationships" xmlns:p="http://schemas.openxmlformats.org/presentationml/2006/main">
+  <p:cSld>
+    <p:spTree>
+      <p:nvGrpSpPr>
+        <p:cNvPr id="1" name=""/>
+        <p:cNvGrpSpPr/>
+        <p:nvPr/>
+      </p:nvGrpSpPr>
+      <p:grpSpPr>
+        <a:xfrm>
+          <a:off x="0" y="0"/>
+          <a:ext cx="0" cy="0"/>
+          <a:chOff x="0" y="0"/>
+          <a:chExt cx="0" cy="0"/>
+        </a:xfrm>
+      </p:grpSpPr>
+      <p:sp>
+        <p:nvSpPr>
+          <p:cNvPr id="2" name="Заголовок 1"/>
+          <p:cNvSpPr>
+            <a:spLocks noGrp="1"/>
+          </p:cNvSpPr>
+          <p:nvPr>
+            <p:ph type="title"/>
+          </p:nvPr>
+        </p:nvSpPr>
+        <p:spPr>
+          <a:xfrm>
+            <a:off x="838200" y="0"/>
+            <a:ext cx="10515600" cy="1325563"/>
+          </a:xfrm>
+        </p:spPr>
+        <p:txBody>
+          <a:bodyPr/>
+          <a:lstStyle/>
+          <a:p>
+            <a:pPr algn="ctr"/>
+            <a:r>
+              <a:rPr lang="ru-RU" dirty="0">
+                <a:latin typeface="Lato" panose="020F0502020204030203" pitchFamily="34" charset="0"/>
+                <a:cs typeface="Lato" panose="020F0502020204030203" pitchFamily="34" charset="0"/>
+              </a:rPr>
+              <a:t>Диаграмма вариантов использования</a:t>
+            </a:r>
+          </a:p>
+        </p:txBody>
+      </p:sp>
+      <p:pic>
+        <p:nvPicPr>
+          <p:cNvPr id="4" name="Рисунок 3"/>
+          <p:cNvPicPr/>
+          <p:nvPr/>
+        </p:nvPicPr>
+        <p:blipFill>
+          <a:blip r:embed="rId3">
+            <a:extLst>
+              <a:ext uri="{28A0092B-C50C-407E-A947-70E740481C1C}">
+                <a14:useLocalDpi xmlns:a14="http://schemas.microsoft.com/office/drawing/2010/main" val="0"/>
+              </a:ext>
+            </a:extLst>
+          </a:blip>
+          <a:srcRect/>
+          <a:stretch>
+            <a:fillRect/>
+          </a:stretch>
+        </p:blipFill>
+        <p:spPr bwMode="auto">
+          <a:xfrm>
+            <a:off x="1066800" y="1122362"/>
+            <a:ext cx="10058400" cy="5532437"/>
+          </a:xfrm>
+          <a:prstGeom prst="rect">
+            <a:avLst/>
+          </a:prstGeom>
+          <a:noFill/>
+          <a:ln>
+            <a:noFill/>
+          </a:ln>
+        </p:spPr>
+      </p:pic>
+      <p:sp>
+        <p:nvSpPr>
+          <p:cNvPr id="3" name="Номер слайда 2"/>
+          <p:cNvSpPr>
+            <a:spLocks noGrp="1"/>
+          </p:cNvSpPr>
+          <p:nvPr>
+            <p:ph type="sldNum" sz="quarter" idx="12"/>
+          </p:nvPr>
+        </p:nvSpPr>
+        <p:spPr>
+          <a:xfrm>
+            <a:off x="9146177" y="6289674"/>
+            <a:ext cx="2743200" cy="365125"/>
+          </a:xfrm>
+        </p:spPr>
+        <p:txBody>
+          <a:bodyPr/>
+          <a:lstStyle/>
+          <a:p>
+            <a:fld id="{7DB0EE1B-E4C1-4C7B-8CEC-C7439F861DA8}" type="slidenum">
+              <a:rPr lang="ru-RU" sz="1800" b="1" smtClean="0">
+                <a:solidFill>
+                  <a:schemeClr val="tx1"/>
+                </a:solidFill>
+                <a:latin typeface="Lato" panose="020F0502020204030203" pitchFamily="34" charset="0"/>
+                <a:cs typeface="Lato" panose="020F0502020204030203" pitchFamily="34" charset="0"/>
+              </a:rPr>
+              <a:t>12</a:t>
+            </a:fld>
+            <a:endParaRPr lang="ru-RU" b="1" dirty="0">
+              <a:solidFill>
+                <a:schemeClr val="tx1"/>
+              </a:solidFill>
+              <a:latin typeface="Lato" panose="020F0502020204030203" pitchFamily="34" charset="0"/>
+              <a:cs typeface="Lato" panose="020F0502020204030203" pitchFamily="34" charset="0"/>
+            </a:endParaRPr>
+          </a:p>
+        </p:txBody>
+      </p:sp>
+    </p:spTree>
+    <p:extLst>
+      <p:ext uri="{BB962C8B-B14F-4D97-AF65-F5344CB8AC3E}">
+        <p14:creationId xmlns:p14="http://schemas.microsoft.com/office/powerpoint/2010/main" val="1787754788"/>
+      </p:ext>
+    </p:extLst>
+  </p:cSld>
+  <p:clrMapOvr>
+    <a:masterClrMapping/>
+  </p:clrMapOvr>
+  <p:timing>
+    <p:tnLst>
+      <p:par>
+        <p:cTn id="1" dur="indefinite" restart="never" nodeType="tmRoot"/>
+      </p:par>
+    </p:tnLst>
+  </p:timing>
+</p:sld>
+</file>
+
+<file path=ppt/slides/slide13.xml><?xml version="1.0" encoding="utf-8"?>
+<p:sld xmlns:a="http://schemas.openxmlformats.org/drawingml/2006/main" xmlns:r="http://schemas.openxmlformats.org/officeDocument/2006/relationships" xmlns:p="http://schemas.openxmlformats.org/presentationml/2006/main">
+  <p:cSld>
+    <p:spTree>
+      <p:nvGrpSpPr>
+        <p:cNvPr id="1" name=""/>
+        <p:cNvGrpSpPr/>
+        <p:nvPr/>
+      </p:nvGrpSpPr>
+      <p:grpSpPr>
+        <a:xfrm>
+          <a:off x="0" y="0"/>
+          <a:ext cx="0" cy="0"/>
+          <a:chOff x="0" y="0"/>
+          <a:chExt cx="0" cy="0"/>
+        </a:xfrm>
+      </p:grpSpPr>
+      <p:sp>
+        <p:nvSpPr>
+          <p:cNvPr id="2" name="Заголовок 1"/>
+          <p:cNvSpPr>
+            <a:spLocks noGrp="1"/>
+          </p:cNvSpPr>
+          <p:nvPr>
+            <p:ph type="title"/>
+          </p:nvPr>
+        </p:nvSpPr>
+        <p:spPr>
+          <a:xfrm>
+            <a:off x="1371599" y="19050"/>
+            <a:ext cx="9134475" cy="1325563"/>
+          </a:xfrm>
+        </p:spPr>
+        <p:txBody>
+          <a:bodyPr/>
+          <a:lstStyle/>
+          <a:p>
+            <a:r>
+              <a:rPr lang="ru-RU" dirty="0" smtClean="0">
+                <a:latin typeface="Lato" panose="020F0502020204030203" pitchFamily="34" charset="0"/>
+                <a:cs typeface="Lato" panose="020F0502020204030203" pitchFamily="34" charset="0"/>
+              </a:rPr>
+              <a:t>Модель бизнес-процесса</a:t>
+            </a:r>
+            <a:r>
+              <a:rPr lang="en-US" dirty="0" smtClean="0">
+                <a:latin typeface="Lato" panose="020F0502020204030203" pitchFamily="34" charset="0"/>
+                <a:cs typeface="Lato" panose="020F0502020204030203" pitchFamily="34" charset="0"/>
+              </a:rPr>
+              <a:t>. </a:t>
+            </a:r>
+            <a:r>
+              <a:rPr lang="ru-RU" dirty="0">
+                <a:latin typeface="Lato" panose="020F0502020204030203" pitchFamily="34" charset="0"/>
+                <a:cs typeface="Lato" panose="020F0502020204030203" pitchFamily="34" charset="0"/>
+              </a:rPr>
+              <a:t>Фрагмент </a:t>
+            </a:r>
+            <a:r>
+              <a:rPr lang="en-US" dirty="0">
+                <a:latin typeface="Lato" panose="020F0502020204030203" pitchFamily="34" charset="0"/>
+                <a:cs typeface="Lato" panose="020F0502020204030203" pitchFamily="34" charset="0"/>
+              </a:rPr>
+              <a:t>I</a:t>
+            </a:r>
+            <a:endParaRPr lang="ru-RU" dirty="0">
+              <a:latin typeface="Lato" panose="020F0502020204030203" pitchFamily="34" charset="0"/>
+              <a:cs typeface="Lato" panose="020F0502020204030203" pitchFamily="34" charset="0"/>
+            </a:endParaRPr>
+          </a:p>
+        </p:txBody>
+      </p:sp>
+      <p:sp>
+        <p:nvSpPr>
+          <p:cNvPr id="3" name="Номер слайда 2"/>
+          <p:cNvSpPr>
+            <a:spLocks noGrp="1"/>
+          </p:cNvSpPr>
+          <p:nvPr>
+            <p:ph type="sldNum" sz="quarter" idx="12"/>
+          </p:nvPr>
+        </p:nvSpPr>
+        <p:spPr/>
+        <p:txBody>
+          <a:bodyPr/>
+          <a:lstStyle/>
+          <a:p>
+            <a:fld id="{7DB0EE1B-E4C1-4C7B-8CEC-C7439F861DA8}" type="slidenum">
+              <a:rPr lang="ru-RU" sz="1800" b="1" smtClean="0">
+                <a:solidFill>
+                  <a:schemeClr val="tx1"/>
+                </a:solidFill>
+                <a:latin typeface="Lato" panose="020F0502020204030203" pitchFamily="34" charset="0"/>
+                <a:cs typeface="Lato" panose="020F0502020204030203" pitchFamily="34" charset="0"/>
+              </a:rPr>
+              <a:t>13</a:t>
+            </a:fld>
+            <a:endParaRPr lang="ru-RU" b="1" dirty="0">
+              <a:solidFill>
+                <a:schemeClr val="tx1"/>
+              </a:solidFill>
+              <a:latin typeface="Lato" panose="020F0502020204030203" pitchFamily="34" charset="0"/>
+              <a:cs typeface="Lato" panose="020F0502020204030203" pitchFamily="34" charset="0"/>
+            </a:endParaRPr>
+          </a:p>
+        </p:txBody>
+      </p:sp>
+      <p:pic>
+        <p:nvPicPr>
+          <p:cNvPr id="6" name="Рисунок 5"/>
+          <p:cNvPicPr/>
+          <p:nvPr/>
+        </p:nvPicPr>
+        <p:blipFill>
+          <a:blip r:embed="rId3"/>
+          <a:stretch>
+            <a:fillRect/>
+          </a:stretch>
+        </p:blipFill>
+        <p:spPr>
+          <a:xfrm>
+            <a:off x="1447800" y="1109663"/>
+            <a:ext cx="8820150" cy="5462588"/>
+          </a:xfrm>
+          <a:prstGeom prst="rect">
+            <a:avLst/>
+          </a:prstGeom>
+        </p:spPr>
+      </p:pic>
+    </p:spTree>
+    <p:extLst>
+      <p:ext uri="{BB962C8B-B14F-4D97-AF65-F5344CB8AC3E}">
+        <p14:creationId xmlns:p14="http://schemas.microsoft.com/office/powerpoint/2010/main" val="363918908"/>
+      </p:ext>
+    </p:extLst>
+  </p:cSld>
+  <p:clrMapOvr>
+    <a:masterClrMapping/>
+  </p:clrMapOvr>
+  <p:timing>
+    <p:tnLst>
+      <p:par>
+        <p:cTn id="1" dur="indefinite" restart="never" nodeType="tmRoot"/>
+      </p:par>
+    </p:tnLst>
+  </p:timing>
+</p:sld>
+</file>
+
+<file path=ppt/slides/slide14.xml><?xml version="1.0" encoding="utf-8"?>
+<p:sld xmlns:a="http://schemas.openxmlformats.org/drawingml/2006/main" xmlns:r="http://schemas.openxmlformats.org/officeDocument/2006/relationships" xmlns:p="http://schemas.openxmlformats.org/presentationml/2006/main">
+  <p:cSld>
+    <p:spTree>
+      <p:nvGrpSpPr>
+        <p:cNvPr id="1" name=""/>
+        <p:cNvGrpSpPr/>
+        <p:nvPr/>
+      </p:nvGrpSpPr>
+      <p:grpSpPr>
+        <a:xfrm>
+          <a:off x="0" y="0"/>
+          <a:ext cx="0" cy="0"/>
+          <a:chOff x="0" y="0"/>
+          <a:chExt cx="0" cy="0"/>
+        </a:xfrm>
+      </p:grpSpPr>
+      <p:sp>
+        <p:nvSpPr>
+          <p:cNvPr id="2" name="Заголовок 1"/>
+          <p:cNvSpPr>
+            <a:spLocks noGrp="1"/>
+          </p:cNvSpPr>
+          <p:nvPr>
+            <p:ph type="title"/>
+          </p:nvPr>
+        </p:nvSpPr>
+        <p:spPr>
+          <a:xfrm>
+            <a:off x="1357448" y="28575"/>
+            <a:ext cx="9368971" cy="1325563"/>
+          </a:xfrm>
+        </p:spPr>
+        <p:txBody>
+          <a:bodyPr/>
+          <a:lstStyle/>
+          <a:p>
+            <a:r>
+              <a:rPr lang="ru-RU" dirty="0">
+                <a:latin typeface="Lato" panose="020F0502020204030203" pitchFamily="34" charset="0"/>
+                <a:cs typeface="Lato" panose="020F0502020204030203" pitchFamily="34" charset="0"/>
+              </a:rPr>
+              <a:t>Модель бизнес-процесса</a:t>
+            </a:r>
+            <a:r>
+              <a:rPr lang="en-US" dirty="0" smtClean="0">
+                <a:latin typeface="Lato" panose="020F0502020204030203" pitchFamily="34" charset="0"/>
+                <a:cs typeface="Lato" panose="020F0502020204030203" pitchFamily="34" charset="0"/>
+              </a:rPr>
+              <a:t>. </a:t>
+            </a:r>
+            <a:r>
+              <a:rPr lang="ru-RU" dirty="0">
+                <a:latin typeface="Lato" panose="020F0502020204030203" pitchFamily="34" charset="0"/>
+                <a:cs typeface="Lato" panose="020F0502020204030203" pitchFamily="34" charset="0"/>
+              </a:rPr>
+              <a:t>Фрагмент </a:t>
+            </a:r>
+            <a:r>
+              <a:rPr lang="en-US" dirty="0">
+                <a:latin typeface="Lato" panose="020F0502020204030203" pitchFamily="34" charset="0"/>
+                <a:cs typeface="Lato" panose="020F0502020204030203" pitchFamily="34" charset="0"/>
+              </a:rPr>
+              <a:t>II</a:t>
+            </a:r>
+            <a:endParaRPr lang="ru-RU" dirty="0">
+              <a:latin typeface="Lato" panose="020F0502020204030203" pitchFamily="34" charset="0"/>
+              <a:cs typeface="Lato" panose="020F0502020204030203" pitchFamily="34" charset="0"/>
+            </a:endParaRPr>
+          </a:p>
+        </p:txBody>
+      </p:sp>
+      <p:pic>
+        <p:nvPicPr>
+          <p:cNvPr id="4" name="Рисунок 3"/>
+          <p:cNvPicPr/>
+          <p:nvPr/>
+        </p:nvPicPr>
+        <p:blipFill>
+          <a:blip r:embed="rId3"/>
+          <a:stretch>
+            <a:fillRect/>
+          </a:stretch>
+        </p:blipFill>
+        <p:spPr>
+          <a:xfrm>
+            <a:off x="1749334" y="1157970"/>
+            <a:ext cx="8585200" cy="5365973"/>
+          </a:xfrm>
+          <a:prstGeom prst="rect">
+            <a:avLst/>
+          </a:prstGeom>
+        </p:spPr>
+      </p:pic>
+      <p:sp>
+        <p:nvSpPr>
+          <p:cNvPr id="3" name="Номер слайда 2"/>
+          <p:cNvSpPr>
+            <a:spLocks noGrp="1"/>
+          </p:cNvSpPr>
+          <p:nvPr>
+            <p:ph type="sldNum" sz="quarter" idx="12"/>
+          </p:nvPr>
+        </p:nvSpPr>
+        <p:spPr/>
+        <p:txBody>
+          <a:bodyPr/>
+          <a:lstStyle/>
+          <a:p>
+            <a:fld id="{7DB0EE1B-E4C1-4C7B-8CEC-C7439F861DA8}" type="slidenum">
+              <a:rPr lang="ru-RU" sz="1800" b="1" smtClean="0">
+                <a:solidFill>
+                  <a:schemeClr val="tx1"/>
+                </a:solidFill>
+                <a:latin typeface="Lato" panose="020F0502020204030203" pitchFamily="34" charset="0"/>
+                <a:cs typeface="Lato" panose="020F0502020204030203" pitchFamily="34" charset="0"/>
+              </a:rPr>
+              <a:t>14</a:t>
+            </a:fld>
+            <a:endParaRPr lang="ru-RU" b="1" dirty="0">
+              <a:solidFill>
+                <a:schemeClr val="tx1"/>
+              </a:solidFill>
+              <a:latin typeface="Lato" panose="020F0502020204030203" pitchFamily="34" charset="0"/>
+              <a:cs typeface="Lato" panose="020F0502020204030203" pitchFamily="34" charset="0"/>
+            </a:endParaRPr>
+          </a:p>
+        </p:txBody>
+      </p:sp>
+    </p:spTree>
+    <p:extLst>
+      <p:ext uri="{BB962C8B-B14F-4D97-AF65-F5344CB8AC3E}">
+        <p14:creationId xmlns:p14="http://schemas.microsoft.com/office/powerpoint/2010/main" val="3233881336"/>
+      </p:ext>
+    </p:extLst>
+  </p:cSld>
+  <p:clrMapOvr>
+    <a:masterClrMapping/>
+  </p:clrMapOvr>
+  <p:timing>
+    <p:tnLst>
+      <p:par>
+        <p:cTn id="1" dur="indefinite" restart="never" nodeType="tmRoot"/>
+      </p:par>
+    </p:tnLst>
+  </p:timing>
 </p:sld>
 </file>
 
@@ -5455,7 +5709,329 @@
             <p:ph type="title"/>
           </p:nvPr>
         </p:nvSpPr>
-        <p:spPr/>
+        <p:spPr>
+          <a:xfrm>
+            <a:off x="838200" y="174625"/>
+            <a:ext cx="10515600" cy="1325563"/>
+          </a:xfrm>
+        </p:spPr>
+        <p:txBody>
+          <a:bodyPr/>
+          <a:lstStyle/>
+          <a:p>
+            <a:r>
+              <a:rPr lang="ru-RU" dirty="0">
+                <a:latin typeface="Lato" panose="020F0502020204030203" pitchFamily="34" charset="0"/>
+                <a:cs typeface="Lato" panose="020F0502020204030203" pitchFamily="34" charset="0"/>
+              </a:rPr>
+              <a:t>Диаграмма классов фоновой службы</a:t>
+            </a:r>
+          </a:p>
+        </p:txBody>
+      </p:sp>
+      <p:pic>
+        <p:nvPicPr>
+          <p:cNvPr id="5" name="Рисунок 4" descr="SendingServiceClassDiagram"/>
+          <p:cNvPicPr/>
+          <p:nvPr/>
+        </p:nvPicPr>
+        <p:blipFill>
+          <a:blip r:embed="rId3">
+            <a:extLst>
+              <a:ext uri="{28A0092B-C50C-407E-A947-70E740481C1C}">
+                <a14:useLocalDpi xmlns:a14="http://schemas.microsoft.com/office/drawing/2010/main" val="0"/>
+              </a:ext>
+            </a:extLst>
+          </a:blip>
+          <a:srcRect/>
+          <a:stretch>
+            <a:fillRect/>
+          </a:stretch>
+        </p:blipFill>
+        <p:spPr bwMode="auto">
+          <a:xfrm>
+            <a:off x="838200" y="1500188"/>
+            <a:ext cx="10515600" cy="4822825"/>
+          </a:xfrm>
+          <a:prstGeom prst="rect">
+            <a:avLst/>
+          </a:prstGeom>
+          <a:noFill/>
+          <a:ln>
+            <a:noFill/>
+          </a:ln>
+        </p:spPr>
+      </p:pic>
+      <p:sp>
+        <p:nvSpPr>
+          <p:cNvPr id="3" name="Номер слайда 2"/>
+          <p:cNvSpPr>
+            <a:spLocks noGrp="1"/>
+          </p:cNvSpPr>
+          <p:nvPr>
+            <p:ph type="sldNum" sz="quarter" idx="12"/>
+          </p:nvPr>
+        </p:nvSpPr>
+        <p:spPr/>
+        <p:txBody>
+          <a:bodyPr/>
+          <a:lstStyle/>
+          <a:p>
+            <a:fld id="{7DB0EE1B-E4C1-4C7B-8CEC-C7439F861DA8}" type="slidenum">
+              <a:rPr lang="ru-RU" sz="1800" b="1" smtClean="0">
+                <a:solidFill>
+                  <a:schemeClr val="tx1"/>
+                </a:solidFill>
+                <a:latin typeface="Lato" panose="020F0502020204030203" pitchFamily="34" charset="0"/>
+                <a:cs typeface="Lato" panose="020F0502020204030203" pitchFamily="34" charset="0"/>
+              </a:rPr>
+              <a:t>15</a:t>
+            </a:fld>
+            <a:endParaRPr lang="ru-RU" b="1" dirty="0">
+              <a:solidFill>
+                <a:schemeClr val="tx1"/>
+              </a:solidFill>
+              <a:latin typeface="Lato" panose="020F0502020204030203" pitchFamily="34" charset="0"/>
+              <a:cs typeface="Lato" panose="020F0502020204030203" pitchFamily="34" charset="0"/>
+            </a:endParaRPr>
+          </a:p>
+        </p:txBody>
+      </p:sp>
+    </p:spTree>
+    <p:extLst>
+      <p:ext uri="{BB962C8B-B14F-4D97-AF65-F5344CB8AC3E}">
+        <p14:creationId xmlns:p14="http://schemas.microsoft.com/office/powerpoint/2010/main" val="2633015450"/>
+      </p:ext>
+    </p:extLst>
+  </p:cSld>
+  <p:clrMapOvr>
+    <a:masterClrMapping/>
+  </p:clrMapOvr>
+  <p:timing>
+    <p:tnLst>
+      <p:par>
+        <p:cTn id="1" dur="indefinite" restart="never" nodeType="tmRoot"/>
+      </p:par>
+    </p:tnLst>
+  </p:timing>
+</p:sld>
+</file>
+
+<file path=ppt/slides/slide16.xml><?xml version="1.0" encoding="utf-8"?>
+<p:sld xmlns:a="http://schemas.openxmlformats.org/drawingml/2006/main" xmlns:r="http://schemas.openxmlformats.org/officeDocument/2006/relationships" xmlns:p="http://schemas.openxmlformats.org/presentationml/2006/main">
+  <p:cSld>
+    <p:spTree>
+      <p:nvGrpSpPr>
+        <p:cNvPr id="1" name=""/>
+        <p:cNvGrpSpPr/>
+        <p:nvPr/>
+      </p:nvGrpSpPr>
+      <p:grpSpPr>
+        <a:xfrm>
+          <a:off x="0" y="0"/>
+          <a:ext cx="0" cy="0"/>
+          <a:chOff x="0" y="0"/>
+          <a:chExt cx="0" cy="0"/>
+        </a:xfrm>
+      </p:grpSpPr>
+      <p:sp>
+        <p:nvSpPr>
+          <p:cNvPr id="2" name="Заголовок 1"/>
+          <p:cNvSpPr>
+            <a:spLocks noGrp="1"/>
+          </p:cNvSpPr>
+          <p:nvPr>
+            <p:ph type="title"/>
+          </p:nvPr>
+        </p:nvSpPr>
+        <p:spPr>
+          <a:xfrm>
+            <a:off x="762000" y="318769"/>
+            <a:ext cx="10515600" cy="1325563"/>
+          </a:xfrm>
+        </p:spPr>
+        <p:txBody>
+          <a:bodyPr/>
+          <a:lstStyle/>
+          <a:p>
+            <a:r>
+              <a:rPr lang="ru-RU" dirty="0" smtClean="0">
+                <a:latin typeface="Lato"/>
+              </a:rPr>
+              <a:t>Балансировка нагрузки</a:t>
+            </a:r>
+            <a:endParaRPr lang="ru-RU" dirty="0">
+              <a:latin typeface="Lato"/>
+            </a:endParaRPr>
+          </a:p>
+        </p:txBody>
+      </p:sp>
+      <p:sp>
+        <p:nvSpPr>
+          <p:cNvPr id="4" name="Номер слайда 3"/>
+          <p:cNvSpPr>
+            <a:spLocks noGrp="1"/>
+          </p:cNvSpPr>
+          <p:nvPr>
+            <p:ph type="sldNum" sz="quarter" idx="12"/>
+          </p:nvPr>
+        </p:nvSpPr>
+        <p:spPr/>
+        <p:txBody>
+          <a:bodyPr/>
+          <a:lstStyle/>
+          <a:p>
+            <a:fld id="{7DB0EE1B-E4C1-4C7B-8CEC-C7439F861DA8}" type="slidenum">
+              <a:rPr lang="ru-RU" sz="1800" b="1" smtClean="0">
+                <a:solidFill>
+                  <a:schemeClr val="tx1"/>
+                </a:solidFill>
+              </a:rPr>
+              <a:t>16</a:t>
+            </a:fld>
+            <a:endParaRPr lang="ru-RU" b="1" dirty="0">
+              <a:solidFill>
+                <a:schemeClr val="tx1"/>
+              </a:solidFill>
+            </a:endParaRPr>
+          </a:p>
+        </p:txBody>
+      </p:sp>
+      <p:pic>
+        <p:nvPicPr>
+          <p:cNvPr id="6" name="Рисунок 5" descr="D:\Eugene\Дипломная работа\MessageDeliveryService\Балансировка нагрузки\Схема взаимодействия серверов.png"/>
+          <p:cNvPicPr/>
+          <p:nvPr/>
+        </p:nvPicPr>
+        <p:blipFill>
+          <a:blip r:embed="rId3">
+            <a:extLst>
+              <a:ext uri="{28A0092B-C50C-407E-A947-70E740481C1C}">
+                <a14:useLocalDpi xmlns:a14="http://schemas.microsoft.com/office/drawing/2010/main" val="0"/>
+              </a:ext>
+            </a:extLst>
+          </a:blip>
+          <a:srcRect/>
+          <a:stretch>
+            <a:fillRect/>
+          </a:stretch>
+        </p:blipFill>
+        <p:spPr bwMode="auto">
+          <a:xfrm>
+            <a:off x="4800601" y="3371850"/>
+            <a:ext cx="6553200" cy="2946718"/>
+          </a:xfrm>
+          <a:prstGeom prst="rect">
+            <a:avLst/>
+          </a:prstGeom>
+          <a:noFill/>
+          <a:ln>
+            <a:noFill/>
+          </a:ln>
+        </p:spPr>
+      </p:pic>
+      <p:sp>
+        <p:nvSpPr>
+          <p:cNvPr id="7" name="Объект 6"/>
+          <p:cNvSpPr>
+            <a:spLocks noGrp="1"/>
+          </p:cNvSpPr>
+          <p:nvPr>
+            <p:ph idx="1"/>
+          </p:nvPr>
+        </p:nvSpPr>
+        <p:spPr>
+          <a:xfrm>
+            <a:off x="838200" y="1644332"/>
+            <a:ext cx="10515600" cy="4351338"/>
+          </a:xfrm>
+        </p:spPr>
+        <p:txBody>
+          <a:bodyPr/>
+          <a:lstStyle/>
+          <a:p>
+            <a:pPr marL="0" indent="0">
+              <a:buNone/>
+            </a:pPr>
+            <a:r>
+              <a:rPr lang="ru-RU" dirty="0" smtClean="0"/>
+              <a:t>Виды балансировки:</a:t>
+            </a:r>
+          </a:p>
+          <a:p>
+            <a:r>
+              <a:rPr lang="en-US" dirty="0" smtClean="0"/>
+              <a:t>Round Robin;</a:t>
+            </a:r>
+          </a:p>
+          <a:p>
+            <a:r>
+              <a:rPr lang="en-US" dirty="0" smtClean="0"/>
+              <a:t>Weighted Round Robin;</a:t>
+            </a:r>
+          </a:p>
+          <a:p>
+            <a:r>
+              <a:rPr lang="en-US" dirty="0" smtClean="0"/>
+              <a:t>Least Connections.</a:t>
+            </a:r>
+            <a:endParaRPr lang="ru-RU" dirty="0"/>
+          </a:p>
+        </p:txBody>
+      </p:sp>
+    </p:spTree>
+    <p:extLst>
+      <p:ext uri="{BB962C8B-B14F-4D97-AF65-F5344CB8AC3E}">
+        <p14:creationId xmlns:p14="http://schemas.microsoft.com/office/powerpoint/2010/main" val="1366097730"/>
+      </p:ext>
+    </p:extLst>
+  </p:cSld>
+  <p:clrMapOvr>
+    <a:masterClrMapping/>
+  </p:clrMapOvr>
+  <p:timing>
+    <p:tnLst>
+      <p:par>
+        <p:cTn id="1" dur="indefinite" restart="never" nodeType="tmRoot"/>
+      </p:par>
+    </p:tnLst>
+  </p:timing>
+</p:sld>
+</file>
+
+<file path=ppt/slides/slide17.xml><?xml version="1.0" encoding="utf-8"?>
+<p:sld xmlns:a="http://schemas.openxmlformats.org/drawingml/2006/main" xmlns:r="http://schemas.openxmlformats.org/officeDocument/2006/relationships" xmlns:p="http://schemas.openxmlformats.org/presentationml/2006/main">
+  <p:cSld>
+    <p:spTree>
+      <p:nvGrpSpPr>
+        <p:cNvPr id="1" name=""/>
+        <p:cNvGrpSpPr/>
+        <p:nvPr/>
+      </p:nvGrpSpPr>
+      <p:grpSpPr>
+        <a:xfrm>
+          <a:off x="0" y="0"/>
+          <a:ext cx="0" cy="0"/>
+          <a:chOff x="0" y="0"/>
+          <a:chExt cx="0" cy="0"/>
+        </a:xfrm>
+      </p:grpSpPr>
+      <p:sp>
+        <p:nvSpPr>
+          <p:cNvPr id="2" name="Заголовок 1"/>
+          <p:cNvSpPr>
+            <a:spLocks noGrp="1"/>
+          </p:cNvSpPr>
+          <p:nvPr>
+            <p:ph type="title"/>
+          </p:nvPr>
+        </p:nvSpPr>
+        <p:spPr>
+          <a:xfrm>
+            <a:off x="838200" y="219074"/>
+            <a:ext cx="10515600" cy="1325563"/>
+          </a:xfrm>
+        </p:spPr>
         <p:txBody>
           <a:bodyPr/>
           <a:lstStyle/>
@@ -5480,7 +6056,12 @@
             <p:ph idx="1"/>
           </p:nvPr>
         </p:nvSpPr>
-        <p:spPr/>
+        <p:spPr>
+          <a:xfrm>
+            <a:off x="838200" y="1825625"/>
+            <a:ext cx="5257800" cy="4351338"/>
+          </a:xfrm>
+        </p:spPr>
         <p:txBody>
           <a:bodyPr>
             <a:normAutofit/>
@@ -5535,19 +6116,55 @@
           <a:lstStyle/>
           <a:p>
             <a:fld id="{7DB0EE1B-E4C1-4C7B-8CEC-C7439F861DA8}" type="slidenum">
-              <a:rPr lang="ru-RU" sz="1800" smtClean="0">
+              <a:rPr lang="ru-RU" sz="1800" b="1" smtClean="0">
+                <a:solidFill>
+                  <a:schemeClr val="tx1"/>
+                </a:solidFill>
                 <a:latin typeface="Lato" panose="020F0502020204030203" pitchFamily="34" charset="0"/>
                 <a:cs typeface="Lato" panose="020F0502020204030203" pitchFamily="34" charset="0"/>
               </a:rPr>
-              <a:t>15</a:t>
+              <a:t>17</a:t>
             </a:fld>
-            <a:endParaRPr lang="ru-RU" dirty="0">
+            <a:endParaRPr lang="ru-RU" b="1" dirty="0">
+              <a:solidFill>
+                <a:schemeClr val="tx1"/>
+              </a:solidFill>
               <a:latin typeface="Lato" panose="020F0502020204030203" pitchFamily="34" charset="0"/>
               <a:cs typeface="Lato" panose="020F0502020204030203" pitchFamily="34" charset="0"/>
             </a:endParaRPr>
           </a:p>
         </p:txBody>
       </p:sp>
+      <p:pic>
+        <p:nvPicPr>
+          <p:cNvPr id="5" name="Рисунок 4"/>
+          <p:cNvPicPr>
+            <a:picLocks noChangeAspect="1"/>
+          </p:cNvPicPr>
+          <p:nvPr/>
+        </p:nvPicPr>
+        <p:blipFill>
+          <a:blip r:embed="rId2" cstate="print">
+            <a:extLst>
+              <a:ext uri="{28A0092B-C50C-407E-A947-70E740481C1C}">
+                <a14:useLocalDpi xmlns:a14="http://schemas.microsoft.com/office/drawing/2010/main" val="0"/>
+              </a:ext>
+            </a:extLst>
+          </a:blip>
+          <a:stretch>
+            <a:fillRect/>
+          </a:stretch>
+        </p:blipFill>
+        <p:spPr>
+          <a:xfrm>
+            <a:off x="7067550" y="219074"/>
+            <a:ext cx="4286250" cy="6061241"/>
+          </a:xfrm>
+          <a:prstGeom prst="rect">
+            <a:avLst/>
+          </a:prstGeom>
+        </p:spPr>
+      </p:pic>
     </p:spTree>
     <p:extLst>
       <p:ext uri="{BB962C8B-B14F-4D97-AF65-F5344CB8AC3E}">
@@ -5558,6 +6175,13 @@
   <p:clrMapOvr>
     <a:masterClrMapping/>
   </p:clrMapOvr>
+  <p:timing>
+    <p:tnLst>
+      <p:par>
+        <p:cTn id="1" dur="indefinite" restart="never" nodeType="tmRoot"/>
+      </p:par>
+    </p:tnLst>
+  </p:timing>
 </p:sld>
 </file>
 
@@ -5580,85 +6204,136 @@
       </p:grpSpPr>
       <p:sp>
         <p:nvSpPr>
-          <p:cNvPr id="3" name="Объект 2"/>
-          <p:cNvSpPr>
-            <a:spLocks noGrp="1"/>
-          </p:cNvSpPr>
-          <p:nvPr>
-            <p:ph idx="1"/>
+          <p:cNvPr id="2" name="Заголовок 1"/>
+          <p:cNvSpPr>
+            <a:spLocks noGrp="1"/>
+          </p:cNvSpPr>
+          <p:nvPr>
+            <p:ph type="title"/>
           </p:nvPr>
         </p:nvSpPr>
         <p:spPr>
           <a:xfrm>
-            <a:off x="693234" y="822015"/>
-            <a:ext cx="8896815" cy="5132736"/>
-          </a:xfrm>
-        </p:spPr>
-        <p:txBody>
-          <a:bodyPr/>
-          <a:lstStyle/>
-          <a:p>
-            <a:pPr marL="0" indent="0" algn="just">
-              <a:buNone/>
-            </a:pPr>
-            <a:r>
-              <a:rPr lang="ru-RU" b="1" dirty="0">
-                <a:latin typeface="Lato" panose="020F0502020204030203" pitchFamily="34" charset="0"/>
-                <a:cs typeface="Lato" panose="020F0502020204030203" pitchFamily="34" charset="0"/>
+            <a:off x="638175" y="134938"/>
+            <a:ext cx="10515600" cy="1325563"/>
+          </a:xfrm>
+        </p:spPr>
+        <p:txBody>
+          <a:bodyPr/>
+          <a:lstStyle/>
+          <a:p>
+            <a:r>
+              <a:rPr lang="ru-RU" dirty="0" smtClean="0">
+                <a:latin typeface="Lato"/>
               </a:rPr>
-              <a:t>Цель:</a:t>
-            </a:r>
-            <a:r>
-              <a:rPr lang="ru-RU" dirty="0">
-                <a:latin typeface="Lato" panose="020F0502020204030203" pitchFamily="34" charset="0"/>
-                <a:cs typeface="Lato" panose="020F0502020204030203" pitchFamily="34" charset="0"/>
+              <a:t>Основание для разработки</a:t>
+            </a:r>
+            <a:endParaRPr lang="ru-RU" dirty="0">
+              <a:latin typeface="Lato"/>
+            </a:endParaRPr>
+          </a:p>
+        </p:txBody>
+      </p:sp>
+      <p:sp>
+        <p:nvSpPr>
+          <p:cNvPr id="3" name="Объект 2"/>
+          <p:cNvSpPr>
+            <a:spLocks noGrp="1"/>
+          </p:cNvSpPr>
+          <p:nvPr>
+            <p:ph idx="1"/>
+          </p:nvPr>
+        </p:nvSpPr>
+        <p:spPr>
+          <a:xfrm>
+            <a:off x="4562475" y="1265871"/>
+            <a:ext cx="6334125" cy="4351338"/>
+          </a:xfrm>
+        </p:spPr>
+        <p:txBody>
+          <a:bodyPr/>
+          <a:lstStyle/>
+          <a:p>
+            <a:r>
+              <a:rPr lang="ru-RU" dirty="0"/>
+              <a:t>З</a:t>
+            </a:r>
+            <a:r>
+              <a:rPr lang="ru-RU" dirty="0" smtClean="0"/>
+              <a:t>адание </a:t>
+            </a:r>
+            <a:r>
+              <a:rPr lang="ru-RU" dirty="0"/>
+              <a:t>на дипломную работу, выданное </a:t>
+            </a:r>
+            <a:r>
+              <a:rPr lang="ru-RU" dirty="0" smtClean="0"/>
+              <a:t>к.т.н., доц. </a:t>
+            </a:r>
+            <a:r>
+              <a:rPr lang="ru-RU" dirty="0" err="1" smtClean="0"/>
+              <a:t>Трубаковым</a:t>
+            </a:r>
+            <a:r>
+              <a:rPr lang="ru-RU" dirty="0"/>
+              <a:t> </a:t>
+            </a:r>
+            <a:r>
+              <a:rPr lang="ru-RU" dirty="0" smtClean="0"/>
+              <a:t>А.О;</a:t>
+            </a:r>
+          </a:p>
+          <a:p>
+            <a:r>
+              <a:rPr lang="ru-RU" dirty="0" smtClean="0"/>
+              <a:t>заявка </a:t>
+            </a:r>
+            <a:r>
+              <a:rPr lang="ru-RU" dirty="0"/>
+              <a:t>на </a:t>
+            </a:r>
+            <a:r>
+              <a:rPr lang="ru-RU" dirty="0" smtClean="0"/>
+              <a:t>внедрение.</a:t>
+            </a:r>
+            <a:endParaRPr lang="ru-RU" dirty="0"/>
+          </a:p>
+        </p:txBody>
+      </p:sp>
+      <p:sp>
+        <p:nvSpPr>
+          <p:cNvPr id="4" name="Номер слайда 3"/>
+          <p:cNvSpPr>
+            <a:spLocks noGrp="1"/>
+          </p:cNvSpPr>
+          <p:nvPr>
+            <p:ph type="sldNum" sz="quarter" idx="12"/>
+          </p:nvPr>
+        </p:nvSpPr>
+        <p:spPr/>
+        <p:txBody>
+          <a:bodyPr/>
+          <a:lstStyle/>
+          <a:p>
+            <a:fld id="{7DB0EE1B-E4C1-4C7B-8CEC-C7439F861DA8}" type="slidenum">
+              <a:rPr lang="ru-RU" sz="1800" b="1" smtClean="0">
+                <a:solidFill>
+                  <a:schemeClr val="tx1"/>
+                </a:solidFill>
               </a:rPr>
-              <a:t> проектирование программного комплекса управления рассылкой электронных сообщений с возможностью последующего внедрения в системы, требующие высокой надежности отправки.</a:t>
-            </a:r>
-          </a:p>
-          <a:p>
-            <a:pPr marL="0" indent="0" algn="just">
-              <a:buNone/>
-            </a:pPr>
-            <a:endParaRPr lang="ru-RU" dirty="0">
-              <a:latin typeface="Lato" panose="020F0502020204030203" pitchFamily="34" charset="0"/>
-              <a:cs typeface="Lato" panose="020F0502020204030203" pitchFamily="34" charset="0"/>
+              <a:t>2</a:t>
+            </a:fld>
+            <a:endParaRPr lang="ru-RU" b="1" dirty="0">
+              <a:solidFill>
+                <a:schemeClr val="tx1"/>
+              </a:solidFill>
             </a:endParaRPr>
-          </a:p>
-          <a:p>
-            <a:pPr marL="0" indent="0" algn="just">
-              <a:buNone/>
-            </a:pPr>
-            <a:endParaRPr lang="ru-RU" dirty="0">
-              <a:latin typeface="Lato" panose="020F0502020204030203" pitchFamily="34" charset="0"/>
-              <a:cs typeface="Lato" panose="020F0502020204030203" pitchFamily="34" charset="0"/>
-            </a:endParaRPr>
-          </a:p>
-          <a:p>
-            <a:pPr marL="0" indent="0" algn="just">
-              <a:buNone/>
-            </a:pPr>
-            <a:r>
-              <a:rPr lang="ru-RU" b="1" dirty="0">
-                <a:latin typeface="Lato" panose="020F0502020204030203" pitchFamily="34" charset="0"/>
-                <a:cs typeface="Lato" panose="020F0502020204030203" pitchFamily="34" charset="0"/>
-              </a:rPr>
-              <a:t>Объект:</a:t>
-            </a:r>
-            <a:r>
-              <a:rPr lang="ru-RU" dirty="0">
-                <a:latin typeface="Lato" panose="020F0502020204030203" pitchFamily="34" charset="0"/>
-                <a:cs typeface="Lato" panose="020F0502020204030203" pitchFamily="34" charset="0"/>
-              </a:rPr>
-              <a:t> процесс рассылки электронных сообщений</a:t>
-            </a:r>
-            <a:endParaRPr lang="ru-RU" dirty="0"/>
           </a:p>
         </p:txBody>
       </p:sp>
       <p:pic>
         <p:nvPicPr>
-          <p:cNvPr id="7" name="Рисунок 6"/>
+          <p:cNvPr id="5" name="Рисунок 4"/>
           <p:cNvPicPr>
             <a:picLocks noChangeAspect="1"/>
           </p:cNvPicPr>
@@ -5678,77 +6353,18 @@
         </p:blipFill>
         <p:spPr>
           <a:xfrm>
-            <a:off x="9776445" y="966981"/>
-            <a:ext cx="1843125" cy="1843125"/>
+            <a:off x="638175" y="1170621"/>
+            <a:ext cx="3667125" cy="5185729"/>
           </a:xfrm>
           <a:prstGeom prst="rect">
             <a:avLst/>
           </a:prstGeom>
         </p:spPr>
       </p:pic>
-      <p:pic>
-        <p:nvPicPr>
-          <p:cNvPr id="9" name="Рисунок 8"/>
-          <p:cNvPicPr>
-            <a:picLocks noChangeAspect="1"/>
-          </p:cNvPicPr>
-          <p:nvPr/>
-        </p:nvPicPr>
-        <p:blipFill>
-          <a:blip r:embed="rId3" cstate="print">
-            <a:extLst>
-              <a:ext uri="{28A0092B-C50C-407E-A947-70E740481C1C}">
-                <a14:useLocalDpi xmlns:a14="http://schemas.microsoft.com/office/drawing/2010/main" val="0"/>
-              </a:ext>
-            </a:extLst>
-          </a:blip>
-          <a:stretch>
-            <a:fillRect/>
-          </a:stretch>
-        </p:blipFill>
-        <p:spPr>
-          <a:xfrm>
-            <a:off x="9776445" y="4001648"/>
-            <a:ext cx="1843125" cy="1316299"/>
-          </a:xfrm>
-          <a:prstGeom prst="rect">
-            <a:avLst/>
-          </a:prstGeom>
-        </p:spPr>
-      </p:pic>
-      <p:sp>
-        <p:nvSpPr>
-          <p:cNvPr id="2" name="Номер слайда 1"/>
-          <p:cNvSpPr>
-            <a:spLocks noGrp="1"/>
-          </p:cNvSpPr>
-          <p:nvPr>
-            <p:ph type="sldNum" sz="quarter" idx="12"/>
-          </p:nvPr>
-        </p:nvSpPr>
-        <p:spPr/>
-        <p:txBody>
-          <a:bodyPr/>
-          <a:lstStyle/>
-          <a:p>
-            <a:fld id="{7DB0EE1B-E4C1-4C7B-8CEC-C7439F861DA8}" type="slidenum">
-              <a:rPr lang="ru-RU" sz="1800" smtClean="0">
-                <a:latin typeface="Lato" panose="020F0502020204030203" pitchFamily="34" charset="0"/>
-                <a:cs typeface="Lato" panose="020F0502020204030203" pitchFamily="34" charset="0"/>
-              </a:rPr>
-              <a:t>2</a:t>
-            </a:fld>
-            <a:endParaRPr lang="ru-RU" dirty="0">
-              <a:latin typeface="Lato" panose="020F0502020204030203" pitchFamily="34" charset="0"/>
-              <a:cs typeface="Lato" panose="020F0502020204030203" pitchFamily="34" charset="0"/>
-            </a:endParaRPr>
-          </a:p>
-        </p:txBody>
-      </p:sp>
     </p:spTree>
     <p:extLst>
       <p:ext uri="{BB962C8B-B14F-4D97-AF65-F5344CB8AC3E}">
-        <p14:creationId xmlns:p14="http://schemas.microsoft.com/office/powerpoint/2010/main" val="1479951989"/>
+        <p14:creationId xmlns:p14="http://schemas.microsoft.com/office/powerpoint/2010/main" val="3727916576"/>
       </p:ext>
     </p:extLst>
   </p:cSld>
@@ -5777,142 +6393,145 @@
       </p:grpSpPr>
       <p:sp>
         <p:nvSpPr>
-          <p:cNvPr id="2" name="Заголовок 1"/>
-          <p:cNvSpPr>
-            <a:spLocks noGrp="1"/>
-          </p:cNvSpPr>
-          <p:nvPr>
-            <p:ph type="title"/>
-          </p:nvPr>
-        </p:nvSpPr>
-        <p:spPr/>
-        <p:txBody>
-          <a:bodyPr/>
-          <a:lstStyle/>
-          <a:p>
+          <p:cNvPr id="3" name="Объект 2"/>
+          <p:cNvSpPr>
+            <a:spLocks noGrp="1"/>
+          </p:cNvSpPr>
+          <p:nvPr>
+            <p:ph idx="1"/>
+          </p:nvPr>
+        </p:nvSpPr>
+        <p:spPr>
+          <a:xfrm>
+            <a:off x="626559" y="1223614"/>
+            <a:ext cx="8896815" cy="5132736"/>
+          </a:xfrm>
+        </p:spPr>
+        <p:txBody>
+          <a:bodyPr/>
+          <a:lstStyle/>
+          <a:p>
+            <a:pPr marL="0" indent="0" algn="just">
+              <a:buNone/>
+            </a:pPr>
             <a:r>
               <a:rPr lang="ru-RU" b="1" dirty="0">
                 <a:latin typeface="Lato" panose="020F0502020204030203" pitchFamily="34" charset="0"/>
                 <a:cs typeface="Lato" panose="020F0502020204030203" pitchFamily="34" charset="0"/>
               </a:rPr>
-              <a:t>Задачи</a:t>
-            </a:r>
-          </a:p>
-        </p:txBody>
-      </p:sp>
-      <p:sp>
-        <p:nvSpPr>
-          <p:cNvPr id="3" name="Объект 2"/>
-          <p:cNvSpPr>
-            <a:spLocks noGrp="1"/>
-          </p:cNvSpPr>
-          <p:nvPr>
-            <p:ph idx="1"/>
-          </p:nvPr>
-        </p:nvSpPr>
-        <p:spPr/>
-        <p:txBody>
-          <a:bodyPr/>
-          <a:lstStyle/>
-          <a:p>
-            <a:pPr marL="514350" lvl="0" indent="-514350">
-              <a:buFont typeface="+mj-lt"/>
-              <a:buAutoNum type="arabicParenR"/>
+              <a:t>Цель:</a:t>
+            </a:r>
+            <a:r>
+              <a:rPr lang="ru-RU" dirty="0">
+                <a:latin typeface="Lato" panose="020F0502020204030203" pitchFamily="34" charset="0"/>
+                <a:cs typeface="Lato" panose="020F0502020204030203" pitchFamily="34" charset="0"/>
+              </a:rPr>
+              <a:t> проектирование программного комплекса управления рассылкой электронных сообщений с возможностью последующего внедрения в системы, требующие высокой надежности отправки.</a:t>
+            </a:r>
+          </a:p>
+          <a:p>
+            <a:pPr marL="0" indent="0" algn="just">
+              <a:buNone/>
             </a:pPr>
-            <a:r>
-              <a:rPr lang="ru-RU" dirty="0"/>
-              <a:t>анализ процесса отправки электронного письма;</a:t>
-            </a:r>
-          </a:p>
-          <a:p>
-            <a:pPr marL="514350" lvl="0" indent="-514350">
-              <a:buFont typeface="+mj-lt"/>
-              <a:buAutoNum type="arabicParenR"/>
+            <a:endParaRPr lang="ru-RU" dirty="0">
+              <a:latin typeface="Lato" panose="020F0502020204030203" pitchFamily="34" charset="0"/>
+              <a:cs typeface="Lato" panose="020F0502020204030203" pitchFamily="34" charset="0"/>
+            </a:endParaRPr>
+          </a:p>
+          <a:p>
+            <a:pPr marL="0" indent="0" algn="just">
+              <a:buNone/>
             </a:pPr>
-            <a:r>
-              <a:rPr lang="ru-RU" dirty="0"/>
-              <a:t>сравнительный анализ уже имеющихся систем и платформ для обучения;</a:t>
-            </a:r>
-          </a:p>
-          <a:p>
-            <a:pPr marL="514350" lvl="0" indent="-514350">
-              <a:buFont typeface="+mj-lt"/>
-              <a:buAutoNum type="arabicParenR"/>
+            <a:endParaRPr lang="ru-RU" dirty="0">
+              <a:latin typeface="Lato" panose="020F0502020204030203" pitchFamily="34" charset="0"/>
+              <a:cs typeface="Lato" panose="020F0502020204030203" pitchFamily="34" charset="0"/>
+            </a:endParaRPr>
+          </a:p>
+          <a:p>
+            <a:pPr marL="0" indent="0" algn="just">
+              <a:buNone/>
             </a:pPr>
             <a:r>
-              <a:rPr lang="ru-RU" dirty="0"/>
-              <a:t>разработка и анализ требований;</a:t>
-            </a:r>
-          </a:p>
-          <a:p>
-            <a:pPr marL="514350" lvl="0" indent="-514350">
-              <a:buFont typeface="+mj-lt"/>
-              <a:buAutoNum type="arabicParenR"/>
-            </a:pPr>
-            <a:r>
-              <a:rPr lang="ru-RU" dirty="0"/>
-              <a:t>проектирование программного комплекса;</a:t>
-            </a:r>
-          </a:p>
-          <a:p>
-            <a:pPr marL="514350" lvl="0" indent="-514350">
-              <a:buFont typeface="+mj-lt"/>
-              <a:buAutoNum type="arabicParenR"/>
-            </a:pPr>
-            <a:r>
-              <a:rPr lang="ru-RU" dirty="0"/>
-              <a:t>программная реализация базы данных, </a:t>
-            </a:r>
-            <a:r>
-              <a:rPr lang="en-US" dirty="0"/>
-              <a:t>API</a:t>
-            </a:r>
-            <a:r>
-              <a:rPr lang="ru-RU" dirty="0"/>
-              <a:t>, серверной части, </a:t>
-            </a:r>
-            <a:r>
-              <a:rPr lang="en-US" dirty="0"/>
-              <a:t>WEB</a:t>
-            </a:r>
-            <a:r>
-              <a:rPr lang="ru-RU" dirty="0"/>
-              <a:t>-интерфейса;</a:t>
-            </a:r>
-          </a:p>
-          <a:p>
-            <a:pPr marL="514350" lvl="0" indent="-514350">
-              <a:buFont typeface="+mj-lt"/>
-              <a:buAutoNum type="arabicParenR"/>
-            </a:pPr>
-            <a:r>
-              <a:rPr lang="ru-RU" dirty="0"/>
-              <a:t>тестирование разработанного программного комплекса;</a:t>
-            </a:r>
-          </a:p>
-          <a:p>
-            <a:pPr marL="514350" lvl="0" indent="-514350">
-              <a:buFont typeface="+mj-lt"/>
-              <a:buAutoNum type="arabicParenR"/>
-            </a:pPr>
-            <a:r>
-              <a:rPr lang="ru-RU" dirty="0"/>
-              <a:t>внедрение в информационную систему </a:t>
-            </a:r>
-            <a:r>
-              <a:rPr lang="ru-RU" b="1" dirty="0" err="1"/>
-              <a:t>ПланФакт</a:t>
-            </a:r>
-            <a:r>
-              <a:rPr lang="ru-RU" dirty="0"/>
-              <a:t>.</a:t>
-            </a:r>
-          </a:p>
-        </p:txBody>
-      </p:sp>
-      <p:sp>
-        <p:nvSpPr>
-          <p:cNvPr id="4" name="Номер слайда 3"/>
+              <a:rPr lang="ru-RU" b="1" dirty="0">
+                <a:latin typeface="Lato" panose="020F0502020204030203" pitchFamily="34" charset="0"/>
+                <a:cs typeface="Lato" panose="020F0502020204030203" pitchFamily="34" charset="0"/>
+              </a:rPr>
+              <a:t>Объект:</a:t>
+            </a:r>
+            <a:r>
+              <a:rPr lang="ru-RU" dirty="0">
+                <a:latin typeface="Lato" panose="020F0502020204030203" pitchFamily="34" charset="0"/>
+                <a:cs typeface="Lato" panose="020F0502020204030203" pitchFamily="34" charset="0"/>
+              </a:rPr>
+              <a:t> процесс рассылки электронных сообщений</a:t>
+            </a:r>
+            <a:endParaRPr lang="ru-RU" dirty="0"/>
+          </a:p>
+        </p:txBody>
+      </p:sp>
+      <p:pic>
+        <p:nvPicPr>
+          <p:cNvPr id="7" name="Рисунок 6"/>
+          <p:cNvPicPr>
+            <a:picLocks noChangeAspect="1"/>
+          </p:cNvPicPr>
+          <p:nvPr/>
+        </p:nvPicPr>
+        <p:blipFill>
+          <a:blip r:embed="rId3" cstate="print">
+            <a:extLst>
+              <a:ext uri="{28A0092B-C50C-407E-A947-70E740481C1C}">
+                <a14:useLocalDpi xmlns:a14="http://schemas.microsoft.com/office/drawing/2010/main" val="0"/>
+              </a:ext>
+            </a:extLst>
+          </a:blip>
+          <a:stretch>
+            <a:fillRect/>
+          </a:stretch>
+        </p:blipFill>
+        <p:spPr>
+          <a:xfrm>
+            <a:off x="9776445" y="966981"/>
+            <a:ext cx="1843125" cy="1843125"/>
+          </a:xfrm>
+          <a:prstGeom prst="rect">
+            <a:avLst/>
+          </a:prstGeom>
+        </p:spPr>
+      </p:pic>
+      <p:pic>
+        <p:nvPicPr>
+          <p:cNvPr id="9" name="Рисунок 8"/>
+          <p:cNvPicPr>
+            <a:picLocks noChangeAspect="1"/>
+          </p:cNvPicPr>
+          <p:nvPr/>
+        </p:nvPicPr>
+        <p:blipFill>
+          <a:blip r:embed="rId4" cstate="print">
+            <a:extLst>
+              <a:ext uri="{28A0092B-C50C-407E-A947-70E740481C1C}">
+                <a14:useLocalDpi xmlns:a14="http://schemas.microsoft.com/office/drawing/2010/main" val="0"/>
+              </a:ext>
+            </a:extLst>
+          </a:blip>
+          <a:stretch>
+            <a:fillRect/>
+          </a:stretch>
+        </p:blipFill>
+        <p:spPr>
+          <a:xfrm>
+            <a:off x="9776444" y="3925078"/>
+            <a:ext cx="1843125" cy="1316299"/>
+          </a:xfrm>
+          <a:prstGeom prst="rect">
+            <a:avLst/>
+          </a:prstGeom>
+        </p:spPr>
+      </p:pic>
+      <p:sp>
+        <p:nvSpPr>
+          <p:cNvPr id="2" name="Номер слайда 1"/>
           <p:cNvSpPr>
             <a:spLocks noGrp="1"/>
           </p:cNvSpPr>
@@ -5926,29 +6545,74 @@
           <a:lstStyle/>
           <a:p>
             <a:fld id="{7DB0EE1B-E4C1-4C7B-8CEC-C7439F861DA8}" type="slidenum">
-              <a:rPr lang="ru-RU" sz="1800" smtClean="0">
+              <a:rPr lang="ru-RU" sz="1800" b="1" smtClean="0">
+                <a:solidFill>
+                  <a:schemeClr val="tx1"/>
+                </a:solidFill>
                 <a:latin typeface="Lato" panose="020F0502020204030203" pitchFamily="34" charset="0"/>
                 <a:cs typeface="Lato" panose="020F0502020204030203" pitchFamily="34" charset="0"/>
               </a:rPr>
               <a:t>3</a:t>
             </a:fld>
-            <a:endParaRPr lang="ru-RU" dirty="0">
+            <a:endParaRPr lang="ru-RU" b="1" dirty="0">
+              <a:solidFill>
+                <a:schemeClr val="tx1"/>
+              </a:solidFill>
               <a:latin typeface="Lato" panose="020F0502020204030203" pitchFamily="34" charset="0"/>
               <a:cs typeface="Lato" panose="020F0502020204030203" pitchFamily="34" charset="0"/>
             </a:endParaRPr>
           </a:p>
         </p:txBody>
       </p:sp>
+      <p:sp>
+        <p:nvSpPr>
+          <p:cNvPr id="4" name="Прямоугольник 3"/>
+          <p:cNvSpPr/>
+          <p:nvPr/>
+        </p:nvSpPr>
+        <p:spPr>
+          <a:xfrm>
+            <a:off x="626558" y="197540"/>
+            <a:ext cx="7984041" cy="769441"/>
+          </a:xfrm>
+          <a:prstGeom prst="rect">
+            <a:avLst/>
+          </a:prstGeom>
+        </p:spPr>
+        <p:txBody>
+          <a:bodyPr wrap="square">
+            <a:spAutoFit/>
+          </a:bodyPr>
+          <a:lstStyle/>
+          <a:p>
+            <a:r>
+              <a:rPr lang="ru-RU" sz="4400" dirty="0" smtClean="0">
+                <a:latin typeface="Lato" panose="020F0502020204030203" pitchFamily="34" charset="0"/>
+                <a:cs typeface="Lato" panose="020F0502020204030203" pitchFamily="34" charset="0"/>
+              </a:rPr>
+              <a:t>Формальные характеристики</a:t>
+            </a:r>
+            <a:endParaRPr lang="ru-RU" sz="4400" dirty="0"/>
+          </a:p>
+        </p:txBody>
+      </p:sp>
     </p:spTree>
     <p:extLst>
       <p:ext uri="{BB962C8B-B14F-4D97-AF65-F5344CB8AC3E}">
-        <p14:creationId xmlns:p14="http://schemas.microsoft.com/office/powerpoint/2010/main" val="3237882186"/>
+        <p14:creationId xmlns:p14="http://schemas.microsoft.com/office/powerpoint/2010/main" val="1479951989"/>
       </p:ext>
     </p:extLst>
   </p:cSld>
   <p:clrMapOvr>
     <a:masterClrMapping/>
   </p:clrMapOvr>
+  <p:timing>
+    <p:tnLst>
+      <p:par>
+        <p:cTn id="1" dur="indefinite" restart="never" nodeType="tmRoot"/>
+      </p:par>
+    </p:tnLst>
+  </p:timing>
 </p:sld>
 </file>
 
@@ -5981,7 +6645,7 @@
         </p:nvSpPr>
         <p:spPr>
           <a:xfrm>
-            <a:off x="744415" y="185865"/>
+            <a:off x="838200" y="174625"/>
             <a:ext cx="10515600" cy="1325563"/>
           </a:xfrm>
         </p:spPr>
@@ -5990,177 +6654,137 @@
           <a:lstStyle/>
           <a:p>
             <a:r>
-              <a:rPr lang="ru-RU" dirty="0">
+              <a:rPr lang="ru-RU" dirty="0" smtClean="0">
                 <a:latin typeface="Lato" panose="020F0502020204030203" pitchFamily="34" charset="0"/>
                 <a:cs typeface="Lato" panose="020F0502020204030203" pitchFamily="34" charset="0"/>
               </a:rPr>
-              <a:t>Аналоги</a:t>
-            </a:r>
-          </a:p>
-        </p:txBody>
-      </p:sp>
-      <p:pic>
-        <p:nvPicPr>
-          <p:cNvPr id="6" name="Объект 5"/>
-          <p:cNvPicPr>
-            <a:picLocks noGrp="1" noChangeAspect="1"/>
-          </p:cNvPicPr>
+              <a:t>Список проведенных задач</a:t>
+            </a:r>
+            <a:endParaRPr lang="ru-RU" dirty="0">
+              <a:latin typeface="Lato" panose="020F0502020204030203" pitchFamily="34" charset="0"/>
+              <a:cs typeface="Lato" panose="020F0502020204030203" pitchFamily="34" charset="0"/>
+            </a:endParaRPr>
+          </a:p>
+        </p:txBody>
+      </p:sp>
+      <p:sp>
+        <p:nvSpPr>
+          <p:cNvPr id="3" name="Объект 2"/>
+          <p:cNvSpPr>
+            <a:spLocks noGrp="1"/>
+          </p:cNvSpPr>
           <p:nvPr>
             <p:ph idx="1"/>
           </p:nvPr>
-        </p:nvPicPr>
-        <p:blipFill>
-          <a:blip r:embed="rId3">
-            <a:extLst>
-              <a:ext uri="{28A0092B-C50C-407E-A947-70E740481C1C}">
-                <a14:useLocalDpi xmlns:a14="http://schemas.microsoft.com/office/drawing/2010/main" val="0"/>
-              </a:ext>
-            </a:extLst>
-          </a:blip>
-          <a:stretch>
-            <a:fillRect/>
-          </a:stretch>
-        </p:blipFill>
-        <p:spPr bwMode="auto">
-          <a:xfrm>
-            <a:off x="1275329" y="1310235"/>
-            <a:ext cx="6131312" cy="1617134"/>
-          </a:xfrm>
-          <a:prstGeom prst="rect">
-            <a:avLst/>
-          </a:prstGeom>
-          <a:noFill/>
-          <a:extLst>
-            <a:ext uri="{909E8E84-426E-40DD-AFC4-6F175D3DCCD1}">
-              <a14:hiddenFill xmlns:a14="http://schemas.microsoft.com/office/drawing/2010/main">
-                <a:solidFill>
-                  <a:srgbClr val="FFFFFF"/>
-                </a:solidFill>
-              </a14:hiddenFill>
-            </a:ext>
-          </a:extLst>
-        </p:spPr>
-      </p:pic>
-      <p:sp>
-        <p:nvSpPr>
-          <p:cNvPr id="9" name="Прямоугольник 8"/>
-          <p:cNvSpPr/>
-          <p:nvPr/>
         </p:nvSpPr>
         <p:spPr>
           <a:xfrm>
-            <a:off x="744415" y="1826414"/>
-            <a:ext cx="530915" cy="584775"/>
-          </a:xfrm>
-          <a:prstGeom prst="rect">
-            <a:avLst/>
-          </a:prstGeom>
-        </p:spPr>
-        <p:txBody>
-          <a:bodyPr wrap="none">
-            <a:spAutoFit/>
-          </a:bodyPr>
-          <a:lstStyle/>
-          <a:p>
-            <a:r>
-              <a:rPr lang="ru-RU" sz="3200" dirty="0">
-                <a:latin typeface="Lato" panose="020F0502020204030203" pitchFamily="34" charset="0"/>
-                <a:cs typeface="Lato" panose="020F0502020204030203" pitchFamily="34" charset="0"/>
-              </a:rPr>
-              <a:t>1)</a:t>
-            </a:r>
-          </a:p>
-        </p:txBody>
-      </p:sp>
-      <p:sp>
-        <p:nvSpPr>
-          <p:cNvPr id="10" name="Прямоугольник 9"/>
-          <p:cNvSpPr/>
-          <p:nvPr/>
-        </p:nvSpPr>
-        <p:spPr>
-          <a:xfrm>
-            <a:off x="2356465" y="3577644"/>
-            <a:ext cx="530915" cy="584775"/>
-          </a:xfrm>
-          <a:prstGeom prst="rect">
-            <a:avLst/>
-          </a:prstGeom>
-        </p:spPr>
-        <p:txBody>
-          <a:bodyPr wrap="none">
-            <a:spAutoFit/>
-          </a:bodyPr>
-          <a:lstStyle/>
-          <a:p>
-            <a:r>
-              <a:rPr lang="ru-RU" sz="3200" dirty="0">
-                <a:latin typeface="Lato" panose="020F0502020204030203" pitchFamily="34" charset="0"/>
-                <a:cs typeface="Lato" panose="020F0502020204030203" pitchFamily="34" charset="0"/>
-              </a:rPr>
-              <a:t>2)</a:t>
-            </a:r>
-          </a:p>
-        </p:txBody>
-      </p:sp>
-      <p:sp>
-        <p:nvSpPr>
-          <p:cNvPr id="11" name="Прямоугольник 10"/>
-          <p:cNvSpPr/>
-          <p:nvPr/>
-        </p:nvSpPr>
-        <p:spPr>
-          <a:xfrm>
-            <a:off x="4601720" y="5341891"/>
-            <a:ext cx="530915" cy="584775"/>
-          </a:xfrm>
-          <a:prstGeom prst="rect">
-            <a:avLst/>
-          </a:prstGeom>
-        </p:spPr>
-        <p:txBody>
-          <a:bodyPr wrap="none">
-            <a:spAutoFit/>
-          </a:bodyPr>
-          <a:lstStyle/>
-          <a:p>
-            <a:r>
-              <a:rPr lang="ru-RU" sz="3200" dirty="0">
-                <a:latin typeface="Lato" panose="020F0502020204030203" pitchFamily="34" charset="0"/>
-                <a:cs typeface="Lato" panose="020F0502020204030203" pitchFamily="34" charset="0"/>
-              </a:rPr>
-              <a:t>3)</a:t>
-            </a:r>
-          </a:p>
-        </p:txBody>
-      </p:sp>
-      <p:pic>
-        <p:nvPicPr>
-          <p:cNvPr id="12" name="Рисунок 11"/>
-          <p:cNvPicPr>
-            <a:picLocks noChangeAspect="1"/>
-          </p:cNvPicPr>
-          <p:nvPr/>
-        </p:nvPicPr>
-        <p:blipFill>
-          <a:blip r:embed="rId4"/>
-          <a:stretch>
-            <a:fillRect/>
-          </a:stretch>
-        </p:blipFill>
-        <p:spPr>
-          <a:xfrm>
-            <a:off x="5132635" y="4822505"/>
-            <a:ext cx="6269018" cy="1623545"/>
-          </a:xfrm>
-          <a:prstGeom prst="rect">
-            <a:avLst/>
-          </a:prstGeom>
-        </p:spPr>
-      </p:pic>
-      <p:sp>
-        <p:nvSpPr>
-          <p:cNvPr id="3" name="Номер слайда 2"/>
+            <a:off x="838200" y="1635125"/>
+            <a:ext cx="10515600" cy="4351338"/>
+          </a:xfrm>
+        </p:spPr>
+        <p:txBody>
+          <a:bodyPr/>
+          <a:lstStyle/>
+          <a:p>
+            <a:pPr marL="514350" lvl="0" indent="-514350">
+              <a:buFont typeface="+mj-lt"/>
+              <a:buAutoNum type="arabicParenR"/>
+            </a:pPr>
+            <a:r>
+              <a:rPr lang="ru-RU" dirty="0"/>
+              <a:t>анализ процесса отправки электронного письма;</a:t>
+            </a:r>
+          </a:p>
+          <a:p>
+            <a:pPr marL="514350" lvl="0" indent="-514350">
+              <a:buFont typeface="+mj-lt"/>
+              <a:buAutoNum type="arabicParenR"/>
+            </a:pPr>
+            <a:r>
+              <a:rPr lang="ru-RU" dirty="0"/>
+              <a:t>сравнительный анализ уже имеющихся систем и платформ для обучения;</a:t>
+            </a:r>
+          </a:p>
+          <a:p>
+            <a:pPr marL="514350" lvl="0" indent="-514350">
+              <a:buFont typeface="+mj-lt"/>
+              <a:buAutoNum type="arabicParenR"/>
+            </a:pPr>
+            <a:r>
+              <a:rPr lang="ru-RU" dirty="0"/>
+              <a:t>разработка и анализ требований;</a:t>
+            </a:r>
+          </a:p>
+          <a:p>
+            <a:pPr marL="514350" lvl="0" indent="-514350">
+              <a:buFont typeface="+mj-lt"/>
+              <a:buAutoNum type="arabicParenR"/>
+            </a:pPr>
+            <a:r>
+              <a:rPr lang="ru-RU" dirty="0"/>
+              <a:t>проектирование программного комплекса;</a:t>
+            </a:r>
+          </a:p>
+          <a:p>
+            <a:pPr marL="514350" lvl="0" indent="-514350">
+              <a:buFont typeface="+mj-lt"/>
+              <a:buAutoNum type="arabicParenR"/>
+            </a:pPr>
+            <a:r>
+              <a:rPr lang="ru-RU" dirty="0"/>
+              <a:t>программная реализация базы данных, </a:t>
+            </a:r>
+            <a:r>
+              <a:rPr lang="en-US" dirty="0"/>
+              <a:t>API</a:t>
+            </a:r>
+            <a:r>
+              <a:rPr lang="ru-RU" dirty="0"/>
+              <a:t>, серверной части, </a:t>
+            </a:r>
+            <a:r>
+              <a:rPr lang="en-US" dirty="0"/>
+              <a:t>WEB</a:t>
+            </a:r>
+            <a:r>
+              <a:rPr lang="ru-RU" dirty="0"/>
+              <a:t>-интерфейса;</a:t>
+            </a:r>
+          </a:p>
+          <a:p>
+            <a:pPr marL="514350" lvl="0" indent="-514350">
+              <a:buFont typeface="+mj-lt"/>
+              <a:buAutoNum type="arabicParenR"/>
+            </a:pPr>
+            <a:r>
+              <a:rPr lang="ru-RU" dirty="0"/>
+              <a:t>тестирование разработанного программного комплекса;</a:t>
+            </a:r>
+          </a:p>
+          <a:p>
+            <a:pPr marL="514350" lvl="0" indent="-514350">
+              <a:buFont typeface="+mj-lt"/>
+              <a:buAutoNum type="arabicParenR"/>
+            </a:pPr>
+            <a:r>
+              <a:rPr lang="ru-RU" dirty="0"/>
+              <a:t>внедрение в информационную систему </a:t>
+            </a:r>
+            <a:r>
+              <a:rPr lang="ru-RU" b="1" dirty="0" err="1"/>
+              <a:t>ПланФакт</a:t>
+            </a:r>
+            <a:r>
+              <a:rPr lang="ru-RU" dirty="0"/>
+              <a:t>.</a:t>
+            </a:r>
+          </a:p>
+        </p:txBody>
+      </p:sp>
+      <p:sp>
+        <p:nvSpPr>
+          <p:cNvPr id="4" name="Номер слайда 3"/>
           <p:cNvSpPr>
             <a:spLocks noGrp="1"/>
           </p:cNvSpPr>
@@ -6174,53 +6798,42 @@
           <a:lstStyle/>
           <a:p>
             <a:fld id="{7DB0EE1B-E4C1-4C7B-8CEC-C7439F861DA8}" type="slidenum">
-              <a:rPr lang="ru-RU" sz="1800" smtClean="0">
+              <a:rPr lang="ru-RU" sz="1800" b="1" smtClean="0">
+                <a:solidFill>
+                  <a:schemeClr val="tx1"/>
+                </a:solidFill>
                 <a:latin typeface="Lato" panose="020F0502020204030203" pitchFamily="34" charset="0"/>
                 <a:cs typeface="Lato" panose="020F0502020204030203" pitchFamily="34" charset="0"/>
               </a:rPr>
               <a:t>4</a:t>
             </a:fld>
-            <a:endParaRPr lang="ru-RU" sz="1400" dirty="0">
+            <a:endParaRPr lang="ru-RU" b="1" dirty="0">
+              <a:solidFill>
+                <a:schemeClr val="tx1"/>
+              </a:solidFill>
               <a:latin typeface="Lato" panose="020F0502020204030203" pitchFamily="34" charset="0"/>
               <a:cs typeface="Lato" panose="020F0502020204030203" pitchFamily="34" charset="0"/>
             </a:endParaRPr>
           </a:p>
         </p:txBody>
       </p:sp>
-      <p:pic>
-        <p:nvPicPr>
-          <p:cNvPr id="4" name="Рисунок 3"/>
-          <p:cNvPicPr>
-            <a:picLocks noChangeAspect="1"/>
-          </p:cNvPicPr>
-          <p:nvPr/>
-        </p:nvPicPr>
-        <p:blipFill>
-          <a:blip r:embed="rId5"/>
-          <a:stretch>
-            <a:fillRect/>
-          </a:stretch>
-        </p:blipFill>
-        <p:spPr>
-          <a:xfrm>
-            <a:off x="3082834" y="3217148"/>
-            <a:ext cx="6413695" cy="1417603"/>
-          </a:xfrm>
-          <a:prstGeom prst="rect">
-            <a:avLst/>
-          </a:prstGeom>
-        </p:spPr>
-      </p:pic>
     </p:spTree>
     <p:extLst>
       <p:ext uri="{BB962C8B-B14F-4D97-AF65-F5344CB8AC3E}">
-        <p14:creationId xmlns:p14="http://schemas.microsoft.com/office/powerpoint/2010/main" val="2719487380"/>
+        <p14:creationId xmlns:p14="http://schemas.microsoft.com/office/powerpoint/2010/main" val="3237882186"/>
       </p:ext>
     </p:extLst>
   </p:cSld>
   <p:clrMapOvr>
     <a:masterClrMapping/>
   </p:clrMapOvr>
+  <p:timing>
+    <p:tnLst>
+      <p:par>
+        <p:cTn id="1" dur="indefinite" restart="never" nodeType="tmRoot"/>
+      </p:par>
+    </p:tnLst>
+  </p:timing>
 </p:sld>
 </file>
 
@@ -6253,7 +6866,7 @@
         </p:nvSpPr>
         <p:spPr>
           <a:xfrm>
-            <a:off x="838200" y="236172"/>
+            <a:off x="744415" y="185865"/>
             <a:ext cx="10515600" cy="1325563"/>
           </a:xfrm>
         </p:spPr>
@@ -6266,8 +6879,297 @@
                 <a:latin typeface="Lato" panose="020F0502020204030203" pitchFamily="34" charset="0"/>
                 <a:cs typeface="Lato" panose="020F0502020204030203" pitchFamily="34" charset="0"/>
               </a:rPr>
-              <a:t>Архитектура</a:t>
-            </a:r>
+              <a:t>Аналоги</a:t>
+            </a:r>
+          </a:p>
+        </p:txBody>
+      </p:sp>
+      <p:pic>
+        <p:nvPicPr>
+          <p:cNvPr id="6" name="Объект 5"/>
+          <p:cNvPicPr>
+            <a:picLocks noGrp="1" noChangeAspect="1"/>
+          </p:cNvPicPr>
+          <p:nvPr>
+            <p:ph idx="1"/>
+          </p:nvPr>
+        </p:nvPicPr>
+        <p:blipFill>
+          <a:blip r:embed="rId3">
+            <a:extLst>
+              <a:ext uri="{28A0092B-C50C-407E-A947-70E740481C1C}">
+                <a14:useLocalDpi xmlns:a14="http://schemas.microsoft.com/office/drawing/2010/main" val="0"/>
+              </a:ext>
+            </a:extLst>
+          </a:blip>
+          <a:stretch>
+            <a:fillRect/>
+          </a:stretch>
+        </p:blipFill>
+        <p:spPr bwMode="auto">
+          <a:xfrm>
+            <a:off x="1275329" y="1310235"/>
+            <a:ext cx="6131312" cy="1617134"/>
+          </a:xfrm>
+          <a:prstGeom prst="rect">
+            <a:avLst/>
+          </a:prstGeom>
+          <a:noFill/>
+          <a:extLst>
+            <a:ext uri="{909E8E84-426E-40DD-AFC4-6F175D3DCCD1}">
+              <a14:hiddenFill xmlns:a14="http://schemas.microsoft.com/office/drawing/2010/main">
+                <a:solidFill>
+                  <a:srgbClr val="FFFFFF"/>
+                </a:solidFill>
+              </a14:hiddenFill>
+            </a:ext>
+          </a:extLst>
+        </p:spPr>
+      </p:pic>
+      <p:sp>
+        <p:nvSpPr>
+          <p:cNvPr id="9" name="Прямоугольник 8"/>
+          <p:cNvSpPr/>
+          <p:nvPr/>
+        </p:nvSpPr>
+        <p:spPr>
+          <a:xfrm>
+            <a:off x="744415" y="1826414"/>
+            <a:ext cx="530915" cy="584775"/>
+          </a:xfrm>
+          <a:prstGeom prst="rect">
+            <a:avLst/>
+          </a:prstGeom>
+        </p:spPr>
+        <p:txBody>
+          <a:bodyPr wrap="none">
+            <a:spAutoFit/>
+          </a:bodyPr>
+          <a:lstStyle/>
+          <a:p>
+            <a:r>
+              <a:rPr lang="ru-RU" sz="3200" dirty="0">
+                <a:latin typeface="Lato" panose="020F0502020204030203" pitchFamily="34" charset="0"/>
+                <a:cs typeface="Lato" panose="020F0502020204030203" pitchFamily="34" charset="0"/>
+              </a:rPr>
+              <a:t>1)</a:t>
+            </a:r>
+          </a:p>
+        </p:txBody>
+      </p:sp>
+      <p:sp>
+        <p:nvSpPr>
+          <p:cNvPr id="10" name="Прямоугольник 9"/>
+          <p:cNvSpPr/>
+          <p:nvPr/>
+        </p:nvSpPr>
+        <p:spPr>
+          <a:xfrm>
+            <a:off x="2356465" y="3577644"/>
+            <a:ext cx="530915" cy="584775"/>
+          </a:xfrm>
+          <a:prstGeom prst="rect">
+            <a:avLst/>
+          </a:prstGeom>
+        </p:spPr>
+        <p:txBody>
+          <a:bodyPr wrap="none">
+            <a:spAutoFit/>
+          </a:bodyPr>
+          <a:lstStyle/>
+          <a:p>
+            <a:r>
+              <a:rPr lang="ru-RU" sz="3200" dirty="0">
+                <a:latin typeface="Lato" panose="020F0502020204030203" pitchFamily="34" charset="0"/>
+                <a:cs typeface="Lato" panose="020F0502020204030203" pitchFamily="34" charset="0"/>
+              </a:rPr>
+              <a:t>2)</a:t>
+            </a:r>
+          </a:p>
+        </p:txBody>
+      </p:sp>
+      <p:sp>
+        <p:nvSpPr>
+          <p:cNvPr id="11" name="Прямоугольник 10"/>
+          <p:cNvSpPr/>
+          <p:nvPr/>
+        </p:nvSpPr>
+        <p:spPr>
+          <a:xfrm>
+            <a:off x="4601720" y="5341891"/>
+            <a:ext cx="530915" cy="584775"/>
+          </a:xfrm>
+          <a:prstGeom prst="rect">
+            <a:avLst/>
+          </a:prstGeom>
+        </p:spPr>
+        <p:txBody>
+          <a:bodyPr wrap="none">
+            <a:spAutoFit/>
+          </a:bodyPr>
+          <a:lstStyle/>
+          <a:p>
+            <a:r>
+              <a:rPr lang="ru-RU" sz="3200" dirty="0">
+                <a:latin typeface="Lato" panose="020F0502020204030203" pitchFamily="34" charset="0"/>
+                <a:cs typeface="Lato" panose="020F0502020204030203" pitchFamily="34" charset="0"/>
+              </a:rPr>
+              <a:t>3)</a:t>
+            </a:r>
+          </a:p>
+        </p:txBody>
+      </p:sp>
+      <p:sp>
+        <p:nvSpPr>
+          <p:cNvPr id="3" name="Номер слайда 2"/>
+          <p:cNvSpPr>
+            <a:spLocks noGrp="1"/>
+          </p:cNvSpPr>
+          <p:nvPr>
+            <p:ph type="sldNum" sz="quarter" idx="12"/>
+          </p:nvPr>
+        </p:nvSpPr>
+        <p:spPr/>
+        <p:txBody>
+          <a:bodyPr/>
+          <a:lstStyle/>
+          <a:p>
+            <a:fld id="{7DB0EE1B-E4C1-4C7B-8CEC-C7439F861DA8}" type="slidenum">
+              <a:rPr lang="ru-RU" sz="1800" b="1" smtClean="0">
+                <a:solidFill>
+                  <a:schemeClr val="tx1"/>
+                </a:solidFill>
+                <a:latin typeface="Lato" panose="020F0502020204030203" pitchFamily="34" charset="0"/>
+                <a:cs typeface="Lato" panose="020F0502020204030203" pitchFamily="34" charset="0"/>
+              </a:rPr>
+              <a:t>5</a:t>
+            </a:fld>
+            <a:endParaRPr lang="ru-RU" sz="1400" b="1" dirty="0">
+              <a:solidFill>
+                <a:schemeClr val="tx1"/>
+              </a:solidFill>
+              <a:latin typeface="Lato" panose="020F0502020204030203" pitchFamily="34" charset="0"/>
+              <a:cs typeface="Lato" panose="020F0502020204030203" pitchFamily="34" charset="0"/>
+            </a:endParaRPr>
+          </a:p>
+        </p:txBody>
+      </p:sp>
+      <p:pic>
+        <p:nvPicPr>
+          <p:cNvPr id="4" name="Рисунок 3"/>
+          <p:cNvPicPr>
+            <a:picLocks noChangeAspect="1"/>
+          </p:cNvPicPr>
+          <p:nvPr/>
+        </p:nvPicPr>
+        <p:blipFill>
+          <a:blip r:embed="rId4"/>
+          <a:stretch>
+            <a:fillRect/>
+          </a:stretch>
+        </p:blipFill>
+        <p:spPr>
+          <a:xfrm>
+            <a:off x="3082834" y="3217148"/>
+            <a:ext cx="6413695" cy="1417603"/>
+          </a:xfrm>
+          <a:prstGeom prst="rect">
+            <a:avLst/>
+          </a:prstGeom>
+        </p:spPr>
+      </p:pic>
+      <p:pic>
+        <p:nvPicPr>
+          <p:cNvPr id="5" name="Рисунок 4"/>
+          <p:cNvPicPr>
+            <a:picLocks noChangeAspect="1"/>
+          </p:cNvPicPr>
+          <p:nvPr/>
+        </p:nvPicPr>
+        <p:blipFill>
+          <a:blip r:embed="rId5"/>
+          <a:stretch>
+            <a:fillRect/>
+          </a:stretch>
+        </p:blipFill>
+        <p:spPr>
+          <a:xfrm>
+            <a:off x="5101489" y="5037108"/>
+            <a:ext cx="6158526" cy="1194340"/>
+          </a:xfrm>
+          <a:prstGeom prst="rect">
+            <a:avLst/>
+          </a:prstGeom>
+        </p:spPr>
+      </p:pic>
+    </p:spTree>
+    <p:extLst>
+      <p:ext uri="{BB962C8B-B14F-4D97-AF65-F5344CB8AC3E}">
+        <p14:creationId xmlns:p14="http://schemas.microsoft.com/office/powerpoint/2010/main" val="2719487380"/>
+      </p:ext>
+    </p:extLst>
+  </p:cSld>
+  <p:clrMapOvr>
+    <a:masterClrMapping/>
+  </p:clrMapOvr>
+  <p:timing>
+    <p:tnLst>
+      <p:par>
+        <p:cTn id="1" dur="indefinite" restart="never" nodeType="tmRoot"/>
+      </p:par>
+    </p:tnLst>
+  </p:timing>
+</p:sld>
+</file>
+
+<file path=ppt/slides/slide6.xml><?xml version="1.0" encoding="utf-8"?>
+<p:sld xmlns:a="http://schemas.openxmlformats.org/drawingml/2006/main" xmlns:r="http://schemas.openxmlformats.org/officeDocument/2006/relationships" xmlns:p="http://schemas.openxmlformats.org/presentationml/2006/main">
+  <p:cSld>
+    <p:spTree>
+      <p:nvGrpSpPr>
+        <p:cNvPr id="1" name=""/>
+        <p:cNvGrpSpPr/>
+        <p:nvPr/>
+      </p:nvGrpSpPr>
+      <p:grpSpPr>
+        <a:xfrm>
+          <a:off x="0" y="0"/>
+          <a:ext cx="0" cy="0"/>
+          <a:chOff x="0" y="0"/>
+          <a:chExt cx="0" cy="0"/>
+        </a:xfrm>
+      </p:grpSpPr>
+      <p:sp>
+        <p:nvSpPr>
+          <p:cNvPr id="2" name="Заголовок 1"/>
+          <p:cNvSpPr>
+            <a:spLocks noGrp="1"/>
+          </p:cNvSpPr>
+          <p:nvPr>
+            <p:ph type="title"/>
+          </p:nvPr>
+        </p:nvSpPr>
+        <p:spPr>
+          <a:xfrm>
+            <a:off x="838200" y="236172"/>
+            <a:ext cx="10515600" cy="1325563"/>
+          </a:xfrm>
+        </p:spPr>
+        <p:txBody>
+          <a:bodyPr/>
+          <a:lstStyle/>
+          <a:p>
+            <a:r>
+              <a:rPr lang="ru-RU" dirty="0" smtClean="0">
+                <a:latin typeface="Lato" panose="020F0502020204030203" pitchFamily="34" charset="0"/>
+                <a:cs typeface="Lato" panose="020F0502020204030203" pitchFamily="34" charset="0"/>
+              </a:rPr>
+              <a:t>Технологии</a:t>
+            </a:r>
+            <a:endParaRPr lang="ru-RU" dirty="0">
+              <a:latin typeface="Lato" panose="020F0502020204030203" pitchFamily="34" charset="0"/>
+              <a:cs typeface="Lato" panose="020F0502020204030203" pitchFamily="34" charset="0"/>
+            </a:endParaRPr>
           </a:p>
         </p:txBody>
       </p:sp>
@@ -6292,14 +7194,12 @@
           <a:lstStyle/>
           <a:p>
             <a:r>
+              <a:rPr lang="ru-RU" dirty="0" smtClean="0"/>
+              <a:t>Сервер </a:t>
+            </a:r>
+            <a:r>
               <a:rPr lang="ru-RU" dirty="0"/>
-              <a:t>Трехуровневая</a:t>
-            </a:r>
-          </a:p>
-          <a:p>
-            <a:r>
-              <a:rPr lang="ru-RU" dirty="0"/>
-              <a:t>Сервер - </a:t>
+              <a:t>- </a:t>
             </a:r>
             <a:r>
               <a:rPr lang="en-US" dirty="0"/>
@@ -6537,13 +7437,19 @@
           <a:lstStyle/>
           <a:p>
             <a:fld id="{7DB0EE1B-E4C1-4C7B-8CEC-C7439F861DA8}" type="slidenum">
-              <a:rPr lang="ru-RU" sz="1800" smtClean="0">
+              <a:rPr lang="ru-RU" sz="1800" b="1" smtClean="0">
+                <a:solidFill>
+                  <a:schemeClr val="tx1"/>
+                </a:solidFill>
                 <a:latin typeface="Lato" panose="020F0502020204030203" pitchFamily="34" charset="0"/>
                 <a:cs typeface="Lato" panose="020F0502020204030203" pitchFamily="34" charset="0"/>
               </a:rPr>
-              <a:t>5</a:t>
+              <a:t>6</a:t>
             </a:fld>
-            <a:endParaRPr lang="ru-RU" dirty="0">
+            <a:endParaRPr lang="ru-RU" b="1" dirty="0">
+              <a:solidFill>
+                <a:schemeClr val="tx1"/>
+              </a:solidFill>
               <a:latin typeface="Lato" panose="020F0502020204030203" pitchFamily="34" charset="0"/>
               <a:cs typeface="Lato" panose="020F0502020204030203" pitchFamily="34" charset="0"/>
             </a:endParaRPr>
@@ -6560,10 +7466,17 @@
   <p:clrMapOvr>
     <a:masterClrMapping/>
   </p:clrMapOvr>
+  <p:timing>
+    <p:tnLst>
+      <p:par>
+        <p:cTn id="1" dur="indefinite" restart="never" nodeType="tmRoot"/>
+      </p:par>
+    </p:tnLst>
+  </p:timing>
 </p:sld>
 </file>
 
-<file path=ppt/slides/slide6.xml><?xml version="1.0" encoding="utf-8"?>
+<file path=ppt/slides/slide7.xml><?xml version="1.0" encoding="utf-8"?>
 <p:sld xmlns:a="http://schemas.openxmlformats.org/drawingml/2006/main" xmlns:r="http://schemas.openxmlformats.org/officeDocument/2006/relationships" xmlns:p="http://schemas.openxmlformats.org/presentationml/2006/main">
   <p:cSld>
     <p:bg>
@@ -6610,36 +7523,45 @@
           <a:p>
             <a:pPr algn="ctr"/>
             <a:r>
-              <a:rPr lang="ru-RU" dirty="0" smtClean="0"/>
-              <a:t>Архитектура</a:t>
-            </a:r>
-            <a:endParaRPr lang="ru-RU" dirty="0"/>
-          </a:p>
-        </p:txBody>
-      </p:sp>
-      <p:sp>
-        <p:nvSpPr>
-          <p:cNvPr id="3" name="Номер слайда 2"/>
-          <p:cNvSpPr>
-            <a:spLocks noGrp="1"/>
-          </p:cNvSpPr>
-          <p:nvPr>
-            <p:ph type="sldNum" sz="quarter" idx="12"/>
-          </p:nvPr>
-        </p:nvSpPr>
-        <p:spPr/>
-        <p:txBody>
-          <a:bodyPr/>
-          <a:lstStyle/>
-          <a:p>
-            <a:fld id="{7DB0EE1B-E4C1-4C7B-8CEC-C7439F861DA8}" type="slidenum">
-              <a:rPr lang="ru-RU" sz="1800" smtClean="0">
+              <a:rPr lang="ru-RU" dirty="0" smtClean="0">
                 <a:latin typeface="Lato" panose="020F0502020204030203" pitchFamily="34" charset="0"/>
                 <a:cs typeface="Lato" panose="020F0502020204030203" pitchFamily="34" charset="0"/>
               </a:rPr>
-              <a:t>6</a:t>
+              <a:t>Архитектура</a:t>
+            </a:r>
+            <a:endParaRPr lang="ru-RU" dirty="0"/>
+          </a:p>
+        </p:txBody>
+      </p:sp>
+      <p:sp>
+        <p:nvSpPr>
+          <p:cNvPr id="3" name="Номер слайда 2"/>
+          <p:cNvSpPr>
+            <a:spLocks noGrp="1"/>
+          </p:cNvSpPr>
+          <p:nvPr>
+            <p:ph type="sldNum" sz="quarter" idx="12"/>
+          </p:nvPr>
+        </p:nvSpPr>
+        <p:spPr/>
+        <p:txBody>
+          <a:bodyPr/>
+          <a:lstStyle/>
+          <a:p>
+            <a:fld id="{7DB0EE1B-E4C1-4C7B-8CEC-C7439F861DA8}" type="slidenum">
+              <a:rPr lang="ru-RU" sz="1800" b="1" smtClean="0">
+                <a:solidFill>
+                  <a:schemeClr val="tx1"/>
+                </a:solidFill>
+                <a:latin typeface="Lato" panose="020F0502020204030203" pitchFamily="34" charset="0"/>
+                <a:cs typeface="Lato" panose="020F0502020204030203" pitchFamily="34" charset="0"/>
+              </a:rPr>
+              <a:t>7</a:t>
             </a:fld>
-            <a:endParaRPr lang="ru-RU" dirty="0">
+            <a:endParaRPr lang="ru-RU" b="1" dirty="0">
+              <a:solidFill>
+                <a:schemeClr val="tx1"/>
+              </a:solidFill>
               <a:latin typeface="Lato" panose="020F0502020204030203" pitchFamily="34" charset="0"/>
               <a:cs typeface="Lato" panose="020F0502020204030203" pitchFamily="34" charset="0"/>
             </a:endParaRPr>
@@ -6689,10 +7611,17 @@
   <p:clrMapOvr>
     <a:masterClrMapping/>
   </p:clrMapOvr>
+  <p:timing>
+    <p:tnLst>
+      <p:par>
+        <p:cTn id="1" dur="indefinite" restart="never" nodeType="tmRoot"/>
+      </p:par>
+    </p:tnLst>
+  </p:timing>
 </p:sld>
 </file>
 
-<file path=ppt/slides/slide7.xml><?xml version="1.0" encoding="utf-8"?>
+<file path=ppt/slides/slide8.xml><?xml version="1.0" encoding="utf-8"?>
 <p:sld xmlns:a="http://schemas.openxmlformats.org/drawingml/2006/main" xmlns:r="http://schemas.openxmlformats.org/officeDocument/2006/relationships" xmlns:p="http://schemas.openxmlformats.org/presentationml/2006/main">
   <p:cSld>
     <p:spTree>
@@ -6719,7 +7648,12 @@
             <p:ph type="title"/>
           </p:nvPr>
         </p:nvSpPr>
-        <p:spPr/>
+        <p:spPr>
+          <a:xfrm>
+            <a:off x="842587" y="233332"/>
+            <a:ext cx="10515600" cy="1325563"/>
+          </a:xfrm>
+        </p:spPr>
         <p:txBody>
           <a:bodyPr/>
           <a:lstStyle/>
@@ -6751,13 +7685,19 @@
           <a:lstStyle/>
           <a:p>
             <a:fld id="{7DB0EE1B-E4C1-4C7B-8CEC-C7439F861DA8}" type="slidenum">
-              <a:rPr lang="ru-RU" sz="1800" smtClean="0">
+              <a:rPr lang="ru-RU" sz="1800" b="1" smtClean="0">
+                <a:solidFill>
+                  <a:schemeClr val="tx1"/>
+                </a:solidFill>
                 <a:latin typeface="Lato" panose="020F0502020204030203" pitchFamily="34" charset="0"/>
                 <a:cs typeface="Lato" panose="020F0502020204030203" pitchFamily="34" charset="0"/>
               </a:rPr>
-              <a:t>7</a:t>
+              <a:t>8</a:t>
             </a:fld>
-            <a:endParaRPr lang="ru-RU" dirty="0">
+            <a:endParaRPr lang="ru-RU" b="1" dirty="0">
+              <a:solidFill>
+                <a:schemeClr val="tx1"/>
+              </a:solidFill>
               <a:latin typeface="Lato" panose="020F0502020204030203" pitchFamily="34" charset="0"/>
               <a:cs typeface="Lato" panose="020F0502020204030203" pitchFamily="34" charset="0"/>
             </a:endParaRPr>
@@ -7284,10 +8224,17 @@
   <p:clrMapOvr>
     <a:masterClrMapping/>
   </p:clrMapOvr>
+  <p:timing>
+    <p:tnLst>
+      <p:par>
+        <p:cTn id="1" dur="indefinite" restart="never" nodeType="tmRoot"/>
+      </p:par>
+    </p:tnLst>
+  </p:timing>
 </p:sld>
 </file>
 
-<file path=ppt/slides/slide8.xml><?xml version="1.0" encoding="utf-8"?>
+<file path=ppt/slides/slide9.xml><?xml version="1.0" encoding="utf-8"?>
 <p:sld xmlns:a="http://schemas.openxmlformats.org/drawingml/2006/main" xmlns:r="http://schemas.openxmlformats.org/officeDocument/2006/relationships" xmlns:p="http://schemas.openxmlformats.org/presentationml/2006/main">
   <p:cSld>
     <p:spTree>
@@ -7325,7 +8272,7 @@
         </p:blipFill>
         <p:spPr bwMode="auto">
           <a:xfrm>
-            <a:off x="3172211" y="745696"/>
+            <a:off x="3241766" y="866161"/>
             <a:ext cx="5368834" cy="5546453"/>
           </a:xfrm>
           <a:prstGeom prst="rect">
@@ -7345,8 +8292,8 @@
         </p:nvSpPr>
         <p:spPr>
           <a:xfrm>
-            <a:off x="1558826" y="96720"/>
-            <a:ext cx="8595604" cy="584775"/>
+            <a:off x="466725" y="96720"/>
+            <a:ext cx="11068050" cy="769441"/>
           </a:xfrm>
           <a:prstGeom prst="rect">
             <a:avLst/>
@@ -7358,42 +8305,43 @@
           </a:bodyPr>
           <a:lstStyle/>
           <a:p>
-            <a:r>
-              <a:rPr lang="ru-RU" sz="3200" dirty="0">
+            <a:pPr algn="ctr"/>
+            <a:r>
+              <a:rPr lang="ru-RU" sz="4400" dirty="0">
                 <a:latin typeface="Lato" panose="020F0502020204030203" pitchFamily="34" charset="0"/>
                 <a:cs typeface="Lato" panose="020F0502020204030203" pitchFamily="34" charset="0"/>
               </a:rPr>
               <a:t>Табличное </a:t>
             </a:r>
             <a:r>
-              <a:rPr lang="ru-RU" sz="3200" dirty="0" smtClean="0">
+              <a:rPr lang="ru-RU" sz="4400" dirty="0" smtClean="0">
                 <a:latin typeface="Lato" panose="020F0502020204030203" pitchFamily="34" charset="0"/>
                 <a:cs typeface="Lato" panose="020F0502020204030203" pitchFamily="34" charset="0"/>
               </a:rPr>
               <a:t>представление</a:t>
             </a:r>
             <a:r>
-              <a:rPr lang="en-US" sz="3200" dirty="0" smtClean="0">
+              <a:rPr lang="en-US" sz="4400" dirty="0" smtClean="0">
                 <a:latin typeface="Lato" panose="020F0502020204030203" pitchFamily="34" charset="0"/>
                 <a:cs typeface="Lato" panose="020F0502020204030203" pitchFamily="34" charset="0"/>
               </a:rPr>
               <a:t> </a:t>
             </a:r>
             <a:r>
-              <a:rPr lang="ru-RU" sz="3200" dirty="0" smtClean="0">
+              <a:rPr lang="ru-RU" sz="4400" dirty="0" smtClean="0">
                 <a:latin typeface="Lato" panose="020F0502020204030203" pitchFamily="34" charset="0"/>
                 <a:cs typeface="Lato" panose="020F0502020204030203" pitchFamily="34" charset="0"/>
               </a:rPr>
               <a:t>диаграммы </a:t>
             </a:r>
             <a:r>
-              <a:rPr lang="ru-RU" sz="3200" dirty="0" err="1">
+              <a:rPr lang="ru-RU" sz="4400" dirty="0" err="1">
                 <a:latin typeface="Lato" panose="020F0502020204030203" pitchFamily="34" charset="0"/>
                 <a:cs typeface="Lato" panose="020F0502020204030203" pitchFamily="34" charset="0"/>
               </a:rPr>
               <a:t>Ганта</a:t>
             </a:r>
-            <a:endParaRPr lang="ru-RU" sz="3200" dirty="0"/>
+            <a:endParaRPr lang="ru-RU" sz="4400" dirty="0"/>
           </a:p>
         </p:txBody>
       </p:sp>
@@ -7413,13 +8361,19 @@
           <a:lstStyle/>
           <a:p>
             <a:fld id="{7DB0EE1B-E4C1-4C7B-8CEC-C7439F861DA8}" type="slidenum">
-              <a:rPr lang="ru-RU" sz="1800" smtClean="0">
+              <a:rPr lang="ru-RU" sz="1800" b="1" smtClean="0">
+                <a:solidFill>
+                  <a:schemeClr val="tx1"/>
+                </a:solidFill>
                 <a:latin typeface="Lato" panose="020F0502020204030203" pitchFamily="34" charset="0"/>
                 <a:cs typeface="Lato" panose="020F0502020204030203" pitchFamily="34" charset="0"/>
               </a:rPr>
-              <a:t>8</a:t>
+              <a:t>9</a:t>
             </a:fld>
-            <a:endParaRPr lang="ru-RU" dirty="0">
+            <a:endParaRPr lang="ru-RU" b="1" dirty="0">
+              <a:solidFill>
+                <a:schemeClr val="tx1"/>
+              </a:solidFill>
               <a:latin typeface="Lato" panose="020F0502020204030203" pitchFamily="34" charset="0"/>
               <a:cs typeface="Lato" panose="020F0502020204030203" pitchFamily="34" charset="0"/>
             </a:endParaRPr>
@@ -7436,119 +8390,13 @@
   <p:clrMapOvr>
     <a:masterClrMapping/>
   </p:clrMapOvr>
-</p:sld>
-</file>
-
-<file path=ppt/slides/slide9.xml><?xml version="1.0" encoding="utf-8"?>
-<p:sld xmlns:a="http://schemas.openxmlformats.org/drawingml/2006/main" xmlns:r="http://schemas.openxmlformats.org/officeDocument/2006/relationships" xmlns:p="http://schemas.openxmlformats.org/presentationml/2006/main">
-  <p:cSld>
-    <p:spTree>
-      <p:nvGrpSpPr>
-        <p:cNvPr id="1" name=""/>
-        <p:cNvGrpSpPr/>
-        <p:nvPr/>
-      </p:nvGrpSpPr>
-      <p:grpSpPr>
-        <a:xfrm>
-          <a:off x="0" y="0"/>
-          <a:ext cx="0" cy="0"/>
-          <a:chOff x="0" y="0"/>
-          <a:chExt cx="0" cy="0"/>
-        </a:xfrm>
-      </p:grpSpPr>
-      <p:pic>
-        <p:nvPicPr>
-          <p:cNvPr id="4" name="Рисунок 3"/>
-          <p:cNvPicPr/>
-          <p:nvPr/>
-        </p:nvPicPr>
-        <p:blipFill>
-          <a:blip r:embed="rId3"/>
-          <a:stretch>
-            <a:fillRect/>
-          </a:stretch>
-        </p:blipFill>
-        <p:spPr>
-          <a:xfrm>
-            <a:off x="496390" y="766741"/>
-            <a:ext cx="11129554" cy="5589609"/>
-          </a:xfrm>
-          <a:prstGeom prst="rect">
-            <a:avLst/>
-          </a:prstGeom>
-        </p:spPr>
-      </p:pic>
-      <p:sp>
-        <p:nvSpPr>
-          <p:cNvPr id="2" name="Номер слайда 1"/>
-          <p:cNvSpPr>
-            <a:spLocks noGrp="1"/>
-          </p:cNvSpPr>
-          <p:nvPr>
-            <p:ph type="sldNum" sz="quarter" idx="12"/>
-          </p:nvPr>
-        </p:nvSpPr>
-        <p:spPr/>
-        <p:txBody>
-          <a:bodyPr/>
-          <a:lstStyle/>
-          <a:p>
-            <a:fld id="{7DB0EE1B-E4C1-4C7B-8CEC-C7439F861DA8}" type="slidenum">
-              <a:rPr lang="ru-RU" sz="1800" smtClean="0">
-                <a:latin typeface="Lato" panose="020F0502020204030203" pitchFamily="34" charset="0"/>
-                <a:cs typeface="Lato" panose="020F0502020204030203" pitchFamily="34" charset="0"/>
-              </a:rPr>
-              <a:t>9</a:t>
-            </a:fld>
-            <a:endParaRPr lang="ru-RU" dirty="0">
-              <a:latin typeface="Lato" panose="020F0502020204030203" pitchFamily="34" charset="0"/>
-              <a:cs typeface="Lato" panose="020F0502020204030203" pitchFamily="34" charset="0"/>
-            </a:endParaRPr>
-          </a:p>
-        </p:txBody>
-      </p:sp>
-      <p:sp>
-        <p:nvSpPr>
-          <p:cNvPr id="3" name="Прямоугольник 2"/>
-          <p:cNvSpPr/>
-          <p:nvPr/>
-        </p:nvSpPr>
-        <p:spPr>
-          <a:xfrm>
-            <a:off x="4450251" y="120410"/>
-            <a:ext cx="3613713" cy="646331"/>
-          </a:xfrm>
-          <a:prstGeom prst="rect">
-            <a:avLst/>
-          </a:prstGeom>
-        </p:spPr>
-        <p:txBody>
-          <a:bodyPr wrap="square">
-            <a:spAutoFit/>
-          </a:bodyPr>
-          <a:lstStyle/>
-          <a:p>
-            <a:r>
-              <a:rPr lang="ru-RU" sz="3600" dirty="0" smtClean="0">
-                <a:latin typeface="Lato" panose="020F0502020204030203" pitchFamily="34" charset="0"/>
-                <a:cs typeface="Lato" panose="020F0502020204030203" pitchFamily="34" charset="0"/>
-              </a:rPr>
-              <a:t>Модель данных</a:t>
-            </a:r>
-            <a:endParaRPr lang="ru-RU" sz="3600" dirty="0"/>
-          </a:p>
-        </p:txBody>
-      </p:sp>
-    </p:spTree>
-    <p:extLst>
-      <p:ext uri="{BB962C8B-B14F-4D97-AF65-F5344CB8AC3E}">
-        <p14:creationId xmlns:p14="http://schemas.microsoft.com/office/powerpoint/2010/main" val="2155805806"/>
-      </p:ext>
-    </p:extLst>
-  </p:cSld>
-  <p:clrMapOvr>
-    <a:masterClrMapping/>
-  </p:clrMapOvr>
+  <p:timing>
+    <p:tnLst>
+      <p:par>
+        <p:cTn id="1" dur="indefinite" restart="never" nodeType="tmRoot"/>
+      </p:par>
+    </p:tnLst>
+  </p:timing>
 </p:sld>
 </file>
 

--- a/Презентация/Сухарев. ВКР.pptx
+++ b/Презентация/Сухарев. ВКР.pptx
@@ -15,15 +15,15 @@
     <p:sldId id="259" r:id="rId6"/>
     <p:sldId id="260" r:id="rId7"/>
     <p:sldId id="261" r:id="rId8"/>
-    <p:sldId id="262" r:id="rId9"/>
-    <p:sldId id="269" r:id="rId10"/>
-    <p:sldId id="263" r:id="rId11"/>
-    <p:sldId id="264" r:id="rId12"/>
-    <p:sldId id="265" r:id="rId13"/>
-    <p:sldId id="266" r:id="rId14"/>
-    <p:sldId id="267" r:id="rId15"/>
-    <p:sldId id="268" r:id="rId16"/>
-    <p:sldId id="271" r:id="rId17"/>
+    <p:sldId id="264" r:id="rId9"/>
+    <p:sldId id="265" r:id="rId10"/>
+    <p:sldId id="266" r:id="rId11"/>
+    <p:sldId id="267" r:id="rId12"/>
+    <p:sldId id="268" r:id="rId13"/>
+    <p:sldId id="271" r:id="rId14"/>
+    <p:sldId id="262" r:id="rId15"/>
+    <p:sldId id="269" r:id="rId16"/>
+    <p:sldId id="263" r:id="rId17"/>
     <p:sldId id="270" r:id="rId18"/>
   </p:sldIdLst>
   <p:sldSz cx="12192000" cy="6858000"/>
@@ -135,15 +135,15 @@
             <p14:sldId id="259"/>
             <p14:sldId id="260"/>
             <p14:sldId id="261"/>
-            <p14:sldId id="262"/>
-            <p14:sldId id="269"/>
-            <p14:sldId id="263"/>
             <p14:sldId id="264"/>
             <p14:sldId id="265"/>
             <p14:sldId id="266"/>
             <p14:sldId id="267"/>
             <p14:sldId id="268"/>
             <p14:sldId id="271"/>
+            <p14:sldId id="262"/>
+            <p14:sldId id="269"/>
+            <p14:sldId id="263"/>
             <p14:sldId id="270"/>
           </p14:sldIdLst>
         </p14:section>
@@ -191,6 +191,56 @@
 
 <file path=ppt/comments/comment2.xml><?xml version="1.0" encoding="utf-8"?>
 <p:cmLst xmlns:a="http://schemas.openxmlformats.org/drawingml/2006/main" xmlns:r="http://schemas.openxmlformats.org/officeDocument/2006/relationships" xmlns:p="http://schemas.openxmlformats.org/presentationml/2006/main">
+  <p:cm authorId="1" dt="2021-06-06T13:28:23.393" idx="4">
+    <p:pos x="10" y="10"/>
+    <p:text>Нужен заголовок слайда</p:text>
+    <p:extLst>
+      <p:ext uri="{C676402C-5697-4E1C-873F-D02D1690AC5C}">
+        <p15:threadingInfo xmlns:p15="http://schemas.microsoft.com/office/powerpoint/2012/main" timeZoneBias="-180"/>
+      </p:ext>
+    </p:extLst>
+  </p:cm>
+  <p:cm authorId="2" dt="2021-06-06T18:41:24.981" idx="3">
+    <p:pos x="10" y="146"/>
+    <p:text>Исправлено</p:text>
+    <p:extLst>
+      <p:ext uri="{C676402C-5697-4E1C-873F-D02D1690AC5C}">
+        <p15:threadingInfo xmlns:p15="http://schemas.microsoft.com/office/powerpoint/2012/main" timeZoneBias="-180">
+          <p15:parentCm authorId="1" idx="4"/>
+        </p15:threadingInfo>
+      </p:ext>
+    </p:extLst>
+  </p:cm>
+</p:cmLst>
+</file>
+
+<file path=ppt/comments/comment3.xml><?xml version="1.0" encoding="utf-8"?>
+<p:cmLst xmlns:a="http://schemas.openxmlformats.org/drawingml/2006/main" xmlns:r="http://schemas.openxmlformats.org/officeDocument/2006/relationships" xmlns:p="http://schemas.openxmlformats.org/presentationml/2006/main">
+  <p:cm authorId="1" dt="2021-06-06T13:28:39.280" idx="5">
+    <p:pos x="10" y="10"/>
+    <p:text>Название должно быть "русским"</p:text>
+    <p:extLst>
+      <p:ext uri="{C676402C-5697-4E1C-873F-D02D1690AC5C}">
+        <p15:threadingInfo xmlns:p15="http://schemas.microsoft.com/office/powerpoint/2012/main" timeZoneBias="-180"/>
+      </p:ext>
+    </p:extLst>
+  </p:cm>
+  <p:cm authorId="2" dt="2021-06-06T18:41:32.140" idx="4">
+    <p:pos x="10" y="146"/>
+    <p:text>Исправлено</p:text>
+    <p:extLst>
+      <p:ext uri="{C676402C-5697-4E1C-873F-D02D1690AC5C}">
+        <p15:threadingInfo xmlns:p15="http://schemas.microsoft.com/office/powerpoint/2012/main" timeZoneBias="-180">
+          <p15:parentCm authorId="1" idx="5"/>
+        </p15:threadingInfo>
+      </p:ext>
+    </p:extLst>
+  </p:cm>
+</p:cmLst>
+</file>
+
+<file path=ppt/comments/comment4.xml><?xml version="1.0" encoding="utf-8"?>
+<p:cmLst xmlns:a="http://schemas.openxmlformats.org/drawingml/2006/main" xmlns:r="http://schemas.openxmlformats.org/officeDocument/2006/relationships" xmlns:p="http://schemas.openxmlformats.org/presentationml/2006/main">
   <p:cm authorId="1" dt="2021-06-06T13:25:17.878" idx="1">
     <p:pos x="10" y="10"/>
     <p:text>Стоит перерисовать средствами PP, сомтрится не очень сейчас</p:text>
@@ -214,7 +264,7 @@
 </p:cmLst>
 </file>
 
-<file path=ppt/comments/comment3.xml><?xml version="1.0" encoding="utf-8"?>
+<file path=ppt/comments/comment5.xml><?xml version="1.0" encoding="utf-8"?>
 <p:cmLst xmlns:a="http://schemas.openxmlformats.org/drawingml/2006/main" xmlns:r="http://schemas.openxmlformats.org/officeDocument/2006/relationships" xmlns:p="http://schemas.openxmlformats.org/presentationml/2006/main">
   <p:cm authorId="1" dt="2021-06-06T13:26:22.548" idx="2">
     <p:pos x="10" y="10"/>
@@ -232,56 +282,6 @@
       <p:ext uri="{C676402C-5697-4E1C-873F-D02D1690AC5C}">
         <p15:threadingInfo xmlns:p15="http://schemas.microsoft.com/office/powerpoint/2012/main" timeZoneBias="-180">
           <p15:parentCm authorId="1" idx="2"/>
-        </p15:threadingInfo>
-      </p:ext>
-    </p:extLst>
-  </p:cm>
-</p:cmLst>
-</file>
-
-<file path=ppt/comments/comment4.xml><?xml version="1.0" encoding="utf-8"?>
-<p:cmLst xmlns:a="http://schemas.openxmlformats.org/drawingml/2006/main" xmlns:r="http://schemas.openxmlformats.org/officeDocument/2006/relationships" xmlns:p="http://schemas.openxmlformats.org/presentationml/2006/main">
-  <p:cm authorId="1" dt="2021-06-06T13:28:23.393" idx="4">
-    <p:pos x="10" y="10"/>
-    <p:text>Нужен заголовок слайда</p:text>
-    <p:extLst>
-      <p:ext uri="{C676402C-5697-4E1C-873F-D02D1690AC5C}">
-        <p15:threadingInfo xmlns:p15="http://schemas.microsoft.com/office/powerpoint/2012/main" timeZoneBias="-180"/>
-      </p:ext>
-    </p:extLst>
-  </p:cm>
-  <p:cm authorId="2" dt="2021-06-06T18:41:24.981" idx="3">
-    <p:pos x="10" y="146"/>
-    <p:text>Исправлено</p:text>
-    <p:extLst>
-      <p:ext uri="{C676402C-5697-4E1C-873F-D02D1690AC5C}">
-        <p15:threadingInfo xmlns:p15="http://schemas.microsoft.com/office/powerpoint/2012/main" timeZoneBias="-180">
-          <p15:parentCm authorId="1" idx="4"/>
-        </p15:threadingInfo>
-      </p:ext>
-    </p:extLst>
-  </p:cm>
-</p:cmLst>
-</file>
-
-<file path=ppt/comments/comment5.xml><?xml version="1.0" encoding="utf-8"?>
-<p:cmLst xmlns:a="http://schemas.openxmlformats.org/drawingml/2006/main" xmlns:r="http://schemas.openxmlformats.org/officeDocument/2006/relationships" xmlns:p="http://schemas.openxmlformats.org/presentationml/2006/main">
-  <p:cm authorId="1" dt="2021-06-06T13:28:39.280" idx="5">
-    <p:pos x="10" y="10"/>
-    <p:text>Название должно быть "русским"</p:text>
-    <p:extLst>
-      <p:ext uri="{C676402C-5697-4E1C-873F-D02D1690AC5C}">
-        <p15:threadingInfo xmlns:p15="http://schemas.microsoft.com/office/powerpoint/2012/main" timeZoneBias="-180"/>
-      </p:ext>
-    </p:extLst>
-  </p:cm>
-  <p:cm authorId="2" dt="2021-06-06T18:41:32.140" idx="4">
-    <p:pos x="10" y="146"/>
-    <p:text>Исправлено</p:text>
-    <p:extLst>
-      <p:ext uri="{C676402C-5697-4E1C-873F-D02D1690AC5C}">
-        <p15:threadingInfo xmlns:p15="http://schemas.microsoft.com/office/powerpoint/2012/main" timeZoneBias="-180">
-          <p15:parentCm authorId="1" idx="5"/>
         </p15:threadingInfo>
       </p:ext>
     </p:extLst>
@@ -371,7 +371,7 @@
           <a:p>
             <a:fld id="{A0B05A8C-8C1B-4C2F-A402-21DEAE3D6844}" type="datetimeFigureOut">
               <a:rPr lang="ru-RU" smtClean="0"/>
-              <a:t>08.06.2021</a:t>
+              <a:t>18.06.2021</a:t>
             </a:fld>
             <a:endParaRPr lang="ru-RU"/>
           </a:p>
@@ -767,12 +767,8 @@
           <a:lstStyle/>
           <a:p>
             <a:r>
-              <a:rPr lang="ru-RU" dirty="0"/>
-              <a:t>Подробнее на</a:t>
-            </a:r>
-            <a:r>
-              <a:rPr lang="ru-RU" baseline="0" dirty="0"/>
-              <a:t> стр. 18</a:t>
+              <a:rPr lang="ru-RU" dirty="0" smtClean="0"/>
+              <a:t>Подробнее можно посмотреть на стр. 46</a:t>
             </a:r>
             <a:endParaRPr lang="ru-RU" dirty="0"/>
           </a:p>
@@ -804,7 +800,7 @@
     </p:spTree>
     <p:extLst>
       <p:ext uri="{BB962C8B-B14F-4D97-AF65-F5344CB8AC3E}">
-        <p14:creationId xmlns:p14="http://schemas.microsoft.com/office/powerpoint/2010/main" val="2977493513"/>
+        <p14:creationId xmlns:p14="http://schemas.microsoft.com/office/powerpoint/2010/main" val="152089786"/>
       </p:ext>
     </p:extLst>
   </p:cSld>
@@ -860,7 +856,11 @@
           <a:p>
             <a:r>
               <a:rPr lang="ru-RU" dirty="0" smtClean="0"/>
-              <a:t>Подробнее на стр. 21-22</a:t>
+              <a:t>Подробнее</a:t>
+            </a:r>
+            <a:r>
+              <a:rPr lang="ru-RU" baseline="0" dirty="0" smtClean="0"/>
+              <a:t> можно посмотреть на стр. 53</a:t>
             </a:r>
             <a:endParaRPr lang="ru-RU" dirty="0"/>
           </a:p>
@@ -892,7 +892,7 @@
     </p:spTree>
     <p:extLst>
       <p:ext uri="{BB962C8B-B14F-4D97-AF65-F5344CB8AC3E}">
-        <p14:creationId xmlns:p14="http://schemas.microsoft.com/office/powerpoint/2010/main" val="1201579008"/>
+        <p14:creationId xmlns:p14="http://schemas.microsoft.com/office/powerpoint/2010/main" val="4079735686"/>
       </p:ext>
     </p:extLst>
   </p:cSld>
@@ -946,29 +946,14 @@
           <a:bodyPr/>
           <a:lstStyle/>
           <a:p>
-            <a:pPr marL="0" marR="0" indent="0" algn="l" defTabSz="914400" rtl="0" eaLnBrk="1" fontAlgn="auto" latinLnBrk="0" hangingPunct="1">
-              <a:lnSpc>
-                <a:spcPct val="100000"/>
-              </a:lnSpc>
-              <a:spcBef>
-                <a:spcPts val="0"/>
-              </a:spcBef>
-              <a:spcAft>
-                <a:spcPts val="0"/>
-              </a:spcAft>
-              <a:buClrTx/>
-              <a:buSzTx/>
-              <a:buFontTx/>
-              <a:buNone/>
-              <a:tabLst/>
-              <a:defRPr/>
-            </a:pPr>
             <a:r>
               <a:rPr lang="ru-RU" dirty="0" smtClean="0"/>
-              <a:t>Подробнее на стр. 21-22</a:t>
-            </a:r>
-          </a:p>
-          <a:p>
+              <a:t>Подробнее</a:t>
+            </a:r>
+            <a:r>
+              <a:rPr lang="ru-RU" baseline="0" dirty="0" smtClean="0"/>
+              <a:t> можно прочитать на стр. 65</a:t>
+            </a:r>
             <a:endParaRPr lang="ru-RU" dirty="0"/>
           </a:p>
         </p:txBody>
@@ -999,7 +984,7 @@
     </p:spTree>
     <p:extLst>
       <p:ext uri="{BB962C8B-B14F-4D97-AF65-F5344CB8AC3E}">
-        <p14:creationId xmlns:p14="http://schemas.microsoft.com/office/powerpoint/2010/main" val="460864889"/>
+        <p14:creationId xmlns:p14="http://schemas.microsoft.com/office/powerpoint/2010/main" val="1570205752"/>
       </p:ext>
     </p:extLst>
   </p:cSld>
@@ -1055,7 +1040,11 @@
           <a:p>
             <a:r>
               <a:rPr lang="ru-RU" dirty="0" smtClean="0"/>
-              <a:t>Подробнее можно посмотреть на стр. 45</a:t>
+              <a:t>Подробнее</a:t>
+            </a:r>
+            <a:r>
+              <a:rPr lang="ru-RU" baseline="0" dirty="0" smtClean="0"/>
+              <a:t> можно прочитать на стр. 65</a:t>
             </a:r>
             <a:endParaRPr lang="ru-RU" dirty="0"/>
           </a:p>
@@ -1087,7 +1076,7 @@
     </p:spTree>
     <p:extLst>
       <p:ext uri="{BB962C8B-B14F-4D97-AF65-F5344CB8AC3E}">
-        <p14:creationId xmlns:p14="http://schemas.microsoft.com/office/powerpoint/2010/main" val="152089786"/>
+        <p14:creationId xmlns:p14="http://schemas.microsoft.com/office/powerpoint/2010/main" val="2927825853"/>
       </p:ext>
     </p:extLst>
   </p:cSld>
@@ -1142,12 +1131,16 @@
           <a:lstStyle/>
           <a:p>
             <a:r>
-              <a:rPr lang="ru-RU" dirty="0" smtClean="0"/>
-              <a:t>Подробнее</a:t>
-            </a:r>
-            <a:r>
-              <a:rPr lang="ru-RU" baseline="0" dirty="0" smtClean="0"/>
-              <a:t> можно посмотреть на стр. 52</a:t>
+              <a:rPr lang="ru-RU" sz="1200" kern="1200" dirty="0" smtClean="0">
+                <a:solidFill>
+                  <a:schemeClr val="tx1"/>
+                </a:solidFill>
+                <a:effectLst/>
+                <a:latin typeface="+mn-lt"/>
+                <a:ea typeface="+mn-ea"/>
+                <a:cs typeface="+mn-cs"/>
+              </a:rPr>
+              <a:t>Прочие расходы составляют 30% от суммы затрат.</a:t>
             </a:r>
             <a:endParaRPr lang="ru-RU" dirty="0"/>
           </a:p>
@@ -1179,7 +1172,7 @@
     </p:spTree>
     <p:extLst>
       <p:ext uri="{BB962C8B-B14F-4D97-AF65-F5344CB8AC3E}">
-        <p14:creationId xmlns:p14="http://schemas.microsoft.com/office/powerpoint/2010/main" val="4079735686"/>
+        <p14:creationId xmlns:p14="http://schemas.microsoft.com/office/powerpoint/2010/main" val="3479568679"/>
       </p:ext>
     </p:extLst>
   </p:cSld>
@@ -1595,7 +1588,7 @@
             </a:r>
             <a:r>
               <a:rPr lang="ru-RU" baseline="0" dirty="0" smtClean="0"/>
-              <a:t>стр. 36</a:t>
+              <a:t>стр. 37</a:t>
             </a:r>
             <a:endParaRPr lang="ru-RU" dirty="0"/>
           </a:p>
@@ -1681,14 +1674,38 @@
           <a:bodyPr/>
           <a:lstStyle/>
           <a:p>
-            <a:r>
-              <a:rPr lang="ru-RU" dirty="0" smtClean="0"/>
-              <a:t>Подробнее</a:t>
+            <a:pPr marL="0" marR="0" indent="0" algn="l" defTabSz="914400" rtl="0" eaLnBrk="1" fontAlgn="auto" latinLnBrk="0" hangingPunct="1">
+              <a:lnSpc>
+                <a:spcPct val="100000"/>
+              </a:lnSpc>
+              <a:spcBef>
+                <a:spcPts val="0"/>
+              </a:spcBef>
+              <a:spcAft>
+                <a:spcPts val="0"/>
+              </a:spcAft>
+              <a:buClrTx/>
+              <a:buSzTx/>
+              <a:buFontTx/>
+              <a:buNone/>
+              <a:tabLst/>
+              <a:defRPr/>
+            </a:pPr>
+            <a:r>
+              <a:rPr lang="ru-RU" dirty="0"/>
+              <a:t>Посмотреть</a:t>
+            </a:r>
+            <a:r>
+              <a:rPr lang="ru-RU" baseline="0" dirty="0"/>
+              <a:t> поближе можно на </a:t>
             </a:r>
             <a:r>
               <a:rPr lang="ru-RU" baseline="0" dirty="0" smtClean="0"/>
-              <a:t> можно прочитать на стр. 64</a:t>
-            </a:r>
+              <a:t>стр.42</a:t>
+            </a:r>
+            <a:endParaRPr lang="ru-RU" dirty="0"/>
+          </a:p>
+          <a:p>
             <a:endParaRPr lang="ru-RU" dirty="0"/>
           </a:p>
         </p:txBody>
@@ -1719,7 +1736,7 @@
     </p:spTree>
     <p:extLst>
       <p:ext uri="{BB962C8B-B14F-4D97-AF65-F5344CB8AC3E}">
-        <p14:creationId xmlns:p14="http://schemas.microsoft.com/office/powerpoint/2010/main" val="1570205752"/>
+        <p14:creationId xmlns:p14="http://schemas.microsoft.com/office/powerpoint/2010/main" val="3136840342"/>
       </p:ext>
     </p:extLst>
   </p:cSld>
@@ -1774,12 +1791,16 @@
           <a:lstStyle/>
           <a:p>
             <a:r>
-              <a:rPr lang="ru-RU" dirty="0" smtClean="0"/>
-              <a:t>Подробнее</a:t>
+              <a:rPr lang="ru-RU" dirty="0"/>
+              <a:t>Подробнее на</a:t>
+            </a:r>
+            <a:r>
+              <a:rPr lang="ru-RU" baseline="0" dirty="0"/>
+              <a:t> стр. </a:t>
             </a:r>
             <a:r>
               <a:rPr lang="ru-RU" baseline="0" dirty="0" smtClean="0"/>
-              <a:t> можно прочитать на стр. 65</a:t>
+              <a:t>19</a:t>
             </a:r>
             <a:endParaRPr lang="ru-RU" dirty="0"/>
           </a:p>
@@ -1811,7 +1832,7 @@
     </p:spTree>
     <p:extLst>
       <p:ext uri="{BB962C8B-B14F-4D97-AF65-F5344CB8AC3E}">
-        <p14:creationId xmlns:p14="http://schemas.microsoft.com/office/powerpoint/2010/main" val="2927825853"/>
+        <p14:creationId xmlns:p14="http://schemas.microsoft.com/office/powerpoint/2010/main" val="2977493513"/>
       </p:ext>
     </p:extLst>
   </p:cSld>
@@ -1866,16 +1887,8 @@
           <a:lstStyle/>
           <a:p>
             <a:r>
-              <a:rPr lang="ru-RU" sz="1200" kern="1200" dirty="0" smtClean="0">
-                <a:solidFill>
-                  <a:schemeClr val="tx1"/>
-                </a:solidFill>
-                <a:effectLst/>
-                <a:latin typeface="+mn-lt"/>
-                <a:ea typeface="+mn-ea"/>
-                <a:cs typeface="+mn-cs"/>
-              </a:rPr>
-              <a:t>Прочие расходы составляют 30% от суммы затрат.</a:t>
+              <a:rPr lang="ru-RU" dirty="0" smtClean="0"/>
+              <a:t>Подробнее на стр. 21-22</a:t>
             </a:r>
             <a:endParaRPr lang="ru-RU" dirty="0"/>
           </a:p>
@@ -1907,7 +1920,7 @@
     </p:spTree>
     <p:extLst>
       <p:ext uri="{BB962C8B-B14F-4D97-AF65-F5344CB8AC3E}">
-        <p14:creationId xmlns:p14="http://schemas.microsoft.com/office/powerpoint/2010/main" val="3479568679"/>
+        <p14:creationId xmlns:p14="http://schemas.microsoft.com/office/powerpoint/2010/main" val="1201579008"/>
       </p:ext>
     </p:extLst>
   </p:cSld>
@@ -1979,18 +1992,9 @@
               <a:defRPr/>
             </a:pPr>
             <a:r>
-              <a:rPr lang="ru-RU" dirty="0"/>
-              <a:t>Посмотреть</a:t>
-            </a:r>
-            <a:r>
-              <a:rPr lang="ru-RU" baseline="0" dirty="0"/>
-              <a:t> поближе можно на </a:t>
-            </a:r>
-            <a:r>
-              <a:rPr lang="ru-RU" baseline="0" dirty="0" smtClean="0"/>
-              <a:t>стр.42</a:t>
-            </a:r>
-            <a:endParaRPr lang="ru-RU" dirty="0"/>
+              <a:rPr lang="ru-RU" dirty="0" smtClean="0"/>
+              <a:t>Подробнее на стр. 21-22</a:t>
+            </a:r>
           </a:p>
           <a:p>
             <a:endParaRPr lang="ru-RU" dirty="0"/>
@@ -2023,7 +2027,7 @@
     </p:spTree>
     <p:extLst>
       <p:ext uri="{BB962C8B-B14F-4D97-AF65-F5344CB8AC3E}">
-        <p14:creationId xmlns:p14="http://schemas.microsoft.com/office/powerpoint/2010/main" val="3136840342"/>
+        <p14:creationId xmlns:p14="http://schemas.microsoft.com/office/powerpoint/2010/main" val="460864889"/>
       </p:ext>
     </p:extLst>
   </p:cSld>
@@ -2162,7 +2166,7 @@
           <a:p>
             <a:fld id="{DE51860D-39D6-4BDE-91B9-E38B08A0C4E6}" type="datetime1">
               <a:rPr lang="ru-RU" smtClean="0"/>
-              <a:t>08.06.2021</a:t>
+              <a:t>18.06.2021</a:t>
             </a:fld>
             <a:endParaRPr lang="ru-RU"/>
           </a:p>
@@ -2330,7 +2334,7 @@
           <a:p>
             <a:fld id="{05B7C9CF-2BB3-4490-9513-A5AB863A3A38}" type="datetime1">
               <a:rPr lang="ru-RU" smtClean="0"/>
-              <a:t>08.06.2021</a:t>
+              <a:t>18.06.2021</a:t>
             </a:fld>
             <a:endParaRPr lang="ru-RU"/>
           </a:p>
@@ -2508,7 +2512,7 @@
           <a:p>
             <a:fld id="{FFF3F56E-2CBE-425D-8373-B91AF1E5C7E7}" type="datetime1">
               <a:rPr lang="ru-RU" smtClean="0"/>
-              <a:t>08.06.2021</a:t>
+              <a:t>18.06.2021</a:t>
             </a:fld>
             <a:endParaRPr lang="ru-RU"/>
           </a:p>
@@ -2676,7 +2680,7 @@
           <a:p>
             <a:fld id="{D2A049A9-977A-43CD-A59D-C38B1184DFE7}" type="datetime1">
               <a:rPr lang="ru-RU" smtClean="0"/>
-              <a:t>08.06.2021</a:t>
+              <a:t>18.06.2021</a:t>
             </a:fld>
             <a:endParaRPr lang="ru-RU"/>
           </a:p>
@@ -2921,7 +2925,7 @@
           <a:p>
             <a:fld id="{C8F61970-F9CB-4138-9D72-3A00CBC3131C}" type="datetime1">
               <a:rPr lang="ru-RU" smtClean="0"/>
-              <a:t>08.06.2021</a:t>
+              <a:t>18.06.2021</a:t>
             </a:fld>
             <a:endParaRPr lang="ru-RU"/>
           </a:p>
@@ -3150,7 +3154,7 @@
           <a:p>
             <a:fld id="{7AD19CB9-8A75-453F-868A-1D8C5136A18C}" type="datetime1">
               <a:rPr lang="ru-RU" smtClean="0"/>
-              <a:t>08.06.2021</a:t>
+              <a:t>18.06.2021</a:t>
             </a:fld>
             <a:endParaRPr lang="ru-RU"/>
           </a:p>
@@ -3514,7 +3518,7 @@
           <a:p>
             <a:fld id="{92BCA8C9-76EA-4734-AEF9-BEF4AB8601D4}" type="datetime1">
               <a:rPr lang="ru-RU" smtClean="0"/>
-              <a:t>08.06.2021</a:t>
+              <a:t>18.06.2021</a:t>
             </a:fld>
             <a:endParaRPr lang="ru-RU"/>
           </a:p>
@@ -3631,7 +3635,7 @@
           <a:p>
             <a:fld id="{DAF02E88-E92B-485F-9F32-1C5CA4B16DC1}" type="datetime1">
               <a:rPr lang="ru-RU" smtClean="0"/>
-              <a:t>08.06.2021</a:t>
+              <a:t>18.06.2021</a:t>
             </a:fld>
             <a:endParaRPr lang="ru-RU"/>
           </a:p>
@@ -3726,7 +3730,7 @@
           <a:p>
             <a:fld id="{D1ED90BA-54F1-45E0-82D9-41456BE83BB0}" type="datetime1">
               <a:rPr lang="ru-RU" smtClean="0"/>
-              <a:t>08.06.2021</a:t>
+              <a:t>18.06.2021</a:t>
             </a:fld>
             <a:endParaRPr lang="ru-RU"/>
           </a:p>
@@ -4001,7 +4005,7 @@
           <a:p>
             <a:fld id="{ED052217-BF0E-4209-8681-9B9CB3C5474C}" type="datetime1">
               <a:rPr lang="ru-RU" smtClean="0"/>
-              <a:t>08.06.2021</a:t>
+              <a:t>18.06.2021</a:t>
             </a:fld>
             <a:endParaRPr lang="ru-RU"/>
           </a:p>
@@ -4253,7 +4257,7 @@
           <a:p>
             <a:fld id="{AEA1D84B-839E-4C02-9CED-F26CE3CF0733}" type="datetime1">
               <a:rPr lang="ru-RU" smtClean="0"/>
-              <a:t>08.06.2021</a:t>
+              <a:t>18.06.2021</a:t>
             </a:fld>
             <a:endParaRPr lang="ru-RU"/>
           </a:p>
@@ -4467,7 +4471,7 @@
           <a:p>
             <a:fld id="{D0D2967E-BDBA-485D-95AE-368FF1915310}" type="datetime1">
               <a:rPr lang="ru-RU" smtClean="0"/>
-              <a:t>08.06.2021</a:t>
+              <a:t>18.06.2021</a:t>
             </a:fld>
             <a:endParaRPr lang="ru-RU"/>
           </a:p>
@@ -5040,31 +5044,64 @@
           <a:chExt cx="0" cy="0"/>
         </a:xfrm>
       </p:grpSpPr>
-      <p:pic>
-        <p:nvPicPr>
-          <p:cNvPr id="5" name="Рисунок 4"/>
-          <p:cNvPicPr/>
-          <p:nvPr/>
-        </p:nvPicPr>
-        <p:blipFill>
-          <a:blip r:embed="rId3"/>
-          <a:stretch>
-            <a:fillRect/>
-          </a:stretch>
-        </p:blipFill>
+      <p:sp>
+        <p:nvSpPr>
+          <p:cNvPr id="2" name="Заголовок 1"/>
+          <p:cNvSpPr>
+            <a:spLocks noGrp="1"/>
+          </p:cNvSpPr>
+          <p:nvPr>
+            <p:ph type="title"/>
+          </p:nvPr>
+        </p:nvSpPr>
         <p:spPr>
           <a:xfrm>
-            <a:off x="330200" y="-18557"/>
-            <a:ext cx="11500565" cy="6876557"/>
-          </a:xfrm>
-          <a:prstGeom prst="rect">
-            <a:avLst/>
-          </a:prstGeom>
-        </p:spPr>
-      </p:pic>
-      <p:sp>
-        <p:nvSpPr>
-          <p:cNvPr id="2" name="Номер слайда 1"/>
+            <a:off x="1371599" y="19050"/>
+            <a:ext cx="9134475" cy="1325563"/>
+          </a:xfrm>
+        </p:spPr>
+        <p:txBody>
+          <a:bodyPr/>
+          <a:lstStyle/>
+          <a:p>
+            <a:r>
+              <a:rPr lang="ru-RU" dirty="0" smtClean="0">
+                <a:latin typeface="Lato" panose="020F0502020204030203" pitchFamily="34" charset="0"/>
+                <a:cs typeface="Lato" panose="020F0502020204030203" pitchFamily="34" charset="0"/>
+              </a:rPr>
+              <a:t>Модель бизнес-процесса</a:t>
+            </a:r>
+            <a:r>
+              <a:rPr lang="en-US" dirty="0" smtClean="0">
+                <a:latin typeface="Lato" panose="020F0502020204030203" pitchFamily="34" charset="0"/>
+                <a:cs typeface="Lato" panose="020F0502020204030203" pitchFamily="34" charset="0"/>
+              </a:rPr>
+              <a:t>. </a:t>
+            </a:r>
+            <a:r>
+              <a:rPr lang="ru-RU" dirty="0">
+                <a:latin typeface="Lato" panose="020F0502020204030203" pitchFamily="34" charset="0"/>
+                <a:cs typeface="Lato" panose="020F0502020204030203" pitchFamily="34" charset="0"/>
+              </a:rPr>
+              <a:t>Фрагмент </a:t>
+            </a:r>
+            <a:r>
+              <a:rPr lang="en-US" dirty="0">
+                <a:latin typeface="Lato" panose="020F0502020204030203" pitchFamily="34" charset="0"/>
+                <a:cs typeface="Lato" panose="020F0502020204030203" pitchFamily="34" charset="0"/>
+              </a:rPr>
+              <a:t>I</a:t>
+            </a:r>
+            <a:endParaRPr lang="ru-RU" dirty="0">
+              <a:latin typeface="Lato" panose="020F0502020204030203" pitchFamily="34" charset="0"/>
+              <a:cs typeface="Lato" panose="020F0502020204030203" pitchFamily="34" charset="0"/>
+            </a:endParaRPr>
+          </a:p>
+        </p:txBody>
+      </p:sp>
+      <p:sp>
+        <p:nvSpPr>
+          <p:cNvPr id="3" name="Номер слайда 2"/>
           <p:cNvSpPr>
             <a:spLocks noGrp="1"/>
           </p:cNvSpPr>
@@ -5097,10 +5134,32 @@
           </a:p>
         </p:txBody>
       </p:sp>
+      <p:pic>
+        <p:nvPicPr>
+          <p:cNvPr id="6" name="Рисунок 5"/>
+          <p:cNvPicPr/>
+          <p:nvPr/>
+        </p:nvPicPr>
+        <p:blipFill>
+          <a:blip r:embed="rId3"/>
+          <a:stretch>
+            <a:fillRect/>
+          </a:stretch>
+        </p:blipFill>
+        <p:spPr>
+          <a:xfrm>
+            <a:off x="1447800" y="1109663"/>
+            <a:ext cx="8820150" cy="5462588"/>
+          </a:xfrm>
+          <a:prstGeom prst="rect">
+            <a:avLst/>
+          </a:prstGeom>
+        </p:spPr>
+      </p:pic>
     </p:spTree>
     <p:extLst>
       <p:ext uri="{BB962C8B-B14F-4D97-AF65-F5344CB8AC3E}">
-        <p14:creationId xmlns:p14="http://schemas.microsoft.com/office/powerpoint/2010/main" val="3267729470"/>
+        <p14:creationId xmlns:p14="http://schemas.microsoft.com/office/powerpoint/2010/main" val="363918908"/>
       </p:ext>
     </p:extLst>
   </p:cSld>
@@ -5134,6 +5193,61 @@
           <a:chExt cx="0" cy="0"/>
         </a:xfrm>
       </p:grpSpPr>
+      <p:sp>
+        <p:nvSpPr>
+          <p:cNvPr id="2" name="Заголовок 1"/>
+          <p:cNvSpPr>
+            <a:spLocks noGrp="1"/>
+          </p:cNvSpPr>
+          <p:nvPr>
+            <p:ph type="title"/>
+          </p:nvPr>
+        </p:nvSpPr>
+        <p:spPr>
+          <a:xfrm>
+            <a:off x="1357448" y="28575"/>
+            <a:ext cx="9368971" cy="1325563"/>
+          </a:xfrm>
+        </p:spPr>
+        <p:txBody>
+          <a:bodyPr/>
+          <a:lstStyle/>
+          <a:p>
+            <a:r>
+              <a:rPr lang="ru-RU" dirty="0">
+                <a:latin typeface="Lato" panose="020F0502020204030203" pitchFamily="34" charset="0"/>
+                <a:cs typeface="Lato" panose="020F0502020204030203" pitchFamily="34" charset="0"/>
+              </a:rPr>
+              <a:t>Модель бизнес-процесса</a:t>
+            </a:r>
+            <a:r>
+              <a:rPr lang="en-US" dirty="0" smtClean="0">
+                <a:latin typeface="Lato" panose="020F0502020204030203" pitchFamily="34" charset="0"/>
+                <a:cs typeface="Lato" panose="020F0502020204030203" pitchFamily="34" charset="0"/>
+              </a:rPr>
+              <a:t>. </a:t>
+            </a:r>
+            <a:r>
+              <a:rPr lang="ru-RU" dirty="0">
+                <a:latin typeface="Lato" panose="020F0502020204030203" pitchFamily="34" charset="0"/>
+                <a:cs typeface="Lato" panose="020F0502020204030203" pitchFamily="34" charset="0"/>
+              </a:rPr>
+              <a:t>Фрагмент </a:t>
+            </a:r>
+            <a:r>
+              <a:rPr lang="en-US" dirty="0">
+                <a:latin typeface="Lato" panose="020F0502020204030203" pitchFamily="34" charset="0"/>
+                <a:cs typeface="Lato" panose="020F0502020204030203" pitchFamily="34" charset="0"/>
+              </a:rPr>
+              <a:t>II</a:t>
+            </a:r>
+            <a:endParaRPr lang="ru-RU" dirty="0">
+              <a:latin typeface="Lato" panose="020F0502020204030203" pitchFamily="34" charset="0"/>
+              <a:cs typeface="Lato" panose="020F0502020204030203" pitchFamily="34" charset="0"/>
+            </a:endParaRPr>
+          </a:p>
+        </p:txBody>
+      </p:sp>
       <p:pic>
         <p:nvPicPr>
           <p:cNvPr id="4" name="Рисунок 3"/>
@@ -5148,8 +5262,8 @@
         </p:blipFill>
         <p:spPr>
           <a:xfrm>
-            <a:off x="496390" y="766741"/>
-            <a:ext cx="11129554" cy="5589609"/>
+            <a:off x="1749334" y="1157970"/>
+            <a:ext cx="8585200" cy="5365973"/>
           </a:xfrm>
           <a:prstGeom prst="rect">
             <a:avLst/>
@@ -5158,7 +5272,7 @@
       </p:pic>
       <p:sp>
         <p:nvSpPr>
-          <p:cNvPr id="2" name="Номер слайда 1"/>
+          <p:cNvPr id="3" name="Номер слайда 2"/>
           <p:cNvSpPr>
             <a:spLocks noGrp="1"/>
           </p:cNvSpPr>
@@ -5191,42 +5305,10 @@
           </a:p>
         </p:txBody>
       </p:sp>
-      <p:sp>
-        <p:nvSpPr>
-          <p:cNvPr id="3" name="Прямоугольник 2"/>
-          <p:cNvSpPr/>
-          <p:nvPr/>
-        </p:nvSpPr>
-        <p:spPr>
-          <a:xfrm>
-            <a:off x="4044428" y="-2700"/>
-            <a:ext cx="4033478" cy="769441"/>
-          </a:xfrm>
-          <a:prstGeom prst="rect">
-            <a:avLst/>
-          </a:prstGeom>
-        </p:spPr>
-        <p:txBody>
-          <a:bodyPr wrap="square">
-            <a:spAutoFit/>
-          </a:bodyPr>
-          <a:lstStyle/>
-          <a:p>
-            <a:r>
-              <a:rPr lang="ru-RU" sz="4400" dirty="0" smtClean="0">
-                <a:latin typeface="Lato" panose="020F0502020204030203" pitchFamily="34" charset="0"/>
-                <a:cs typeface="Lato" panose="020F0502020204030203" pitchFamily="34" charset="0"/>
-              </a:rPr>
-              <a:t>Модель данных</a:t>
-            </a:r>
-            <a:endParaRPr lang="ru-RU" sz="4400" dirty="0"/>
-          </a:p>
-        </p:txBody>
-      </p:sp>
     </p:spTree>
     <p:extLst>
       <p:ext uri="{BB962C8B-B14F-4D97-AF65-F5344CB8AC3E}">
-        <p14:creationId xmlns:p14="http://schemas.microsoft.com/office/powerpoint/2010/main" val="2155805806"/>
+        <p14:creationId xmlns:p14="http://schemas.microsoft.com/office/powerpoint/2010/main" val="3233881336"/>
       </p:ext>
     </p:extLst>
   </p:cSld>
@@ -5272,7 +5354,7 @@
         </p:nvSpPr>
         <p:spPr>
           <a:xfrm>
-            <a:off x="838200" y="0"/>
+            <a:off x="838200" y="174625"/>
             <a:ext cx="10515600" cy="1325563"/>
           </a:xfrm>
         </p:spPr>
@@ -5280,50 +5362,16 @@
           <a:bodyPr/>
           <a:lstStyle/>
           <a:p>
-            <a:pPr algn="ctr"/>
             <a:r>
               <a:rPr lang="ru-RU" dirty="0">
                 <a:latin typeface="Lato" panose="020F0502020204030203" pitchFamily="34" charset="0"/>
                 <a:cs typeface="Lato" panose="020F0502020204030203" pitchFamily="34" charset="0"/>
               </a:rPr>
-              <a:t>Диаграмма вариантов использования</a:t>
-            </a:r>
-          </a:p>
-        </p:txBody>
-      </p:sp>
-      <p:pic>
-        <p:nvPicPr>
-          <p:cNvPr id="4" name="Рисунок 3"/>
-          <p:cNvPicPr/>
-          <p:nvPr/>
-        </p:nvPicPr>
-        <p:blipFill>
-          <a:blip r:embed="rId3">
-            <a:extLst>
-              <a:ext uri="{28A0092B-C50C-407E-A947-70E740481C1C}">
-                <a14:useLocalDpi xmlns:a14="http://schemas.microsoft.com/office/drawing/2010/main" val="0"/>
-              </a:ext>
-            </a:extLst>
-          </a:blip>
-          <a:srcRect/>
-          <a:stretch>
-            <a:fillRect/>
-          </a:stretch>
-        </p:blipFill>
-        <p:spPr bwMode="auto">
-          <a:xfrm>
-            <a:off x="1066800" y="1122362"/>
-            <a:ext cx="10058400" cy="5532437"/>
-          </a:xfrm>
-          <a:prstGeom prst="rect">
-            <a:avLst/>
-          </a:prstGeom>
-          <a:noFill/>
-          <a:ln>
-            <a:noFill/>
-          </a:ln>
-        </p:spPr>
-      </p:pic>
+              <a:t>Диаграмма классов фоновой службы</a:t>
+            </a:r>
+          </a:p>
+        </p:txBody>
+      </p:sp>
       <p:sp>
         <p:nvSpPr>
           <p:cNvPr id="3" name="Номер слайда 2"/>
@@ -5334,12 +5382,7 @@
             <p:ph type="sldNum" sz="quarter" idx="12"/>
           </p:nvPr>
         </p:nvSpPr>
-        <p:spPr>
-          <a:xfrm>
-            <a:off x="9146177" y="6289674"/>
-            <a:ext cx="2743200" cy="365125"/>
-          </a:xfrm>
-        </p:spPr>
+        <p:spPr/>
         <p:txBody>
           <a:bodyPr/>
           <a:lstStyle/>
@@ -5364,10 +5407,34 @@
           </a:p>
         </p:txBody>
       </p:sp>
+      <p:pic>
+        <p:nvPicPr>
+          <p:cNvPr id="4" name="Рисунок 3"/>
+          <p:cNvPicPr>
+            <a:picLocks noChangeAspect="1"/>
+          </p:cNvPicPr>
+          <p:nvPr/>
+        </p:nvPicPr>
+        <p:blipFill>
+          <a:blip r:embed="rId3"/>
+          <a:stretch>
+            <a:fillRect/>
+          </a:stretch>
+        </p:blipFill>
+        <p:spPr>
+          <a:xfrm>
+            <a:off x="891346" y="1323657"/>
+            <a:ext cx="10044029" cy="4705667"/>
+          </a:xfrm>
+          <a:prstGeom prst="rect">
+            <a:avLst/>
+          </a:prstGeom>
+        </p:spPr>
+      </p:pic>
     </p:spTree>
     <p:extLst>
       <p:ext uri="{BB962C8B-B14F-4D97-AF65-F5344CB8AC3E}">
-        <p14:creationId xmlns:p14="http://schemas.microsoft.com/office/powerpoint/2010/main" val="1787754788"/>
+        <p14:creationId xmlns:p14="http://schemas.microsoft.com/office/powerpoint/2010/main" val="2633015450"/>
       </p:ext>
     </p:extLst>
   </p:cSld>
@@ -5413,8 +5480,8 @@
         </p:nvSpPr>
         <p:spPr>
           <a:xfrm>
-            <a:off x="1371599" y="19050"/>
-            <a:ext cx="9134475" cy="1325563"/>
+            <a:off x="685800" y="229382"/>
+            <a:ext cx="10515600" cy="1325563"/>
           </a:xfrm>
         </p:spPr>
         <p:txBody>
@@ -5423,42 +5490,19 @@
           <a:p>
             <a:r>
               <a:rPr lang="ru-RU" dirty="0" smtClean="0">
-                <a:latin typeface="Lato" panose="020F0502020204030203" pitchFamily="34" charset="0"/>
-                <a:cs typeface="Lato" panose="020F0502020204030203" pitchFamily="34" charset="0"/>
+                <a:latin typeface="Lato"/>
               </a:rPr>
-              <a:t>Модель бизнес-процесса</a:t>
-            </a:r>
-            <a:r>
-              <a:rPr lang="en-US" dirty="0" smtClean="0">
-                <a:latin typeface="Lato" panose="020F0502020204030203" pitchFamily="34" charset="0"/>
-                <a:cs typeface="Lato" panose="020F0502020204030203" pitchFamily="34" charset="0"/>
-              </a:rPr>
-              <a:t>. </a:t>
-            </a:r>
-            <a:r>
-              <a:rPr lang="ru-RU" dirty="0">
-                <a:latin typeface="Lato" panose="020F0502020204030203" pitchFamily="34" charset="0"/>
-                <a:cs typeface="Lato" panose="020F0502020204030203" pitchFamily="34" charset="0"/>
-              </a:rPr>
-              <a:t>Фрагмент </a:t>
-            </a:r>
-            <a:r>
-              <a:rPr lang="en-US" dirty="0">
-                <a:latin typeface="Lato" panose="020F0502020204030203" pitchFamily="34" charset="0"/>
-                <a:cs typeface="Lato" panose="020F0502020204030203" pitchFamily="34" charset="0"/>
-              </a:rPr>
-              <a:t>I</a:t>
+              <a:t>Балансировка нагрузки</a:t>
             </a:r>
             <a:endParaRPr lang="ru-RU" dirty="0">
-              <a:latin typeface="Lato" panose="020F0502020204030203" pitchFamily="34" charset="0"/>
-              <a:cs typeface="Lato" panose="020F0502020204030203" pitchFamily="34" charset="0"/>
+              <a:latin typeface="Lato"/>
             </a:endParaRPr>
           </a:p>
         </p:txBody>
       </p:sp>
       <p:sp>
         <p:nvSpPr>
-          <p:cNvPr id="3" name="Номер слайда 2"/>
+          <p:cNvPr id="4" name="Номер слайда 3"/>
           <p:cNvSpPr>
             <a:spLocks noGrp="1"/>
           </p:cNvSpPr>
@@ -5476,8 +5520,6 @@
                 <a:solidFill>
                   <a:schemeClr val="tx1"/>
                 </a:solidFill>
-                <a:latin typeface="Lato" panose="020F0502020204030203" pitchFamily="34" charset="0"/>
-                <a:cs typeface="Lato" panose="020F0502020204030203" pitchFamily="34" charset="0"/>
               </a:rPr>
               <a:t>13</a:t>
             </a:fld>
@@ -5485,38 +5527,168 @@
               <a:solidFill>
                 <a:schemeClr val="tx1"/>
               </a:solidFill>
-              <a:latin typeface="Lato" panose="020F0502020204030203" pitchFamily="34" charset="0"/>
-              <a:cs typeface="Lato" panose="020F0502020204030203" pitchFamily="34" charset="0"/>
             </a:endParaRPr>
           </a:p>
         </p:txBody>
       </p:sp>
       <p:pic>
         <p:nvPicPr>
-          <p:cNvPr id="6" name="Рисунок 5"/>
+          <p:cNvPr id="6" name="Рисунок 5" descr="D:\Eugene\Дипломная работа\MessageDeliveryService\Балансировка нагрузки\Схема взаимодействия серверов.png"/>
           <p:cNvPicPr/>
           <p:nvPr/>
         </p:nvPicPr>
         <p:blipFill>
-          <a:blip r:embed="rId3"/>
+          <a:blip r:embed="rId3">
+            <a:extLst>
+              <a:ext uri="{28A0092B-C50C-407E-A947-70E740481C1C}">
+                <a14:useLocalDpi xmlns:a14="http://schemas.microsoft.com/office/drawing/2010/main" val="0"/>
+              </a:ext>
+            </a:extLst>
+          </a:blip>
+          <a:srcRect/>
           <a:stretch>
             <a:fillRect/>
           </a:stretch>
         </p:blipFill>
-        <p:spPr>
+        <p:spPr bwMode="auto">
           <a:xfrm>
-            <a:off x="1447800" y="1109663"/>
-            <a:ext cx="8820150" cy="5462588"/>
+            <a:off x="2055847" y="2880508"/>
+            <a:ext cx="7648576" cy="3348673"/>
           </a:xfrm>
           <a:prstGeom prst="rect">
             <a:avLst/>
           </a:prstGeom>
+          <a:noFill/>
+          <a:ln>
+            <a:noFill/>
+          </a:ln>
         </p:spPr>
       </p:pic>
+      <p:sp>
+        <p:nvSpPr>
+          <p:cNvPr id="7" name="Объект 6"/>
+          <p:cNvSpPr>
+            <a:spLocks noGrp="1"/>
+          </p:cNvSpPr>
+          <p:nvPr>
+            <p:ph idx="1"/>
+          </p:nvPr>
+        </p:nvSpPr>
+        <p:spPr>
+          <a:xfrm>
+            <a:off x="685800" y="1554945"/>
+            <a:ext cx="3600450" cy="1013778"/>
+          </a:xfrm>
+        </p:spPr>
+        <p:txBody>
+          <a:bodyPr>
+            <a:normAutofit/>
+          </a:bodyPr>
+          <a:lstStyle/>
+          <a:p>
+            <a:pPr marL="0" indent="0">
+              <a:buNone/>
+            </a:pPr>
+            <a:r>
+              <a:rPr lang="ru-RU" dirty="0" smtClean="0"/>
+              <a:t>Виды балансировки:</a:t>
+            </a:r>
+          </a:p>
+          <a:p>
+            <a:r>
+              <a:rPr lang="en-US" dirty="0" smtClean="0"/>
+              <a:t>Round Robin</a:t>
+            </a:r>
+            <a:endParaRPr lang="ru-RU" dirty="0"/>
+          </a:p>
+        </p:txBody>
+      </p:sp>
+      <p:sp>
+        <p:nvSpPr>
+          <p:cNvPr id="3" name="Прямоугольник 2"/>
+          <p:cNvSpPr/>
+          <p:nvPr/>
+        </p:nvSpPr>
+        <p:spPr>
+          <a:xfrm>
+            <a:off x="3864045" y="2043131"/>
+            <a:ext cx="3879780" cy="523220"/>
+          </a:xfrm>
+          <a:prstGeom prst="rect">
+            <a:avLst/>
+          </a:prstGeom>
+        </p:spPr>
+        <p:txBody>
+          <a:bodyPr wrap="none">
+            <a:spAutoFit/>
+          </a:bodyPr>
+          <a:lstStyle/>
+          <a:p>
+            <a:pPr marL="342900" indent="-342900">
+              <a:buFont typeface="Arial" panose="020B0604020202020204" pitchFamily="34" charset="0"/>
+              <a:buChar char="•"/>
+            </a:pPr>
+            <a:r>
+              <a:rPr lang="en-US" sz="2800" dirty="0">
+                <a:latin typeface="Lato" panose="020F0502020204030203"/>
+              </a:rPr>
+              <a:t>Weighted Round </a:t>
+            </a:r>
+            <a:r>
+              <a:rPr lang="en-US" sz="2800" dirty="0" smtClean="0">
+                <a:latin typeface="Lato" panose="020F0502020204030203"/>
+              </a:rPr>
+              <a:t>Robin</a:t>
+            </a:r>
+            <a:endParaRPr lang="ru-RU" sz="2800" dirty="0"/>
+          </a:p>
+        </p:txBody>
+      </p:sp>
+      <p:sp>
+        <p:nvSpPr>
+          <p:cNvPr id="5" name="Прямоугольник 4"/>
+          <p:cNvSpPr/>
+          <p:nvPr/>
+        </p:nvSpPr>
+        <p:spPr>
+          <a:xfrm>
+            <a:off x="8392277" y="2045503"/>
+            <a:ext cx="3179845" cy="523220"/>
+          </a:xfrm>
+          <a:prstGeom prst="rect">
+            <a:avLst/>
+          </a:prstGeom>
+        </p:spPr>
+        <p:txBody>
+          <a:bodyPr wrap="none">
+            <a:spAutoFit/>
+          </a:bodyPr>
+          <a:lstStyle/>
+          <a:p>
+            <a:pPr marL="342900" indent="-342900">
+              <a:buFont typeface="Arial" panose="020B0604020202020204" pitchFamily="34" charset="0"/>
+              <a:buChar char="•"/>
+            </a:pPr>
+            <a:r>
+              <a:rPr lang="en-US" sz="2800" dirty="0">
+                <a:latin typeface="Lato" panose="020F0502020204030203"/>
+              </a:rPr>
+              <a:t>Least </a:t>
+            </a:r>
+            <a:r>
+              <a:rPr lang="en-US" sz="2800" dirty="0" smtClean="0">
+                <a:latin typeface="Lato" panose="020F0502020204030203"/>
+              </a:rPr>
+              <a:t>Connections</a:t>
+            </a:r>
+            <a:endParaRPr lang="ru-RU" sz="2800" dirty="0"/>
+          </a:p>
+        </p:txBody>
+      </p:sp>
     </p:spTree>
     <p:extLst>
       <p:ext uri="{BB962C8B-B14F-4D97-AF65-F5344CB8AC3E}">
-        <p14:creationId xmlns:p14="http://schemas.microsoft.com/office/powerpoint/2010/main" val="363918908"/>
+        <p14:creationId xmlns:p14="http://schemas.microsoft.com/office/powerpoint/2010/main" val="1366097730"/>
       </p:ext>
     </p:extLst>
   </p:cSld>
@@ -5562,71 +5734,25 @@
         </p:nvSpPr>
         <p:spPr>
           <a:xfrm>
-            <a:off x="1357448" y="28575"/>
-            <a:ext cx="9368971" cy="1325563"/>
-          </a:xfrm>
-        </p:spPr>
-        <p:txBody>
-          <a:bodyPr/>
-          <a:lstStyle/>
-          <a:p>
+            <a:off x="842587" y="233332"/>
+            <a:ext cx="10515600" cy="1325563"/>
+          </a:xfrm>
+        </p:spPr>
+        <p:txBody>
+          <a:bodyPr/>
+          <a:lstStyle/>
+          <a:p>
+            <a:pPr algn="ctr"/>
             <a:r>
               <a:rPr lang="ru-RU" dirty="0">
                 <a:latin typeface="Lato" panose="020F0502020204030203" pitchFamily="34" charset="0"/>
                 <a:cs typeface="Lato" panose="020F0502020204030203" pitchFamily="34" charset="0"/>
               </a:rPr>
-              <a:t>Модель бизнес-процесса</a:t>
-            </a:r>
-            <a:r>
-              <a:rPr lang="en-US" dirty="0" smtClean="0">
-                <a:latin typeface="Lato" panose="020F0502020204030203" pitchFamily="34" charset="0"/>
-                <a:cs typeface="Lato" panose="020F0502020204030203" pitchFamily="34" charset="0"/>
-              </a:rPr>
-              <a:t>. </a:t>
-            </a:r>
-            <a:r>
-              <a:rPr lang="ru-RU" dirty="0">
-                <a:latin typeface="Lato" panose="020F0502020204030203" pitchFamily="34" charset="0"/>
-                <a:cs typeface="Lato" panose="020F0502020204030203" pitchFamily="34" charset="0"/>
-              </a:rPr>
-              <a:t>Фрагмент </a:t>
-            </a:r>
-            <a:r>
-              <a:rPr lang="en-US" dirty="0">
-                <a:latin typeface="Lato" panose="020F0502020204030203" pitchFamily="34" charset="0"/>
-                <a:cs typeface="Lato" panose="020F0502020204030203" pitchFamily="34" charset="0"/>
-              </a:rPr>
-              <a:t>II</a:t>
-            </a:r>
-            <a:endParaRPr lang="ru-RU" dirty="0">
-              <a:latin typeface="Lato" panose="020F0502020204030203" pitchFamily="34" charset="0"/>
-              <a:cs typeface="Lato" panose="020F0502020204030203" pitchFamily="34" charset="0"/>
-            </a:endParaRPr>
-          </a:p>
-        </p:txBody>
-      </p:sp>
-      <p:pic>
-        <p:nvPicPr>
-          <p:cNvPr id="4" name="Рисунок 3"/>
-          <p:cNvPicPr/>
-          <p:nvPr/>
-        </p:nvPicPr>
-        <p:blipFill>
-          <a:blip r:embed="rId3"/>
-          <a:stretch>
-            <a:fillRect/>
-          </a:stretch>
-        </p:blipFill>
-        <p:spPr>
-          <a:xfrm>
-            <a:off x="1749334" y="1157970"/>
-            <a:ext cx="8585200" cy="5365973"/>
-          </a:xfrm>
-          <a:prstGeom prst="rect">
-            <a:avLst/>
-          </a:prstGeom>
-        </p:spPr>
-      </p:pic>
+              <a:t>Организационная структура проекта</a:t>
+            </a:r>
+          </a:p>
+        </p:txBody>
+      </p:sp>
       <p:sp>
         <p:nvSpPr>
           <p:cNvPr id="3" name="Номер слайда 2"/>
@@ -5662,10 +5788,520 @@
           </a:p>
         </p:txBody>
       </p:sp>
+      <p:sp>
+        <p:nvSpPr>
+          <p:cNvPr id="5" name="Скругленный прямоугольник 4"/>
+          <p:cNvSpPr/>
+          <p:nvPr/>
+        </p:nvSpPr>
+        <p:spPr>
+          <a:xfrm>
+            <a:off x="4882661" y="1634637"/>
+            <a:ext cx="2426677" cy="832338"/>
+          </a:xfrm>
+          <a:prstGeom prst="roundRect">
+            <a:avLst/>
+          </a:prstGeom>
+        </p:spPr>
+        <p:style>
+          <a:lnRef idx="2">
+            <a:schemeClr val="accent6"/>
+          </a:lnRef>
+          <a:fillRef idx="1">
+            <a:schemeClr val="lt1"/>
+          </a:fillRef>
+          <a:effectRef idx="0">
+            <a:schemeClr val="accent6"/>
+          </a:effectRef>
+          <a:fontRef idx="minor">
+            <a:schemeClr val="dk1"/>
+          </a:fontRef>
+        </p:style>
+        <p:txBody>
+          <a:bodyPr rtlCol="0" anchor="ctr"/>
+          <a:lstStyle/>
+          <a:p>
+            <a:pPr algn="ctr"/>
+            <a:r>
+              <a:rPr lang="ru-RU" dirty="0" smtClean="0"/>
+              <a:t>Менеджер проекта</a:t>
+            </a:r>
+            <a:endParaRPr lang="ru-RU" dirty="0"/>
+          </a:p>
+        </p:txBody>
+      </p:sp>
+      <p:sp>
+        <p:nvSpPr>
+          <p:cNvPr id="6" name="Скругленный прямоугольник 5"/>
+          <p:cNvSpPr/>
+          <p:nvPr/>
+        </p:nvSpPr>
+        <p:spPr>
+          <a:xfrm>
+            <a:off x="1166446" y="3214627"/>
+            <a:ext cx="1934307" cy="808892"/>
+          </a:xfrm>
+          <a:prstGeom prst="roundRect">
+            <a:avLst/>
+          </a:prstGeom>
+        </p:spPr>
+        <p:style>
+          <a:lnRef idx="2">
+            <a:schemeClr val="accent6"/>
+          </a:lnRef>
+          <a:fillRef idx="1">
+            <a:schemeClr val="lt1"/>
+          </a:fillRef>
+          <a:effectRef idx="0">
+            <a:schemeClr val="accent6"/>
+          </a:effectRef>
+          <a:fontRef idx="minor">
+            <a:schemeClr val="dk1"/>
+          </a:fontRef>
+        </p:style>
+        <p:txBody>
+          <a:bodyPr rtlCol="0" anchor="ctr"/>
+          <a:lstStyle/>
+          <a:p>
+            <a:pPr algn="ctr"/>
+            <a:r>
+              <a:rPr lang="ru-RU" dirty="0" smtClean="0"/>
+              <a:t>Системный аналитик</a:t>
+            </a:r>
+            <a:endParaRPr lang="ru-RU" dirty="0"/>
+          </a:p>
+        </p:txBody>
+      </p:sp>
+      <p:sp>
+        <p:nvSpPr>
+          <p:cNvPr id="7" name="Скругленный прямоугольник 6"/>
+          <p:cNvSpPr/>
+          <p:nvPr/>
+        </p:nvSpPr>
+        <p:spPr>
+          <a:xfrm>
+            <a:off x="1166446" y="4237891"/>
+            <a:ext cx="1934307" cy="808892"/>
+          </a:xfrm>
+          <a:prstGeom prst="roundRect">
+            <a:avLst/>
+          </a:prstGeom>
+        </p:spPr>
+        <p:style>
+          <a:lnRef idx="2">
+            <a:schemeClr val="accent6"/>
+          </a:lnRef>
+          <a:fillRef idx="1">
+            <a:schemeClr val="lt1"/>
+          </a:fillRef>
+          <a:effectRef idx="0">
+            <a:schemeClr val="accent6"/>
+          </a:effectRef>
+          <a:fontRef idx="minor">
+            <a:schemeClr val="dk1"/>
+          </a:fontRef>
+        </p:style>
+        <p:txBody>
+          <a:bodyPr rtlCol="0" anchor="ctr"/>
+          <a:lstStyle/>
+          <a:p>
+            <a:pPr algn="ctr"/>
+            <a:r>
+              <a:rPr lang="ru-RU" dirty="0" smtClean="0"/>
+              <a:t>Бизнес-аналитик</a:t>
+            </a:r>
+            <a:endParaRPr lang="ru-RU" dirty="0"/>
+          </a:p>
+        </p:txBody>
+      </p:sp>
+      <p:sp>
+        <p:nvSpPr>
+          <p:cNvPr id="8" name="Скругленный прямоугольник 7"/>
+          <p:cNvSpPr/>
+          <p:nvPr/>
+        </p:nvSpPr>
+        <p:spPr>
+          <a:xfrm>
+            <a:off x="4214437" y="4257948"/>
+            <a:ext cx="1934307" cy="808892"/>
+          </a:xfrm>
+          <a:prstGeom prst="roundRect">
+            <a:avLst/>
+          </a:prstGeom>
+        </p:spPr>
+        <p:style>
+          <a:lnRef idx="2">
+            <a:schemeClr val="accent6"/>
+          </a:lnRef>
+          <a:fillRef idx="1">
+            <a:schemeClr val="lt1"/>
+          </a:fillRef>
+          <a:effectRef idx="0">
+            <a:schemeClr val="accent6"/>
+          </a:effectRef>
+          <a:fontRef idx="minor">
+            <a:schemeClr val="dk1"/>
+          </a:fontRef>
+        </p:style>
+        <p:txBody>
+          <a:bodyPr rtlCol="0" anchor="ctr"/>
+          <a:lstStyle/>
+          <a:p>
+            <a:pPr algn="ctr"/>
+            <a:r>
+              <a:rPr lang="ru-RU" dirty="0" smtClean="0"/>
+              <a:t>Разработчик</a:t>
+            </a:r>
+            <a:endParaRPr lang="ru-RU" dirty="0"/>
+          </a:p>
+        </p:txBody>
+      </p:sp>
+      <p:sp>
+        <p:nvSpPr>
+          <p:cNvPr id="9" name="Скругленный прямоугольник 8"/>
+          <p:cNvSpPr/>
+          <p:nvPr/>
+        </p:nvSpPr>
+        <p:spPr>
+          <a:xfrm>
+            <a:off x="5638791" y="5374800"/>
+            <a:ext cx="1934307" cy="808892"/>
+          </a:xfrm>
+          <a:prstGeom prst="roundRect">
+            <a:avLst/>
+          </a:prstGeom>
+        </p:spPr>
+        <p:style>
+          <a:lnRef idx="2">
+            <a:schemeClr val="accent6"/>
+          </a:lnRef>
+          <a:fillRef idx="1">
+            <a:schemeClr val="lt1"/>
+          </a:fillRef>
+          <a:effectRef idx="0">
+            <a:schemeClr val="accent6"/>
+          </a:effectRef>
+          <a:fontRef idx="minor">
+            <a:schemeClr val="dk1"/>
+          </a:fontRef>
+        </p:style>
+        <p:txBody>
+          <a:bodyPr rtlCol="0" anchor="ctr"/>
+          <a:lstStyle/>
+          <a:p>
+            <a:pPr algn="ctr"/>
+            <a:r>
+              <a:rPr lang="ru-RU" dirty="0" err="1" smtClean="0"/>
+              <a:t>Тестировщик</a:t>
+            </a:r>
+            <a:endParaRPr lang="ru-RU" dirty="0"/>
+          </a:p>
+        </p:txBody>
+      </p:sp>
+      <p:sp>
+        <p:nvSpPr>
+          <p:cNvPr id="10" name="Скругленный прямоугольник 9"/>
+          <p:cNvSpPr/>
+          <p:nvPr/>
+        </p:nvSpPr>
+        <p:spPr>
+          <a:xfrm>
+            <a:off x="9419493" y="3214627"/>
+            <a:ext cx="1934307" cy="808892"/>
+          </a:xfrm>
+          <a:prstGeom prst="roundRect">
+            <a:avLst/>
+          </a:prstGeom>
+        </p:spPr>
+        <p:style>
+          <a:lnRef idx="2">
+            <a:schemeClr val="accent6"/>
+          </a:lnRef>
+          <a:fillRef idx="1">
+            <a:schemeClr val="lt1"/>
+          </a:fillRef>
+          <a:effectRef idx="0">
+            <a:schemeClr val="accent6"/>
+          </a:effectRef>
+          <a:fontRef idx="minor">
+            <a:schemeClr val="dk1"/>
+          </a:fontRef>
+        </p:style>
+        <p:txBody>
+          <a:bodyPr rtlCol="0" anchor="ctr"/>
+          <a:lstStyle/>
+          <a:p>
+            <a:pPr algn="ctr"/>
+            <a:r>
+              <a:rPr lang="ru-RU" dirty="0" smtClean="0"/>
+              <a:t>Специалист по внедрению</a:t>
+            </a:r>
+            <a:endParaRPr lang="ru-RU" dirty="0"/>
+          </a:p>
+        </p:txBody>
+      </p:sp>
+      <p:sp>
+        <p:nvSpPr>
+          <p:cNvPr id="11" name="Скругленный прямоугольник 10"/>
+          <p:cNvSpPr/>
+          <p:nvPr/>
+        </p:nvSpPr>
+        <p:spPr>
+          <a:xfrm>
+            <a:off x="6795713" y="4237891"/>
+            <a:ext cx="1934307" cy="808892"/>
+          </a:xfrm>
+          <a:prstGeom prst="roundRect">
+            <a:avLst/>
+          </a:prstGeom>
+        </p:spPr>
+        <p:style>
+          <a:lnRef idx="2">
+            <a:schemeClr val="accent6"/>
+          </a:lnRef>
+          <a:fillRef idx="1">
+            <a:schemeClr val="lt1"/>
+          </a:fillRef>
+          <a:effectRef idx="0">
+            <a:schemeClr val="accent6"/>
+          </a:effectRef>
+          <a:fontRef idx="minor">
+            <a:schemeClr val="dk1"/>
+          </a:fontRef>
+        </p:style>
+        <p:txBody>
+          <a:bodyPr rtlCol="0" anchor="ctr"/>
+          <a:lstStyle/>
+          <a:p>
+            <a:pPr algn="ctr"/>
+            <a:r>
+              <a:rPr lang="ru-RU" dirty="0" smtClean="0"/>
+              <a:t>Дизайнер</a:t>
+            </a:r>
+            <a:endParaRPr lang="ru-RU" dirty="0"/>
+          </a:p>
+        </p:txBody>
+      </p:sp>
+      <p:cxnSp>
+        <p:nvCxnSpPr>
+          <p:cNvPr id="13" name="Прямая со стрелкой 12"/>
+          <p:cNvCxnSpPr>
+            <a:stCxn id="5" idx="2"/>
+            <a:endCxn id="6" idx="3"/>
+          </p:cNvCxnSpPr>
+          <p:nvPr/>
+        </p:nvCxnSpPr>
+        <p:spPr>
+          <a:xfrm flipH="1">
+            <a:off x="3100753" y="2466975"/>
+            <a:ext cx="2995247" cy="1152098"/>
+          </a:xfrm>
+          <a:prstGeom prst="straightConnector1">
+            <a:avLst/>
+          </a:prstGeom>
+          <a:ln>
+            <a:tailEnd type="triangle"/>
+          </a:ln>
+        </p:spPr>
+        <p:style>
+          <a:lnRef idx="1">
+            <a:schemeClr val="accent1"/>
+          </a:lnRef>
+          <a:fillRef idx="0">
+            <a:schemeClr val="accent1"/>
+          </a:fillRef>
+          <a:effectRef idx="0">
+            <a:schemeClr val="accent1"/>
+          </a:effectRef>
+          <a:fontRef idx="minor">
+            <a:schemeClr val="tx1"/>
+          </a:fontRef>
+        </p:style>
+      </p:cxnSp>
+      <p:cxnSp>
+        <p:nvCxnSpPr>
+          <p:cNvPr id="15" name="Прямая со стрелкой 14"/>
+          <p:cNvCxnSpPr>
+            <a:stCxn id="5" idx="2"/>
+            <a:endCxn id="7" idx="3"/>
+          </p:cNvCxnSpPr>
+          <p:nvPr/>
+        </p:nvCxnSpPr>
+        <p:spPr>
+          <a:xfrm flipH="1">
+            <a:off x="3100753" y="2466975"/>
+            <a:ext cx="2995247" cy="2175362"/>
+          </a:xfrm>
+          <a:prstGeom prst="straightConnector1">
+            <a:avLst/>
+          </a:prstGeom>
+          <a:ln>
+            <a:tailEnd type="triangle"/>
+          </a:ln>
+        </p:spPr>
+        <p:style>
+          <a:lnRef idx="1">
+            <a:schemeClr val="accent1"/>
+          </a:lnRef>
+          <a:fillRef idx="0">
+            <a:schemeClr val="accent1"/>
+          </a:fillRef>
+          <a:effectRef idx="0">
+            <a:schemeClr val="accent1"/>
+          </a:effectRef>
+          <a:fontRef idx="minor">
+            <a:schemeClr val="tx1"/>
+          </a:fontRef>
+        </p:style>
+      </p:cxnSp>
+      <p:cxnSp>
+        <p:nvCxnSpPr>
+          <p:cNvPr id="19" name="Прямая со стрелкой 18"/>
+          <p:cNvCxnSpPr>
+            <a:stCxn id="5" idx="2"/>
+            <a:endCxn id="8" idx="0"/>
+          </p:cNvCxnSpPr>
+          <p:nvPr/>
+        </p:nvCxnSpPr>
+        <p:spPr>
+          <a:xfrm flipH="1">
+            <a:off x="5181591" y="2466975"/>
+            <a:ext cx="914409" cy="1790973"/>
+          </a:xfrm>
+          <a:prstGeom prst="straightConnector1">
+            <a:avLst/>
+          </a:prstGeom>
+          <a:ln>
+            <a:tailEnd type="triangle"/>
+          </a:ln>
+        </p:spPr>
+        <p:style>
+          <a:lnRef idx="1">
+            <a:schemeClr val="accent1"/>
+          </a:lnRef>
+          <a:fillRef idx="0">
+            <a:schemeClr val="accent1"/>
+          </a:fillRef>
+          <a:effectRef idx="0">
+            <a:schemeClr val="accent1"/>
+          </a:effectRef>
+          <a:fontRef idx="minor">
+            <a:schemeClr val="tx1"/>
+          </a:fontRef>
+        </p:style>
+      </p:cxnSp>
+      <p:cxnSp>
+        <p:nvCxnSpPr>
+          <p:cNvPr id="21" name="Прямая со стрелкой 20"/>
+          <p:cNvCxnSpPr>
+            <a:stCxn id="5" idx="2"/>
+            <a:endCxn id="11" idx="0"/>
+          </p:cNvCxnSpPr>
+          <p:nvPr/>
+        </p:nvCxnSpPr>
+        <p:spPr>
+          <a:xfrm>
+            <a:off x="6096000" y="2466975"/>
+            <a:ext cx="1666867" cy="1770916"/>
+          </a:xfrm>
+          <a:prstGeom prst="straightConnector1">
+            <a:avLst/>
+          </a:prstGeom>
+          <a:ln>
+            <a:tailEnd type="triangle"/>
+          </a:ln>
+        </p:spPr>
+        <p:style>
+          <a:lnRef idx="1">
+            <a:schemeClr val="accent1"/>
+          </a:lnRef>
+          <a:fillRef idx="0">
+            <a:schemeClr val="accent1"/>
+          </a:fillRef>
+          <a:effectRef idx="0">
+            <a:schemeClr val="accent1"/>
+          </a:effectRef>
+          <a:fontRef idx="minor">
+            <a:schemeClr val="tx1"/>
+          </a:fontRef>
+        </p:style>
+      </p:cxnSp>
+      <p:cxnSp>
+        <p:nvCxnSpPr>
+          <p:cNvPr id="23" name="Прямая со стрелкой 22"/>
+          <p:cNvCxnSpPr>
+            <a:stCxn id="5" idx="2"/>
+            <a:endCxn id="9" idx="0"/>
+          </p:cNvCxnSpPr>
+          <p:nvPr/>
+        </p:nvCxnSpPr>
+        <p:spPr>
+          <a:xfrm>
+            <a:off x="6096000" y="2466975"/>
+            <a:ext cx="509945" cy="2907825"/>
+          </a:xfrm>
+          <a:prstGeom prst="straightConnector1">
+            <a:avLst/>
+          </a:prstGeom>
+          <a:ln>
+            <a:tailEnd type="triangle"/>
+          </a:ln>
+        </p:spPr>
+        <p:style>
+          <a:lnRef idx="1">
+            <a:schemeClr val="accent1"/>
+          </a:lnRef>
+          <a:fillRef idx="0">
+            <a:schemeClr val="accent1"/>
+          </a:fillRef>
+          <a:effectRef idx="0">
+            <a:schemeClr val="accent1"/>
+          </a:effectRef>
+          <a:fontRef idx="minor">
+            <a:schemeClr val="tx1"/>
+          </a:fontRef>
+        </p:style>
+      </p:cxnSp>
+      <p:cxnSp>
+        <p:nvCxnSpPr>
+          <p:cNvPr id="27" name="Прямая со стрелкой 26"/>
+          <p:cNvCxnSpPr>
+            <a:stCxn id="5" idx="2"/>
+            <a:endCxn id="10" idx="0"/>
+          </p:cNvCxnSpPr>
+          <p:nvPr/>
+        </p:nvCxnSpPr>
+        <p:spPr>
+          <a:xfrm>
+            <a:off x="6096000" y="2466975"/>
+            <a:ext cx="4290647" cy="747652"/>
+          </a:xfrm>
+          <a:prstGeom prst="straightConnector1">
+            <a:avLst/>
+          </a:prstGeom>
+          <a:ln>
+            <a:tailEnd type="triangle"/>
+          </a:ln>
+        </p:spPr>
+        <p:style>
+          <a:lnRef idx="1">
+            <a:schemeClr val="accent1"/>
+          </a:lnRef>
+          <a:fillRef idx="0">
+            <a:schemeClr val="accent1"/>
+          </a:fillRef>
+          <a:effectRef idx="0">
+            <a:schemeClr val="accent1"/>
+          </a:effectRef>
+          <a:fontRef idx="minor">
+            <a:schemeClr val="tx1"/>
+          </a:fontRef>
+        </p:style>
+      </p:cxnSp>
     </p:spTree>
     <p:extLst>
       <p:ext uri="{BB962C8B-B14F-4D97-AF65-F5344CB8AC3E}">
-        <p14:creationId xmlns:p14="http://schemas.microsoft.com/office/powerpoint/2010/main" val="3233881336"/>
+        <p14:creationId xmlns:p14="http://schemas.microsoft.com/office/powerpoint/2010/main" val="2082155543"/>
       </p:ext>
     </p:extLst>
   </p:cSld>
@@ -5699,39 +6335,9 @@
           <a:chExt cx="0" cy="0"/>
         </a:xfrm>
       </p:grpSpPr>
-      <p:sp>
-        <p:nvSpPr>
-          <p:cNvPr id="2" name="Заголовок 1"/>
-          <p:cNvSpPr>
-            <a:spLocks noGrp="1"/>
-          </p:cNvSpPr>
-          <p:nvPr>
-            <p:ph type="title"/>
-          </p:nvPr>
-        </p:nvSpPr>
-        <p:spPr>
-          <a:xfrm>
-            <a:off x="838200" y="174625"/>
-            <a:ext cx="10515600" cy="1325563"/>
-          </a:xfrm>
-        </p:spPr>
-        <p:txBody>
-          <a:bodyPr/>
-          <a:lstStyle/>
-          <a:p>
-            <a:r>
-              <a:rPr lang="ru-RU" dirty="0">
-                <a:latin typeface="Lato" panose="020F0502020204030203" pitchFamily="34" charset="0"/>
-                <a:cs typeface="Lato" panose="020F0502020204030203" pitchFamily="34" charset="0"/>
-              </a:rPr>
-              <a:t>Диаграмма классов фоновой службы</a:t>
-            </a:r>
-          </a:p>
-        </p:txBody>
-      </p:sp>
       <p:pic>
         <p:nvPicPr>
-          <p:cNvPr id="5" name="Рисунок 4" descr="SendingServiceClassDiagram"/>
+          <p:cNvPr id="4" name="Рисунок 3"/>
           <p:cNvPicPr/>
           <p:nvPr/>
         </p:nvPicPr>
@@ -5750,8 +6356,8 @@
         </p:blipFill>
         <p:spPr bwMode="auto">
           <a:xfrm>
-            <a:off x="838200" y="1500188"/>
-            <a:ext cx="10515600" cy="4822825"/>
+            <a:off x="3241766" y="866161"/>
+            <a:ext cx="5368834" cy="5546453"/>
           </a:xfrm>
           <a:prstGeom prst="rect">
             <a:avLst/>
@@ -5764,7 +6370,68 @@
       </p:pic>
       <p:sp>
         <p:nvSpPr>
-          <p:cNvPr id="3" name="Номер слайда 2"/>
+          <p:cNvPr id="5" name="Прямоугольник 4"/>
+          <p:cNvSpPr/>
+          <p:nvPr/>
+        </p:nvSpPr>
+        <p:spPr>
+          <a:xfrm>
+            <a:off x="466725" y="96720"/>
+            <a:ext cx="11068050" cy="769441"/>
+          </a:xfrm>
+          <a:prstGeom prst="rect">
+            <a:avLst/>
+          </a:prstGeom>
+        </p:spPr>
+        <p:txBody>
+          <a:bodyPr wrap="square">
+            <a:spAutoFit/>
+          </a:bodyPr>
+          <a:lstStyle/>
+          <a:p>
+            <a:pPr algn="ctr"/>
+            <a:r>
+              <a:rPr lang="ru-RU" sz="4400" dirty="0">
+                <a:latin typeface="Lato" panose="020F0502020204030203" pitchFamily="34" charset="0"/>
+                <a:cs typeface="Lato" panose="020F0502020204030203" pitchFamily="34" charset="0"/>
+              </a:rPr>
+              <a:t>Табличное </a:t>
+            </a:r>
+            <a:r>
+              <a:rPr lang="ru-RU" sz="4400" dirty="0" smtClean="0">
+                <a:latin typeface="Lato" panose="020F0502020204030203" pitchFamily="34" charset="0"/>
+                <a:cs typeface="Lato" panose="020F0502020204030203" pitchFamily="34" charset="0"/>
+              </a:rPr>
+              <a:t>представление</a:t>
+            </a:r>
+            <a:r>
+              <a:rPr lang="en-US" sz="4400" dirty="0" smtClean="0">
+                <a:latin typeface="Lato" panose="020F0502020204030203" pitchFamily="34" charset="0"/>
+                <a:cs typeface="Lato" panose="020F0502020204030203" pitchFamily="34" charset="0"/>
+              </a:rPr>
+              <a:t> </a:t>
+            </a:r>
+            <a:r>
+              <a:rPr lang="ru-RU" sz="4400" dirty="0" smtClean="0">
+                <a:latin typeface="Lato" panose="020F0502020204030203" pitchFamily="34" charset="0"/>
+                <a:cs typeface="Lato" panose="020F0502020204030203" pitchFamily="34" charset="0"/>
+              </a:rPr>
+              <a:t>диаграммы </a:t>
+            </a:r>
+            <a:r>
+              <a:rPr lang="ru-RU" sz="4400" dirty="0" err="1">
+                <a:latin typeface="Lato" panose="020F0502020204030203" pitchFamily="34" charset="0"/>
+                <a:cs typeface="Lato" panose="020F0502020204030203" pitchFamily="34" charset="0"/>
+              </a:rPr>
+              <a:t>Ганта</a:t>
+            </a:r>
+            <a:endParaRPr lang="ru-RU" sz="4400" dirty="0"/>
+          </a:p>
+        </p:txBody>
+      </p:sp>
+      <p:sp>
+        <p:nvSpPr>
+          <p:cNvPr id="2" name="Номер слайда 1"/>
           <p:cNvSpPr>
             <a:spLocks noGrp="1"/>
           </p:cNvSpPr>
@@ -5800,7 +6467,7 @@
     </p:spTree>
     <p:extLst>
       <p:ext uri="{BB962C8B-B14F-4D97-AF65-F5344CB8AC3E}">
-        <p14:creationId xmlns:p14="http://schemas.microsoft.com/office/powerpoint/2010/main" val="2633015450"/>
+        <p14:creationId xmlns:p14="http://schemas.microsoft.com/office/powerpoint/2010/main" val="3161935870"/>
       </p:ext>
     </p:extLst>
   </p:cSld>
@@ -5834,41 +6501,31 @@
           <a:chExt cx="0" cy="0"/>
         </a:xfrm>
       </p:grpSpPr>
-      <p:sp>
-        <p:nvSpPr>
-          <p:cNvPr id="2" name="Заголовок 1"/>
-          <p:cNvSpPr>
-            <a:spLocks noGrp="1"/>
-          </p:cNvSpPr>
-          <p:nvPr>
-            <p:ph type="title"/>
-          </p:nvPr>
-        </p:nvSpPr>
+      <p:pic>
+        <p:nvPicPr>
+          <p:cNvPr id="5" name="Рисунок 4"/>
+          <p:cNvPicPr/>
+          <p:nvPr/>
+        </p:nvPicPr>
+        <p:blipFill>
+          <a:blip r:embed="rId3"/>
+          <a:stretch>
+            <a:fillRect/>
+          </a:stretch>
+        </p:blipFill>
         <p:spPr>
           <a:xfrm>
-            <a:off x="762000" y="318769"/>
-            <a:ext cx="10515600" cy="1325563"/>
-          </a:xfrm>
-        </p:spPr>
-        <p:txBody>
-          <a:bodyPr/>
-          <a:lstStyle/>
-          <a:p>
-            <a:r>
-              <a:rPr lang="ru-RU" dirty="0" smtClean="0">
-                <a:latin typeface="Lato"/>
-              </a:rPr>
-              <a:t>Балансировка нагрузки</a:t>
-            </a:r>
-            <a:endParaRPr lang="ru-RU" dirty="0">
-              <a:latin typeface="Lato"/>
-            </a:endParaRPr>
-          </a:p>
-        </p:txBody>
-      </p:sp>
-      <p:sp>
-        <p:nvSpPr>
-          <p:cNvPr id="4" name="Номер слайда 3"/>
+            <a:off x="330200" y="-18557"/>
+            <a:ext cx="11500565" cy="6876557"/>
+          </a:xfrm>
+          <a:prstGeom prst="rect">
+            <a:avLst/>
+          </a:prstGeom>
+        </p:spPr>
+      </p:pic>
+      <p:sp>
+        <p:nvSpPr>
+          <p:cNvPr id="2" name="Номер слайда 1"/>
           <p:cNvSpPr>
             <a:spLocks noGrp="1"/>
           </p:cNvSpPr>
@@ -5886,6 +6543,8 @@
                 <a:solidFill>
                   <a:schemeClr val="tx1"/>
                 </a:solidFill>
+                <a:latin typeface="Lato" panose="020F0502020204030203" pitchFamily="34" charset="0"/>
+                <a:cs typeface="Lato" panose="020F0502020204030203" pitchFamily="34" charset="0"/>
               </a:rPr>
               <a:t>16</a:t>
             </a:fld>
@@ -5893,96 +6552,16 @@
               <a:solidFill>
                 <a:schemeClr val="tx1"/>
               </a:solidFill>
+              <a:latin typeface="Lato" panose="020F0502020204030203" pitchFamily="34" charset="0"/>
+              <a:cs typeface="Lato" panose="020F0502020204030203" pitchFamily="34" charset="0"/>
             </a:endParaRPr>
-          </a:p>
-        </p:txBody>
-      </p:sp>
-      <p:pic>
-        <p:nvPicPr>
-          <p:cNvPr id="6" name="Рисунок 5" descr="D:\Eugene\Дипломная работа\MessageDeliveryService\Балансировка нагрузки\Схема взаимодействия серверов.png"/>
-          <p:cNvPicPr/>
-          <p:nvPr/>
-        </p:nvPicPr>
-        <p:blipFill>
-          <a:blip r:embed="rId3">
-            <a:extLst>
-              <a:ext uri="{28A0092B-C50C-407E-A947-70E740481C1C}">
-                <a14:useLocalDpi xmlns:a14="http://schemas.microsoft.com/office/drawing/2010/main" val="0"/>
-              </a:ext>
-            </a:extLst>
-          </a:blip>
-          <a:srcRect/>
-          <a:stretch>
-            <a:fillRect/>
-          </a:stretch>
-        </p:blipFill>
-        <p:spPr bwMode="auto">
-          <a:xfrm>
-            <a:off x="4800601" y="3371850"/>
-            <a:ext cx="6553200" cy="2946718"/>
-          </a:xfrm>
-          <a:prstGeom prst="rect">
-            <a:avLst/>
-          </a:prstGeom>
-          <a:noFill/>
-          <a:ln>
-            <a:noFill/>
-          </a:ln>
-        </p:spPr>
-      </p:pic>
-      <p:sp>
-        <p:nvSpPr>
-          <p:cNvPr id="7" name="Объект 6"/>
-          <p:cNvSpPr>
-            <a:spLocks noGrp="1"/>
-          </p:cNvSpPr>
-          <p:nvPr>
-            <p:ph idx="1"/>
-          </p:nvPr>
-        </p:nvSpPr>
-        <p:spPr>
-          <a:xfrm>
-            <a:off x="838200" y="1644332"/>
-            <a:ext cx="10515600" cy="4351338"/>
-          </a:xfrm>
-        </p:spPr>
-        <p:txBody>
-          <a:bodyPr/>
-          <a:lstStyle/>
-          <a:p>
-            <a:pPr marL="0" indent="0">
-              <a:buNone/>
-            </a:pPr>
-            <a:r>
-              <a:rPr lang="ru-RU" dirty="0" smtClean="0"/>
-              <a:t>Виды балансировки:</a:t>
-            </a:r>
-          </a:p>
-          <a:p>
-            <a:r>
-              <a:rPr lang="en-US" dirty="0" smtClean="0"/>
-              <a:t>Round Robin;</a:t>
-            </a:r>
-          </a:p>
-          <a:p>
-            <a:r>
-              <a:rPr lang="en-US" dirty="0" smtClean="0"/>
-              <a:t>Weighted Round Robin;</a:t>
-            </a:r>
-          </a:p>
-          <a:p>
-            <a:r>
-              <a:rPr lang="en-US" dirty="0" smtClean="0"/>
-              <a:t>Least Connections.</a:t>
-            </a:r>
-            <a:endParaRPr lang="ru-RU" dirty="0"/>
           </a:p>
         </p:txBody>
       </p:sp>
     </p:spTree>
     <p:extLst>
       <p:ext uri="{BB962C8B-B14F-4D97-AF65-F5344CB8AC3E}">
-        <p14:creationId xmlns:p14="http://schemas.microsoft.com/office/powerpoint/2010/main" val="1366097730"/>
+        <p14:creationId xmlns:p14="http://schemas.microsoft.com/office/powerpoint/2010/main" val="3267729470"/>
       </p:ext>
     </p:extLst>
   </p:cSld>
@@ -6058,13 +6637,13 @@
         </p:nvSpPr>
         <p:spPr>
           <a:xfrm>
-            <a:off x="838200" y="1825625"/>
-            <a:ext cx="5257800" cy="4351338"/>
+            <a:off x="838200" y="1544637"/>
+            <a:ext cx="5835316" cy="4765258"/>
           </a:xfrm>
         </p:spPr>
         <p:txBody>
           <a:bodyPr>
-            <a:normAutofit/>
+            <a:normAutofit fontScale="92500" lnSpcReduction="10000"/>
           </a:bodyPr>
           <a:lstStyle/>
           <a:p>
@@ -6079,19 +6658,50 @@
           </a:p>
           <a:p>
             <a:pPr algn="just"/>
+            <a:endParaRPr lang="en-US" sz="3600" dirty="0" smtClean="0">
+              <a:latin typeface="Lato" panose="020F0502020204030203" pitchFamily="34" charset="0"/>
+              <a:cs typeface="Lato" panose="020F0502020204030203" pitchFamily="34" charset="0"/>
+            </a:endParaRPr>
+          </a:p>
+          <a:p>
+            <a:pPr algn="just"/>
+            <a:r>
+              <a:rPr lang="ru-RU" sz="3600" dirty="0" smtClean="0">
+                <a:latin typeface="Lato" panose="020F0502020204030203" pitchFamily="34" charset="0"/>
+                <a:cs typeface="Lato" panose="020F0502020204030203" pitchFamily="34" charset="0"/>
+              </a:rPr>
+              <a:t>Программный </a:t>
+            </a:r>
             <a:r>
               <a:rPr lang="ru-RU" sz="3600" dirty="0">
                 <a:latin typeface="Lato" panose="020F0502020204030203" pitchFamily="34" charset="0"/>
                 <a:cs typeface="Lato" panose="020F0502020204030203" pitchFamily="34" charset="0"/>
               </a:rPr>
-              <a:t>Программный комплекс внедрен в </a:t>
-            </a:r>
-            <a:r>
-              <a:rPr lang="ru-RU" sz="3600" dirty="0" err="1">
+              <a:t>комплекс внедрен в </a:t>
+            </a:r>
+            <a:r>
+              <a:rPr lang="ru-RU" sz="3600" dirty="0" smtClean="0">
                 <a:latin typeface="Lato" panose="020F0502020204030203" pitchFamily="34" charset="0"/>
                 <a:cs typeface="Lato" panose="020F0502020204030203" pitchFamily="34" charset="0"/>
               </a:rPr>
               <a:t>ПланФакт</a:t>
+            </a:r>
+          </a:p>
+          <a:p>
+            <a:pPr algn="just"/>
+            <a:endParaRPr lang="ru-RU" sz="3600" dirty="0">
+              <a:latin typeface="Lato" panose="020F0502020204030203" pitchFamily="34" charset="0"/>
+              <a:cs typeface="Lato" panose="020F0502020204030203" pitchFamily="34" charset="0"/>
+            </a:endParaRPr>
+          </a:p>
+          <a:p>
+            <a:pPr algn="just"/>
+            <a:r>
+              <a:rPr lang="ru-RU" sz="3600" dirty="0" smtClean="0">
+                <a:latin typeface="Lato" panose="020F0502020204030203" pitchFamily="34" charset="0"/>
+                <a:cs typeface="Lato" panose="020F0502020204030203" pitchFamily="34" charset="0"/>
+              </a:rPr>
+              <a:t>Материалы опубликованы в научной электронной библиотеке (РИНЦ)</a:t>
             </a:r>
             <a:endParaRPr lang="ru-RU" sz="3600" dirty="0">
               <a:latin typeface="Lato" panose="020F0502020204030203" pitchFamily="34" charset="0"/>
@@ -6137,28 +6747,22 @@
       </p:sp>
       <p:pic>
         <p:nvPicPr>
-          <p:cNvPr id="5" name="Рисунок 4"/>
+          <p:cNvPr id="6" name="Рисунок 5"/>
           <p:cNvPicPr>
             <a:picLocks noChangeAspect="1"/>
           </p:cNvPicPr>
           <p:nvPr/>
         </p:nvPicPr>
         <p:blipFill>
-          <a:blip r:embed="rId2" cstate="print">
-            <a:extLst>
-              <a:ext uri="{28A0092B-C50C-407E-A947-70E740481C1C}">
-                <a14:useLocalDpi xmlns:a14="http://schemas.microsoft.com/office/drawing/2010/main" val="0"/>
-              </a:ext>
-            </a:extLst>
-          </a:blip>
+          <a:blip r:embed="rId2"/>
           <a:stretch>
             <a:fillRect/>
           </a:stretch>
         </p:blipFill>
         <p:spPr>
           <a:xfrm>
-            <a:off x="7067550" y="219074"/>
-            <a:ext cx="4286250" cy="6061241"/>
+            <a:off x="7117501" y="571500"/>
+            <a:ext cx="3970066" cy="5605463"/>
           </a:xfrm>
           <a:prstGeom prst="rect">
             <a:avLst/>
@@ -6246,7 +6850,7 @@
         </p:nvSpPr>
         <p:spPr>
           <a:xfrm>
-            <a:off x="4562475" y="1265871"/>
+            <a:off x="4819650" y="1460501"/>
             <a:ext cx="6334125" cy="4351338"/>
           </a:xfrm>
         </p:spPr>
@@ -6254,13 +6858,15 @@
           <a:bodyPr/>
           <a:lstStyle/>
           <a:p>
-            <a:r>
-              <a:rPr lang="ru-RU" dirty="0"/>
-              <a:t>З</a:t>
-            </a:r>
+            <a:endParaRPr lang="ru-RU" dirty="0" smtClean="0"/>
+          </a:p>
+          <a:p>
+            <a:endParaRPr lang="ru-RU" dirty="0"/>
+          </a:p>
+          <a:p>
             <a:r>
               <a:rPr lang="ru-RU" dirty="0" smtClean="0"/>
-              <a:t>адание </a:t>
+              <a:t>Задание </a:t>
             </a:r>
             <a:r>
               <a:rPr lang="ru-RU" dirty="0"/>
@@ -6280,13 +6886,16 @@
             </a:r>
             <a:r>
               <a:rPr lang="ru-RU" dirty="0" smtClean="0"/>
-              <a:t>А.О;</a:t>
-            </a:r>
+              <a:t>А.О</a:t>
+            </a:r>
+          </a:p>
+          <a:p>
+            <a:endParaRPr lang="ru-RU" dirty="0" smtClean="0"/>
           </a:p>
           <a:p>
             <a:r>
               <a:rPr lang="ru-RU" dirty="0" smtClean="0"/>
-              <a:t>заявка </a:t>
+              <a:t>Заявка </a:t>
             </a:r>
             <a:r>
               <a:rPr lang="ru-RU" dirty="0"/>
@@ -6294,7 +6903,7 @@
             </a:r>
             <a:r>
               <a:rPr lang="ru-RU" dirty="0" smtClean="0"/>
-              <a:t>внедрение.</a:t>
+              <a:t>разработку</a:t>
             </a:r>
             <a:endParaRPr lang="ru-RU" dirty="0"/>
           </a:p>
@@ -6333,28 +6942,22 @@
       </p:sp>
       <p:pic>
         <p:nvPicPr>
-          <p:cNvPr id="5" name="Рисунок 4"/>
+          <p:cNvPr id="6" name="Рисунок 5"/>
           <p:cNvPicPr>
             <a:picLocks noChangeAspect="1"/>
           </p:cNvPicPr>
           <p:nvPr/>
         </p:nvPicPr>
         <p:blipFill>
-          <a:blip r:embed="rId2" cstate="print">
-            <a:extLst>
-              <a:ext uri="{28A0092B-C50C-407E-A947-70E740481C1C}">
-                <a14:useLocalDpi xmlns:a14="http://schemas.microsoft.com/office/drawing/2010/main" val="0"/>
-              </a:ext>
-            </a:extLst>
-          </a:blip>
+          <a:blip r:embed="rId2"/>
           <a:stretch>
             <a:fillRect/>
           </a:stretch>
         </p:blipFill>
         <p:spPr>
           <a:xfrm>
-            <a:off x="638175" y="1170621"/>
-            <a:ext cx="3667125" cy="5185729"/>
+            <a:off x="638175" y="1193855"/>
+            <a:ext cx="3834212" cy="5429142"/>
           </a:xfrm>
           <a:prstGeom prst="rect">
             <a:avLst/>
@@ -6403,8 +7006,8 @@
         </p:nvSpPr>
         <p:spPr>
           <a:xfrm>
-            <a:off x="626559" y="1223614"/>
-            <a:ext cx="8896815" cy="5132736"/>
+            <a:off x="626558" y="1683989"/>
+            <a:ext cx="8896815" cy="4672361"/>
           </a:xfrm>
         </p:spPr>
         <p:txBody>
@@ -6414,12 +7017,19 @@
             <a:pPr marL="0" indent="0" algn="just">
               <a:buNone/>
             </a:pPr>
+            <a:r>
+              <a:rPr lang="ru-RU" b="1" dirty="0" smtClean="0">
+                <a:latin typeface="Lato" panose="020F0502020204030203" pitchFamily="34" charset="0"/>
+                <a:cs typeface="Lato" panose="020F0502020204030203" pitchFamily="34" charset="0"/>
+              </a:rPr>
+              <a:t>Цель</a:t>
+            </a:r>
             <a:r>
               <a:rPr lang="ru-RU" b="1" dirty="0">
                 <a:latin typeface="Lato" panose="020F0502020204030203" pitchFamily="34" charset="0"/>
                 <a:cs typeface="Lato" panose="020F0502020204030203" pitchFamily="34" charset="0"/>
               </a:rPr>
-              <a:t>Цель:</a:t>
+              <a:t>:</a:t>
             </a:r>
             <a:r>
               <a:rPr lang="ru-RU" dirty="0">
@@ -6463,7 +7073,21 @@
                 <a:latin typeface="Lato" panose="020F0502020204030203" pitchFamily="34" charset="0"/>
                 <a:cs typeface="Lato" panose="020F0502020204030203" pitchFamily="34" charset="0"/>
               </a:rPr>
-              <a:t> процесс рассылки электронных сообщений</a:t>
+              <a:t> </a:t>
+            </a:r>
+            <a:r>
+              <a:rPr lang="ru-RU" dirty="0" smtClean="0">
+                <a:latin typeface="Lato" panose="020F0502020204030203" pitchFamily="34" charset="0"/>
+                <a:cs typeface="Lato" panose="020F0502020204030203" pitchFamily="34" charset="0"/>
+              </a:rPr>
+              <a:t>процессы отправки и доставки </a:t>
+            </a:r>
+            <a:r>
+              <a:rPr lang="ru-RU" dirty="0">
+                <a:latin typeface="Lato" panose="020F0502020204030203" pitchFamily="34" charset="0"/>
+                <a:cs typeface="Lato" panose="020F0502020204030203" pitchFamily="34" charset="0"/>
+              </a:rPr>
+              <a:t>электронных сообщений</a:t>
             </a:r>
             <a:endParaRPr lang="ru-RU" dirty="0"/>
           </a:p>
@@ -6491,7 +7115,7 @@
         </p:blipFill>
         <p:spPr>
           <a:xfrm>
-            <a:off x="9776445" y="966981"/>
+            <a:off x="9776443" y="1424181"/>
             <a:ext cx="1843125" cy="1843125"/>
           </a:xfrm>
           <a:prstGeom prst="rect">
@@ -6521,7 +7145,7 @@
         </p:blipFill>
         <p:spPr>
           <a:xfrm>
-            <a:off x="9776444" y="3925078"/>
+            <a:off x="9776443" y="4153678"/>
             <a:ext cx="1843125" cy="1316299"/>
           </a:xfrm>
           <a:prstGeom prst="rect">
@@ -6572,7 +7196,7 @@
         </p:nvSpPr>
         <p:spPr>
           <a:xfrm>
-            <a:off x="626558" y="197540"/>
+            <a:off x="626558" y="549423"/>
             <a:ext cx="7984041" cy="769441"/>
           </a:xfrm>
           <a:prstGeom prst="rect">
@@ -6684,7 +7308,9 @@
           </a:xfrm>
         </p:spPr>
         <p:txBody>
-          <a:bodyPr/>
+          <a:bodyPr>
+            <a:normAutofit lnSpcReduction="10000"/>
+          </a:bodyPr>
           <a:lstStyle/>
           <a:p>
             <a:pPr marL="514350" lvl="0" indent="-514350">
@@ -6712,9 +7338,10 @@
               <a:buAutoNum type="arabicParenR"/>
             </a:pPr>
             <a:r>
-              <a:rPr lang="ru-RU" dirty="0"/>
-              <a:t>разработка и анализ требований;</a:t>
-            </a:r>
+              <a:rPr lang="ru-RU" dirty="0" smtClean="0"/>
+              <a:t>анализ требований и разработка ТЗ;</a:t>
+            </a:r>
+            <a:endParaRPr lang="ru-RU" dirty="0"/>
           </a:p>
           <a:p>
             <a:pPr marL="514350" lvl="0" indent="-514350">
@@ -6759,7 +7386,23 @@
             </a:pPr>
             <a:r>
               <a:rPr lang="ru-RU" dirty="0"/>
-              <a:t>тестирование разработанного программного комплекса;</a:t>
+              <a:t>тестирование </a:t>
+            </a:r>
+            <a:r>
+              <a:rPr lang="ru-RU" dirty="0" smtClean="0"/>
+              <a:t>и </a:t>
+            </a:r>
+            <a:r>
+              <a:rPr lang="ru-RU" dirty="0" err="1" smtClean="0"/>
+              <a:t>отладкаразработанного</a:t>
+            </a:r>
+            <a:r>
+              <a:rPr lang="ru-RU" dirty="0" smtClean="0"/>
+              <a:t> </a:t>
+            </a:r>
+            <a:r>
+              <a:rPr lang="ru-RU" dirty="0"/>
+              <a:t>программного комплекса;</a:t>
             </a:r>
           </a:p>
           <a:p>
@@ -7570,35 +8213,26 @@
       </p:sp>
       <p:pic>
         <p:nvPicPr>
-          <p:cNvPr id="6" name="Рисунок 5"/>
-          <p:cNvPicPr/>
+          <p:cNvPr id="5" name="Рисунок 4"/>
+          <p:cNvPicPr>
+            <a:picLocks noChangeAspect="1"/>
+          </p:cNvPicPr>
           <p:nvPr/>
         </p:nvPicPr>
         <p:blipFill>
-          <a:blip r:embed="rId3">
-            <a:extLst>
-              <a:ext uri="{28A0092B-C50C-407E-A947-70E740481C1C}">
-                <a14:useLocalDpi xmlns:a14="http://schemas.microsoft.com/office/drawing/2010/main" val="0"/>
-              </a:ext>
-            </a:extLst>
-          </a:blip>
-          <a:srcRect/>
+          <a:blip r:embed="rId3"/>
           <a:stretch>
             <a:fillRect/>
           </a:stretch>
         </p:blipFill>
-        <p:spPr bwMode="auto">
+        <p:spPr>
           <a:xfrm>
-            <a:off x="1423851" y="1095602"/>
-            <a:ext cx="9353005" cy="5422764"/>
+            <a:off x="1775809" y="1050185"/>
+            <a:ext cx="8640381" cy="5306165"/>
           </a:xfrm>
           <a:prstGeom prst="rect">
             <a:avLst/>
           </a:prstGeom>
-          <a:noFill/>
-          <a:ln>
-            <a:noFill/>
-          </a:ln>
         </p:spPr>
       </p:pic>
     </p:spTree>
@@ -7638,40 +8272,31 @@
           <a:chExt cx="0" cy="0"/>
         </a:xfrm>
       </p:grpSpPr>
-      <p:sp>
-        <p:nvSpPr>
-          <p:cNvPr id="2" name="Заголовок 1"/>
-          <p:cNvSpPr>
-            <a:spLocks noGrp="1"/>
-          </p:cNvSpPr>
-          <p:nvPr>
-            <p:ph type="title"/>
-          </p:nvPr>
-        </p:nvSpPr>
+      <p:pic>
+        <p:nvPicPr>
+          <p:cNvPr id="4" name="Рисунок 3"/>
+          <p:cNvPicPr/>
+          <p:nvPr/>
+        </p:nvPicPr>
+        <p:blipFill>
+          <a:blip r:embed="rId3"/>
+          <a:stretch>
+            <a:fillRect/>
+          </a:stretch>
+        </p:blipFill>
         <p:spPr>
           <a:xfrm>
-            <a:off x="842587" y="233332"/>
-            <a:ext cx="10515600" cy="1325563"/>
-          </a:xfrm>
-        </p:spPr>
-        <p:txBody>
-          <a:bodyPr/>
-          <a:lstStyle/>
-          <a:p>
-            <a:pPr algn="ctr"/>
-            <a:r>
-              <a:rPr lang="ru-RU" dirty="0">
-                <a:latin typeface="Lato" panose="020F0502020204030203" pitchFamily="34" charset="0"/>
-                <a:cs typeface="Lato" panose="020F0502020204030203" pitchFamily="34" charset="0"/>
-              </a:rPr>
-              <a:t>Организационная структура проекта</a:t>
-            </a:r>
-          </a:p>
-        </p:txBody>
-      </p:sp>
-      <p:sp>
-        <p:nvSpPr>
-          <p:cNvPr id="3" name="Номер слайда 2"/>
+            <a:off x="496390" y="766741"/>
+            <a:ext cx="11129554" cy="5589609"/>
+          </a:xfrm>
+          <a:prstGeom prst="rect">
+            <a:avLst/>
+          </a:prstGeom>
+        </p:spPr>
+      </p:pic>
+      <p:sp>
+        <p:nvSpPr>
+          <p:cNvPr id="2" name="Номер слайда 1"/>
           <p:cNvSpPr>
             <a:spLocks noGrp="1"/>
           </p:cNvSpPr>
@@ -7706,518 +8331,40 @@
       </p:sp>
       <p:sp>
         <p:nvSpPr>
-          <p:cNvPr id="5" name="Скругленный прямоугольник 4"/>
+          <p:cNvPr id="3" name="Прямоугольник 2"/>
           <p:cNvSpPr/>
           <p:nvPr/>
         </p:nvSpPr>
         <p:spPr>
           <a:xfrm>
-            <a:off x="4882661" y="1634637"/>
-            <a:ext cx="2426677" cy="832338"/>
-          </a:xfrm>
-          <a:prstGeom prst="roundRect">
+            <a:off x="4044428" y="-2700"/>
+            <a:ext cx="4033478" cy="769441"/>
+          </a:xfrm>
+          <a:prstGeom prst="rect">
             <a:avLst/>
           </a:prstGeom>
         </p:spPr>
-        <p:style>
-          <a:lnRef idx="2">
-            <a:schemeClr val="accent6"/>
-          </a:lnRef>
-          <a:fillRef idx="1">
-            <a:schemeClr val="lt1"/>
-          </a:fillRef>
-          <a:effectRef idx="0">
-            <a:schemeClr val="accent6"/>
-          </a:effectRef>
-          <a:fontRef idx="minor">
-            <a:schemeClr val="dk1"/>
-          </a:fontRef>
-        </p:style>
-        <p:txBody>
-          <a:bodyPr rtlCol="0" anchor="ctr"/>
-          <a:lstStyle/>
-          <a:p>
-            <a:pPr algn="ctr"/>
-            <a:r>
-              <a:rPr lang="ru-RU" dirty="0" smtClean="0"/>
-              <a:t>Менеджер проекта</a:t>
-            </a:r>
-            <a:endParaRPr lang="ru-RU" dirty="0"/>
-          </a:p>
-        </p:txBody>
-      </p:sp>
-      <p:sp>
-        <p:nvSpPr>
-          <p:cNvPr id="6" name="Скругленный прямоугольник 5"/>
-          <p:cNvSpPr/>
-          <p:nvPr/>
-        </p:nvSpPr>
-        <p:spPr>
-          <a:xfrm>
-            <a:off x="1166446" y="3214627"/>
-            <a:ext cx="1934307" cy="808892"/>
-          </a:xfrm>
-          <a:prstGeom prst="roundRect">
-            <a:avLst/>
-          </a:prstGeom>
-        </p:spPr>
-        <p:style>
-          <a:lnRef idx="2">
-            <a:schemeClr val="accent6"/>
-          </a:lnRef>
-          <a:fillRef idx="1">
-            <a:schemeClr val="lt1"/>
-          </a:fillRef>
-          <a:effectRef idx="0">
-            <a:schemeClr val="accent6"/>
-          </a:effectRef>
-          <a:fontRef idx="minor">
-            <a:schemeClr val="dk1"/>
-          </a:fontRef>
-        </p:style>
-        <p:txBody>
-          <a:bodyPr rtlCol="0" anchor="ctr"/>
-          <a:lstStyle/>
-          <a:p>
-            <a:pPr algn="ctr"/>
-            <a:r>
-              <a:rPr lang="ru-RU" dirty="0" smtClean="0"/>
-              <a:t>Системный аналитик</a:t>
-            </a:r>
-            <a:endParaRPr lang="ru-RU" dirty="0"/>
-          </a:p>
-        </p:txBody>
-      </p:sp>
-      <p:sp>
-        <p:nvSpPr>
-          <p:cNvPr id="7" name="Скругленный прямоугольник 6"/>
-          <p:cNvSpPr/>
-          <p:nvPr/>
-        </p:nvSpPr>
-        <p:spPr>
-          <a:xfrm>
-            <a:off x="1166446" y="4237891"/>
-            <a:ext cx="1934307" cy="808892"/>
-          </a:xfrm>
-          <a:prstGeom prst="roundRect">
-            <a:avLst/>
-          </a:prstGeom>
-        </p:spPr>
-        <p:style>
-          <a:lnRef idx="2">
-            <a:schemeClr val="accent6"/>
-          </a:lnRef>
-          <a:fillRef idx="1">
-            <a:schemeClr val="lt1"/>
-          </a:fillRef>
-          <a:effectRef idx="0">
-            <a:schemeClr val="accent6"/>
-          </a:effectRef>
-          <a:fontRef idx="minor">
-            <a:schemeClr val="dk1"/>
-          </a:fontRef>
-        </p:style>
-        <p:txBody>
-          <a:bodyPr rtlCol="0" anchor="ctr"/>
-          <a:lstStyle/>
-          <a:p>
-            <a:pPr algn="ctr"/>
-            <a:r>
-              <a:rPr lang="ru-RU" dirty="0" smtClean="0"/>
-              <a:t>Бизнес-аналитик</a:t>
-            </a:r>
-            <a:endParaRPr lang="ru-RU" dirty="0"/>
-          </a:p>
-        </p:txBody>
-      </p:sp>
-      <p:sp>
-        <p:nvSpPr>
-          <p:cNvPr id="8" name="Скругленный прямоугольник 7"/>
-          <p:cNvSpPr/>
-          <p:nvPr/>
-        </p:nvSpPr>
-        <p:spPr>
-          <a:xfrm>
-            <a:off x="4214437" y="4257948"/>
-            <a:ext cx="1934307" cy="808892"/>
-          </a:xfrm>
-          <a:prstGeom prst="roundRect">
-            <a:avLst/>
-          </a:prstGeom>
-        </p:spPr>
-        <p:style>
-          <a:lnRef idx="2">
-            <a:schemeClr val="accent6"/>
-          </a:lnRef>
-          <a:fillRef idx="1">
-            <a:schemeClr val="lt1"/>
-          </a:fillRef>
-          <a:effectRef idx="0">
-            <a:schemeClr val="accent6"/>
-          </a:effectRef>
-          <a:fontRef idx="minor">
-            <a:schemeClr val="dk1"/>
-          </a:fontRef>
-        </p:style>
-        <p:txBody>
-          <a:bodyPr rtlCol="0" anchor="ctr"/>
-          <a:lstStyle/>
-          <a:p>
-            <a:pPr algn="ctr"/>
-            <a:r>
-              <a:rPr lang="ru-RU" dirty="0" smtClean="0"/>
-              <a:t>Разработчик</a:t>
-            </a:r>
-            <a:endParaRPr lang="ru-RU" dirty="0"/>
-          </a:p>
-        </p:txBody>
-      </p:sp>
-      <p:sp>
-        <p:nvSpPr>
-          <p:cNvPr id="9" name="Скругленный прямоугольник 8"/>
-          <p:cNvSpPr/>
-          <p:nvPr/>
-        </p:nvSpPr>
-        <p:spPr>
-          <a:xfrm>
-            <a:off x="5638791" y="5374800"/>
-            <a:ext cx="1934307" cy="808892"/>
-          </a:xfrm>
-          <a:prstGeom prst="roundRect">
-            <a:avLst/>
-          </a:prstGeom>
-        </p:spPr>
-        <p:style>
-          <a:lnRef idx="2">
-            <a:schemeClr val="accent6"/>
-          </a:lnRef>
-          <a:fillRef idx="1">
-            <a:schemeClr val="lt1"/>
-          </a:fillRef>
-          <a:effectRef idx="0">
-            <a:schemeClr val="accent6"/>
-          </a:effectRef>
-          <a:fontRef idx="minor">
-            <a:schemeClr val="dk1"/>
-          </a:fontRef>
-        </p:style>
-        <p:txBody>
-          <a:bodyPr rtlCol="0" anchor="ctr"/>
-          <a:lstStyle/>
-          <a:p>
-            <a:pPr algn="ctr"/>
-            <a:r>
-              <a:rPr lang="ru-RU" dirty="0" err="1" smtClean="0"/>
-              <a:t>Тестировщик</a:t>
-            </a:r>
-            <a:endParaRPr lang="ru-RU" dirty="0"/>
-          </a:p>
-        </p:txBody>
-      </p:sp>
-      <p:sp>
-        <p:nvSpPr>
-          <p:cNvPr id="10" name="Скругленный прямоугольник 9"/>
-          <p:cNvSpPr/>
-          <p:nvPr/>
-        </p:nvSpPr>
-        <p:spPr>
-          <a:xfrm>
-            <a:off x="9419493" y="3214627"/>
-            <a:ext cx="1934307" cy="808892"/>
-          </a:xfrm>
-          <a:prstGeom prst="roundRect">
-            <a:avLst/>
-          </a:prstGeom>
-        </p:spPr>
-        <p:style>
-          <a:lnRef idx="2">
-            <a:schemeClr val="accent6"/>
-          </a:lnRef>
-          <a:fillRef idx="1">
-            <a:schemeClr val="lt1"/>
-          </a:fillRef>
-          <a:effectRef idx="0">
-            <a:schemeClr val="accent6"/>
-          </a:effectRef>
-          <a:fontRef idx="minor">
-            <a:schemeClr val="dk1"/>
-          </a:fontRef>
-        </p:style>
-        <p:txBody>
-          <a:bodyPr rtlCol="0" anchor="ctr"/>
-          <a:lstStyle/>
-          <a:p>
-            <a:pPr algn="ctr"/>
-            <a:r>
-              <a:rPr lang="ru-RU" dirty="0" smtClean="0"/>
-              <a:t>Специалист по внедрению</a:t>
-            </a:r>
-            <a:endParaRPr lang="ru-RU" dirty="0"/>
-          </a:p>
-        </p:txBody>
-      </p:sp>
-      <p:sp>
-        <p:nvSpPr>
-          <p:cNvPr id="11" name="Скругленный прямоугольник 10"/>
-          <p:cNvSpPr/>
-          <p:nvPr/>
-        </p:nvSpPr>
-        <p:spPr>
-          <a:xfrm>
-            <a:off x="7110038" y="4270101"/>
-            <a:ext cx="1934307" cy="808892"/>
-          </a:xfrm>
-          <a:prstGeom prst="roundRect">
-            <a:avLst/>
-          </a:prstGeom>
-        </p:spPr>
-        <p:style>
-          <a:lnRef idx="2">
-            <a:schemeClr val="accent6"/>
-          </a:lnRef>
-          <a:fillRef idx="1">
-            <a:schemeClr val="lt1"/>
-          </a:fillRef>
-          <a:effectRef idx="0">
-            <a:schemeClr val="accent6"/>
-          </a:effectRef>
-          <a:fontRef idx="minor">
-            <a:schemeClr val="dk1"/>
-          </a:fontRef>
-        </p:style>
-        <p:txBody>
-          <a:bodyPr rtlCol="0" anchor="ctr"/>
-          <a:lstStyle/>
-          <a:p>
-            <a:pPr algn="ctr"/>
-            <a:r>
-              <a:rPr lang="ru-RU" dirty="0" smtClean="0"/>
-              <a:t>Дизайнер</a:t>
-            </a:r>
-            <a:endParaRPr lang="ru-RU" dirty="0"/>
-          </a:p>
-        </p:txBody>
-      </p:sp>
-      <p:cxnSp>
-        <p:nvCxnSpPr>
-          <p:cNvPr id="13" name="Прямая со стрелкой 12"/>
-          <p:cNvCxnSpPr>
-            <a:stCxn id="5" idx="2"/>
-            <a:endCxn id="6" idx="3"/>
-          </p:cNvCxnSpPr>
-          <p:nvPr/>
-        </p:nvCxnSpPr>
-        <p:spPr>
-          <a:xfrm flipH="1">
-            <a:off x="3100753" y="2466975"/>
-            <a:ext cx="2995247" cy="1152098"/>
-          </a:xfrm>
-          <a:prstGeom prst="straightConnector1">
-            <a:avLst/>
-          </a:prstGeom>
-          <a:ln>
-            <a:tailEnd type="triangle"/>
-          </a:ln>
-        </p:spPr>
-        <p:style>
-          <a:lnRef idx="1">
-            <a:schemeClr val="accent1"/>
-          </a:lnRef>
-          <a:fillRef idx="0">
-            <a:schemeClr val="accent1"/>
-          </a:fillRef>
-          <a:effectRef idx="0">
-            <a:schemeClr val="accent1"/>
-          </a:effectRef>
-          <a:fontRef idx="minor">
-            <a:schemeClr val="tx1"/>
-          </a:fontRef>
-        </p:style>
-      </p:cxnSp>
-      <p:cxnSp>
-        <p:nvCxnSpPr>
-          <p:cNvPr id="15" name="Прямая со стрелкой 14"/>
-          <p:cNvCxnSpPr>
-            <a:stCxn id="5" idx="2"/>
-            <a:endCxn id="7" idx="3"/>
-          </p:cNvCxnSpPr>
-          <p:nvPr/>
-        </p:nvCxnSpPr>
-        <p:spPr>
-          <a:xfrm flipH="1">
-            <a:off x="3100753" y="2466975"/>
-            <a:ext cx="2995247" cy="2175362"/>
-          </a:xfrm>
-          <a:prstGeom prst="straightConnector1">
-            <a:avLst/>
-          </a:prstGeom>
-          <a:ln>
-            <a:tailEnd type="triangle"/>
-          </a:ln>
-        </p:spPr>
-        <p:style>
-          <a:lnRef idx="1">
-            <a:schemeClr val="accent1"/>
-          </a:lnRef>
-          <a:fillRef idx="0">
-            <a:schemeClr val="accent1"/>
-          </a:fillRef>
-          <a:effectRef idx="0">
-            <a:schemeClr val="accent1"/>
-          </a:effectRef>
-          <a:fontRef idx="minor">
-            <a:schemeClr val="tx1"/>
-          </a:fontRef>
-        </p:style>
-      </p:cxnSp>
-      <p:cxnSp>
-        <p:nvCxnSpPr>
-          <p:cNvPr id="19" name="Прямая со стрелкой 18"/>
-          <p:cNvCxnSpPr>
-            <a:stCxn id="5" idx="2"/>
-            <a:endCxn id="8" idx="0"/>
-          </p:cNvCxnSpPr>
-          <p:nvPr/>
-        </p:nvCxnSpPr>
-        <p:spPr>
-          <a:xfrm flipH="1">
-            <a:off x="5181591" y="2466975"/>
-            <a:ext cx="914409" cy="1790973"/>
-          </a:xfrm>
-          <a:prstGeom prst="straightConnector1">
-            <a:avLst/>
-          </a:prstGeom>
-          <a:ln>
-            <a:tailEnd type="triangle"/>
-          </a:ln>
-        </p:spPr>
-        <p:style>
-          <a:lnRef idx="1">
-            <a:schemeClr val="accent1"/>
-          </a:lnRef>
-          <a:fillRef idx="0">
-            <a:schemeClr val="accent1"/>
-          </a:fillRef>
-          <a:effectRef idx="0">
-            <a:schemeClr val="accent1"/>
-          </a:effectRef>
-          <a:fontRef idx="minor">
-            <a:schemeClr val="tx1"/>
-          </a:fontRef>
-        </p:style>
-      </p:cxnSp>
-      <p:cxnSp>
-        <p:nvCxnSpPr>
-          <p:cNvPr id="21" name="Прямая со стрелкой 20"/>
-          <p:cNvCxnSpPr>
-            <a:stCxn id="5" idx="2"/>
-            <a:endCxn id="11" idx="0"/>
-          </p:cNvCxnSpPr>
-          <p:nvPr/>
-        </p:nvCxnSpPr>
-        <p:spPr>
-          <a:xfrm>
-            <a:off x="6096000" y="2466975"/>
-            <a:ext cx="1981192" cy="1803126"/>
-          </a:xfrm>
-          <a:prstGeom prst="straightConnector1">
-            <a:avLst/>
-          </a:prstGeom>
-          <a:ln>
-            <a:tailEnd type="triangle"/>
-          </a:ln>
-        </p:spPr>
-        <p:style>
-          <a:lnRef idx="1">
-            <a:schemeClr val="accent1"/>
-          </a:lnRef>
-          <a:fillRef idx="0">
-            <a:schemeClr val="accent1"/>
-          </a:fillRef>
-          <a:effectRef idx="0">
-            <a:schemeClr val="accent1"/>
-          </a:effectRef>
-          <a:fontRef idx="minor">
-            <a:schemeClr val="tx1"/>
-          </a:fontRef>
-        </p:style>
-      </p:cxnSp>
-      <p:cxnSp>
-        <p:nvCxnSpPr>
-          <p:cNvPr id="23" name="Прямая со стрелкой 22"/>
-          <p:cNvCxnSpPr>
-            <a:stCxn id="5" idx="2"/>
-            <a:endCxn id="9" idx="0"/>
-          </p:cNvCxnSpPr>
-          <p:nvPr/>
-        </p:nvCxnSpPr>
-        <p:spPr>
-          <a:xfrm>
-            <a:off x="6096000" y="2466975"/>
-            <a:ext cx="509945" cy="2907825"/>
-          </a:xfrm>
-          <a:prstGeom prst="straightConnector1">
-            <a:avLst/>
-          </a:prstGeom>
-          <a:ln>
-            <a:tailEnd type="triangle"/>
-          </a:ln>
-        </p:spPr>
-        <p:style>
-          <a:lnRef idx="1">
-            <a:schemeClr val="accent1"/>
-          </a:lnRef>
-          <a:fillRef idx="0">
-            <a:schemeClr val="accent1"/>
-          </a:fillRef>
-          <a:effectRef idx="0">
-            <a:schemeClr val="accent1"/>
-          </a:effectRef>
-          <a:fontRef idx="minor">
-            <a:schemeClr val="tx1"/>
-          </a:fontRef>
-        </p:style>
-      </p:cxnSp>
-      <p:cxnSp>
-        <p:nvCxnSpPr>
-          <p:cNvPr id="27" name="Прямая со стрелкой 26"/>
-          <p:cNvCxnSpPr>
-            <a:stCxn id="5" idx="2"/>
-            <a:endCxn id="10" idx="0"/>
-          </p:cNvCxnSpPr>
-          <p:nvPr/>
-        </p:nvCxnSpPr>
-        <p:spPr>
-          <a:xfrm>
-            <a:off x="6096000" y="2466975"/>
-            <a:ext cx="4290647" cy="747652"/>
-          </a:xfrm>
-          <a:prstGeom prst="straightConnector1">
-            <a:avLst/>
-          </a:prstGeom>
-          <a:ln>
-            <a:tailEnd type="triangle"/>
-          </a:ln>
-        </p:spPr>
-        <p:style>
-          <a:lnRef idx="1">
-            <a:schemeClr val="accent1"/>
-          </a:lnRef>
-          <a:fillRef idx="0">
-            <a:schemeClr val="accent1"/>
-          </a:fillRef>
-          <a:effectRef idx="0">
-            <a:schemeClr val="accent1"/>
-          </a:effectRef>
-          <a:fontRef idx="minor">
-            <a:schemeClr val="tx1"/>
-          </a:fontRef>
-        </p:style>
-      </p:cxnSp>
+        <p:txBody>
+          <a:bodyPr wrap="square">
+            <a:spAutoFit/>
+          </a:bodyPr>
+          <a:lstStyle/>
+          <a:p>
+            <a:r>
+              <a:rPr lang="ru-RU" sz="4400" dirty="0" smtClean="0">
+                <a:latin typeface="Lato" panose="020F0502020204030203" pitchFamily="34" charset="0"/>
+                <a:cs typeface="Lato" panose="020F0502020204030203" pitchFamily="34" charset="0"/>
+              </a:rPr>
+              <a:t>Модель данных</a:t>
+            </a:r>
+            <a:endParaRPr lang="ru-RU" sz="4400" dirty="0"/>
+          </a:p>
+        </p:txBody>
+      </p:sp>
     </p:spTree>
     <p:extLst>
       <p:ext uri="{BB962C8B-B14F-4D97-AF65-F5344CB8AC3E}">
-        <p14:creationId xmlns:p14="http://schemas.microsoft.com/office/powerpoint/2010/main" val="2082155543"/>
+        <p14:creationId xmlns:p14="http://schemas.microsoft.com/office/powerpoint/2010/main" val="2155805806"/>
       </p:ext>
     </p:extLst>
   </p:cSld>
@@ -8251,103 +8398,40 @@
           <a:chExt cx="0" cy="0"/>
         </a:xfrm>
       </p:grpSpPr>
-      <p:pic>
-        <p:nvPicPr>
-          <p:cNvPr id="4" name="Рисунок 3"/>
-          <p:cNvPicPr/>
-          <p:nvPr/>
-        </p:nvPicPr>
-        <p:blipFill>
-          <a:blip r:embed="rId3">
-            <a:extLst>
-              <a:ext uri="{28A0092B-C50C-407E-A947-70E740481C1C}">
-                <a14:useLocalDpi xmlns:a14="http://schemas.microsoft.com/office/drawing/2010/main" val="0"/>
-              </a:ext>
-            </a:extLst>
-          </a:blip>
-          <a:srcRect/>
-          <a:stretch>
-            <a:fillRect/>
-          </a:stretch>
-        </p:blipFill>
-        <p:spPr bwMode="auto">
-          <a:xfrm>
-            <a:off x="3241766" y="866161"/>
-            <a:ext cx="5368834" cy="5546453"/>
-          </a:xfrm>
-          <a:prstGeom prst="rect">
-            <a:avLst/>
-          </a:prstGeom>
-          <a:noFill/>
-          <a:ln>
-            <a:noFill/>
-          </a:ln>
-        </p:spPr>
-      </p:pic>
-      <p:sp>
-        <p:nvSpPr>
-          <p:cNvPr id="5" name="Прямоугольник 4"/>
-          <p:cNvSpPr/>
-          <p:nvPr/>
+      <p:sp>
+        <p:nvSpPr>
+          <p:cNvPr id="2" name="Заголовок 1"/>
+          <p:cNvSpPr>
+            <a:spLocks noGrp="1"/>
+          </p:cNvSpPr>
+          <p:nvPr>
+            <p:ph type="title"/>
+          </p:nvPr>
         </p:nvSpPr>
         <p:spPr>
           <a:xfrm>
-            <a:off x="466725" y="96720"/>
-            <a:ext cx="11068050" cy="769441"/>
-          </a:xfrm>
-          <a:prstGeom prst="rect">
-            <a:avLst/>
-          </a:prstGeom>
-        </p:spPr>
-        <p:txBody>
-          <a:bodyPr wrap="square">
-            <a:spAutoFit/>
-          </a:bodyPr>
+            <a:off x="838200" y="0"/>
+            <a:ext cx="10515600" cy="1325563"/>
+          </a:xfrm>
+        </p:spPr>
+        <p:txBody>
+          <a:bodyPr/>
           <a:lstStyle/>
           <a:p>
             <a:pPr algn="ctr"/>
             <a:r>
-              <a:rPr lang="ru-RU" sz="4400" dirty="0">
+              <a:rPr lang="ru-RU" dirty="0">
                 <a:latin typeface="Lato" panose="020F0502020204030203" pitchFamily="34" charset="0"/>
                 <a:cs typeface="Lato" panose="020F0502020204030203" pitchFamily="34" charset="0"/>
               </a:rPr>
-              <a:t>Табличное </a:t>
-            </a:r>
-            <a:r>
-              <a:rPr lang="ru-RU" sz="4400" dirty="0" smtClean="0">
-                <a:latin typeface="Lato" panose="020F0502020204030203" pitchFamily="34" charset="0"/>
-                <a:cs typeface="Lato" panose="020F0502020204030203" pitchFamily="34" charset="0"/>
-              </a:rPr>
-              <a:t>представление</a:t>
-            </a:r>
-            <a:r>
-              <a:rPr lang="en-US" sz="4400" dirty="0" smtClean="0">
-                <a:latin typeface="Lato" panose="020F0502020204030203" pitchFamily="34" charset="0"/>
-                <a:cs typeface="Lato" panose="020F0502020204030203" pitchFamily="34" charset="0"/>
-              </a:rPr>
-              <a:t> </a:t>
-            </a:r>
-            <a:r>
-              <a:rPr lang="ru-RU" sz="4400" dirty="0" smtClean="0">
-                <a:latin typeface="Lato" panose="020F0502020204030203" pitchFamily="34" charset="0"/>
-                <a:cs typeface="Lato" panose="020F0502020204030203" pitchFamily="34" charset="0"/>
-              </a:rPr>
-              <a:t>диаграммы </a:t>
-            </a:r>
-            <a:r>
-              <a:rPr lang="ru-RU" sz="4400" dirty="0" err="1">
-                <a:latin typeface="Lato" panose="020F0502020204030203" pitchFamily="34" charset="0"/>
-                <a:cs typeface="Lato" panose="020F0502020204030203" pitchFamily="34" charset="0"/>
-              </a:rPr>
-              <a:t>Ганта</a:t>
-            </a:r>
-            <a:endParaRPr lang="ru-RU" sz="4400" dirty="0"/>
-          </a:p>
-        </p:txBody>
-      </p:sp>
-      <p:sp>
-        <p:nvSpPr>
-          <p:cNvPr id="2" name="Номер слайда 1"/>
+              <a:t>Диаграмма вариантов использования</a:t>
+            </a:r>
+          </a:p>
+        </p:txBody>
+      </p:sp>
+      <p:sp>
+        <p:nvSpPr>
+          <p:cNvPr id="3" name="Номер слайда 2"/>
           <p:cNvSpPr>
             <a:spLocks noGrp="1"/>
           </p:cNvSpPr>
@@ -8355,7 +8439,12 @@
             <p:ph type="sldNum" sz="quarter" idx="12"/>
           </p:nvPr>
         </p:nvSpPr>
-        <p:spPr/>
+        <p:spPr>
+          <a:xfrm>
+            <a:off x="9146177" y="6289674"/>
+            <a:ext cx="2743200" cy="365125"/>
+          </a:xfrm>
+        </p:spPr>
         <p:txBody>
           <a:bodyPr/>
           <a:lstStyle/>
@@ -8380,10 +8469,32 @@
           </a:p>
         </p:txBody>
       </p:sp>
+      <p:pic>
+        <p:nvPicPr>
+          <p:cNvPr id="5" name="Рисунок 4"/>
+          <p:cNvPicPr/>
+          <p:nvPr/>
+        </p:nvPicPr>
+        <p:blipFill>
+          <a:blip r:embed="rId3"/>
+          <a:stretch>
+            <a:fillRect/>
+          </a:stretch>
+        </p:blipFill>
+        <p:spPr>
+          <a:xfrm>
+            <a:off x="2073910" y="1061085"/>
+            <a:ext cx="8044180" cy="5307330"/>
+          </a:xfrm>
+          <a:prstGeom prst="rect">
+            <a:avLst/>
+          </a:prstGeom>
+        </p:spPr>
+      </p:pic>
     </p:spTree>
     <p:extLst>
       <p:ext uri="{BB962C8B-B14F-4D97-AF65-F5344CB8AC3E}">
-        <p14:creationId xmlns:p14="http://schemas.microsoft.com/office/powerpoint/2010/main" val="3161935870"/>
+        <p14:creationId xmlns:p14="http://schemas.microsoft.com/office/powerpoint/2010/main" val="1787754788"/>
       </p:ext>
     </p:extLst>
   </p:cSld>

--- a/Презентация/Сухарев. ВКР.pptx
+++ b/Презентация/Сухарев. ВКР.pptx
@@ -371,7 +371,7 @@
           <a:p>
             <a:fld id="{A0B05A8C-8C1B-4C2F-A402-21DEAE3D6844}" type="datetimeFigureOut">
               <a:rPr lang="ru-RU" smtClean="0"/>
-              <a:t>18.06.2021</a:t>
+              <a:t>19.06.2021</a:t>
             </a:fld>
             <a:endParaRPr lang="ru-RU"/>
           </a:p>
@@ -2166,7 +2166,7 @@
           <a:p>
             <a:fld id="{DE51860D-39D6-4BDE-91B9-E38B08A0C4E6}" type="datetime1">
               <a:rPr lang="ru-RU" smtClean="0"/>
-              <a:t>18.06.2021</a:t>
+              <a:t>19.06.2021</a:t>
             </a:fld>
             <a:endParaRPr lang="ru-RU"/>
           </a:p>
@@ -2334,7 +2334,7 @@
           <a:p>
             <a:fld id="{05B7C9CF-2BB3-4490-9513-A5AB863A3A38}" type="datetime1">
               <a:rPr lang="ru-RU" smtClean="0"/>
-              <a:t>18.06.2021</a:t>
+              <a:t>19.06.2021</a:t>
             </a:fld>
             <a:endParaRPr lang="ru-RU"/>
           </a:p>
@@ -2512,7 +2512,7 @@
           <a:p>
             <a:fld id="{FFF3F56E-2CBE-425D-8373-B91AF1E5C7E7}" type="datetime1">
               <a:rPr lang="ru-RU" smtClean="0"/>
-              <a:t>18.06.2021</a:t>
+              <a:t>19.06.2021</a:t>
             </a:fld>
             <a:endParaRPr lang="ru-RU"/>
           </a:p>
@@ -2680,7 +2680,7 @@
           <a:p>
             <a:fld id="{D2A049A9-977A-43CD-A59D-C38B1184DFE7}" type="datetime1">
               <a:rPr lang="ru-RU" smtClean="0"/>
-              <a:t>18.06.2021</a:t>
+              <a:t>19.06.2021</a:t>
             </a:fld>
             <a:endParaRPr lang="ru-RU"/>
           </a:p>
@@ -2925,7 +2925,7 @@
           <a:p>
             <a:fld id="{C8F61970-F9CB-4138-9D72-3A00CBC3131C}" type="datetime1">
               <a:rPr lang="ru-RU" smtClean="0"/>
-              <a:t>18.06.2021</a:t>
+              <a:t>19.06.2021</a:t>
             </a:fld>
             <a:endParaRPr lang="ru-RU"/>
           </a:p>
@@ -3154,7 +3154,7 @@
           <a:p>
             <a:fld id="{7AD19CB9-8A75-453F-868A-1D8C5136A18C}" type="datetime1">
               <a:rPr lang="ru-RU" smtClean="0"/>
-              <a:t>18.06.2021</a:t>
+              <a:t>19.06.2021</a:t>
             </a:fld>
             <a:endParaRPr lang="ru-RU"/>
           </a:p>
@@ -3518,7 +3518,7 @@
           <a:p>
             <a:fld id="{92BCA8C9-76EA-4734-AEF9-BEF4AB8601D4}" type="datetime1">
               <a:rPr lang="ru-RU" smtClean="0"/>
-              <a:t>18.06.2021</a:t>
+              <a:t>19.06.2021</a:t>
             </a:fld>
             <a:endParaRPr lang="ru-RU"/>
           </a:p>
@@ -3635,7 +3635,7 @@
           <a:p>
             <a:fld id="{DAF02E88-E92B-485F-9F32-1C5CA4B16DC1}" type="datetime1">
               <a:rPr lang="ru-RU" smtClean="0"/>
-              <a:t>18.06.2021</a:t>
+              <a:t>19.06.2021</a:t>
             </a:fld>
             <a:endParaRPr lang="ru-RU"/>
           </a:p>
@@ -3730,7 +3730,7 @@
           <a:p>
             <a:fld id="{D1ED90BA-54F1-45E0-82D9-41456BE83BB0}" type="datetime1">
               <a:rPr lang="ru-RU" smtClean="0"/>
-              <a:t>18.06.2021</a:t>
+              <a:t>19.06.2021</a:t>
             </a:fld>
             <a:endParaRPr lang="ru-RU"/>
           </a:p>
@@ -4005,7 +4005,7 @@
           <a:p>
             <a:fld id="{ED052217-BF0E-4209-8681-9B9CB3C5474C}" type="datetime1">
               <a:rPr lang="ru-RU" smtClean="0"/>
-              <a:t>18.06.2021</a:t>
+              <a:t>19.06.2021</a:t>
             </a:fld>
             <a:endParaRPr lang="ru-RU"/>
           </a:p>
@@ -4257,7 +4257,7 @@
           <a:p>
             <a:fld id="{AEA1D84B-839E-4C02-9CED-F26CE3CF0733}" type="datetime1">
               <a:rPr lang="ru-RU" smtClean="0"/>
-              <a:t>18.06.2021</a:t>
+              <a:t>19.06.2021</a:t>
             </a:fld>
             <a:endParaRPr lang="ru-RU"/>
           </a:p>
@@ -4471,7 +4471,7 @@
           <a:p>
             <a:fld id="{D0D2967E-BDBA-485D-95AE-368FF1915310}" type="datetime1">
               <a:rPr lang="ru-RU" smtClean="0"/>
-              <a:t>18.06.2021</a:t>
+              <a:t>19.06.2021</a:t>
             </a:fld>
             <a:endParaRPr lang="ru-RU"/>
           </a:p>
@@ -5057,7 +5057,7 @@
         <p:spPr>
           <a:xfrm>
             <a:off x="1371599" y="19050"/>
-            <a:ext cx="9134475" cy="1325563"/>
+            <a:ext cx="10249383" cy="1325563"/>
           </a:xfrm>
         </p:spPr>
         <p:txBody>
@@ -5205,8 +5205,8 @@
         </p:nvSpPr>
         <p:spPr>
           <a:xfrm>
-            <a:off x="1357448" y="28575"/>
-            <a:ext cx="9368971" cy="1325563"/>
+            <a:off x="1357447" y="28575"/>
+            <a:ext cx="10309833" cy="1325563"/>
           </a:xfrm>
         </p:spPr>
         <p:txBody>
@@ -6376,8 +6376,8 @@
         </p:nvSpPr>
         <p:spPr>
           <a:xfrm>
-            <a:off x="466725" y="96720"/>
-            <a:ext cx="11068050" cy="769441"/>
+            <a:off x="177358" y="96720"/>
+            <a:ext cx="11906612" cy="769441"/>
           </a:xfrm>
           <a:prstGeom prst="rect">
             <a:avLst/>
@@ -7319,7 +7319,23 @@
             </a:pPr>
             <a:r>
               <a:rPr lang="ru-RU" dirty="0"/>
-              <a:t>анализ процесса отправки электронного письма;</a:t>
+              <a:t>анализ </a:t>
+            </a:r>
+            <a:r>
+              <a:rPr lang="ru-RU" dirty="0" smtClean="0"/>
+              <a:t>процессов </a:t>
+            </a:r>
+            <a:r>
+              <a:rPr lang="ru-RU" dirty="0"/>
+              <a:t>отправки </a:t>
+            </a:r>
+            <a:r>
+              <a:rPr lang="ru-RU" dirty="0" smtClean="0"/>
+              <a:t>и доставки электронного </a:t>
+            </a:r>
+            <a:r>
+              <a:rPr lang="ru-RU" dirty="0"/>
+              <a:t>письма;</a:t>
             </a:r>
           </a:p>
           <a:p>
@@ -7393,12 +7409,8 @@
               <a:t>и </a:t>
             </a:r>
             <a:r>
-              <a:rPr lang="ru-RU" dirty="0" err="1" smtClean="0"/>
-              <a:t>отладкаразработанного</a:t>
-            </a:r>
-            <a:r>
               <a:rPr lang="ru-RU" dirty="0" smtClean="0"/>
-              <a:t> </a:t>
+              <a:t>отладка разработанного </a:t>
             </a:r>
             <a:r>
               <a:rPr lang="ru-RU" dirty="0"/>
@@ -8337,8 +8349,8 @@
         </p:nvSpPr>
         <p:spPr>
           <a:xfrm>
-            <a:off x="4044428" y="-2700"/>
-            <a:ext cx="4033478" cy="769441"/>
+            <a:off x="3917107" y="16895"/>
+            <a:ext cx="4995400" cy="769441"/>
           </a:xfrm>
           <a:prstGeom prst="rect">
             <a:avLst/>

--- a/Презентация/Сухарев. ВКР.pptx
+++ b/Презентация/Сухарев. ВКР.pptx
@@ -7406,11 +7406,7 @@
             </a:r>
             <a:r>
               <a:rPr lang="ru-RU" dirty="0" smtClean="0"/>
-              <a:t>и </a:t>
-            </a:r>
-            <a:r>
-              <a:rPr lang="ru-RU" dirty="0" smtClean="0"/>
-              <a:t>отладка разработанного </a:t>
+              <a:t>и отладка разработанного </a:t>
             </a:r>
             <a:r>
               <a:rPr lang="ru-RU" dirty="0"/>

--- a/Презентация/Сухарев. ВКР.pptx
+++ b/Презентация/Сухарев. ВКР.pptx
@@ -371,7 +371,7 @@
           <a:p>
             <a:fld id="{A0B05A8C-8C1B-4C2F-A402-21DEAE3D6844}" type="datetimeFigureOut">
               <a:rPr lang="ru-RU" smtClean="0"/>
-              <a:t>19.06.2021</a:t>
+              <a:t>20.06.2021</a:t>
             </a:fld>
             <a:endParaRPr lang="ru-RU"/>
           </a:p>
@@ -2166,7 +2166,7 @@
           <a:p>
             <a:fld id="{DE51860D-39D6-4BDE-91B9-E38B08A0C4E6}" type="datetime1">
               <a:rPr lang="ru-RU" smtClean="0"/>
-              <a:t>19.06.2021</a:t>
+              <a:t>20.06.2021</a:t>
             </a:fld>
             <a:endParaRPr lang="ru-RU"/>
           </a:p>
@@ -2334,7 +2334,7 @@
           <a:p>
             <a:fld id="{05B7C9CF-2BB3-4490-9513-A5AB863A3A38}" type="datetime1">
               <a:rPr lang="ru-RU" smtClean="0"/>
-              <a:t>19.06.2021</a:t>
+              <a:t>20.06.2021</a:t>
             </a:fld>
             <a:endParaRPr lang="ru-RU"/>
           </a:p>
@@ -2512,7 +2512,7 @@
           <a:p>
             <a:fld id="{FFF3F56E-2CBE-425D-8373-B91AF1E5C7E7}" type="datetime1">
               <a:rPr lang="ru-RU" smtClean="0"/>
-              <a:t>19.06.2021</a:t>
+              <a:t>20.06.2021</a:t>
             </a:fld>
             <a:endParaRPr lang="ru-RU"/>
           </a:p>
@@ -2680,7 +2680,7 @@
           <a:p>
             <a:fld id="{D2A049A9-977A-43CD-A59D-C38B1184DFE7}" type="datetime1">
               <a:rPr lang="ru-RU" smtClean="0"/>
-              <a:t>19.06.2021</a:t>
+              <a:t>20.06.2021</a:t>
             </a:fld>
             <a:endParaRPr lang="ru-RU"/>
           </a:p>
@@ -2925,7 +2925,7 @@
           <a:p>
             <a:fld id="{C8F61970-F9CB-4138-9D72-3A00CBC3131C}" type="datetime1">
               <a:rPr lang="ru-RU" smtClean="0"/>
-              <a:t>19.06.2021</a:t>
+              <a:t>20.06.2021</a:t>
             </a:fld>
             <a:endParaRPr lang="ru-RU"/>
           </a:p>
@@ -3154,7 +3154,7 @@
           <a:p>
             <a:fld id="{7AD19CB9-8A75-453F-868A-1D8C5136A18C}" type="datetime1">
               <a:rPr lang="ru-RU" smtClean="0"/>
-              <a:t>19.06.2021</a:t>
+              <a:t>20.06.2021</a:t>
             </a:fld>
             <a:endParaRPr lang="ru-RU"/>
           </a:p>
@@ -3518,7 +3518,7 @@
           <a:p>
             <a:fld id="{92BCA8C9-76EA-4734-AEF9-BEF4AB8601D4}" type="datetime1">
               <a:rPr lang="ru-RU" smtClean="0"/>
-              <a:t>19.06.2021</a:t>
+              <a:t>20.06.2021</a:t>
             </a:fld>
             <a:endParaRPr lang="ru-RU"/>
           </a:p>
@@ -3635,7 +3635,7 @@
           <a:p>
             <a:fld id="{DAF02E88-E92B-485F-9F32-1C5CA4B16DC1}" type="datetime1">
               <a:rPr lang="ru-RU" smtClean="0"/>
-              <a:t>19.06.2021</a:t>
+              <a:t>20.06.2021</a:t>
             </a:fld>
             <a:endParaRPr lang="ru-RU"/>
           </a:p>
@@ -3730,7 +3730,7 @@
           <a:p>
             <a:fld id="{D1ED90BA-54F1-45E0-82D9-41456BE83BB0}" type="datetime1">
               <a:rPr lang="ru-RU" smtClean="0"/>
-              <a:t>19.06.2021</a:t>
+              <a:t>20.06.2021</a:t>
             </a:fld>
             <a:endParaRPr lang="ru-RU"/>
           </a:p>
@@ -4005,7 +4005,7 @@
           <a:p>
             <a:fld id="{ED052217-BF0E-4209-8681-9B9CB3C5474C}" type="datetime1">
               <a:rPr lang="ru-RU" smtClean="0"/>
-              <a:t>19.06.2021</a:t>
+              <a:t>20.06.2021</a:t>
             </a:fld>
             <a:endParaRPr lang="ru-RU"/>
           </a:p>
@@ -4257,7 +4257,7 @@
           <a:p>
             <a:fld id="{AEA1D84B-839E-4C02-9CED-F26CE3CF0733}" type="datetime1">
               <a:rPr lang="ru-RU" smtClean="0"/>
-              <a:t>19.06.2021</a:t>
+              <a:t>20.06.2021</a:t>
             </a:fld>
             <a:endParaRPr lang="ru-RU"/>
           </a:p>
@@ -4471,7 +4471,7 @@
           <a:p>
             <a:fld id="{D0D2967E-BDBA-485D-95AE-368FF1915310}" type="datetime1">
               <a:rPr lang="ru-RU" smtClean="0"/>
-              <a:t>19.06.2021</a:t>
+              <a:t>20.06.2021</a:t>
             </a:fld>
             <a:endParaRPr lang="ru-RU"/>
           </a:p>
@@ -6903,7 +6903,7 @@
             </a:r>
             <a:r>
               <a:rPr lang="ru-RU" dirty="0" smtClean="0"/>
-              <a:t>разработку</a:t>
+              <a:t>разработку от компании ООО «Максимум Веб»</a:t>
             </a:r>
             <a:endParaRPr lang="ru-RU" dirty="0"/>
           </a:p>
